--- a/grpcPrezentacja/gRPCwNET.pptx
+++ b/grpcPrezentacja/gRPCwNET.pptx
@@ -5,7 +5,7 @@
     <p:sldMasterId id="2147483660" r:id="rId1"/>
   </p:sldMasterIdLst>
   <p:notesMasterIdLst>
-    <p:notesMasterId r:id="rId44"/>
+    <p:notesMasterId r:id="rId45"/>
   </p:notesMasterIdLst>
   <p:sldIdLst>
     <p:sldId id="256" r:id="rId2"/>
@@ -42,14 +42,15 @@
     <p:sldId id="291" r:id="rId33"/>
     <p:sldId id="292" r:id="rId34"/>
     <p:sldId id="293" r:id="rId35"/>
-    <p:sldId id="294" r:id="rId36"/>
-    <p:sldId id="295" r:id="rId37"/>
-    <p:sldId id="296" r:id="rId38"/>
-    <p:sldId id="297" r:id="rId39"/>
-    <p:sldId id="298" r:id="rId40"/>
+    <p:sldId id="295" r:id="rId36"/>
+    <p:sldId id="296" r:id="rId37"/>
+    <p:sldId id="297" r:id="rId38"/>
+    <p:sldId id="298" r:id="rId39"/>
+    <p:sldId id="302" r:id="rId40"/>
     <p:sldId id="300" r:id="rId41"/>
     <p:sldId id="299" r:id="rId42"/>
-    <p:sldId id="259" r:id="rId43"/>
+    <p:sldId id="301" r:id="rId43"/>
+    <p:sldId id="259" r:id="rId44"/>
   </p:sldIdLst>
   <p:sldSz cx="12192000" cy="6858000"/>
   <p:notesSz cx="6858000" cy="9144000"/>
@@ -200,2811 +201,9 @@
 <file path=ppt/revisionInfo.xml><?xml version="1.0" encoding="utf-8"?>
 <p1510:revInfo xmlns:a="http://schemas.openxmlformats.org/drawingml/2006/main" xmlns:r="http://schemas.openxmlformats.org/officeDocument/2006/relationships" xmlns:p1510="http://schemas.microsoft.com/office/powerpoint/2015/10/main">
   <p1510:revLst>
-    <p1510:client id="{807A528E-B160-4BA0-8E24-88E9345CF608}" v="256" dt="2025-07-16T23:30:51.375"/>
+    <p1510:client id="{807A528E-B160-4BA0-8E24-88E9345CF608}" v="362" dt="2025-07-17T09:52:35.481"/>
   </p1510:revLst>
 </p1510:revInfo>
-</file>
-
-<file path=ppt/changesInfos/changesInfo1.xml><?xml version="1.0" encoding="utf-8"?>
-<pc:chgInfo xmlns:a="http://schemas.openxmlformats.org/drawingml/2006/main" xmlns:r="http://schemas.openxmlformats.org/officeDocument/2006/relationships" xmlns:ac="http://schemas.microsoft.com/office/drawing/2013/main/command" xmlns:pc="http://schemas.microsoft.com/office/powerpoint/2013/main/command">
-  <pc:docChgLst>
-    <pc:chgData name="Lukasz Glowinski" userId="67c5aaad7ecb09f5" providerId="LiveId" clId="{807A528E-B160-4BA0-8E24-88E9345CF608}"/>
-    <pc:docChg chg="undo redo custSel addSld delSld modSld sldOrd">
-      <pc:chgData name="Lukasz Glowinski" userId="67c5aaad7ecb09f5" providerId="LiveId" clId="{807A528E-B160-4BA0-8E24-88E9345CF608}" dt="2025-07-16T23:30:51.036" v="6447" actId="20577"/>
-      <pc:docMkLst>
-        <pc:docMk/>
-      </pc:docMkLst>
-      <pc:sldChg chg="modSp">
-        <pc:chgData name="Lukasz Glowinski" userId="67c5aaad7ecb09f5" providerId="LiveId" clId="{807A528E-B160-4BA0-8E24-88E9345CF608}" dt="2025-07-16T23:24:02.324" v="6402"/>
-        <pc:sldMkLst>
-          <pc:docMk/>
-          <pc:sldMk cId="608753512" sldId="256"/>
-        </pc:sldMkLst>
-        <pc:spChg chg="mod">
-          <ac:chgData name="Lukasz Glowinski" userId="67c5aaad7ecb09f5" providerId="LiveId" clId="{807A528E-B160-4BA0-8E24-88E9345CF608}" dt="2025-07-16T23:24:02.324" v="6402"/>
-          <ac:spMkLst>
-            <pc:docMk/>
-            <pc:sldMk cId="608753512" sldId="256"/>
-            <ac:spMk id="2" creationId="{CA0E3463-480E-C645-D79A-EB2648564882}"/>
-          </ac:spMkLst>
-        </pc:spChg>
-      </pc:sldChg>
-      <pc:sldChg chg="modSp">
-        <pc:chgData name="Lukasz Glowinski" userId="67c5aaad7ecb09f5" providerId="LiveId" clId="{807A528E-B160-4BA0-8E24-88E9345CF608}" dt="2025-07-16T23:24:02.324" v="6402"/>
-        <pc:sldMkLst>
-          <pc:docMk/>
-          <pc:sldMk cId="4071083713" sldId="257"/>
-        </pc:sldMkLst>
-        <pc:spChg chg="mod">
-          <ac:chgData name="Lukasz Glowinski" userId="67c5aaad7ecb09f5" providerId="LiveId" clId="{807A528E-B160-4BA0-8E24-88E9345CF608}" dt="2025-07-16T23:24:02.324" v="6402"/>
-          <ac:spMkLst>
-            <pc:docMk/>
-            <pc:sldMk cId="4071083713" sldId="257"/>
-            <ac:spMk id="2" creationId="{EDB131EF-8863-9DEF-65B5-AA84A93E0460}"/>
-          </ac:spMkLst>
-        </pc:spChg>
-      </pc:sldChg>
-      <pc:sldChg chg="addSp delSp modSp mod modAnim modNotesTx">
-        <pc:chgData name="Lukasz Glowinski" userId="67c5aaad7ecb09f5" providerId="LiveId" clId="{807A528E-B160-4BA0-8E24-88E9345CF608}" dt="2025-07-16T23:24:02.324" v="6402"/>
-        <pc:sldMkLst>
-          <pc:docMk/>
-          <pc:sldMk cId="2620128839" sldId="258"/>
-        </pc:sldMkLst>
-        <pc:spChg chg="mod">
-          <ac:chgData name="Lukasz Glowinski" userId="67c5aaad7ecb09f5" providerId="LiveId" clId="{807A528E-B160-4BA0-8E24-88E9345CF608}" dt="2025-07-16T23:24:02.324" v="6402"/>
-          <ac:spMkLst>
-            <pc:docMk/>
-            <pc:sldMk cId="2620128839" sldId="258"/>
-            <ac:spMk id="2" creationId="{5694ABE0-EE90-57CA-EE73-2A67D57B0457}"/>
-          </ac:spMkLst>
-        </pc:spChg>
-        <pc:spChg chg="del mod">
-          <ac:chgData name="Lukasz Glowinski" userId="67c5aaad7ecb09f5" providerId="LiveId" clId="{807A528E-B160-4BA0-8E24-88E9345CF608}" dt="2025-07-16T16:00:04.544" v="144" actId="478"/>
-          <ac:spMkLst>
-            <pc:docMk/>
-            <pc:sldMk cId="2620128839" sldId="258"/>
-            <ac:spMk id="7" creationId="{EEDA1FA2-DBDA-3F96-EE47-C476ADB28C15}"/>
-          </ac:spMkLst>
-        </pc:spChg>
-        <pc:spChg chg="add del mod">
-          <ac:chgData name="Lukasz Glowinski" userId="67c5aaad7ecb09f5" providerId="LiveId" clId="{807A528E-B160-4BA0-8E24-88E9345CF608}" dt="2025-07-16T16:04:05.666" v="206" actId="478"/>
-          <ac:spMkLst>
-            <pc:docMk/>
-            <pc:sldMk cId="2620128839" sldId="258"/>
-            <ac:spMk id="12" creationId="{530893F7-0127-7D15-DF1D-ADE629B66128}"/>
-          </ac:spMkLst>
-        </pc:spChg>
-        <pc:spChg chg="add mod">
-          <ac:chgData name="Lukasz Glowinski" userId="67c5aaad7ecb09f5" providerId="LiveId" clId="{807A528E-B160-4BA0-8E24-88E9345CF608}" dt="2025-07-16T16:06:06.219" v="244" actId="164"/>
-          <ac:spMkLst>
-            <pc:docMk/>
-            <pc:sldMk cId="2620128839" sldId="258"/>
-            <ac:spMk id="13" creationId="{D953D89F-31FF-07F9-5110-978ABC761845}"/>
-          </ac:spMkLst>
-        </pc:spChg>
-        <pc:spChg chg="add del mod">
-          <ac:chgData name="Lukasz Glowinski" userId="67c5aaad7ecb09f5" providerId="LiveId" clId="{807A528E-B160-4BA0-8E24-88E9345CF608}" dt="2025-07-16T16:04:02.951" v="205" actId="478"/>
-          <ac:spMkLst>
-            <pc:docMk/>
-            <pc:sldMk cId="2620128839" sldId="258"/>
-            <ac:spMk id="14" creationId="{2F8CFE60-E6A4-AF05-AD74-5C76386AFD7C}"/>
-          </ac:spMkLst>
-        </pc:spChg>
-        <pc:spChg chg="add mod">
-          <ac:chgData name="Lukasz Glowinski" userId="67c5aaad7ecb09f5" providerId="LiveId" clId="{807A528E-B160-4BA0-8E24-88E9345CF608}" dt="2025-07-16T16:06:24.272" v="251" actId="14100"/>
-          <ac:spMkLst>
-            <pc:docMk/>
-            <pc:sldMk cId="2620128839" sldId="258"/>
-            <ac:spMk id="17" creationId="{424CEB9B-C9B3-0726-DE5D-2C9138702A72}"/>
-          </ac:spMkLst>
-        </pc:spChg>
-        <pc:spChg chg="add mod">
-          <ac:chgData name="Lukasz Glowinski" userId="67c5aaad7ecb09f5" providerId="LiveId" clId="{807A528E-B160-4BA0-8E24-88E9345CF608}" dt="2025-07-16T16:14:27.663" v="467" actId="122"/>
-          <ac:spMkLst>
-            <pc:docMk/>
-            <pc:sldMk cId="2620128839" sldId="258"/>
-            <ac:spMk id="25" creationId="{2AAD24F1-24C0-086C-D389-5B0DB24A322C}"/>
-          </ac:spMkLst>
-        </pc:spChg>
-        <pc:spChg chg="add mod">
-          <ac:chgData name="Lukasz Glowinski" userId="67c5aaad7ecb09f5" providerId="LiveId" clId="{807A528E-B160-4BA0-8E24-88E9345CF608}" dt="2025-07-16T16:12:20.151" v="323" actId="1076"/>
-          <ac:spMkLst>
-            <pc:docMk/>
-            <pc:sldMk cId="2620128839" sldId="258"/>
-            <ac:spMk id="30" creationId="{50925717-661B-6259-87A5-72370AB7B304}"/>
-          </ac:spMkLst>
-        </pc:spChg>
-        <pc:spChg chg="add mod">
-          <ac:chgData name="Lukasz Glowinski" userId="67c5aaad7ecb09f5" providerId="LiveId" clId="{807A528E-B160-4BA0-8E24-88E9345CF608}" dt="2025-07-16T16:13:49.986" v="363" actId="122"/>
-          <ac:spMkLst>
-            <pc:docMk/>
-            <pc:sldMk cId="2620128839" sldId="258"/>
-            <ac:spMk id="31" creationId="{C37409ED-90D1-74D2-3C10-EEC0B7267F0C}"/>
-          </ac:spMkLst>
-        </pc:spChg>
-        <pc:spChg chg="add mod">
-          <ac:chgData name="Lukasz Glowinski" userId="67c5aaad7ecb09f5" providerId="LiveId" clId="{807A528E-B160-4BA0-8E24-88E9345CF608}" dt="2025-07-16T16:14:24.172" v="466" actId="122"/>
-          <ac:spMkLst>
-            <pc:docMk/>
-            <pc:sldMk cId="2620128839" sldId="258"/>
-            <ac:spMk id="34" creationId="{EBAADB53-4BD0-0BD3-421E-576338DDEB65}"/>
-          </ac:spMkLst>
-        </pc:spChg>
-        <pc:spChg chg="add mod">
-          <ac:chgData name="Lukasz Glowinski" userId="67c5aaad7ecb09f5" providerId="LiveId" clId="{807A528E-B160-4BA0-8E24-88E9345CF608}" dt="2025-07-16T16:14:13.580" v="446" actId="122"/>
-          <ac:spMkLst>
-            <pc:docMk/>
-            <pc:sldMk cId="2620128839" sldId="258"/>
-            <ac:spMk id="36" creationId="{608C52BA-3A5F-9D62-2916-E0CE242AC25E}"/>
-          </ac:spMkLst>
-        </pc:spChg>
-        <pc:grpChg chg="del">
-          <ac:chgData name="Lukasz Glowinski" userId="67c5aaad7ecb09f5" providerId="LiveId" clId="{807A528E-B160-4BA0-8E24-88E9345CF608}" dt="2025-07-16T16:00:00.339" v="142" actId="478"/>
-          <ac:grpSpMkLst>
-            <pc:docMk/>
-            <pc:sldMk cId="2620128839" sldId="258"/>
-            <ac:grpSpMk id="6" creationId="{CF194898-F25E-22CD-041E-4FB7E3BA3C07}"/>
-          </ac:grpSpMkLst>
-        </pc:grpChg>
-        <pc:grpChg chg="add mod">
-          <ac:chgData name="Lukasz Glowinski" userId="67c5aaad7ecb09f5" providerId="LiveId" clId="{807A528E-B160-4BA0-8E24-88E9345CF608}" dt="2025-07-16T16:06:06.219" v="244" actId="164"/>
-          <ac:grpSpMkLst>
-            <pc:docMk/>
-            <pc:sldMk cId="2620128839" sldId="258"/>
-            <ac:grpSpMk id="18" creationId="{6CFDF990-7E0D-5A4D-C17A-69A57674C81C}"/>
-          </ac:grpSpMkLst>
-        </pc:grpChg>
-        <pc:grpChg chg="add mod">
-          <ac:chgData name="Lukasz Glowinski" userId="67c5aaad7ecb09f5" providerId="LiveId" clId="{807A528E-B160-4BA0-8E24-88E9345CF608}" dt="2025-07-16T16:06:07.950" v="245" actId="164"/>
-          <ac:grpSpMkLst>
-            <pc:docMk/>
-            <pc:sldMk cId="2620128839" sldId="258"/>
-            <ac:grpSpMk id="19" creationId="{8D8EF1F3-D625-7BE1-6FE5-3BF11B39CE6B}"/>
-          </ac:grpSpMkLst>
-        </pc:grpChg>
-        <pc:grpChg chg="add del mod">
-          <ac:chgData name="Lukasz Glowinski" userId="67c5aaad7ecb09f5" providerId="LiveId" clId="{807A528E-B160-4BA0-8E24-88E9345CF608}" dt="2025-07-16T16:10:24.848" v="303" actId="478"/>
-          <ac:grpSpMkLst>
-            <pc:docMk/>
-            <pc:sldMk cId="2620128839" sldId="258"/>
-            <ac:grpSpMk id="20" creationId="{B2D69916-3726-C95E-97EF-868942A45799}"/>
-          </ac:grpSpMkLst>
-        </pc:grpChg>
-        <pc:grpChg chg="add mod">
-          <ac:chgData name="Lukasz Glowinski" userId="67c5aaad7ecb09f5" providerId="LiveId" clId="{807A528E-B160-4BA0-8E24-88E9345CF608}" dt="2025-07-16T16:11:43.875" v="317" actId="164"/>
-          <ac:grpSpMkLst>
-            <pc:docMk/>
-            <pc:sldMk cId="2620128839" sldId="258"/>
-            <ac:grpSpMk id="28" creationId="{980A8664-0CEB-E37C-C992-111994B5CFAE}"/>
-          </ac:grpSpMkLst>
-        </pc:grpChg>
-        <pc:grpChg chg="add mod">
-          <ac:chgData name="Lukasz Glowinski" userId="67c5aaad7ecb09f5" providerId="LiveId" clId="{807A528E-B160-4BA0-8E24-88E9345CF608}" dt="2025-07-16T17:54:24.765" v="1306" actId="12789"/>
-          <ac:grpSpMkLst>
-            <pc:docMk/>
-            <pc:sldMk cId="2620128839" sldId="258"/>
-            <ac:grpSpMk id="32" creationId="{87A3EE00-DEFA-BBB5-BF91-D187D71A21CE}"/>
-          </ac:grpSpMkLst>
-        </pc:grpChg>
-        <pc:grpChg chg="add mod">
-          <ac:chgData name="Lukasz Glowinski" userId="67c5aaad7ecb09f5" providerId="LiveId" clId="{807A528E-B160-4BA0-8E24-88E9345CF608}" dt="2025-07-16T17:54:27.667" v="1307" actId="408"/>
-          <ac:grpSpMkLst>
-            <pc:docMk/>
-            <pc:sldMk cId="2620128839" sldId="258"/>
-            <ac:grpSpMk id="33" creationId="{7A9545C7-F9F9-1052-806F-9A939D13162C}"/>
-          </ac:grpSpMkLst>
-        </pc:grpChg>
-        <pc:grpChg chg="add mod">
-          <ac:chgData name="Lukasz Glowinski" userId="67c5aaad7ecb09f5" providerId="LiveId" clId="{807A528E-B160-4BA0-8E24-88E9345CF608}" dt="2025-07-16T17:54:27.667" v="1307" actId="408"/>
-          <ac:grpSpMkLst>
-            <pc:docMk/>
-            <pc:sldMk cId="2620128839" sldId="258"/>
-            <ac:grpSpMk id="35" creationId="{D551BA0F-7F38-7096-505A-26F8C0E81B7B}"/>
-          </ac:grpSpMkLst>
-        </pc:grpChg>
-        <pc:grpChg chg="add mod">
-          <ac:chgData name="Lukasz Glowinski" userId="67c5aaad7ecb09f5" providerId="LiveId" clId="{807A528E-B160-4BA0-8E24-88E9345CF608}" dt="2025-07-16T17:54:24.765" v="1306" actId="12789"/>
-          <ac:grpSpMkLst>
-            <pc:docMk/>
-            <pc:sldMk cId="2620128839" sldId="258"/>
-            <ac:grpSpMk id="37" creationId="{DC0146FB-340E-6E24-2EDB-7B4810F1FC3E}"/>
-          </ac:grpSpMkLst>
-        </pc:grpChg>
-        <pc:picChg chg="add mod">
-          <ac:chgData name="Lukasz Glowinski" userId="67c5aaad7ecb09f5" providerId="LiveId" clId="{807A528E-B160-4BA0-8E24-88E9345CF608}" dt="2025-07-16T16:12:45.945" v="326" actId="164"/>
-          <ac:picMkLst>
-            <pc:docMk/>
-            <pc:sldMk cId="2620128839" sldId="258"/>
-            <ac:picMk id="9" creationId="{D8560EBA-5902-5FE6-B592-D5B657ADD973}"/>
-          </ac:picMkLst>
-        </pc:picChg>
-        <pc:picChg chg="add mod">
-          <ac:chgData name="Lukasz Glowinski" userId="67c5aaad7ecb09f5" providerId="LiveId" clId="{807A528E-B160-4BA0-8E24-88E9345CF608}" dt="2025-07-16T16:06:03.893" v="243" actId="164"/>
-          <ac:picMkLst>
-            <pc:docMk/>
-            <pc:sldMk cId="2620128839" sldId="258"/>
-            <ac:picMk id="11" creationId="{72697929-5BF0-9031-B887-933EF9BCDB16}"/>
-          </ac:picMkLst>
-        </pc:picChg>
-        <pc:picChg chg="add mod">
-          <ac:chgData name="Lukasz Glowinski" userId="67c5aaad7ecb09f5" providerId="LiveId" clId="{807A528E-B160-4BA0-8E24-88E9345CF608}" dt="2025-07-16T16:06:07.950" v="245" actId="164"/>
-          <ac:picMkLst>
-            <pc:docMk/>
-            <pc:sldMk cId="2620128839" sldId="258"/>
-            <ac:picMk id="16" creationId="{26302A15-853D-F42E-0DD9-69841D552B68}"/>
-          </ac:picMkLst>
-        </pc:picChg>
-        <pc:picChg chg="add mod">
-          <ac:chgData name="Lukasz Glowinski" userId="67c5aaad7ecb09f5" providerId="LiveId" clId="{807A528E-B160-4BA0-8E24-88E9345CF608}" dt="2025-07-16T16:13:15.165" v="331" actId="164"/>
-          <ac:picMkLst>
-            <pc:docMk/>
-            <pc:sldMk cId="2620128839" sldId="258"/>
-            <ac:picMk id="22" creationId="{9B46BDE3-A4FD-B2B6-D22C-05BFFD201523}"/>
-          </ac:picMkLst>
-        </pc:picChg>
-        <pc:picChg chg="add mod">
-          <ac:chgData name="Lukasz Glowinski" userId="67c5aaad7ecb09f5" providerId="LiveId" clId="{807A528E-B160-4BA0-8E24-88E9345CF608}" dt="2025-07-16T16:13:40.253" v="337" actId="164"/>
-          <ac:picMkLst>
-            <pc:docMk/>
-            <pc:sldMk cId="2620128839" sldId="258"/>
-            <ac:picMk id="24" creationId="{F1B9406E-6C5D-A501-FAD3-BC5F7296AFF2}"/>
-          </ac:picMkLst>
-        </pc:picChg>
-        <pc:picChg chg="add del mod">
-          <ac:chgData name="Lukasz Glowinski" userId="67c5aaad7ecb09f5" providerId="LiveId" clId="{807A528E-B160-4BA0-8E24-88E9345CF608}" dt="2025-07-16T16:16:24.972" v="481" actId="478"/>
-          <ac:picMkLst>
-            <pc:docMk/>
-            <pc:sldMk cId="2620128839" sldId="258"/>
-            <ac:picMk id="27" creationId="{E4666381-DE7B-AE80-8F90-CD5A1101120C}"/>
-          </ac:picMkLst>
-        </pc:picChg>
-        <pc:picChg chg="add mod">
-          <ac:chgData name="Lukasz Glowinski" userId="67c5aaad7ecb09f5" providerId="LiveId" clId="{807A528E-B160-4BA0-8E24-88E9345CF608}" dt="2025-07-16T16:12:47.902" v="327" actId="164"/>
-          <ac:picMkLst>
-            <pc:docMk/>
-            <pc:sldMk cId="2620128839" sldId="258"/>
-            <ac:picMk id="29" creationId="{812E7311-D016-4F9A-F08C-4C230F4785DA}"/>
-          </ac:picMkLst>
-        </pc:picChg>
-      </pc:sldChg>
-      <pc:sldChg chg="modSp">
-        <pc:chgData name="Lukasz Glowinski" userId="67c5aaad7ecb09f5" providerId="LiveId" clId="{807A528E-B160-4BA0-8E24-88E9345CF608}" dt="2025-07-16T23:24:02.324" v="6402"/>
-        <pc:sldMkLst>
-          <pc:docMk/>
-          <pc:sldMk cId="1668667098" sldId="259"/>
-        </pc:sldMkLst>
-        <pc:spChg chg="mod">
-          <ac:chgData name="Lukasz Glowinski" userId="67c5aaad7ecb09f5" providerId="LiveId" clId="{807A528E-B160-4BA0-8E24-88E9345CF608}" dt="2025-07-16T23:24:02.324" v="6402"/>
-          <ac:spMkLst>
-            <pc:docMk/>
-            <pc:sldMk cId="1668667098" sldId="259"/>
-            <ac:spMk id="2" creationId="{8C8AC9CB-DB8B-97F4-7D43-7F6CE5DA2627}"/>
-          </ac:spMkLst>
-        </pc:spChg>
-      </pc:sldChg>
-      <pc:sldChg chg="delSp modSp add del mod delAnim modAnim">
-        <pc:chgData name="Lukasz Glowinski" userId="67c5aaad7ecb09f5" providerId="LiveId" clId="{807A528E-B160-4BA0-8E24-88E9345CF608}" dt="2025-07-16T16:17:27.386" v="491" actId="47"/>
-        <pc:sldMkLst>
-          <pc:docMk/>
-          <pc:sldMk cId="54354277" sldId="260"/>
-        </pc:sldMkLst>
-        <pc:spChg chg="mod">
-          <ac:chgData name="Lukasz Glowinski" userId="67c5aaad7ecb09f5" providerId="LiveId" clId="{807A528E-B160-4BA0-8E24-88E9345CF608}" dt="2025-07-16T16:16:48.060" v="482" actId="255"/>
-          <ac:spMkLst>
-            <pc:docMk/>
-            <pc:sldMk cId="54354277" sldId="260"/>
-            <ac:spMk id="25" creationId="{965CB452-9F9B-9206-61D3-CAFC815A152D}"/>
-          </ac:spMkLst>
-        </pc:spChg>
-        <pc:grpChg chg="mod">
-          <ac:chgData name="Lukasz Glowinski" userId="67c5aaad7ecb09f5" providerId="LiveId" clId="{807A528E-B160-4BA0-8E24-88E9345CF608}" dt="2025-07-16T16:17:13.740" v="490" actId="1076"/>
-          <ac:grpSpMkLst>
-            <pc:docMk/>
-            <pc:sldMk cId="54354277" sldId="260"/>
-            <ac:grpSpMk id="32" creationId="{7C94AE95-00D8-F1F0-D548-866905C9FF5A}"/>
-          </ac:grpSpMkLst>
-        </pc:grpChg>
-        <pc:grpChg chg="del">
-          <ac:chgData name="Lukasz Glowinski" userId="67c5aaad7ecb09f5" providerId="LiveId" clId="{807A528E-B160-4BA0-8E24-88E9345CF608}" dt="2025-07-16T16:15:23.682" v="473" actId="478"/>
-          <ac:grpSpMkLst>
-            <pc:docMk/>
-            <pc:sldMk cId="54354277" sldId="260"/>
-            <ac:grpSpMk id="33" creationId="{88C241DB-C31A-594D-BE04-C85627BF49A1}"/>
-          </ac:grpSpMkLst>
-        </pc:grpChg>
-        <pc:grpChg chg="del">
-          <ac:chgData name="Lukasz Glowinski" userId="67c5aaad7ecb09f5" providerId="LiveId" clId="{807A528E-B160-4BA0-8E24-88E9345CF608}" dt="2025-07-16T16:15:26.088" v="475" actId="478"/>
-          <ac:grpSpMkLst>
-            <pc:docMk/>
-            <pc:sldMk cId="54354277" sldId="260"/>
-            <ac:grpSpMk id="35" creationId="{21699B9E-E960-5E84-FC7D-97343E25662D}"/>
-          </ac:grpSpMkLst>
-        </pc:grpChg>
-        <pc:grpChg chg="del">
-          <ac:chgData name="Lukasz Glowinski" userId="67c5aaad7ecb09f5" providerId="LiveId" clId="{807A528E-B160-4BA0-8E24-88E9345CF608}" dt="2025-07-16T16:15:27.017" v="476" actId="478"/>
-          <ac:grpSpMkLst>
-            <pc:docMk/>
-            <pc:sldMk cId="54354277" sldId="260"/>
-            <ac:grpSpMk id="37" creationId="{BBB73BCD-185E-E839-3661-8A507A3067F8}"/>
-          </ac:grpSpMkLst>
-        </pc:grpChg>
-        <pc:picChg chg="del">
-          <ac:chgData name="Lukasz Glowinski" userId="67c5aaad7ecb09f5" providerId="LiveId" clId="{807A528E-B160-4BA0-8E24-88E9345CF608}" dt="2025-07-16T16:15:25.200" v="474" actId="478"/>
-          <ac:picMkLst>
-            <pc:docMk/>
-            <pc:sldMk cId="54354277" sldId="260"/>
-            <ac:picMk id="27" creationId="{A83A84CD-36DC-AEFC-815F-13E915A2EE95}"/>
-          </ac:picMkLst>
-        </pc:picChg>
-      </pc:sldChg>
-      <pc:sldChg chg="delSp modSp add mod modTransition delAnim modAnim modNotesTx">
-        <pc:chgData name="Lukasz Glowinski" userId="67c5aaad7ecb09f5" providerId="LiveId" clId="{807A528E-B160-4BA0-8E24-88E9345CF608}" dt="2025-07-16T23:24:02.324" v="6402"/>
-        <pc:sldMkLst>
-          <pc:docMk/>
-          <pc:sldMk cId="1035773387" sldId="260"/>
-        </pc:sldMkLst>
-        <pc:spChg chg="mod">
-          <ac:chgData name="Lukasz Glowinski" userId="67c5aaad7ecb09f5" providerId="LiveId" clId="{807A528E-B160-4BA0-8E24-88E9345CF608}" dt="2025-07-16T23:24:02.324" v="6402"/>
-          <ac:spMkLst>
-            <pc:docMk/>
-            <pc:sldMk cId="1035773387" sldId="260"/>
-            <ac:spMk id="2" creationId="{41C680FF-6138-9B10-8970-11818E2797F2}"/>
-          </ac:spMkLst>
-        </pc:spChg>
-        <pc:spChg chg="mod">
-          <ac:chgData name="Lukasz Glowinski" userId="67c5aaad7ecb09f5" providerId="LiveId" clId="{807A528E-B160-4BA0-8E24-88E9345CF608}" dt="2025-07-16T17:56:01.100" v="1325" actId="12788"/>
-          <ac:spMkLst>
-            <pc:docMk/>
-            <pc:sldMk cId="1035773387" sldId="260"/>
-            <ac:spMk id="25" creationId="{14E31FF4-6648-A031-C601-EEEB71A984CC}"/>
-          </ac:spMkLst>
-        </pc:spChg>
-        <pc:grpChg chg="mod">
-          <ac:chgData name="Lukasz Glowinski" userId="67c5aaad7ecb09f5" providerId="LiveId" clId="{807A528E-B160-4BA0-8E24-88E9345CF608}" dt="2025-07-16T17:54:50.436" v="1311" actId="14100"/>
-          <ac:grpSpMkLst>
-            <pc:docMk/>
-            <pc:sldMk cId="1035773387" sldId="260"/>
-            <ac:grpSpMk id="32" creationId="{F78A59A0-5738-F24D-2388-13560D535688}"/>
-          </ac:grpSpMkLst>
-        </pc:grpChg>
-        <pc:grpChg chg="del">
-          <ac:chgData name="Lukasz Glowinski" userId="67c5aaad7ecb09f5" providerId="LiveId" clId="{807A528E-B160-4BA0-8E24-88E9345CF608}" dt="2025-07-16T16:17:32.818" v="493" actId="478"/>
-          <ac:grpSpMkLst>
-            <pc:docMk/>
-            <pc:sldMk cId="1035773387" sldId="260"/>
-            <ac:grpSpMk id="33" creationId="{3B84C80C-1B29-5B47-0EEC-589ECCB4C8EE}"/>
-          </ac:grpSpMkLst>
-        </pc:grpChg>
-        <pc:grpChg chg="del">
-          <ac:chgData name="Lukasz Glowinski" userId="67c5aaad7ecb09f5" providerId="LiveId" clId="{807A528E-B160-4BA0-8E24-88E9345CF608}" dt="2025-07-16T16:17:33.296" v="494" actId="478"/>
-          <ac:grpSpMkLst>
-            <pc:docMk/>
-            <pc:sldMk cId="1035773387" sldId="260"/>
-            <ac:grpSpMk id="35" creationId="{9D61BD70-0214-1AAD-6662-0CAE947DB46A}"/>
-          </ac:grpSpMkLst>
-        </pc:grpChg>
-        <pc:grpChg chg="del">
-          <ac:chgData name="Lukasz Glowinski" userId="67c5aaad7ecb09f5" providerId="LiveId" clId="{807A528E-B160-4BA0-8E24-88E9345CF608}" dt="2025-07-16T16:17:33.910" v="495" actId="478"/>
-          <ac:grpSpMkLst>
-            <pc:docMk/>
-            <pc:sldMk cId="1035773387" sldId="260"/>
-            <ac:grpSpMk id="37" creationId="{F0E2B6C3-CF7D-B559-4BC2-326CEB08A167}"/>
-          </ac:grpSpMkLst>
-        </pc:grpChg>
-        <pc:picChg chg="mod">
-          <ac:chgData name="Lukasz Glowinski" userId="67c5aaad7ecb09f5" providerId="LiveId" clId="{807A528E-B160-4BA0-8E24-88E9345CF608}" dt="2025-07-16T17:56:01.100" v="1325" actId="12788"/>
-          <ac:picMkLst>
-            <pc:docMk/>
-            <pc:sldMk cId="1035773387" sldId="260"/>
-            <ac:picMk id="9" creationId="{037C0A56-211F-9CBC-8CE3-632913793A72}"/>
-          </ac:picMkLst>
-        </pc:picChg>
-      </pc:sldChg>
-      <pc:sldChg chg="del modNotesTx">
-        <pc:chgData name="Lukasz Glowinski" userId="67c5aaad7ecb09f5" providerId="LiveId" clId="{807A528E-B160-4BA0-8E24-88E9345CF608}" dt="2025-07-16T15:58:32.741" v="136" actId="47"/>
-        <pc:sldMkLst>
-          <pc:docMk/>
-          <pc:sldMk cId="2294765628" sldId="260"/>
-        </pc:sldMkLst>
-      </pc:sldChg>
-      <pc:sldChg chg="add del setBg">
-        <pc:chgData name="Lukasz Glowinski" userId="67c5aaad7ecb09f5" providerId="LiveId" clId="{807A528E-B160-4BA0-8E24-88E9345CF608}" dt="2025-07-16T16:20:28.887" v="520"/>
-        <pc:sldMkLst>
-          <pc:docMk/>
-          <pc:sldMk cId="2928646847" sldId="261"/>
-        </pc:sldMkLst>
-      </pc:sldChg>
-      <pc:sldChg chg="add del">
-        <pc:chgData name="Lukasz Glowinski" userId="67c5aaad7ecb09f5" providerId="LiveId" clId="{807A528E-B160-4BA0-8E24-88E9345CF608}" dt="2025-07-16T16:26:15.629" v="546" actId="47"/>
-        <pc:sldMkLst>
-          <pc:docMk/>
-          <pc:sldMk cId="3582479914" sldId="261"/>
-        </pc:sldMkLst>
-      </pc:sldChg>
-      <pc:sldChg chg="addSp delSp modSp del mod modTransition modNotesTx">
-        <pc:chgData name="Lukasz Glowinski" userId="67c5aaad7ecb09f5" providerId="LiveId" clId="{807A528E-B160-4BA0-8E24-88E9345CF608}" dt="2025-07-16T15:58:33.302" v="137" actId="47"/>
-        <pc:sldMkLst>
-          <pc:docMk/>
-          <pc:sldMk cId="4119288753" sldId="261"/>
-        </pc:sldMkLst>
-        <pc:spChg chg="add del mod">
-          <ac:chgData name="Lukasz Glowinski" userId="67c5aaad7ecb09f5" providerId="LiveId" clId="{807A528E-B160-4BA0-8E24-88E9345CF608}" dt="2025-07-16T15:38:26.101" v="26"/>
-          <ac:spMkLst>
-            <pc:docMk/>
-            <pc:sldMk cId="4119288753" sldId="261"/>
-            <ac:spMk id="9" creationId="{2D00DF1B-964C-F58E-DF87-2C53633EE740}"/>
-          </ac:spMkLst>
-        </pc:spChg>
-        <pc:spChg chg="add mod">
-          <ac:chgData name="Lukasz Glowinski" userId="67c5aaad7ecb09f5" providerId="LiveId" clId="{807A528E-B160-4BA0-8E24-88E9345CF608}" dt="2025-07-16T15:38:11.481" v="13" actId="164"/>
-          <ac:spMkLst>
-            <pc:docMk/>
-            <pc:sldMk cId="4119288753" sldId="261"/>
-            <ac:spMk id="10" creationId="{1FF08313-632F-53AE-3238-57DE86C6EDAC}"/>
-          </ac:spMkLst>
-        </pc:spChg>
-        <pc:spChg chg="add mod">
-          <ac:chgData name="Lukasz Glowinski" userId="67c5aaad7ecb09f5" providerId="LiveId" clId="{807A528E-B160-4BA0-8E24-88E9345CF608}" dt="2025-07-16T15:38:25.064" v="24" actId="164"/>
-          <ac:spMkLst>
-            <pc:docMk/>
-            <pc:sldMk cId="4119288753" sldId="261"/>
-            <ac:spMk id="12" creationId="{3B2DC19A-C1E1-55DE-AD76-390B8B49EBAA}"/>
-          </ac:spMkLst>
-        </pc:spChg>
-        <pc:grpChg chg="add mod">
-          <ac:chgData name="Lukasz Glowinski" userId="67c5aaad7ecb09f5" providerId="LiveId" clId="{807A528E-B160-4BA0-8E24-88E9345CF608}" dt="2025-07-16T15:38:11.481" v="13" actId="164"/>
-          <ac:grpSpMkLst>
-            <pc:docMk/>
-            <pc:sldMk cId="4119288753" sldId="261"/>
-            <ac:grpSpMk id="11" creationId="{CCF6363C-AE0F-1350-B460-35D31DA9C42D}"/>
-          </ac:grpSpMkLst>
-        </pc:grpChg>
-        <pc:grpChg chg="add mod">
-          <ac:chgData name="Lukasz Glowinski" userId="67c5aaad7ecb09f5" providerId="LiveId" clId="{807A528E-B160-4BA0-8E24-88E9345CF608}" dt="2025-07-16T15:38:25.064" v="24" actId="164"/>
-          <ac:grpSpMkLst>
-            <pc:docMk/>
-            <pc:sldMk cId="4119288753" sldId="261"/>
-            <ac:grpSpMk id="13" creationId="{CD377500-1D2C-B8A2-7871-14A823AD86C8}"/>
-          </ac:grpSpMkLst>
-        </pc:grpChg>
-        <pc:picChg chg="mod">
-          <ac:chgData name="Lukasz Glowinski" userId="67c5aaad7ecb09f5" providerId="LiveId" clId="{807A528E-B160-4BA0-8E24-88E9345CF608}" dt="2025-07-16T15:38:25.064" v="24" actId="164"/>
-          <ac:picMkLst>
-            <pc:docMk/>
-            <pc:sldMk cId="4119288753" sldId="261"/>
-            <ac:picMk id="3" creationId="{2F0410AA-8E7B-2522-007A-AAD8628D28A6}"/>
-          </ac:picMkLst>
-        </pc:picChg>
-        <pc:picChg chg="mod">
-          <ac:chgData name="Lukasz Glowinski" userId="67c5aaad7ecb09f5" providerId="LiveId" clId="{807A528E-B160-4BA0-8E24-88E9345CF608}" dt="2025-07-16T15:38:11.481" v="13" actId="164"/>
-          <ac:picMkLst>
-            <pc:docMk/>
-            <pc:sldMk cId="4119288753" sldId="261"/>
-            <ac:picMk id="8" creationId="{C852A629-9766-E8B7-6989-F1CAA1273A46}"/>
-          </ac:picMkLst>
-        </pc:picChg>
-      </pc:sldChg>
-      <pc:sldChg chg="addSp delSp modSp add mod modTransition modNotesTx">
-        <pc:chgData name="Lukasz Glowinski" userId="67c5aaad7ecb09f5" providerId="LiveId" clId="{807A528E-B160-4BA0-8E24-88E9345CF608}" dt="2025-07-16T23:24:02.324" v="6402"/>
-        <pc:sldMkLst>
-          <pc:docMk/>
-          <pc:sldMk cId="2005701489" sldId="262"/>
-        </pc:sldMkLst>
-        <pc:spChg chg="mod">
-          <ac:chgData name="Lukasz Glowinski" userId="67c5aaad7ecb09f5" providerId="LiveId" clId="{807A528E-B160-4BA0-8E24-88E9345CF608}" dt="2025-07-16T23:24:02.324" v="6402"/>
-          <ac:spMkLst>
-            <pc:docMk/>
-            <pc:sldMk cId="2005701489" sldId="262"/>
-            <ac:spMk id="2" creationId="{6FD4A421-8FA9-AF47-EB0E-4467B86A5282}"/>
-          </ac:spMkLst>
-        </pc:spChg>
-        <pc:grpChg chg="del">
-          <ac:chgData name="Lukasz Glowinski" userId="67c5aaad7ecb09f5" providerId="LiveId" clId="{807A528E-B160-4BA0-8E24-88E9345CF608}" dt="2025-07-16T16:23:42.808" v="525" actId="478"/>
-          <ac:grpSpMkLst>
-            <pc:docMk/>
-            <pc:sldMk cId="2005701489" sldId="262"/>
-            <ac:grpSpMk id="32" creationId="{6F38871F-F2FB-38ED-D526-A268584D25BC}"/>
-          </ac:grpSpMkLst>
-        </pc:grpChg>
-        <pc:picChg chg="add del">
-          <ac:chgData name="Lukasz Glowinski" userId="67c5aaad7ecb09f5" providerId="LiveId" clId="{807A528E-B160-4BA0-8E24-88E9345CF608}" dt="2025-07-16T16:23:16.571" v="524" actId="22"/>
-          <ac:picMkLst>
-            <pc:docMk/>
-            <pc:sldMk cId="2005701489" sldId="262"/>
-            <ac:picMk id="4" creationId="{9FD2DF26-C0CD-9167-7511-69DE21C3F659}"/>
-          </ac:picMkLst>
-        </pc:picChg>
-        <pc:picChg chg="add del">
-          <ac:chgData name="Lukasz Glowinski" userId="67c5aaad7ecb09f5" providerId="LiveId" clId="{807A528E-B160-4BA0-8E24-88E9345CF608}" dt="2025-07-16T16:23:44.531" v="527" actId="22"/>
-          <ac:picMkLst>
-            <pc:docMk/>
-            <pc:sldMk cId="2005701489" sldId="262"/>
-            <ac:picMk id="6" creationId="{9DB65F5E-FFF4-6BE2-E9D5-2B43B2B35D6E}"/>
-          </ac:picMkLst>
-        </pc:picChg>
-        <pc:picChg chg="add mod">
-          <ac:chgData name="Lukasz Glowinski" userId="67c5aaad7ecb09f5" providerId="LiveId" clId="{807A528E-B160-4BA0-8E24-88E9345CF608}" dt="2025-07-16T17:57:59.344" v="1328" actId="14100"/>
-          <ac:picMkLst>
-            <pc:docMk/>
-            <pc:sldMk cId="2005701489" sldId="262"/>
-            <ac:picMk id="8" creationId="{F3DF0B81-139F-3CB4-57A6-09DAAEA826A8}"/>
-          </ac:picMkLst>
-        </pc:picChg>
-      </pc:sldChg>
-      <pc:sldChg chg="add del setBg">
-        <pc:chgData name="Lukasz Glowinski" userId="67c5aaad7ecb09f5" providerId="LiveId" clId="{807A528E-B160-4BA0-8E24-88E9345CF608}" dt="2025-07-16T15:39:20.323" v="31" actId="47"/>
-        <pc:sldMkLst>
-          <pc:docMk/>
-          <pc:sldMk cId="2221173584" sldId="262"/>
-        </pc:sldMkLst>
-      </pc:sldChg>
-      <pc:sldChg chg="delSp modSp add del mod">
-        <pc:chgData name="Lukasz Glowinski" userId="67c5aaad7ecb09f5" providerId="LiveId" clId="{807A528E-B160-4BA0-8E24-88E9345CF608}" dt="2025-07-16T15:58:34.155" v="138" actId="47"/>
-        <pc:sldMkLst>
-          <pc:docMk/>
-          <pc:sldMk cId="2807050955" sldId="262"/>
-        </pc:sldMkLst>
-        <pc:grpChg chg="mod">
-          <ac:chgData name="Lukasz Glowinski" userId="67c5aaad7ecb09f5" providerId="LiveId" clId="{807A528E-B160-4BA0-8E24-88E9345CF608}" dt="2025-07-16T15:40:58.444" v="34" actId="1076"/>
-          <ac:grpSpMkLst>
-            <pc:docMk/>
-            <pc:sldMk cId="2807050955" sldId="262"/>
-            <ac:grpSpMk id="11" creationId="{DC1AA0B7-5D3A-5990-24B2-A6617DAA0A1D}"/>
-          </ac:grpSpMkLst>
-        </pc:grpChg>
-        <pc:grpChg chg="del">
-          <ac:chgData name="Lukasz Glowinski" userId="67c5aaad7ecb09f5" providerId="LiveId" clId="{807A528E-B160-4BA0-8E24-88E9345CF608}" dt="2025-07-16T15:40:52.198" v="33" actId="478"/>
-          <ac:grpSpMkLst>
-            <pc:docMk/>
-            <pc:sldMk cId="2807050955" sldId="262"/>
-            <ac:grpSpMk id="13" creationId="{9F0C3421-30FD-BD16-E736-B6FCBBEF6CAA}"/>
-          </ac:grpSpMkLst>
-        </pc:grpChg>
-      </pc:sldChg>
-      <pc:sldChg chg="addSp delSp modSp add mod ord modAnim">
-        <pc:chgData name="Lukasz Glowinski" userId="67c5aaad7ecb09f5" providerId="LiveId" clId="{807A528E-B160-4BA0-8E24-88E9345CF608}" dt="2025-07-16T23:24:02.324" v="6402"/>
-        <pc:sldMkLst>
-          <pc:docMk/>
-          <pc:sldMk cId="4219852385" sldId="263"/>
-        </pc:sldMkLst>
-        <pc:spChg chg="mod">
-          <ac:chgData name="Lukasz Glowinski" userId="67c5aaad7ecb09f5" providerId="LiveId" clId="{807A528E-B160-4BA0-8E24-88E9345CF608}" dt="2025-07-16T23:24:02.324" v="6402"/>
-          <ac:spMkLst>
-            <pc:docMk/>
-            <pc:sldMk cId="4219852385" sldId="263"/>
-            <ac:spMk id="2" creationId="{57D01E81-C79D-7489-0961-C991F7912760}"/>
-          </ac:spMkLst>
-        </pc:spChg>
-        <pc:spChg chg="mod">
-          <ac:chgData name="Lukasz Glowinski" userId="67c5aaad7ecb09f5" providerId="LiveId" clId="{807A528E-B160-4BA0-8E24-88E9345CF608}" dt="2025-07-16T17:55:45.929" v="1324" actId="12788"/>
-          <ac:spMkLst>
-            <pc:docMk/>
-            <pc:sldMk cId="4219852385" sldId="263"/>
-            <ac:spMk id="5" creationId="{9F5FA45F-7013-47D9-CAE7-424D03FD5ADD}"/>
-          </ac:spMkLst>
-        </pc:spChg>
-        <pc:grpChg chg="add mod">
-          <ac:chgData name="Lukasz Glowinski" userId="67c5aaad7ecb09f5" providerId="LiveId" clId="{807A528E-B160-4BA0-8E24-88E9345CF608}" dt="2025-07-16T17:55:36.401" v="1323" actId="12788"/>
-          <ac:grpSpMkLst>
-            <pc:docMk/>
-            <pc:sldMk cId="4219852385" sldId="263"/>
-            <ac:grpSpMk id="3" creationId="{48FD6134-6ACD-6FD5-3AF3-2D6453B02FBD}"/>
-          </ac:grpSpMkLst>
-        </pc:grpChg>
-        <pc:grpChg chg="del">
-          <ac:chgData name="Lukasz Glowinski" userId="67c5aaad7ecb09f5" providerId="LiveId" clId="{807A528E-B160-4BA0-8E24-88E9345CF608}" dt="2025-07-16T17:02:23.843" v="556" actId="478"/>
-          <ac:grpSpMkLst>
-            <pc:docMk/>
-            <pc:sldMk cId="4219852385" sldId="263"/>
-            <ac:grpSpMk id="32" creationId="{7A848349-FD74-A8C9-90AF-1EF0D15D300E}"/>
-          </ac:grpSpMkLst>
-        </pc:grpChg>
-        <pc:picChg chg="mod">
-          <ac:chgData name="Lukasz Glowinski" userId="67c5aaad7ecb09f5" providerId="LiveId" clId="{807A528E-B160-4BA0-8E24-88E9345CF608}" dt="2025-07-16T17:55:45.929" v="1324" actId="12788"/>
-          <ac:picMkLst>
-            <pc:docMk/>
-            <pc:sldMk cId="4219852385" sldId="263"/>
-            <ac:picMk id="4" creationId="{6DED0656-C576-1954-5E3C-B51F8CB84FD9}"/>
-          </ac:picMkLst>
-        </pc:picChg>
-      </pc:sldChg>
-      <pc:sldChg chg="addSp delSp modSp add mod delAnim modAnim modNotesTx">
-        <pc:chgData name="Lukasz Glowinski" userId="67c5aaad7ecb09f5" providerId="LiveId" clId="{807A528E-B160-4BA0-8E24-88E9345CF608}" dt="2025-07-16T23:24:02.324" v="6402"/>
-        <pc:sldMkLst>
-          <pc:docMk/>
-          <pc:sldMk cId="635897499" sldId="264"/>
-        </pc:sldMkLst>
-        <pc:spChg chg="mod">
-          <ac:chgData name="Lukasz Glowinski" userId="67c5aaad7ecb09f5" providerId="LiveId" clId="{807A528E-B160-4BA0-8E24-88E9345CF608}" dt="2025-07-16T23:24:02.324" v="6402"/>
-          <ac:spMkLst>
-            <pc:docMk/>
-            <pc:sldMk cId="635897499" sldId="264"/>
-            <ac:spMk id="2" creationId="{461A0997-1212-6BDC-C0DC-9F697134BFB1}"/>
-          </ac:spMkLst>
-        </pc:spChg>
-        <pc:spChg chg="add mod">
-          <ac:chgData name="Lukasz Glowinski" userId="67c5aaad7ecb09f5" providerId="LiveId" clId="{807A528E-B160-4BA0-8E24-88E9345CF608}" dt="2025-07-16T23:02:49.914" v="5751" actId="1076"/>
-          <ac:spMkLst>
-            <pc:docMk/>
-            <pc:sldMk cId="635897499" sldId="264"/>
-            <ac:spMk id="7" creationId="{BD670FF7-E47E-92E8-5EEA-CE8945542789}"/>
-          </ac:spMkLst>
-        </pc:spChg>
-        <pc:spChg chg="add mod">
-          <ac:chgData name="Lukasz Glowinski" userId="67c5aaad7ecb09f5" providerId="LiveId" clId="{807A528E-B160-4BA0-8E24-88E9345CF608}" dt="2025-07-16T17:19:13.553" v="714" actId="164"/>
-          <ac:spMkLst>
-            <pc:docMk/>
-            <pc:sldMk cId="635897499" sldId="264"/>
-            <ac:spMk id="8" creationId="{8B354A1D-7403-5897-1EFE-53692766F369}"/>
-          </ac:spMkLst>
-        </pc:spChg>
-        <pc:spChg chg="add del">
-          <ac:chgData name="Lukasz Glowinski" userId="67c5aaad7ecb09f5" providerId="LiveId" clId="{807A528E-B160-4BA0-8E24-88E9345CF608}" dt="2025-07-16T17:11:48.306" v="607" actId="478"/>
-          <ac:spMkLst>
-            <pc:docMk/>
-            <pc:sldMk cId="635897499" sldId="264"/>
-            <ac:spMk id="11" creationId="{B57F0CC3-2E3C-3442-BF98-BAA335A96353}"/>
-          </ac:spMkLst>
-        </pc:spChg>
-        <pc:spChg chg="add mod">
-          <ac:chgData name="Lukasz Glowinski" userId="67c5aaad7ecb09f5" providerId="LiveId" clId="{807A528E-B160-4BA0-8E24-88E9345CF608}" dt="2025-07-16T17:39:29.605" v="968" actId="20577"/>
-          <ac:spMkLst>
-            <pc:docMk/>
-            <pc:sldMk cId="635897499" sldId="264"/>
-            <ac:spMk id="18" creationId="{F977A229-8152-0DCC-9A7C-5C3E6387F7A1}"/>
-          </ac:spMkLst>
-        </pc:spChg>
-        <pc:spChg chg="add mod">
-          <ac:chgData name="Lukasz Glowinski" userId="67c5aaad7ecb09f5" providerId="LiveId" clId="{807A528E-B160-4BA0-8E24-88E9345CF608}" dt="2025-07-16T17:39:23.598" v="956" actId="20577"/>
-          <ac:spMkLst>
-            <pc:docMk/>
-            <pc:sldMk cId="635897499" sldId="264"/>
-            <ac:spMk id="20" creationId="{672A5954-6E6E-BA57-2F9C-04431DA1C648}"/>
-          </ac:spMkLst>
-        </pc:spChg>
-        <pc:spChg chg="add mod">
-          <ac:chgData name="Lukasz Glowinski" userId="67c5aaad7ecb09f5" providerId="LiveId" clId="{807A528E-B160-4BA0-8E24-88E9345CF608}" dt="2025-07-16T17:39:12.739" v="938" actId="164"/>
-          <ac:spMkLst>
-            <pc:docMk/>
-            <pc:sldMk cId="635897499" sldId="264"/>
-            <ac:spMk id="22" creationId="{41934DD4-1E4F-18AD-A19D-5CB854D1C6AF}"/>
-          </ac:spMkLst>
-        </pc:spChg>
-        <pc:spChg chg="add mod">
-          <ac:chgData name="Lukasz Glowinski" userId="67c5aaad7ecb09f5" providerId="LiveId" clId="{807A528E-B160-4BA0-8E24-88E9345CF608}" dt="2025-07-16T17:39:46.610" v="986" actId="164"/>
-          <ac:spMkLst>
-            <pc:docMk/>
-            <pc:sldMk cId="635897499" sldId="264"/>
-            <ac:spMk id="24" creationId="{6162BA17-C519-696D-200D-B0D1C090DB7D}"/>
-          </ac:spMkLst>
-        </pc:spChg>
-        <pc:spChg chg="add del">
-          <ac:chgData name="Lukasz Glowinski" userId="67c5aaad7ecb09f5" providerId="LiveId" clId="{807A528E-B160-4BA0-8E24-88E9345CF608}" dt="2025-07-16T17:17:04.817" v="674" actId="478"/>
-          <ac:spMkLst>
-            <pc:docMk/>
-            <pc:sldMk cId="635897499" sldId="264"/>
-            <ac:spMk id="41" creationId="{7358417B-8CD3-E707-2F2D-AD50F0489D83}"/>
-          </ac:spMkLst>
-        </pc:spChg>
-        <pc:spChg chg="add del mod">
-          <ac:chgData name="Lukasz Glowinski" userId="67c5aaad7ecb09f5" providerId="LiveId" clId="{807A528E-B160-4BA0-8E24-88E9345CF608}" dt="2025-07-16T17:20:09.446" v="753"/>
-          <ac:spMkLst>
-            <pc:docMk/>
-            <pc:sldMk cId="635897499" sldId="264"/>
-            <ac:spMk id="1041" creationId="{B087CA2B-4AEE-E6F1-36B8-0C10154AE437}"/>
-          </ac:spMkLst>
-        </pc:spChg>
-        <pc:spChg chg="add mod">
-          <ac:chgData name="Lukasz Glowinski" userId="67c5aaad7ecb09f5" providerId="LiveId" clId="{807A528E-B160-4BA0-8E24-88E9345CF608}" dt="2025-07-16T17:20:20.701" v="756" actId="164"/>
-          <ac:spMkLst>
-            <pc:docMk/>
-            <pc:sldMk cId="635897499" sldId="264"/>
-            <ac:spMk id="1042" creationId="{868FEE9A-2C50-07B4-1625-8F305DD5BCB2}"/>
-          </ac:spMkLst>
-        </pc:spChg>
-        <pc:spChg chg="add del">
-          <ac:chgData name="Lukasz Glowinski" userId="67c5aaad7ecb09f5" providerId="LiveId" clId="{807A528E-B160-4BA0-8E24-88E9345CF608}" dt="2025-07-16T17:28:49.145" v="811" actId="22"/>
-          <ac:spMkLst>
-            <pc:docMk/>
-            <pc:sldMk cId="635897499" sldId="264"/>
-            <ac:spMk id="1045" creationId="{7B5492DD-60A0-FD27-5B3C-8D486334FB28}"/>
-          </ac:spMkLst>
-        </pc:spChg>
-        <pc:spChg chg="add del">
-          <ac:chgData name="Lukasz Glowinski" userId="67c5aaad7ecb09f5" providerId="LiveId" clId="{807A528E-B160-4BA0-8E24-88E9345CF608}" dt="2025-07-16T17:28:57.468" v="813" actId="22"/>
-          <ac:spMkLst>
-            <pc:docMk/>
-            <pc:sldMk cId="635897499" sldId="264"/>
-            <ac:spMk id="1047" creationId="{57FD84EE-248F-C8B4-7DDD-83A3D05A28ED}"/>
-          </ac:spMkLst>
-        </pc:spChg>
-        <pc:grpChg chg="del">
-          <ac:chgData name="Lukasz Glowinski" userId="67c5aaad7ecb09f5" providerId="LiveId" clId="{807A528E-B160-4BA0-8E24-88E9345CF608}" dt="2025-07-16T17:06:34.312" v="576" actId="478"/>
-          <ac:grpSpMkLst>
-            <pc:docMk/>
-            <pc:sldMk cId="635897499" sldId="264"/>
-            <ac:grpSpMk id="3" creationId="{62F0068F-1582-1F13-AECE-76D5B7330B59}"/>
-          </ac:grpSpMkLst>
-        </pc:grpChg>
-        <pc:grpChg chg="add mod">
-          <ac:chgData name="Lukasz Glowinski" userId="67c5aaad7ecb09f5" providerId="LiveId" clId="{807A528E-B160-4BA0-8E24-88E9345CF608}" dt="2025-07-16T17:53:45.200" v="1299" actId="12789"/>
-          <ac:grpSpMkLst>
-            <pc:docMk/>
-            <pc:sldMk cId="635897499" sldId="264"/>
-            <ac:grpSpMk id="19" creationId="{0576AE83-761E-8C51-F69B-74AA62E0C0C2}"/>
-          </ac:grpSpMkLst>
-        </pc:grpChg>
-        <pc:grpChg chg="add mod">
-          <ac:chgData name="Lukasz Glowinski" userId="67c5aaad7ecb09f5" providerId="LiveId" clId="{807A528E-B160-4BA0-8E24-88E9345CF608}" dt="2025-07-16T17:53:48.594" v="1300" actId="408"/>
-          <ac:grpSpMkLst>
-            <pc:docMk/>
-            <pc:sldMk cId="635897499" sldId="264"/>
-            <ac:grpSpMk id="21" creationId="{F2BA8CE0-F7D3-B727-2471-7F9DC308E2ED}"/>
-          </ac:grpSpMkLst>
-        </pc:grpChg>
-        <pc:grpChg chg="add mod">
-          <ac:chgData name="Lukasz Glowinski" userId="67c5aaad7ecb09f5" providerId="LiveId" clId="{807A528E-B160-4BA0-8E24-88E9345CF608}" dt="2025-07-16T17:53:48.594" v="1300" actId="408"/>
-          <ac:grpSpMkLst>
-            <pc:docMk/>
-            <pc:sldMk cId="635897499" sldId="264"/>
-            <ac:grpSpMk id="23" creationId="{7B86BD18-770E-2E3D-6F02-4AE63B01DB03}"/>
-          </ac:grpSpMkLst>
-        </pc:grpChg>
-        <pc:grpChg chg="add mod">
-          <ac:chgData name="Lukasz Glowinski" userId="67c5aaad7ecb09f5" providerId="LiveId" clId="{807A528E-B160-4BA0-8E24-88E9345CF608}" dt="2025-07-16T17:53:45.200" v="1299" actId="12789"/>
-          <ac:grpSpMkLst>
-            <pc:docMk/>
-            <pc:sldMk cId="635897499" sldId="264"/>
-            <ac:grpSpMk id="25" creationId="{076A6AA9-92BB-119A-4039-2CFA279F2E18}"/>
-          </ac:grpSpMkLst>
-        </pc:grpChg>
-        <pc:grpChg chg="add mod">
-          <ac:chgData name="Lukasz Glowinski" userId="67c5aaad7ecb09f5" providerId="LiveId" clId="{807A528E-B160-4BA0-8E24-88E9345CF608}" dt="2025-07-16T17:19:13.553" v="714" actId="164"/>
-          <ac:grpSpMkLst>
-            <pc:docMk/>
-            <pc:sldMk cId="635897499" sldId="264"/>
-            <ac:grpSpMk id="40" creationId="{8FCFADF8-583D-2C24-8B64-0A26BF30996C}"/>
-          </ac:grpSpMkLst>
-        </pc:grpChg>
-        <pc:grpChg chg="add mod">
-          <ac:chgData name="Lukasz Glowinski" userId="67c5aaad7ecb09f5" providerId="LiveId" clId="{807A528E-B160-4BA0-8E24-88E9345CF608}" dt="2025-07-16T17:19:13.553" v="714" actId="164"/>
-          <ac:grpSpMkLst>
-            <pc:docMk/>
-            <pc:sldMk cId="635897499" sldId="264"/>
-            <ac:grpSpMk id="1032" creationId="{9E5F4070-1F2A-4507-FDC0-84AFE5A3A19A}"/>
-          </ac:grpSpMkLst>
-        </pc:grpChg>
-        <pc:grpChg chg="add mod">
-          <ac:chgData name="Lukasz Glowinski" userId="67c5aaad7ecb09f5" providerId="LiveId" clId="{807A528E-B160-4BA0-8E24-88E9345CF608}" dt="2025-07-16T17:19:13.553" v="714" actId="164"/>
-          <ac:grpSpMkLst>
-            <pc:docMk/>
-            <pc:sldMk cId="635897499" sldId="264"/>
-            <ac:grpSpMk id="1033" creationId="{A063A82A-4D15-53A8-30E3-5B88F00ED5A7}"/>
-          </ac:grpSpMkLst>
-        </pc:grpChg>
-        <pc:grpChg chg="add mod">
-          <ac:chgData name="Lukasz Glowinski" userId="67c5aaad7ecb09f5" providerId="LiveId" clId="{807A528E-B160-4BA0-8E24-88E9345CF608}" dt="2025-07-16T17:20:20.701" v="756" actId="164"/>
-          <ac:grpSpMkLst>
-            <pc:docMk/>
-            <pc:sldMk cId="635897499" sldId="264"/>
-            <ac:grpSpMk id="1040" creationId="{3DF1DDA3-BE2F-701B-FD5D-70EE1782BA66}"/>
-          </ac:grpSpMkLst>
-        </pc:grpChg>
-        <pc:grpChg chg="add del mod">
-          <ac:chgData name="Lukasz Glowinski" userId="67c5aaad7ecb09f5" providerId="LiveId" clId="{807A528E-B160-4BA0-8E24-88E9345CF608}" dt="2025-07-16T17:22:02.822" v="757" actId="478"/>
-          <ac:grpSpMkLst>
-            <pc:docMk/>
-            <pc:sldMk cId="635897499" sldId="264"/>
-            <ac:grpSpMk id="1043" creationId="{95119A17-9BF6-9727-7FF4-584BC1CD2C38}"/>
-          </ac:grpSpMkLst>
-        </pc:grpChg>
-        <pc:picChg chg="add mod">
-          <ac:chgData name="Lukasz Glowinski" userId="67c5aaad7ecb09f5" providerId="LiveId" clId="{807A528E-B160-4BA0-8E24-88E9345CF608}" dt="2025-07-16T17:30:57.015" v="814" actId="931"/>
-          <ac:picMkLst>
-            <pc:docMk/>
-            <pc:sldMk cId="635897499" sldId="264"/>
-            <ac:picMk id="4" creationId="{1F17B150-9F48-F34D-E1EC-EA007DDD4FE0}"/>
-          </ac:picMkLst>
-        </pc:picChg>
-        <pc:picChg chg="add del mod">
-          <ac:chgData name="Lukasz Glowinski" userId="67c5aaad7ecb09f5" providerId="LiveId" clId="{807A528E-B160-4BA0-8E24-88E9345CF608}" dt="2025-07-16T17:32:22.726" v="818" actId="478"/>
-          <ac:picMkLst>
-            <pc:docMk/>
-            <pc:sldMk cId="635897499" sldId="264"/>
-            <ac:picMk id="6" creationId="{80D37C8C-4C16-3704-14C4-CCD3F715852D}"/>
-          </ac:picMkLst>
-        </pc:picChg>
-        <pc:picChg chg="add del mod">
-          <ac:chgData name="Lukasz Glowinski" userId="67c5aaad7ecb09f5" providerId="LiveId" clId="{807A528E-B160-4BA0-8E24-88E9345CF608}" dt="2025-07-16T17:32:36.127" v="821" actId="478"/>
-          <ac:picMkLst>
-            <pc:docMk/>
-            <pc:sldMk cId="635897499" sldId="264"/>
-            <ac:picMk id="9" creationId="{0478F810-7D0E-AE6D-00E5-BFC663A882C6}"/>
-          </ac:picMkLst>
-        </pc:picChg>
-        <pc:picChg chg="add mod">
-          <ac:chgData name="Lukasz Glowinski" userId="67c5aaad7ecb09f5" providerId="LiveId" clId="{807A528E-B160-4BA0-8E24-88E9345CF608}" dt="2025-07-16T17:37:41.964" v="867" actId="164"/>
-          <ac:picMkLst>
-            <pc:docMk/>
-            <pc:sldMk cId="635897499" sldId="264"/>
-            <ac:picMk id="11" creationId="{F6C38AE5-BBDE-5945-FE1E-EB44FB8FAA9E}"/>
-          </ac:picMkLst>
-        </pc:picChg>
-        <pc:picChg chg="add mod">
-          <ac:chgData name="Lukasz Glowinski" userId="67c5aaad7ecb09f5" providerId="LiveId" clId="{807A528E-B160-4BA0-8E24-88E9345CF608}" dt="2025-07-16T17:37:58.845" v="872" actId="164"/>
-          <ac:picMkLst>
-            <pc:docMk/>
-            <pc:sldMk cId="635897499" sldId="264"/>
-            <ac:picMk id="13" creationId="{1CEB634D-702B-6F44-520C-98ACEA599866}"/>
-          </ac:picMkLst>
-        </pc:picChg>
-        <pc:picChg chg="add mod">
-          <ac:chgData name="Lukasz Glowinski" userId="67c5aaad7ecb09f5" providerId="LiveId" clId="{807A528E-B160-4BA0-8E24-88E9345CF608}" dt="2025-07-16T17:39:12.739" v="938" actId="164"/>
-          <ac:picMkLst>
-            <pc:docMk/>
-            <pc:sldMk cId="635897499" sldId="264"/>
-            <ac:picMk id="15" creationId="{75761E9D-2300-7CA9-482B-1A06A2C90D75}"/>
-          </ac:picMkLst>
-        </pc:picChg>
-        <pc:picChg chg="add mod">
-          <ac:chgData name="Lukasz Glowinski" userId="67c5aaad7ecb09f5" providerId="LiveId" clId="{807A528E-B160-4BA0-8E24-88E9345CF608}" dt="2025-07-16T17:39:46.610" v="986" actId="164"/>
-          <ac:picMkLst>
-            <pc:docMk/>
-            <pc:sldMk cId="635897499" sldId="264"/>
-            <ac:picMk id="17" creationId="{4FEE6EC5-B5A3-0462-1954-92FFF50E79C8}"/>
-          </ac:picMkLst>
-        </pc:picChg>
-        <pc:picChg chg="add">
-          <ac:chgData name="Lukasz Glowinski" userId="67c5aaad7ecb09f5" providerId="LiveId" clId="{807A528E-B160-4BA0-8E24-88E9345CF608}" dt="2025-07-16T17:09:00.928" v="593"/>
-          <ac:picMkLst>
-            <pc:docMk/>
-            <pc:sldMk cId="635897499" sldId="264"/>
-            <ac:picMk id="1026" creationId="{ECDCABB5-902E-852C-F84D-165E6486125B}"/>
-          </ac:picMkLst>
-        </pc:picChg>
-        <pc:cxnChg chg="add del mod">
-          <ac:chgData name="Lukasz Glowinski" userId="67c5aaad7ecb09f5" providerId="LiveId" clId="{807A528E-B160-4BA0-8E24-88E9345CF608}" dt="2025-07-16T17:11:26.557" v="605" actId="11529"/>
-          <ac:cxnSpMkLst>
-            <pc:docMk/>
-            <pc:sldMk cId="635897499" sldId="264"/>
-            <ac:cxnSpMk id="10" creationId="{F838A0B5-BB78-5A38-25E1-9CA2B9CDA716}"/>
-          </ac:cxnSpMkLst>
-        </pc:cxnChg>
-        <pc:cxnChg chg="add del mod">
-          <ac:chgData name="Lukasz Glowinski" userId="67c5aaad7ecb09f5" providerId="LiveId" clId="{807A528E-B160-4BA0-8E24-88E9345CF608}" dt="2025-07-16T17:14:07.941" v="632" actId="478"/>
-          <ac:cxnSpMkLst>
-            <pc:docMk/>
-            <pc:sldMk cId="635897499" sldId="264"/>
-            <ac:cxnSpMk id="13" creationId="{FB7050BF-BB4D-1F4B-3F3F-06400A594D72}"/>
-          </ac:cxnSpMkLst>
-        </pc:cxnChg>
-        <pc:cxnChg chg="add del mod">
-          <ac:chgData name="Lukasz Glowinski" userId="67c5aaad7ecb09f5" providerId="LiveId" clId="{807A528E-B160-4BA0-8E24-88E9345CF608}" dt="2025-07-16T17:14:07.941" v="632" actId="478"/>
-          <ac:cxnSpMkLst>
-            <pc:docMk/>
-            <pc:sldMk cId="635897499" sldId="264"/>
-            <ac:cxnSpMk id="16" creationId="{A164E9F2-83D0-FA90-3893-25D25DF36AFD}"/>
-          </ac:cxnSpMkLst>
-        </pc:cxnChg>
-        <pc:cxnChg chg="add del mod">
-          <ac:chgData name="Lukasz Glowinski" userId="67c5aaad7ecb09f5" providerId="LiveId" clId="{807A528E-B160-4BA0-8E24-88E9345CF608}" dt="2025-07-16T17:14:07.941" v="632" actId="478"/>
-          <ac:cxnSpMkLst>
-            <pc:docMk/>
-            <pc:sldMk cId="635897499" sldId="264"/>
-            <ac:cxnSpMk id="17" creationId="{E866FC1D-BE2D-61CC-1E97-3DF0090F7C36}"/>
-          </ac:cxnSpMkLst>
-        </pc:cxnChg>
-        <pc:cxnChg chg="add del mod">
-          <ac:chgData name="Lukasz Glowinski" userId="67c5aaad7ecb09f5" providerId="LiveId" clId="{807A528E-B160-4BA0-8E24-88E9345CF608}" dt="2025-07-16T17:14:10.639" v="633" actId="478"/>
-          <ac:cxnSpMkLst>
-            <pc:docMk/>
-            <pc:sldMk cId="635897499" sldId="264"/>
-            <ac:cxnSpMk id="20" creationId="{13F3A2FF-81A6-F86F-D538-FB19AAA56DA6}"/>
-          </ac:cxnSpMkLst>
-        </pc:cxnChg>
-        <pc:cxnChg chg="add mod">
-          <ac:chgData name="Lukasz Glowinski" userId="67c5aaad7ecb09f5" providerId="LiveId" clId="{807A528E-B160-4BA0-8E24-88E9345CF608}" dt="2025-07-16T17:13:42.544" v="627" actId="1076"/>
-          <ac:cxnSpMkLst>
-            <pc:docMk/>
-            <pc:sldMk cId="635897499" sldId="264"/>
-            <ac:cxnSpMk id="24" creationId="{106D71A0-AF0C-9458-3D57-F91A30E05233}"/>
-          </ac:cxnSpMkLst>
-        </pc:cxnChg>
-        <pc:cxnChg chg="add del mod">
-          <ac:chgData name="Lukasz Glowinski" userId="67c5aaad7ecb09f5" providerId="LiveId" clId="{807A528E-B160-4BA0-8E24-88E9345CF608}" dt="2025-07-16T17:14:10.639" v="633" actId="478"/>
-          <ac:cxnSpMkLst>
-            <pc:docMk/>
-            <pc:sldMk cId="635897499" sldId="264"/>
-            <ac:cxnSpMk id="25" creationId="{D5566CDD-036A-C6B7-471C-5B3CCD166012}"/>
-          </ac:cxnSpMkLst>
-        </pc:cxnChg>
-        <pc:cxnChg chg="add del mod">
-          <ac:chgData name="Lukasz Glowinski" userId="67c5aaad7ecb09f5" providerId="LiveId" clId="{807A528E-B160-4BA0-8E24-88E9345CF608}" dt="2025-07-16T17:14:38.433" v="640" actId="478"/>
-          <ac:cxnSpMkLst>
-            <pc:docMk/>
-            <pc:sldMk cId="635897499" sldId="264"/>
-            <ac:cxnSpMk id="27" creationId="{0D9D0124-4597-42C6-96A6-6ED0673F3B51}"/>
-          </ac:cxnSpMkLst>
-        </pc:cxnChg>
-        <pc:cxnChg chg="add mod">
-          <ac:chgData name="Lukasz Glowinski" userId="67c5aaad7ecb09f5" providerId="LiveId" clId="{807A528E-B160-4BA0-8E24-88E9345CF608}" dt="2025-07-16T17:16:39.565" v="672" actId="692"/>
-          <ac:cxnSpMkLst>
-            <pc:docMk/>
-            <pc:sldMk cId="635897499" sldId="264"/>
-            <ac:cxnSpMk id="29" creationId="{28AA8D69-F41D-A4FE-461C-E0722DBCEAA8}"/>
-          </ac:cxnSpMkLst>
-        </pc:cxnChg>
-        <pc:cxnChg chg="add mod">
-          <ac:chgData name="Lukasz Glowinski" userId="67c5aaad7ecb09f5" providerId="LiveId" clId="{807A528E-B160-4BA0-8E24-88E9345CF608}" dt="2025-07-16T17:16:39.565" v="672" actId="692"/>
-          <ac:cxnSpMkLst>
-            <pc:docMk/>
-            <pc:sldMk cId="635897499" sldId="264"/>
-            <ac:cxnSpMk id="34" creationId="{8D7ACCF1-1108-D2FD-2887-E9C801A94467}"/>
-          </ac:cxnSpMkLst>
-        </pc:cxnChg>
-        <pc:cxnChg chg="add mod">
-          <ac:chgData name="Lukasz Glowinski" userId="67c5aaad7ecb09f5" providerId="LiveId" clId="{807A528E-B160-4BA0-8E24-88E9345CF608}" dt="2025-07-16T17:22:02.822" v="757" actId="478"/>
-          <ac:cxnSpMkLst>
-            <pc:docMk/>
-            <pc:sldMk cId="635897499" sldId="264"/>
-            <ac:cxnSpMk id="43" creationId="{79F9AF93-F5F1-75FF-612D-F007AE8DE08D}"/>
-          </ac:cxnSpMkLst>
-        </pc:cxnChg>
-        <pc:cxnChg chg="add mod">
-          <ac:chgData name="Lukasz Glowinski" userId="67c5aaad7ecb09f5" providerId="LiveId" clId="{807A528E-B160-4BA0-8E24-88E9345CF608}" dt="2025-07-16T17:22:02.822" v="757" actId="478"/>
-          <ac:cxnSpMkLst>
-            <pc:docMk/>
-            <pc:sldMk cId="635897499" sldId="264"/>
-            <ac:cxnSpMk id="44" creationId="{DDCCE360-069A-9BEF-B439-9BB07BCA5615}"/>
-          </ac:cxnSpMkLst>
-        </pc:cxnChg>
-        <pc:cxnChg chg="add mod">
-          <ac:chgData name="Lukasz Glowinski" userId="67c5aaad7ecb09f5" providerId="LiveId" clId="{807A528E-B160-4BA0-8E24-88E9345CF608}" dt="2025-07-16T17:18:54.069" v="709" actId="692"/>
-          <ac:cxnSpMkLst>
-            <pc:docMk/>
-            <pc:sldMk cId="635897499" sldId="264"/>
-            <ac:cxnSpMk id="45" creationId="{79D1172A-E1F6-5BF3-6274-A1B50CB93EAC}"/>
-          </ac:cxnSpMkLst>
-        </pc:cxnChg>
-        <pc:cxnChg chg="add mod">
-          <ac:chgData name="Lukasz Glowinski" userId="67c5aaad7ecb09f5" providerId="LiveId" clId="{807A528E-B160-4BA0-8E24-88E9345CF608}" dt="2025-07-16T17:22:02.822" v="757" actId="478"/>
-          <ac:cxnSpMkLst>
-            <pc:docMk/>
-            <pc:sldMk cId="635897499" sldId="264"/>
-            <ac:cxnSpMk id="52" creationId="{5E484392-0FDA-48F6-88B8-7E57B2FCFB35}"/>
-          </ac:cxnSpMkLst>
-        </pc:cxnChg>
-        <pc:cxnChg chg="add mod">
-          <ac:chgData name="Lukasz Glowinski" userId="67c5aaad7ecb09f5" providerId="LiveId" clId="{807A528E-B160-4BA0-8E24-88E9345CF608}" dt="2025-07-16T17:22:02.822" v="757" actId="478"/>
-          <ac:cxnSpMkLst>
-            <pc:docMk/>
-            <pc:sldMk cId="635897499" sldId="264"/>
-            <ac:cxnSpMk id="53" creationId="{173BF986-071A-82FD-01CE-699847AEBF76}"/>
-          </ac:cxnSpMkLst>
-        </pc:cxnChg>
-        <pc:cxnChg chg="add mod">
-          <ac:chgData name="Lukasz Glowinski" userId="67c5aaad7ecb09f5" providerId="LiveId" clId="{807A528E-B160-4BA0-8E24-88E9345CF608}" dt="2025-07-16T17:22:02.822" v="757" actId="478"/>
-          <ac:cxnSpMkLst>
-            <pc:docMk/>
-            <pc:sldMk cId="635897499" sldId="264"/>
-            <ac:cxnSpMk id="54" creationId="{69C2FBDA-3371-C005-E8EB-F40F0FA27664}"/>
-          </ac:cxnSpMkLst>
-        </pc:cxnChg>
-        <pc:cxnChg chg="mod">
-          <ac:chgData name="Lukasz Glowinski" userId="67c5aaad7ecb09f5" providerId="LiveId" clId="{807A528E-B160-4BA0-8E24-88E9345CF608}" dt="2025-07-16T17:19:02.123" v="711"/>
-          <ac:cxnSpMkLst>
-            <pc:docMk/>
-            <pc:sldMk cId="635897499" sldId="264"/>
-            <ac:cxnSpMk id="1034" creationId="{F37E356A-8AA2-5332-93F4-EF2B4CD5700F}"/>
-          </ac:cxnSpMkLst>
-        </pc:cxnChg>
-        <pc:cxnChg chg="mod">
-          <ac:chgData name="Lukasz Glowinski" userId="67c5aaad7ecb09f5" providerId="LiveId" clId="{807A528E-B160-4BA0-8E24-88E9345CF608}" dt="2025-07-16T17:19:02.123" v="711"/>
-          <ac:cxnSpMkLst>
-            <pc:docMk/>
-            <pc:sldMk cId="635897499" sldId="264"/>
-            <ac:cxnSpMk id="1035" creationId="{61A31228-7B66-D7C2-90DB-8A0B487ED6AD}"/>
-          </ac:cxnSpMkLst>
-        </pc:cxnChg>
-        <pc:cxnChg chg="mod">
-          <ac:chgData name="Lukasz Glowinski" userId="67c5aaad7ecb09f5" providerId="LiveId" clId="{807A528E-B160-4BA0-8E24-88E9345CF608}" dt="2025-07-16T17:19:02.123" v="711"/>
-          <ac:cxnSpMkLst>
-            <pc:docMk/>
-            <pc:sldMk cId="635897499" sldId="264"/>
-            <ac:cxnSpMk id="1036" creationId="{313841A1-FA66-945C-A6C5-194161153A9A}"/>
-          </ac:cxnSpMkLst>
-        </pc:cxnChg>
-        <pc:cxnChg chg="mod">
-          <ac:chgData name="Lukasz Glowinski" userId="67c5aaad7ecb09f5" providerId="LiveId" clId="{807A528E-B160-4BA0-8E24-88E9345CF608}" dt="2025-07-16T17:19:02.123" v="711"/>
-          <ac:cxnSpMkLst>
-            <pc:docMk/>
-            <pc:sldMk cId="635897499" sldId="264"/>
-            <ac:cxnSpMk id="1037" creationId="{B147C26D-CA68-EF7B-7C87-35ABAEB8DB35}"/>
-          </ac:cxnSpMkLst>
-        </pc:cxnChg>
-        <pc:cxnChg chg="mod">
-          <ac:chgData name="Lukasz Glowinski" userId="67c5aaad7ecb09f5" providerId="LiveId" clId="{807A528E-B160-4BA0-8E24-88E9345CF608}" dt="2025-07-16T17:19:02.123" v="711"/>
-          <ac:cxnSpMkLst>
-            <pc:docMk/>
-            <pc:sldMk cId="635897499" sldId="264"/>
-            <ac:cxnSpMk id="1038" creationId="{9D6EA9E5-C649-AF90-0C05-1B9BDD4259CA}"/>
-          </ac:cxnSpMkLst>
-        </pc:cxnChg>
-        <pc:cxnChg chg="mod">
-          <ac:chgData name="Lukasz Glowinski" userId="67c5aaad7ecb09f5" providerId="LiveId" clId="{807A528E-B160-4BA0-8E24-88E9345CF608}" dt="2025-07-16T17:19:02.123" v="711"/>
-          <ac:cxnSpMkLst>
-            <pc:docMk/>
-            <pc:sldMk cId="635897499" sldId="264"/>
-            <ac:cxnSpMk id="1039" creationId="{77763997-E948-B83C-1D09-6FAFC4A67FCE}"/>
-          </ac:cxnSpMkLst>
-        </pc:cxnChg>
-      </pc:sldChg>
-      <pc:sldChg chg="addSp delSp modSp add mod delAnim modAnim modNotesTx">
-        <pc:chgData name="Lukasz Glowinski" userId="67c5aaad7ecb09f5" providerId="LiveId" clId="{807A528E-B160-4BA0-8E24-88E9345CF608}" dt="2025-07-16T23:24:02.324" v="6402"/>
-        <pc:sldMkLst>
-          <pc:docMk/>
-          <pc:sldMk cId="2686856514" sldId="265"/>
-        </pc:sldMkLst>
-        <pc:spChg chg="mod">
-          <ac:chgData name="Lukasz Glowinski" userId="67c5aaad7ecb09f5" providerId="LiveId" clId="{807A528E-B160-4BA0-8E24-88E9345CF608}" dt="2025-07-16T23:24:02.324" v="6402"/>
-          <ac:spMkLst>
-            <pc:docMk/>
-            <pc:sldMk cId="2686856514" sldId="265"/>
-            <ac:spMk id="2" creationId="{6EBBCC94-6140-1F87-45A2-BCAC59EC35AC}"/>
-          </ac:spMkLst>
-        </pc:spChg>
-        <pc:spChg chg="mod">
-          <ac:chgData name="Lukasz Glowinski" userId="67c5aaad7ecb09f5" providerId="LiveId" clId="{807A528E-B160-4BA0-8E24-88E9345CF608}" dt="2025-07-16T23:02:44.341" v="5750" actId="1076"/>
-          <ac:spMkLst>
-            <pc:docMk/>
-            <pc:sldMk cId="2686856514" sldId="265"/>
-            <ac:spMk id="7" creationId="{CA88FF10-2456-CA02-D06E-0D87730A40AC}"/>
-          </ac:spMkLst>
-        </pc:spChg>
-        <pc:spChg chg="add mod">
-          <ac:chgData name="Lukasz Glowinski" userId="67c5aaad7ecb09f5" providerId="LiveId" clId="{807A528E-B160-4BA0-8E24-88E9345CF608}" dt="2025-07-16T17:50:07.304" v="1232" actId="164"/>
-          <ac:spMkLst>
-            <pc:docMk/>
-            <pc:sldMk cId="2686856514" sldId="265"/>
-            <ac:spMk id="10" creationId="{2E4AEE75-096F-9B5F-EBD4-77440A98F505}"/>
-          </ac:spMkLst>
-        </pc:spChg>
-        <pc:spChg chg="add mod">
-          <ac:chgData name="Lukasz Glowinski" userId="67c5aaad7ecb09f5" providerId="LiveId" clId="{807A528E-B160-4BA0-8E24-88E9345CF608}" dt="2025-07-16T17:50:26.690" v="1252" actId="20577"/>
-          <ac:spMkLst>
-            <pc:docMk/>
-            <pc:sldMk cId="2686856514" sldId="265"/>
-            <ac:spMk id="14" creationId="{43E9AA40-0035-13CD-4A9A-1A987F4DEDB4}"/>
-          </ac:spMkLst>
-        </pc:spChg>
-        <pc:spChg chg="add mod">
-          <ac:chgData name="Lukasz Glowinski" userId="67c5aaad7ecb09f5" providerId="LiveId" clId="{807A528E-B160-4BA0-8E24-88E9345CF608}" dt="2025-07-16T17:50:45.735" v="1276" actId="20577"/>
-          <ac:spMkLst>
-            <pc:docMk/>
-            <pc:sldMk cId="2686856514" sldId="265"/>
-            <ac:spMk id="26" creationId="{C8CF43D0-D7E5-A0E2-E54B-8B51EFF4D927}"/>
-          </ac:spMkLst>
-        </pc:spChg>
-        <pc:grpChg chg="add mod">
-          <ac:chgData name="Lukasz Glowinski" userId="67c5aaad7ecb09f5" providerId="LiveId" clId="{807A528E-B160-4BA0-8E24-88E9345CF608}" dt="2025-07-16T17:50:07.304" v="1232" actId="164"/>
-          <ac:grpSpMkLst>
-            <pc:docMk/>
-            <pc:sldMk cId="2686856514" sldId="265"/>
-            <ac:grpSpMk id="12" creationId="{7A4BEF06-C79C-AC42-9BB0-0221361E9E3E}"/>
-          </ac:grpSpMkLst>
-        </pc:grpChg>
-        <pc:grpChg chg="add mod">
-          <ac:chgData name="Lukasz Glowinski" userId="67c5aaad7ecb09f5" providerId="LiveId" clId="{807A528E-B160-4BA0-8E24-88E9345CF608}" dt="2025-07-16T17:51:19.224" v="1281" actId="1076"/>
-          <ac:grpSpMkLst>
-            <pc:docMk/>
-            <pc:sldMk cId="2686856514" sldId="265"/>
-            <ac:grpSpMk id="16" creationId="{FE2C8C63-3C2B-ACA5-5C35-18666D7978C9}"/>
-          </ac:grpSpMkLst>
-        </pc:grpChg>
-        <pc:grpChg chg="del">
-          <ac:chgData name="Lukasz Glowinski" userId="67c5aaad7ecb09f5" providerId="LiveId" clId="{807A528E-B160-4BA0-8E24-88E9345CF608}" dt="2025-07-16T17:42:11.584" v="1008" actId="478"/>
-          <ac:grpSpMkLst>
-            <pc:docMk/>
-            <pc:sldMk cId="2686856514" sldId="265"/>
-            <ac:grpSpMk id="19" creationId="{2030DE9D-8391-51CB-B478-C9D4FAEB6125}"/>
-          </ac:grpSpMkLst>
-        </pc:grpChg>
-        <pc:grpChg chg="del">
-          <ac:chgData name="Lukasz Glowinski" userId="67c5aaad7ecb09f5" providerId="LiveId" clId="{807A528E-B160-4BA0-8E24-88E9345CF608}" dt="2025-07-16T17:42:11.584" v="1008" actId="478"/>
-          <ac:grpSpMkLst>
-            <pc:docMk/>
-            <pc:sldMk cId="2686856514" sldId="265"/>
-            <ac:grpSpMk id="21" creationId="{483FFD4F-E904-D569-A74B-3DD7D4BE2ACF}"/>
-          </ac:grpSpMkLst>
-        </pc:grpChg>
-        <pc:grpChg chg="del">
-          <ac:chgData name="Lukasz Glowinski" userId="67c5aaad7ecb09f5" providerId="LiveId" clId="{807A528E-B160-4BA0-8E24-88E9345CF608}" dt="2025-07-16T17:42:11.584" v="1008" actId="478"/>
-          <ac:grpSpMkLst>
-            <pc:docMk/>
-            <pc:sldMk cId="2686856514" sldId="265"/>
-            <ac:grpSpMk id="23" creationId="{AD32C7F5-3C9A-6D18-DDFF-EE0F868650AA}"/>
-          </ac:grpSpMkLst>
-        </pc:grpChg>
-        <pc:grpChg chg="del">
-          <ac:chgData name="Lukasz Glowinski" userId="67c5aaad7ecb09f5" providerId="LiveId" clId="{807A528E-B160-4BA0-8E24-88E9345CF608}" dt="2025-07-16T17:42:11.584" v="1008" actId="478"/>
-          <ac:grpSpMkLst>
-            <pc:docMk/>
-            <pc:sldMk cId="2686856514" sldId="265"/>
-            <ac:grpSpMk id="25" creationId="{DC8ADBCC-4E69-75A6-089D-06E5F9078074}"/>
-          </ac:grpSpMkLst>
-        </pc:grpChg>
-        <pc:grpChg chg="add mod">
-          <ac:chgData name="Lukasz Glowinski" userId="67c5aaad7ecb09f5" providerId="LiveId" clId="{807A528E-B160-4BA0-8E24-88E9345CF608}" dt="2025-07-16T17:50:36.607" v="1255" actId="164"/>
-          <ac:grpSpMkLst>
-            <pc:docMk/>
-            <pc:sldMk cId="2686856514" sldId="265"/>
-            <ac:grpSpMk id="27" creationId="{AB884D10-BC98-4706-EEC9-08A8A632DD49}"/>
-          </ac:grpSpMkLst>
-        </pc:grpChg>
-        <pc:picChg chg="add mod">
-          <ac:chgData name="Lukasz Glowinski" userId="67c5aaad7ecb09f5" providerId="LiveId" clId="{807A528E-B160-4BA0-8E24-88E9345CF608}" dt="2025-07-16T17:50:07.304" v="1232" actId="164"/>
-          <ac:picMkLst>
-            <pc:docMk/>
-            <pc:sldMk cId="2686856514" sldId="265"/>
-            <ac:picMk id="4" creationId="{7B7147C3-B2A2-A3D2-5C9B-C401AED88088}"/>
-          </ac:picMkLst>
-        </pc:picChg>
-        <pc:picChg chg="add mod">
-          <ac:chgData name="Lukasz Glowinski" userId="67c5aaad7ecb09f5" providerId="LiveId" clId="{807A528E-B160-4BA0-8E24-88E9345CF608}" dt="2025-07-16T17:50:16.379" v="1235" actId="164"/>
-          <ac:picMkLst>
-            <pc:docMk/>
-            <pc:sldMk cId="2686856514" sldId="265"/>
-            <ac:picMk id="6" creationId="{F8900348-C507-B1FC-D017-70CED9D97249}"/>
-          </ac:picMkLst>
-        </pc:picChg>
-        <pc:picChg chg="add mod">
-          <ac:chgData name="Lukasz Glowinski" userId="67c5aaad7ecb09f5" providerId="LiveId" clId="{807A528E-B160-4BA0-8E24-88E9345CF608}" dt="2025-07-16T17:50:36.607" v="1255" actId="164"/>
-          <ac:picMkLst>
-            <pc:docMk/>
-            <pc:sldMk cId="2686856514" sldId="265"/>
-            <ac:picMk id="9" creationId="{1075A9BF-2D4B-0F20-F116-E1CE885B7A5B}"/>
-          </ac:picMkLst>
-        </pc:picChg>
-      </pc:sldChg>
-      <pc:sldChg chg="addSp delSp modSp add mod delAnim modNotesTx">
-        <pc:chgData name="Lukasz Glowinski" userId="67c5aaad7ecb09f5" providerId="LiveId" clId="{807A528E-B160-4BA0-8E24-88E9345CF608}" dt="2025-07-16T23:24:02.324" v="6402"/>
-        <pc:sldMkLst>
-          <pc:docMk/>
-          <pc:sldMk cId="2812835516" sldId="266"/>
-        </pc:sldMkLst>
-        <pc:spChg chg="mod">
-          <ac:chgData name="Lukasz Glowinski" userId="67c5aaad7ecb09f5" providerId="LiveId" clId="{807A528E-B160-4BA0-8E24-88E9345CF608}" dt="2025-07-16T23:24:02.324" v="6402"/>
-          <ac:spMkLst>
-            <pc:docMk/>
-            <pc:sldMk cId="2812835516" sldId="266"/>
-            <ac:spMk id="2" creationId="{7FD26A1B-285F-8D18-2A00-4B2BAD22C945}"/>
-          </ac:spMkLst>
-        </pc:spChg>
-        <pc:grpChg chg="del">
-          <ac:chgData name="Lukasz Glowinski" userId="67c5aaad7ecb09f5" providerId="LiveId" clId="{807A528E-B160-4BA0-8E24-88E9345CF608}" dt="2025-07-16T17:56:11.844" v="1326" actId="478"/>
-          <ac:grpSpMkLst>
-            <pc:docMk/>
-            <pc:sldMk cId="2812835516" sldId="266"/>
-            <ac:grpSpMk id="12" creationId="{BADAFB3F-27C7-5DFC-79C0-078DEDE008F1}"/>
-          </ac:grpSpMkLst>
-        </pc:grpChg>
-        <pc:grpChg chg="del">
-          <ac:chgData name="Lukasz Glowinski" userId="67c5aaad7ecb09f5" providerId="LiveId" clId="{807A528E-B160-4BA0-8E24-88E9345CF608}" dt="2025-07-16T17:56:11.844" v="1326" actId="478"/>
-          <ac:grpSpMkLst>
-            <pc:docMk/>
-            <pc:sldMk cId="2812835516" sldId="266"/>
-            <ac:grpSpMk id="16" creationId="{B156D664-2197-2B5A-BF74-7F9930DFBB57}"/>
-          </ac:grpSpMkLst>
-        </pc:grpChg>
-        <pc:grpChg chg="del">
-          <ac:chgData name="Lukasz Glowinski" userId="67c5aaad7ecb09f5" providerId="LiveId" clId="{807A528E-B160-4BA0-8E24-88E9345CF608}" dt="2025-07-16T17:56:11.844" v="1326" actId="478"/>
-          <ac:grpSpMkLst>
-            <pc:docMk/>
-            <pc:sldMk cId="2812835516" sldId="266"/>
-            <ac:grpSpMk id="27" creationId="{9B6A1D1B-B529-6130-D858-D46770FC7377}"/>
-          </ac:grpSpMkLst>
-        </pc:grpChg>
-        <pc:picChg chg="add mod">
-          <ac:chgData name="Lukasz Glowinski" userId="67c5aaad7ecb09f5" providerId="LiveId" clId="{807A528E-B160-4BA0-8E24-88E9345CF608}" dt="2025-07-16T18:04:28.663" v="1618" actId="14100"/>
-          <ac:picMkLst>
-            <pc:docMk/>
-            <pc:sldMk cId="2812835516" sldId="266"/>
-            <ac:picMk id="5" creationId="{C994B9AC-2B35-18E6-185F-E1BD0F9D35EB}"/>
-          </ac:picMkLst>
-        </pc:picChg>
-      </pc:sldChg>
-      <pc:sldChg chg="addSp delSp modSp add mod modNotesTx">
-        <pc:chgData name="Lukasz Glowinski" userId="67c5aaad7ecb09f5" providerId="LiveId" clId="{807A528E-B160-4BA0-8E24-88E9345CF608}" dt="2025-07-16T23:24:02.324" v="6402"/>
-        <pc:sldMkLst>
-          <pc:docMk/>
-          <pc:sldMk cId="3809646951" sldId="267"/>
-        </pc:sldMkLst>
-        <pc:spChg chg="mod">
-          <ac:chgData name="Lukasz Glowinski" userId="67c5aaad7ecb09f5" providerId="LiveId" clId="{807A528E-B160-4BA0-8E24-88E9345CF608}" dt="2025-07-16T23:24:02.324" v="6402"/>
-          <ac:spMkLst>
-            <pc:docMk/>
-            <pc:sldMk cId="3809646951" sldId="267"/>
-            <ac:spMk id="2" creationId="{7FBA0660-15BA-9BBF-C84B-E572254A93F7}"/>
-          </ac:spMkLst>
-        </pc:spChg>
-        <pc:spChg chg="mod">
-          <ac:chgData name="Lukasz Glowinski" userId="67c5aaad7ecb09f5" providerId="LiveId" clId="{807A528E-B160-4BA0-8E24-88E9345CF608}" dt="2025-07-16T23:02:31.575" v="5748" actId="1076"/>
-          <ac:spMkLst>
-            <pc:docMk/>
-            <pc:sldMk cId="3809646951" sldId="267"/>
-            <ac:spMk id="7" creationId="{F48B4D85-BA42-7602-A778-9148919DC396}"/>
-          </ac:spMkLst>
-        </pc:spChg>
-        <pc:picChg chg="add del mod">
-          <ac:chgData name="Lukasz Glowinski" userId="67c5aaad7ecb09f5" providerId="LiveId" clId="{807A528E-B160-4BA0-8E24-88E9345CF608}" dt="2025-07-16T18:06:36.145" v="1764" actId="478"/>
-          <ac:picMkLst>
-            <pc:docMk/>
-            <pc:sldMk cId="3809646951" sldId="267"/>
-            <ac:picMk id="4" creationId="{82E76FCC-858C-DCB0-68E3-E13D94392D27}"/>
-          </ac:picMkLst>
-        </pc:picChg>
-        <pc:picChg chg="del">
-          <ac:chgData name="Lukasz Glowinski" userId="67c5aaad7ecb09f5" providerId="LiveId" clId="{807A528E-B160-4BA0-8E24-88E9345CF608}" dt="2025-07-16T18:04:16" v="1616" actId="478"/>
-          <ac:picMkLst>
-            <pc:docMk/>
-            <pc:sldMk cId="3809646951" sldId="267"/>
-            <ac:picMk id="5" creationId="{24CEBD29-DA4B-44EB-1D95-AA7BBD97D187}"/>
-          </ac:picMkLst>
-        </pc:picChg>
-        <pc:picChg chg="add del">
-          <ac:chgData name="Lukasz Glowinski" userId="67c5aaad7ecb09f5" providerId="LiveId" clId="{807A528E-B160-4BA0-8E24-88E9345CF608}" dt="2025-07-16T18:06:32.306" v="1760" actId="22"/>
-          <ac:picMkLst>
-            <pc:docMk/>
-            <pc:sldMk cId="3809646951" sldId="267"/>
-            <ac:picMk id="8" creationId="{C8D54834-FF4B-4E46-F18C-119608D17C88}"/>
-          </ac:picMkLst>
-        </pc:picChg>
-        <pc:picChg chg="add del">
-          <ac:chgData name="Lukasz Glowinski" userId="67c5aaad7ecb09f5" providerId="LiveId" clId="{807A528E-B160-4BA0-8E24-88E9345CF608}" dt="2025-07-16T18:06:35.141" v="1763" actId="22"/>
-          <ac:picMkLst>
-            <pc:docMk/>
-            <pc:sldMk cId="3809646951" sldId="267"/>
-            <ac:picMk id="10" creationId="{30C485AB-85EC-986C-9960-352A6B1D10A7}"/>
-          </ac:picMkLst>
-        </pc:picChg>
-        <pc:picChg chg="add mod">
-          <ac:chgData name="Lukasz Glowinski" userId="67c5aaad7ecb09f5" providerId="LiveId" clId="{807A528E-B160-4BA0-8E24-88E9345CF608}" dt="2025-07-16T18:07:06.438" v="1770" actId="1076"/>
-          <ac:picMkLst>
-            <pc:docMk/>
-            <pc:sldMk cId="3809646951" sldId="267"/>
-            <ac:picMk id="12" creationId="{BE774099-9CB3-7294-E948-459F02C9EE95}"/>
-          </ac:picMkLst>
-        </pc:picChg>
-      </pc:sldChg>
-      <pc:sldChg chg="addSp delSp modSp add mod">
-        <pc:chgData name="Lukasz Glowinski" userId="67c5aaad7ecb09f5" providerId="LiveId" clId="{807A528E-B160-4BA0-8E24-88E9345CF608}" dt="2025-07-16T23:24:02.324" v="6402"/>
-        <pc:sldMkLst>
-          <pc:docMk/>
-          <pc:sldMk cId="3219397989" sldId="268"/>
-        </pc:sldMkLst>
-        <pc:spChg chg="mod">
-          <ac:chgData name="Lukasz Glowinski" userId="67c5aaad7ecb09f5" providerId="LiveId" clId="{807A528E-B160-4BA0-8E24-88E9345CF608}" dt="2025-07-16T23:24:02.324" v="6402"/>
-          <ac:spMkLst>
-            <pc:docMk/>
-            <pc:sldMk cId="3219397989" sldId="268"/>
-            <ac:spMk id="2" creationId="{677855C3-55AD-6B70-799E-754D0A8CC89E}"/>
-          </ac:spMkLst>
-        </pc:spChg>
-        <pc:spChg chg="mod">
-          <ac:chgData name="Lukasz Glowinski" userId="67c5aaad7ecb09f5" providerId="LiveId" clId="{807A528E-B160-4BA0-8E24-88E9345CF608}" dt="2025-07-16T23:02:38.609" v="5749" actId="1076"/>
-          <ac:spMkLst>
-            <pc:docMk/>
-            <pc:sldMk cId="3219397989" sldId="268"/>
-            <ac:spMk id="7" creationId="{1367851E-F9D4-00DF-217A-565D2F46A76D}"/>
-          </ac:spMkLst>
-        </pc:spChg>
-        <pc:picChg chg="add del mod">
-          <ac:chgData name="Lukasz Glowinski" userId="67c5aaad7ecb09f5" providerId="LiveId" clId="{807A528E-B160-4BA0-8E24-88E9345CF608}" dt="2025-07-16T18:09:16.046" v="1800" actId="478"/>
-          <ac:picMkLst>
-            <pc:docMk/>
-            <pc:sldMk cId="3219397989" sldId="268"/>
-            <ac:picMk id="4" creationId="{E15869A0-F8AF-DDDF-EB17-7D6E93979377}"/>
-          </ac:picMkLst>
-        </pc:picChg>
-        <pc:picChg chg="add mod">
-          <ac:chgData name="Lukasz Glowinski" userId="67c5aaad7ecb09f5" providerId="LiveId" clId="{807A528E-B160-4BA0-8E24-88E9345CF608}" dt="2025-07-16T18:09:14.305" v="1799"/>
-          <ac:picMkLst>
-            <pc:docMk/>
-            <pc:sldMk cId="3219397989" sldId="268"/>
-            <ac:picMk id="5" creationId="{83A1F3B3-10B6-D8E1-E33B-41C2E81F84A6}"/>
-          </ac:picMkLst>
-        </pc:picChg>
-        <pc:picChg chg="del">
-          <ac:chgData name="Lukasz Glowinski" userId="67c5aaad7ecb09f5" providerId="LiveId" clId="{807A528E-B160-4BA0-8E24-88E9345CF608}" dt="2025-07-16T18:08:27.426" v="1796" actId="478"/>
-          <ac:picMkLst>
-            <pc:docMk/>
-            <pc:sldMk cId="3219397989" sldId="268"/>
-            <ac:picMk id="12" creationId="{BBAF304C-69C9-599D-0FA2-0BF751D5D506}"/>
-          </ac:picMkLst>
-        </pc:picChg>
-      </pc:sldChg>
-      <pc:sldChg chg="addSp delSp modSp add mod modTransition modAnim modNotesTx">
-        <pc:chgData name="Lukasz Glowinski" userId="67c5aaad7ecb09f5" providerId="LiveId" clId="{807A528E-B160-4BA0-8E24-88E9345CF608}" dt="2025-07-16T23:24:02.324" v="6402"/>
-        <pc:sldMkLst>
-          <pc:docMk/>
-          <pc:sldMk cId="3181824903" sldId="269"/>
-        </pc:sldMkLst>
-        <pc:spChg chg="mod">
-          <ac:chgData name="Lukasz Glowinski" userId="67c5aaad7ecb09f5" providerId="LiveId" clId="{807A528E-B160-4BA0-8E24-88E9345CF608}" dt="2025-07-16T23:24:02.324" v="6402"/>
-          <ac:spMkLst>
-            <pc:docMk/>
-            <pc:sldMk cId="3181824903" sldId="269"/>
-            <ac:spMk id="2" creationId="{77299E45-F0A0-8994-7273-4724CBE60465}"/>
-          </ac:spMkLst>
-        </pc:spChg>
-        <pc:spChg chg="mod">
-          <ac:chgData name="Lukasz Glowinski" userId="67c5aaad7ecb09f5" providerId="LiveId" clId="{807A528E-B160-4BA0-8E24-88E9345CF608}" dt="2025-07-16T23:03:16.933" v="5753" actId="1076"/>
-          <ac:spMkLst>
-            <pc:docMk/>
-            <pc:sldMk cId="3181824903" sldId="269"/>
-            <ac:spMk id="7" creationId="{0C4C26F5-72F8-8AE7-C6E8-B2A41EBFD0B9}"/>
-          </ac:spMkLst>
-        </pc:spChg>
-        <pc:spChg chg="add del">
-          <ac:chgData name="Lukasz Glowinski" userId="67c5aaad7ecb09f5" providerId="LiveId" clId="{807A528E-B160-4BA0-8E24-88E9345CF608}" dt="2025-07-16T18:21:53.009" v="2075" actId="22"/>
-          <ac:spMkLst>
-            <pc:docMk/>
-            <pc:sldMk cId="3181824903" sldId="269"/>
-            <ac:spMk id="10" creationId="{0CCFF2E9-668A-8A81-9B77-37A8D8A9F61B}"/>
-          </ac:spMkLst>
-        </pc:spChg>
-        <pc:picChg chg="add mod">
-          <ac:chgData name="Lukasz Glowinski" userId="67c5aaad7ecb09f5" providerId="LiveId" clId="{807A528E-B160-4BA0-8E24-88E9345CF608}" dt="2025-07-16T18:10:59.007" v="1806" actId="12788"/>
-          <ac:picMkLst>
-            <pc:docMk/>
-            <pc:sldMk cId="3181824903" sldId="269"/>
-            <ac:picMk id="4" creationId="{EC34E412-C1E8-0078-7A01-9A8D6C9398B9}"/>
-          </ac:picMkLst>
-        </pc:picChg>
-        <pc:picChg chg="del">
-          <ac:chgData name="Lukasz Glowinski" userId="67c5aaad7ecb09f5" providerId="LiveId" clId="{807A528E-B160-4BA0-8E24-88E9345CF608}" dt="2025-07-16T18:10:41.860" v="1802" actId="478"/>
-          <ac:picMkLst>
-            <pc:docMk/>
-            <pc:sldMk cId="3181824903" sldId="269"/>
-            <ac:picMk id="5" creationId="{29C74345-A65F-3C01-198F-004DE5702F67}"/>
-          </ac:picMkLst>
-        </pc:picChg>
-        <pc:picChg chg="add mod">
-          <ac:chgData name="Lukasz Glowinski" userId="67c5aaad7ecb09f5" providerId="LiveId" clId="{807A528E-B160-4BA0-8E24-88E9345CF608}" dt="2025-07-16T18:19:27.751" v="1939" actId="1076"/>
-          <ac:picMkLst>
-            <pc:docMk/>
-            <pc:sldMk cId="3181824903" sldId="269"/>
-            <ac:picMk id="8" creationId="{DC24689F-AB3A-3CF0-1818-E8A32C0F48A8}"/>
-          </ac:picMkLst>
-        </pc:picChg>
-        <pc:picChg chg="add del mod">
-          <ac:chgData name="Lukasz Glowinski" userId="67c5aaad7ecb09f5" providerId="LiveId" clId="{807A528E-B160-4BA0-8E24-88E9345CF608}" dt="2025-07-16T18:24:10.464" v="2210" actId="478"/>
-          <ac:picMkLst>
-            <pc:docMk/>
-            <pc:sldMk cId="3181824903" sldId="269"/>
-            <ac:picMk id="12" creationId="{1A798F1C-6A2F-2881-852F-814B165FE69C}"/>
-          </ac:picMkLst>
-        </pc:picChg>
-      </pc:sldChg>
-      <pc:sldChg chg="addSp delSp modSp add mod modTransition delAnim modAnim modNotesTx">
-        <pc:chgData name="Lukasz Glowinski" userId="67c5aaad7ecb09f5" providerId="LiveId" clId="{807A528E-B160-4BA0-8E24-88E9345CF608}" dt="2025-07-16T23:24:02.324" v="6402"/>
-        <pc:sldMkLst>
-          <pc:docMk/>
-          <pc:sldMk cId="1408219210" sldId="270"/>
-        </pc:sldMkLst>
-        <pc:spChg chg="mod">
-          <ac:chgData name="Lukasz Glowinski" userId="67c5aaad7ecb09f5" providerId="LiveId" clId="{807A528E-B160-4BA0-8E24-88E9345CF608}" dt="2025-07-16T23:24:02.324" v="6402"/>
-          <ac:spMkLst>
-            <pc:docMk/>
-            <pc:sldMk cId="1408219210" sldId="270"/>
-            <ac:spMk id="2" creationId="{E172CF87-681A-04AA-BA81-F1612C8793C8}"/>
-          </ac:spMkLst>
-        </pc:spChg>
-        <pc:spChg chg="mod">
-          <ac:chgData name="Lukasz Glowinski" userId="67c5aaad7ecb09f5" providerId="LiveId" clId="{807A528E-B160-4BA0-8E24-88E9345CF608}" dt="2025-07-16T23:03:08.713" v="5752" actId="1076"/>
-          <ac:spMkLst>
-            <pc:docMk/>
-            <pc:sldMk cId="1408219210" sldId="270"/>
-            <ac:spMk id="7" creationId="{DDD864D2-F088-7489-E844-E76C7B219FF6}"/>
-          </ac:spMkLst>
-        </pc:spChg>
-        <pc:picChg chg="add mod">
-          <ac:chgData name="Lukasz Glowinski" userId="67c5aaad7ecb09f5" providerId="LiveId" clId="{807A528E-B160-4BA0-8E24-88E9345CF608}" dt="2025-07-16T18:24:23.895" v="2211" actId="1076"/>
-          <ac:picMkLst>
-            <pc:docMk/>
-            <pc:sldMk cId="1408219210" sldId="270"/>
-            <ac:picMk id="3" creationId="{D17FF07C-AC37-0E71-4C7D-6160B89E3945}"/>
-          </ac:picMkLst>
-        </pc:picChg>
-        <pc:picChg chg="del">
-          <ac:chgData name="Lukasz Glowinski" userId="67c5aaad7ecb09f5" providerId="LiveId" clId="{807A528E-B160-4BA0-8E24-88E9345CF608}" dt="2025-07-16T18:22:20.743" v="2085" actId="478"/>
-          <ac:picMkLst>
-            <pc:docMk/>
-            <pc:sldMk cId="1408219210" sldId="270"/>
-            <ac:picMk id="4" creationId="{C1DE76C0-9759-F200-0C05-158565D27C41}"/>
-          </ac:picMkLst>
-        </pc:picChg>
-        <pc:picChg chg="add mod">
-          <ac:chgData name="Lukasz Glowinski" userId="67c5aaad7ecb09f5" providerId="LiveId" clId="{807A528E-B160-4BA0-8E24-88E9345CF608}" dt="2025-07-16T18:24:36.699" v="2212" actId="1076"/>
-          <ac:picMkLst>
-            <pc:docMk/>
-            <pc:sldMk cId="1408219210" sldId="270"/>
-            <ac:picMk id="6" creationId="{0424A380-B70A-AA3C-53AB-4E0AE47DDDF0}"/>
-          </ac:picMkLst>
-        </pc:picChg>
-        <pc:picChg chg="del">
-          <ac:chgData name="Lukasz Glowinski" userId="67c5aaad7ecb09f5" providerId="LiveId" clId="{807A528E-B160-4BA0-8E24-88E9345CF608}" dt="2025-07-16T18:22:22.472" v="2086" actId="478"/>
-          <ac:picMkLst>
-            <pc:docMk/>
-            <pc:sldMk cId="1408219210" sldId="270"/>
-            <ac:picMk id="8" creationId="{B24B3C6E-1021-80A5-05FB-B40C3A695A8C}"/>
-          </ac:picMkLst>
-        </pc:picChg>
-        <pc:picChg chg="add del">
-          <ac:chgData name="Lukasz Glowinski" userId="67c5aaad7ecb09f5" providerId="LiveId" clId="{807A528E-B160-4BA0-8E24-88E9345CF608}" dt="2025-07-16T18:22:17.347" v="2083" actId="21"/>
-          <ac:picMkLst>
-            <pc:docMk/>
-            <pc:sldMk cId="1408219210" sldId="270"/>
-            <ac:picMk id="12" creationId="{D17FF07C-AC37-0E71-4C7D-6160B89E3945}"/>
-          </ac:picMkLst>
-        </pc:picChg>
-      </pc:sldChg>
-      <pc:sldChg chg="addSp delSp modSp add mod ord delAnim modAnim modNotesTx">
-        <pc:chgData name="Lukasz Glowinski" userId="67c5aaad7ecb09f5" providerId="LiveId" clId="{807A528E-B160-4BA0-8E24-88E9345CF608}" dt="2025-07-16T23:24:02.324" v="6402"/>
-        <pc:sldMkLst>
-          <pc:docMk/>
-          <pc:sldMk cId="1414330265" sldId="271"/>
-        </pc:sldMkLst>
-        <pc:spChg chg="mod">
-          <ac:chgData name="Lukasz Glowinski" userId="67c5aaad7ecb09f5" providerId="LiveId" clId="{807A528E-B160-4BA0-8E24-88E9345CF608}" dt="2025-07-16T23:24:02.324" v="6402"/>
-          <ac:spMkLst>
-            <pc:docMk/>
-            <pc:sldMk cId="1414330265" sldId="271"/>
-            <ac:spMk id="2" creationId="{245CCC82-5F58-6950-7EDD-17B043109749}"/>
-          </ac:spMkLst>
-        </pc:spChg>
-        <pc:spChg chg="del mod topLvl">
-          <ac:chgData name="Lukasz Glowinski" userId="67c5aaad7ecb09f5" providerId="LiveId" clId="{807A528E-B160-4BA0-8E24-88E9345CF608}" dt="2025-07-16T18:42:14.806" v="2225" actId="478"/>
-          <ac:spMkLst>
-            <pc:docMk/>
-            <pc:sldMk cId="1414330265" sldId="271"/>
-            <ac:spMk id="8" creationId="{F0BBD241-1089-6841-193F-2FEDCD00E6FB}"/>
-          </ac:spMkLst>
-        </pc:spChg>
-        <pc:spChg chg="add mod">
-          <ac:chgData name="Lukasz Glowinski" userId="67c5aaad7ecb09f5" providerId="LiveId" clId="{807A528E-B160-4BA0-8E24-88E9345CF608}" dt="2025-07-16T18:42:55.381" v="2264" actId="20577"/>
-          <ac:spMkLst>
-            <pc:docMk/>
-            <pc:sldMk cId="1414330265" sldId="271"/>
-            <ac:spMk id="9" creationId="{94E70DCA-646A-8DF9-55AC-909B1FF8436B}"/>
-          </ac:spMkLst>
-        </pc:spChg>
-        <pc:grpChg chg="del">
-          <ac:chgData name="Lukasz Glowinski" userId="67c5aaad7ecb09f5" providerId="LiveId" clId="{807A528E-B160-4BA0-8E24-88E9345CF608}" dt="2025-07-16T18:41:08.688" v="2217" actId="478"/>
-          <ac:grpSpMkLst>
-            <pc:docMk/>
-            <pc:sldMk cId="1414330265" sldId="271"/>
-            <ac:grpSpMk id="3" creationId="{83CEC553-10CC-363B-CDEE-BA428D7B7FBE}"/>
-          </ac:grpSpMkLst>
-        </pc:grpChg>
-        <pc:grpChg chg="add del mod">
-          <ac:chgData name="Lukasz Glowinski" userId="67c5aaad7ecb09f5" providerId="LiveId" clId="{807A528E-B160-4BA0-8E24-88E9345CF608}" dt="2025-07-16T18:42:14.806" v="2225" actId="478"/>
-          <ac:grpSpMkLst>
-            <pc:docMk/>
-            <pc:sldMk cId="1414330265" sldId="271"/>
-            <ac:grpSpMk id="6" creationId="{9F23EFB8-4E97-AD31-167D-3BA4A0417628}"/>
-          </ac:grpSpMkLst>
-        </pc:grpChg>
-        <pc:grpChg chg="add mod">
-          <ac:chgData name="Lukasz Glowinski" userId="67c5aaad7ecb09f5" providerId="LiveId" clId="{807A528E-B160-4BA0-8E24-88E9345CF608}" dt="2025-07-16T18:42:41.921" v="2230" actId="164"/>
-          <ac:grpSpMkLst>
-            <pc:docMk/>
-            <pc:sldMk cId="1414330265" sldId="271"/>
-            <ac:grpSpMk id="10" creationId="{26A41FD6-4D9A-05E8-F940-4D7D54972D7C}"/>
-          </ac:grpSpMkLst>
-        </pc:grpChg>
-        <pc:picChg chg="mod topLvl">
-          <ac:chgData name="Lukasz Glowinski" userId="67c5aaad7ecb09f5" providerId="LiveId" clId="{807A528E-B160-4BA0-8E24-88E9345CF608}" dt="2025-07-16T18:42:41.921" v="2230" actId="164"/>
-          <ac:picMkLst>
-            <pc:docMk/>
-            <pc:sldMk cId="1414330265" sldId="271"/>
-            <ac:picMk id="7" creationId="{CD198C61-0805-7C31-9682-C66019046C32}"/>
-          </ac:picMkLst>
-        </pc:picChg>
-      </pc:sldChg>
-      <pc:sldChg chg="addSp delSp modSp add mod setBg delAnim modNotesTx">
-        <pc:chgData name="Lukasz Glowinski" userId="67c5aaad7ecb09f5" providerId="LiveId" clId="{807A528E-B160-4BA0-8E24-88E9345CF608}" dt="2025-07-16T23:24:02.324" v="6402"/>
-        <pc:sldMkLst>
-          <pc:docMk/>
-          <pc:sldMk cId="3760907948" sldId="272"/>
-        </pc:sldMkLst>
-        <pc:spChg chg="mod">
-          <ac:chgData name="Lukasz Glowinski" userId="67c5aaad7ecb09f5" providerId="LiveId" clId="{807A528E-B160-4BA0-8E24-88E9345CF608}" dt="2025-07-16T23:24:02.324" v="6402"/>
-          <ac:spMkLst>
-            <pc:docMk/>
-            <pc:sldMk cId="3760907948" sldId="272"/>
-            <ac:spMk id="2" creationId="{5946DF2F-65D6-8735-12F8-C1904C1313AA}"/>
-          </ac:spMkLst>
-        </pc:spChg>
-        <pc:spChg chg="mod">
-          <ac:chgData name="Lukasz Glowinski" userId="67c5aaad7ecb09f5" providerId="LiveId" clId="{807A528E-B160-4BA0-8E24-88E9345CF608}" dt="2025-07-16T23:02:17.582" v="5747" actId="1076"/>
-          <ac:spMkLst>
-            <pc:docMk/>
-            <pc:sldMk cId="3760907948" sldId="272"/>
-            <ac:spMk id="7" creationId="{C73B10E7-35C0-B4C4-D7FF-5697D924AA3D}"/>
-          </ac:spMkLst>
-        </pc:spChg>
-        <pc:graphicFrameChg chg="add mod modGraphic">
-          <ac:chgData name="Lukasz Glowinski" userId="67c5aaad7ecb09f5" providerId="LiveId" clId="{807A528E-B160-4BA0-8E24-88E9345CF608}" dt="2025-07-16T18:51:02.496" v="2569" actId="20577"/>
-          <ac:graphicFrameMkLst>
-            <pc:docMk/>
-            <pc:sldMk cId="3760907948" sldId="272"/>
-            <ac:graphicFrameMk id="4" creationId="{2EA96137-97C7-85CD-704C-71E40E253983}"/>
-          </ac:graphicFrameMkLst>
-        </pc:graphicFrameChg>
-        <pc:picChg chg="del">
-          <ac:chgData name="Lukasz Glowinski" userId="67c5aaad7ecb09f5" providerId="LiveId" clId="{807A528E-B160-4BA0-8E24-88E9345CF608}" dt="2025-07-16T18:44:45.139" v="2282" actId="478"/>
-          <ac:picMkLst>
-            <pc:docMk/>
-            <pc:sldMk cId="3760907948" sldId="272"/>
-            <ac:picMk id="3" creationId="{77AD779D-B975-0987-3BFB-5785FC343317}"/>
-          </ac:picMkLst>
-        </pc:picChg>
-        <pc:picChg chg="del">
-          <ac:chgData name="Lukasz Glowinski" userId="67c5aaad7ecb09f5" providerId="LiveId" clId="{807A528E-B160-4BA0-8E24-88E9345CF608}" dt="2025-07-16T18:44:45.139" v="2282" actId="478"/>
-          <ac:picMkLst>
-            <pc:docMk/>
-            <pc:sldMk cId="3760907948" sldId="272"/>
-            <ac:picMk id="6" creationId="{2A028ABF-EF77-88E5-0EAC-9715FA9E8F30}"/>
-          </ac:picMkLst>
-        </pc:picChg>
-      </pc:sldChg>
-      <pc:sldChg chg="addSp delSp modSp add mod modNotesTx">
-        <pc:chgData name="Lukasz Glowinski" userId="67c5aaad7ecb09f5" providerId="LiveId" clId="{807A528E-B160-4BA0-8E24-88E9345CF608}" dt="2025-07-16T23:24:02.324" v="6402"/>
-        <pc:sldMkLst>
-          <pc:docMk/>
-          <pc:sldMk cId="2012255293" sldId="273"/>
-        </pc:sldMkLst>
-        <pc:spChg chg="mod">
-          <ac:chgData name="Lukasz Glowinski" userId="67c5aaad7ecb09f5" providerId="LiveId" clId="{807A528E-B160-4BA0-8E24-88E9345CF608}" dt="2025-07-16T23:24:02.324" v="6402"/>
-          <ac:spMkLst>
-            <pc:docMk/>
-            <pc:sldMk cId="2012255293" sldId="273"/>
-            <ac:spMk id="2" creationId="{89CA1573-0B67-F543-5600-DF638020499B}"/>
-          </ac:spMkLst>
-        </pc:spChg>
-        <pc:spChg chg="add del">
-          <ac:chgData name="Lukasz Glowinski" userId="67c5aaad7ecb09f5" providerId="LiveId" clId="{807A528E-B160-4BA0-8E24-88E9345CF608}" dt="2025-07-16T19:51:52.176" v="2573" actId="22"/>
-          <ac:spMkLst>
-            <pc:docMk/>
-            <pc:sldMk cId="2012255293" sldId="273"/>
-            <ac:spMk id="5" creationId="{18BFA8BF-F8BA-ED38-DD9F-58EF4A71A820}"/>
-          </ac:spMkLst>
-        </pc:spChg>
-        <pc:spChg chg="mod">
-          <ac:chgData name="Lukasz Glowinski" userId="67c5aaad7ecb09f5" providerId="LiveId" clId="{807A528E-B160-4BA0-8E24-88E9345CF608}" dt="2025-07-16T23:02:10.708" v="5746" actId="1076"/>
-          <ac:spMkLst>
-            <pc:docMk/>
-            <pc:sldMk cId="2012255293" sldId="273"/>
-            <ac:spMk id="7" creationId="{222B6800-F287-1805-4D29-0CAFA0EFE438}"/>
-          </ac:spMkLst>
-        </pc:spChg>
-        <pc:graphicFrameChg chg="del">
-          <ac:chgData name="Lukasz Glowinski" userId="67c5aaad7ecb09f5" providerId="LiveId" clId="{807A528E-B160-4BA0-8E24-88E9345CF608}" dt="2025-07-16T19:51:57.181" v="2574" actId="478"/>
-          <ac:graphicFrameMkLst>
-            <pc:docMk/>
-            <pc:sldMk cId="2012255293" sldId="273"/>
-            <ac:graphicFrameMk id="4" creationId="{FE56F053-EE53-0988-94CB-7114F81F3092}"/>
-          </ac:graphicFrameMkLst>
-        </pc:graphicFrameChg>
-        <pc:graphicFrameChg chg="add del mod modGraphic">
-          <ac:chgData name="Lukasz Glowinski" userId="67c5aaad7ecb09f5" providerId="LiveId" clId="{807A528E-B160-4BA0-8E24-88E9345CF608}" dt="2025-07-16T19:54:09.715" v="2584" actId="478"/>
-          <ac:graphicFrameMkLst>
-            <pc:docMk/>
-            <pc:sldMk cId="2012255293" sldId="273"/>
-            <ac:graphicFrameMk id="6" creationId="{01A46BEE-1744-0017-F6B7-CE8AF9E426D9}"/>
-          </ac:graphicFrameMkLst>
-        </pc:graphicFrameChg>
-        <pc:graphicFrameChg chg="add mod modGraphic">
-          <ac:chgData name="Lukasz Glowinski" userId="67c5aaad7ecb09f5" providerId="LiveId" clId="{807A528E-B160-4BA0-8E24-88E9345CF608}" dt="2025-07-16T20:00:53.938" v="2722"/>
-          <ac:graphicFrameMkLst>
-            <pc:docMk/>
-            <pc:sldMk cId="2012255293" sldId="273"/>
-            <ac:graphicFrameMk id="8" creationId="{BEDA3E37-7DE1-2683-2C92-CAF16FD743BA}"/>
-          </ac:graphicFrameMkLst>
-        </pc:graphicFrameChg>
-      </pc:sldChg>
-      <pc:sldChg chg="new add del">
-        <pc:chgData name="Lukasz Glowinski" userId="67c5aaad7ecb09f5" providerId="LiveId" clId="{807A528E-B160-4BA0-8E24-88E9345CF608}" dt="2025-07-16T18:50:15.948" v="2501" actId="680"/>
-        <pc:sldMkLst>
-          <pc:docMk/>
-          <pc:sldMk cId="3505110608" sldId="273"/>
-        </pc:sldMkLst>
-      </pc:sldChg>
-      <pc:sldChg chg="addSp delSp modSp add del mod modNotesTx">
-        <pc:chgData name="Lukasz Glowinski" userId="67c5aaad7ecb09f5" providerId="LiveId" clId="{807A528E-B160-4BA0-8E24-88E9345CF608}" dt="2025-07-16T21:58:20.464" v="3052" actId="47"/>
-        <pc:sldMkLst>
-          <pc:docMk/>
-          <pc:sldMk cId="3008824586" sldId="274"/>
-        </pc:sldMkLst>
-        <pc:grpChg chg="del">
-          <ac:chgData name="Lukasz Glowinski" userId="67c5aaad7ecb09f5" providerId="LiveId" clId="{807A528E-B160-4BA0-8E24-88E9345CF608}" dt="2025-07-16T20:05:00.527" v="2811" actId="478"/>
-          <ac:grpSpMkLst>
-            <pc:docMk/>
-            <pc:sldMk cId="3008824586" sldId="274"/>
-            <ac:grpSpMk id="10" creationId="{D6E1097D-31C1-F85F-0A3F-82CB87FA664E}"/>
-          </ac:grpSpMkLst>
-        </pc:grpChg>
-        <pc:grpChg chg="add mod">
-          <ac:chgData name="Lukasz Glowinski" userId="67c5aaad7ecb09f5" providerId="LiveId" clId="{807A528E-B160-4BA0-8E24-88E9345CF608}" dt="2025-07-16T21:57:05.032" v="2888" actId="1076"/>
-          <ac:grpSpMkLst>
-            <pc:docMk/>
-            <pc:sldMk cId="3008824586" sldId="274"/>
-            <ac:grpSpMk id="12" creationId="{074E7838-421C-89A7-5676-B93BDC354745}"/>
-          </ac:grpSpMkLst>
-        </pc:grpChg>
-        <pc:picChg chg="add del mod">
-          <ac:chgData name="Lukasz Glowinski" userId="67c5aaad7ecb09f5" providerId="LiveId" clId="{807A528E-B160-4BA0-8E24-88E9345CF608}" dt="2025-07-16T20:09:45.215" v="2871" actId="478"/>
-          <ac:picMkLst>
-            <pc:docMk/>
-            <pc:sldMk cId="3008824586" sldId="274"/>
-            <ac:picMk id="4" creationId="{DEC39A0E-533B-4643-68E0-F25302D2968E}"/>
-          </ac:picMkLst>
-        </pc:picChg>
-        <pc:picChg chg="add mod">
-          <ac:chgData name="Lukasz Glowinski" userId="67c5aaad7ecb09f5" providerId="LiveId" clId="{807A528E-B160-4BA0-8E24-88E9345CF608}" dt="2025-07-16T21:57:11.075" v="2890" actId="1076"/>
-          <ac:picMkLst>
-            <pc:docMk/>
-            <pc:sldMk cId="3008824586" sldId="274"/>
-            <ac:picMk id="6" creationId="{B8723A43-EBB3-84BD-0C54-6166D2476A43}"/>
-          </ac:picMkLst>
-        </pc:picChg>
-        <pc:picChg chg="add mod">
-          <ac:chgData name="Lukasz Glowinski" userId="67c5aaad7ecb09f5" providerId="LiveId" clId="{807A528E-B160-4BA0-8E24-88E9345CF608}" dt="2025-07-16T21:57:09.247" v="2889" actId="1076"/>
-          <ac:picMkLst>
-            <pc:docMk/>
-            <pc:sldMk cId="3008824586" sldId="274"/>
-            <ac:picMk id="11" creationId="{AC219E80-6081-FBFB-7F59-3AE64E7CF47C}"/>
-          </ac:picMkLst>
-        </pc:picChg>
-      </pc:sldChg>
-      <pc:sldChg chg="delSp modSp add ord modAnim">
-        <pc:chgData name="Lukasz Glowinski" userId="67c5aaad7ecb09f5" providerId="LiveId" clId="{807A528E-B160-4BA0-8E24-88E9345CF608}" dt="2025-07-16T23:24:02.324" v="6402"/>
-        <pc:sldMkLst>
-          <pc:docMk/>
-          <pc:sldMk cId="4138024580" sldId="275"/>
-        </pc:sldMkLst>
-        <pc:spChg chg="mod">
-          <ac:chgData name="Lukasz Glowinski" userId="67c5aaad7ecb09f5" providerId="LiveId" clId="{807A528E-B160-4BA0-8E24-88E9345CF608}" dt="2025-07-16T23:24:02.324" v="6402"/>
-          <ac:spMkLst>
-            <pc:docMk/>
-            <pc:sldMk cId="4138024580" sldId="275"/>
-            <ac:spMk id="2" creationId="{3EF4AD9F-93F7-0D54-E38B-582FD42932A6}"/>
-          </ac:spMkLst>
-        </pc:spChg>
-        <pc:grpChg chg="del">
-          <ac:chgData name="Lukasz Glowinski" userId="67c5aaad7ecb09f5" providerId="LiveId" clId="{807A528E-B160-4BA0-8E24-88E9345CF608}" dt="2025-07-16T21:58:05.286" v="3048" actId="165"/>
-          <ac:grpSpMkLst>
-            <pc:docMk/>
-            <pc:sldMk cId="4138024580" sldId="275"/>
-            <ac:grpSpMk id="12" creationId="{C90EE40A-E506-1A7C-7A72-8EE22A645450}"/>
-          </ac:grpSpMkLst>
-        </pc:grpChg>
-        <pc:picChg chg="mod topLvl">
-          <ac:chgData name="Lukasz Glowinski" userId="67c5aaad7ecb09f5" providerId="LiveId" clId="{807A528E-B160-4BA0-8E24-88E9345CF608}" dt="2025-07-16T21:58:05.286" v="3048" actId="165"/>
-          <ac:picMkLst>
-            <pc:docMk/>
-            <pc:sldMk cId="4138024580" sldId="275"/>
-            <ac:picMk id="6" creationId="{1DB88201-7046-5D44-D3AC-3D76DD978E13}"/>
-          </ac:picMkLst>
-        </pc:picChg>
-        <pc:picChg chg="mod topLvl">
-          <ac:chgData name="Lukasz Glowinski" userId="67c5aaad7ecb09f5" providerId="LiveId" clId="{807A528E-B160-4BA0-8E24-88E9345CF608}" dt="2025-07-16T21:58:05.286" v="3048" actId="165"/>
-          <ac:picMkLst>
-            <pc:docMk/>
-            <pc:sldMk cId="4138024580" sldId="275"/>
-            <ac:picMk id="11" creationId="{DFFF7EF5-1151-0083-9462-B3FE27EB647F}"/>
-          </ac:picMkLst>
-        </pc:picChg>
-      </pc:sldChg>
-      <pc:sldChg chg="addSp delSp modSp add mod delAnim modNotesTx">
-        <pc:chgData name="Lukasz Glowinski" userId="67c5aaad7ecb09f5" providerId="LiveId" clId="{807A528E-B160-4BA0-8E24-88E9345CF608}" dt="2025-07-16T23:24:02.324" v="6402"/>
-        <pc:sldMkLst>
-          <pc:docMk/>
-          <pc:sldMk cId="944775477" sldId="276"/>
-        </pc:sldMkLst>
-        <pc:spChg chg="mod">
-          <ac:chgData name="Lukasz Glowinski" userId="67c5aaad7ecb09f5" providerId="LiveId" clId="{807A528E-B160-4BA0-8E24-88E9345CF608}" dt="2025-07-16T23:24:02.324" v="6402"/>
-          <ac:spMkLst>
-            <pc:docMk/>
-            <pc:sldMk cId="944775477" sldId="276"/>
-            <ac:spMk id="2" creationId="{3BACA62D-800E-901B-5A0F-3A00C305A20A}"/>
-          </ac:spMkLst>
-        </pc:spChg>
-        <pc:picChg chg="add mod">
-          <ac:chgData name="Lukasz Glowinski" userId="67c5aaad7ecb09f5" providerId="LiveId" clId="{807A528E-B160-4BA0-8E24-88E9345CF608}" dt="2025-07-16T22:01:43.851" v="3518" actId="12788"/>
-          <ac:picMkLst>
-            <pc:docMk/>
-            <pc:sldMk cId="944775477" sldId="276"/>
-            <ac:picMk id="4" creationId="{86F33FAB-45CC-20FF-B76B-7E0502D9099A}"/>
-          </ac:picMkLst>
-        </pc:picChg>
-        <pc:picChg chg="del">
-          <ac:chgData name="Lukasz Glowinski" userId="67c5aaad7ecb09f5" providerId="LiveId" clId="{807A528E-B160-4BA0-8E24-88E9345CF608}" dt="2025-07-16T22:00:54.338" v="3362" actId="478"/>
-          <ac:picMkLst>
-            <pc:docMk/>
-            <pc:sldMk cId="944775477" sldId="276"/>
-            <ac:picMk id="6" creationId="{0F3CA8D0-EB73-D77F-9B2D-F5C1F79F44E5}"/>
-          </ac:picMkLst>
-        </pc:picChg>
-        <pc:picChg chg="del">
-          <ac:chgData name="Lukasz Glowinski" userId="67c5aaad7ecb09f5" providerId="LiveId" clId="{807A528E-B160-4BA0-8E24-88E9345CF608}" dt="2025-07-16T22:00:54.338" v="3362" actId="478"/>
-          <ac:picMkLst>
-            <pc:docMk/>
-            <pc:sldMk cId="944775477" sldId="276"/>
-            <ac:picMk id="11" creationId="{BE6E71F4-DA7F-A6FE-9B04-4CD7E27C4A7F}"/>
-          </ac:picMkLst>
-        </pc:picChg>
-      </pc:sldChg>
-      <pc:sldChg chg="addSp delSp modSp add mod modNotesTx">
-        <pc:chgData name="Lukasz Glowinski" userId="67c5aaad7ecb09f5" providerId="LiveId" clId="{807A528E-B160-4BA0-8E24-88E9345CF608}" dt="2025-07-16T23:24:02.324" v="6402"/>
-        <pc:sldMkLst>
-          <pc:docMk/>
-          <pc:sldMk cId="2462580675" sldId="277"/>
-        </pc:sldMkLst>
-        <pc:spChg chg="mod">
-          <ac:chgData name="Lukasz Glowinski" userId="67c5aaad7ecb09f5" providerId="LiveId" clId="{807A528E-B160-4BA0-8E24-88E9345CF608}" dt="2025-07-16T23:24:02.324" v="6402"/>
-          <ac:spMkLst>
-            <pc:docMk/>
-            <pc:sldMk cId="2462580675" sldId="277"/>
-            <ac:spMk id="2" creationId="{F3965F09-0CB9-272D-17E5-AC410403F511}"/>
-          </ac:spMkLst>
-        </pc:spChg>
-        <pc:spChg chg="add del">
-          <ac:chgData name="Lukasz Glowinski" userId="67c5aaad7ecb09f5" providerId="LiveId" clId="{807A528E-B160-4BA0-8E24-88E9345CF608}" dt="2025-07-16T22:03:16.843" v="3522" actId="22"/>
-          <ac:spMkLst>
-            <pc:docMk/>
-            <pc:sldMk cId="2462580675" sldId="277"/>
-            <ac:spMk id="5" creationId="{75AF286E-980A-AD56-5040-FE0616F69B32}"/>
-          </ac:spMkLst>
-        </pc:spChg>
-        <pc:picChg chg="del">
-          <ac:chgData name="Lukasz Glowinski" userId="67c5aaad7ecb09f5" providerId="LiveId" clId="{807A528E-B160-4BA0-8E24-88E9345CF608}" dt="2025-07-16T22:03:15.374" v="3520" actId="478"/>
-          <ac:picMkLst>
-            <pc:docMk/>
-            <pc:sldMk cId="2462580675" sldId="277"/>
-            <ac:picMk id="4" creationId="{57B39FFC-19DC-5186-11E1-7068C9389299}"/>
-          </ac:picMkLst>
-        </pc:picChg>
-        <pc:picChg chg="add del mod">
-          <ac:chgData name="Lukasz Glowinski" userId="67c5aaad7ecb09f5" providerId="LiveId" clId="{807A528E-B160-4BA0-8E24-88E9345CF608}" dt="2025-07-16T22:05:33.420" v="3663" actId="478"/>
-          <ac:picMkLst>
-            <pc:docMk/>
-            <pc:sldMk cId="2462580675" sldId="277"/>
-            <ac:picMk id="7" creationId="{2BA60BEB-DD62-CC0D-26D1-F4D7618052FB}"/>
-          </ac:picMkLst>
-        </pc:picChg>
-        <pc:picChg chg="add del mod">
-          <ac:chgData name="Lukasz Glowinski" userId="67c5aaad7ecb09f5" providerId="LiveId" clId="{807A528E-B160-4BA0-8E24-88E9345CF608}" dt="2025-07-16T22:15:43.779" v="3909" actId="478"/>
-          <ac:picMkLst>
-            <pc:docMk/>
-            <pc:sldMk cId="2462580675" sldId="277"/>
-            <ac:picMk id="9" creationId="{62BE8DC0-4141-93D8-A757-721510A04B08}"/>
-          </ac:picMkLst>
-        </pc:picChg>
-        <pc:picChg chg="add mod">
-          <ac:chgData name="Lukasz Glowinski" userId="67c5aaad7ecb09f5" providerId="LiveId" clId="{807A528E-B160-4BA0-8E24-88E9345CF608}" dt="2025-07-16T22:16:01.698" v="3914" actId="12789"/>
-          <ac:picMkLst>
-            <pc:docMk/>
-            <pc:sldMk cId="2462580675" sldId="277"/>
-            <ac:picMk id="11" creationId="{148B2CD4-62EA-D7BF-FA44-8FAD72C6B411}"/>
-          </ac:picMkLst>
-        </pc:picChg>
-      </pc:sldChg>
-      <pc:sldChg chg="addSp delSp modSp add mod modNotesTx">
-        <pc:chgData name="Lukasz Glowinski" userId="67c5aaad7ecb09f5" providerId="LiveId" clId="{807A528E-B160-4BA0-8E24-88E9345CF608}" dt="2025-07-16T23:24:02.324" v="6402"/>
-        <pc:sldMkLst>
-          <pc:docMk/>
-          <pc:sldMk cId="2147976545" sldId="278"/>
-        </pc:sldMkLst>
-        <pc:spChg chg="mod">
-          <ac:chgData name="Lukasz Glowinski" userId="67c5aaad7ecb09f5" providerId="LiveId" clId="{807A528E-B160-4BA0-8E24-88E9345CF608}" dt="2025-07-16T23:24:02.324" v="6402"/>
-          <ac:spMkLst>
-            <pc:docMk/>
-            <pc:sldMk cId="2147976545" sldId="278"/>
-            <ac:spMk id="2" creationId="{D99018D8-95CF-FF2E-D5DB-1DE94098681B}"/>
-          </ac:spMkLst>
-        </pc:spChg>
-        <pc:picChg chg="add del mod">
-          <ac:chgData name="Lukasz Glowinski" userId="67c5aaad7ecb09f5" providerId="LiveId" clId="{807A528E-B160-4BA0-8E24-88E9345CF608}" dt="2025-07-16T22:14:29.050" v="3904" actId="478"/>
-          <ac:picMkLst>
-            <pc:docMk/>
-            <pc:sldMk cId="2147976545" sldId="278"/>
-            <ac:picMk id="4" creationId="{4295568A-3DFE-F691-8B4D-E7E26A4B7F5E}"/>
-          </ac:picMkLst>
-        </pc:picChg>
-        <pc:picChg chg="add mod">
-          <ac:chgData name="Lukasz Glowinski" userId="67c5aaad7ecb09f5" providerId="LiveId" clId="{807A528E-B160-4BA0-8E24-88E9345CF608}" dt="2025-07-16T23:01:57.707" v="5745" actId="12789"/>
-          <ac:picMkLst>
-            <pc:docMk/>
-            <pc:sldMk cId="2147976545" sldId="278"/>
-            <ac:picMk id="6" creationId="{2F78CA30-9330-9089-1731-4D829516C7B5}"/>
-          </ac:picMkLst>
-        </pc:picChg>
-        <pc:picChg chg="del">
-          <ac:chgData name="Lukasz Glowinski" userId="67c5aaad7ecb09f5" providerId="LiveId" clId="{807A528E-B160-4BA0-8E24-88E9345CF608}" dt="2025-07-16T22:07:34.924" v="3721" actId="478"/>
-          <ac:picMkLst>
-            <pc:docMk/>
-            <pc:sldMk cId="2147976545" sldId="278"/>
-            <ac:picMk id="9" creationId="{384AB506-B598-A428-D470-7F85724349B8}"/>
-          </ac:picMkLst>
-        </pc:picChg>
-      </pc:sldChg>
-      <pc:sldChg chg="addSp delSp modSp add mod modNotesTx">
-        <pc:chgData name="Lukasz Glowinski" userId="67c5aaad7ecb09f5" providerId="LiveId" clId="{807A528E-B160-4BA0-8E24-88E9345CF608}" dt="2025-07-16T23:24:02.324" v="6402"/>
-        <pc:sldMkLst>
-          <pc:docMk/>
-          <pc:sldMk cId="1072952311" sldId="279"/>
-        </pc:sldMkLst>
-        <pc:spChg chg="mod">
-          <ac:chgData name="Lukasz Glowinski" userId="67c5aaad7ecb09f5" providerId="LiveId" clId="{807A528E-B160-4BA0-8E24-88E9345CF608}" dt="2025-07-16T23:24:02.324" v="6402"/>
-          <ac:spMkLst>
-            <pc:docMk/>
-            <pc:sldMk cId="1072952311" sldId="279"/>
-            <ac:spMk id="2" creationId="{16420224-52D3-7656-729C-28FA592FB3F7}"/>
-          </ac:spMkLst>
-        </pc:spChg>
-        <pc:picChg chg="del">
-          <ac:chgData name="Lukasz Glowinski" userId="67c5aaad7ecb09f5" providerId="LiveId" clId="{807A528E-B160-4BA0-8E24-88E9345CF608}" dt="2025-07-16T22:10:04.716" v="3793" actId="478"/>
-          <ac:picMkLst>
-            <pc:docMk/>
-            <pc:sldMk cId="1072952311" sldId="279"/>
-            <ac:picMk id="4" creationId="{A6824D97-4CE5-93BF-BA36-E28586E086E1}"/>
-          </ac:picMkLst>
-        </pc:picChg>
-        <pc:picChg chg="add mod">
-          <ac:chgData name="Lukasz Glowinski" userId="67c5aaad7ecb09f5" providerId="LiveId" clId="{807A528E-B160-4BA0-8E24-88E9345CF608}" dt="2025-07-16T23:01:46.568" v="5743" actId="1076"/>
-          <ac:picMkLst>
-            <pc:docMk/>
-            <pc:sldMk cId="1072952311" sldId="279"/>
-            <ac:picMk id="5" creationId="{F07408DE-DF21-1ED1-9772-E882AAF82B0D}"/>
-          </ac:picMkLst>
-        </pc:picChg>
-      </pc:sldChg>
-      <pc:sldChg chg="addSp delSp modSp add mod modNotesTx">
-        <pc:chgData name="Lukasz Glowinski" userId="67c5aaad7ecb09f5" providerId="LiveId" clId="{807A528E-B160-4BA0-8E24-88E9345CF608}" dt="2025-07-16T23:24:02.324" v="6402"/>
-        <pc:sldMkLst>
-          <pc:docMk/>
-          <pc:sldMk cId="3520449309" sldId="280"/>
-        </pc:sldMkLst>
-        <pc:spChg chg="mod">
-          <ac:chgData name="Lukasz Glowinski" userId="67c5aaad7ecb09f5" providerId="LiveId" clId="{807A528E-B160-4BA0-8E24-88E9345CF608}" dt="2025-07-16T23:24:02.324" v="6402"/>
-          <ac:spMkLst>
-            <pc:docMk/>
-            <pc:sldMk cId="3520449309" sldId="280"/>
-            <ac:spMk id="2" creationId="{6AC963CB-D065-6A95-236D-C753F02D253D}"/>
-          </ac:spMkLst>
-        </pc:spChg>
-        <pc:picChg chg="add mod">
-          <ac:chgData name="Lukasz Glowinski" userId="67c5aaad7ecb09f5" providerId="LiveId" clId="{807A528E-B160-4BA0-8E24-88E9345CF608}" dt="2025-07-16T22:13:36.619" v="3903" actId="12788"/>
-          <ac:picMkLst>
-            <pc:docMk/>
-            <pc:sldMk cId="3520449309" sldId="280"/>
-            <ac:picMk id="4" creationId="{9FAD2D24-2CF9-786C-3814-48771E1BACCF}"/>
-          </ac:picMkLst>
-        </pc:picChg>
-        <pc:picChg chg="del">
-          <ac:chgData name="Lukasz Glowinski" userId="67c5aaad7ecb09f5" providerId="LiveId" clId="{807A528E-B160-4BA0-8E24-88E9345CF608}" dt="2025-07-16T22:13:28.530" v="3899" actId="478"/>
-          <ac:picMkLst>
-            <pc:docMk/>
-            <pc:sldMk cId="3520449309" sldId="280"/>
-            <ac:picMk id="5" creationId="{9B2483E0-7890-4A89-311C-1D6267BD503B}"/>
-          </ac:picMkLst>
-        </pc:picChg>
-      </pc:sldChg>
-      <pc:sldChg chg="addSp modSp add mod">
-        <pc:chgData name="Lukasz Glowinski" userId="67c5aaad7ecb09f5" providerId="LiveId" clId="{807A528E-B160-4BA0-8E24-88E9345CF608}" dt="2025-07-16T23:24:02.324" v="6402"/>
-        <pc:sldMkLst>
-          <pc:docMk/>
-          <pc:sldMk cId="3423747631" sldId="281"/>
-        </pc:sldMkLst>
-        <pc:spChg chg="mod">
-          <ac:chgData name="Lukasz Glowinski" userId="67c5aaad7ecb09f5" providerId="LiveId" clId="{807A528E-B160-4BA0-8E24-88E9345CF608}" dt="2025-07-16T23:24:02.324" v="6402"/>
-          <ac:spMkLst>
-            <pc:docMk/>
-            <pc:sldMk cId="3423747631" sldId="281"/>
-            <ac:spMk id="2" creationId="{AA609739-F2B8-8BB5-743E-17C6899B510C}"/>
-          </ac:spMkLst>
-        </pc:spChg>
-        <pc:picChg chg="add mod">
-          <ac:chgData name="Lukasz Glowinski" userId="67c5aaad7ecb09f5" providerId="LiveId" clId="{807A528E-B160-4BA0-8E24-88E9345CF608}" dt="2025-07-16T23:01:27.943" v="5741" actId="1036"/>
-          <ac:picMkLst>
-            <pc:docMk/>
-            <pc:sldMk cId="3423747631" sldId="281"/>
-            <ac:picMk id="3" creationId="{D10141EF-5620-3D73-BFDA-7C3E1B73CD1A}"/>
-          </ac:picMkLst>
-        </pc:picChg>
-        <pc:picChg chg="mod">
-          <ac:chgData name="Lukasz Glowinski" userId="67c5aaad7ecb09f5" providerId="LiveId" clId="{807A528E-B160-4BA0-8E24-88E9345CF608}" dt="2025-07-16T23:01:39.433" v="5742" actId="1076"/>
-          <ac:picMkLst>
-            <pc:docMk/>
-            <pc:sldMk cId="3423747631" sldId="281"/>
-            <ac:picMk id="4" creationId="{1A22CFA9-1F63-8CC6-78FA-CB63F639CAC7}"/>
-          </ac:picMkLst>
-        </pc:picChg>
-      </pc:sldChg>
-      <pc:sldChg chg="addSp delSp modSp add mod modNotesTx">
-        <pc:chgData name="Lukasz Glowinski" userId="67c5aaad7ecb09f5" providerId="LiveId" clId="{807A528E-B160-4BA0-8E24-88E9345CF608}" dt="2025-07-16T23:24:02.324" v="6402"/>
-        <pc:sldMkLst>
-          <pc:docMk/>
-          <pc:sldMk cId="32564557" sldId="282"/>
-        </pc:sldMkLst>
-        <pc:spChg chg="mod">
-          <ac:chgData name="Lukasz Glowinski" userId="67c5aaad7ecb09f5" providerId="LiveId" clId="{807A528E-B160-4BA0-8E24-88E9345CF608}" dt="2025-07-16T23:24:02.324" v="6402"/>
-          <ac:spMkLst>
-            <pc:docMk/>
-            <pc:sldMk cId="32564557" sldId="282"/>
-            <ac:spMk id="2" creationId="{D2004F70-2550-5617-07B9-27F93A883F38}"/>
-          </ac:spMkLst>
-        </pc:spChg>
-        <pc:picChg chg="del mod">
-          <ac:chgData name="Lukasz Glowinski" userId="67c5aaad7ecb09f5" providerId="LiveId" clId="{807A528E-B160-4BA0-8E24-88E9345CF608}" dt="2025-07-16T22:18:39.949" v="4035" actId="478"/>
-          <ac:picMkLst>
-            <pc:docMk/>
-            <pc:sldMk cId="32564557" sldId="282"/>
-            <ac:picMk id="4" creationId="{F5B26F1C-5806-9BDC-43B1-B5DBECD3FE2A}"/>
-          </ac:picMkLst>
-        </pc:picChg>
-        <pc:picChg chg="add mod">
-          <ac:chgData name="Lukasz Glowinski" userId="67c5aaad7ecb09f5" providerId="LiveId" clId="{807A528E-B160-4BA0-8E24-88E9345CF608}" dt="2025-07-16T23:01:10.738" v="5696" actId="1076"/>
-          <ac:picMkLst>
-            <pc:docMk/>
-            <pc:sldMk cId="32564557" sldId="282"/>
-            <ac:picMk id="5" creationId="{274975F0-13BE-DE10-E8A4-4BD177756EC3}"/>
-          </ac:picMkLst>
-        </pc:picChg>
-      </pc:sldChg>
-      <pc:sldChg chg="addSp delSp modSp add mod ord modAnim">
-        <pc:chgData name="Lukasz Glowinski" userId="67c5aaad7ecb09f5" providerId="LiveId" clId="{807A528E-B160-4BA0-8E24-88E9345CF608}" dt="2025-07-16T23:24:02.324" v="6402"/>
-        <pc:sldMkLst>
-          <pc:docMk/>
-          <pc:sldMk cId="676161465" sldId="283"/>
-        </pc:sldMkLst>
-        <pc:spChg chg="mod">
-          <ac:chgData name="Lukasz Glowinski" userId="67c5aaad7ecb09f5" providerId="LiveId" clId="{807A528E-B160-4BA0-8E24-88E9345CF608}" dt="2025-07-16T23:24:02.324" v="6402"/>
-          <ac:spMkLst>
-            <pc:docMk/>
-            <pc:sldMk cId="676161465" sldId="283"/>
-            <ac:spMk id="2" creationId="{7EA27FDC-840F-1E3C-EE80-F5F971D8A982}"/>
-          </ac:spMkLst>
-        </pc:spChg>
-        <pc:spChg chg="mod">
-          <ac:chgData name="Lukasz Glowinski" userId="67c5aaad7ecb09f5" providerId="LiveId" clId="{807A528E-B160-4BA0-8E24-88E9345CF608}" dt="2025-07-16T22:25:08.709" v="4583"/>
-          <ac:spMkLst>
-            <pc:docMk/>
-            <pc:sldMk cId="676161465" sldId="283"/>
-            <ac:spMk id="5" creationId="{0E41C15B-1BF6-2890-C9A0-A428A7FAA892}"/>
-          </ac:spMkLst>
-        </pc:spChg>
-        <pc:spChg chg="mod">
-          <ac:chgData name="Lukasz Glowinski" userId="67c5aaad7ecb09f5" providerId="LiveId" clId="{807A528E-B160-4BA0-8E24-88E9345CF608}" dt="2025-07-16T22:26:07.431" v="4593" actId="255"/>
-          <ac:spMkLst>
-            <pc:docMk/>
-            <pc:sldMk cId="676161465" sldId="283"/>
-            <ac:spMk id="11" creationId="{137E5771-6661-ED6E-9E39-72129AAD144F}"/>
-          </ac:spMkLst>
-        </pc:spChg>
-        <pc:grpChg chg="add mod">
-          <ac:chgData name="Lukasz Glowinski" userId="67c5aaad7ecb09f5" providerId="LiveId" clId="{807A528E-B160-4BA0-8E24-88E9345CF608}" dt="2025-07-16T22:25:08.709" v="4583"/>
-          <ac:grpSpMkLst>
-            <pc:docMk/>
-            <pc:sldMk cId="676161465" sldId="283"/>
-            <ac:grpSpMk id="3" creationId="{5C3EA3AA-0D78-1F14-B339-C52A7F7A208F}"/>
-          </ac:grpSpMkLst>
-        </pc:grpChg>
-        <pc:grpChg chg="add mod">
-          <ac:chgData name="Lukasz Glowinski" userId="67c5aaad7ecb09f5" providerId="LiveId" clId="{807A528E-B160-4BA0-8E24-88E9345CF608}" dt="2025-07-16T22:25:52.404" v="4592" actId="12789"/>
-          <ac:grpSpMkLst>
-            <pc:docMk/>
-            <pc:sldMk cId="676161465" sldId="283"/>
-            <ac:grpSpMk id="6" creationId="{11ABDBCE-08B1-209F-894B-91D40B93C28D}"/>
-          </ac:grpSpMkLst>
-        </pc:grpChg>
-        <pc:grpChg chg="del">
-          <ac:chgData name="Lukasz Glowinski" userId="67c5aaad7ecb09f5" providerId="LiveId" clId="{807A528E-B160-4BA0-8E24-88E9345CF608}" dt="2025-07-16T22:25:12.191" v="4585" actId="478"/>
-          <ac:grpSpMkLst>
-            <pc:docMk/>
-            <pc:sldMk cId="676161465" sldId="283"/>
-            <ac:grpSpMk id="10" creationId="{07E94E11-A647-2471-708B-8AEBBDB75E97}"/>
-          </ac:grpSpMkLst>
-        </pc:grpChg>
-        <pc:picChg chg="mod">
-          <ac:chgData name="Lukasz Glowinski" userId="67c5aaad7ecb09f5" providerId="LiveId" clId="{807A528E-B160-4BA0-8E24-88E9345CF608}" dt="2025-07-16T22:25:08.709" v="4583"/>
-          <ac:picMkLst>
-            <pc:docMk/>
-            <pc:sldMk cId="676161465" sldId="283"/>
-            <ac:picMk id="4" creationId="{9CFE9EA4-E044-1A74-9814-0310BCECD845}"/>
-          </ac:picMkLst>
-        </pc:picChg>
-        <pc:picChg chg="mod">
-          <ac:chgData name="Lukasz Glowinski" userId="67c5aaad7ecb09f5" providerId="LiveId" clId="{807A528E-B160-4BA0-8E24-88E9345CF608}" dt="2025-07-16T22:25:12.962" v="4586"/>
-          <ac:picMkLst>
-            <pc:docMk/>
-            <pc:sldMk cId="676161465" sldId="283"/>
-            <ac:picMk id="8" creationId="{62948601-25B7-69F5-6C80-F3D7C1DBB03B}"/>
-          </ac:picMkLst>
-        </pc:picChg>
-      </pc:sldChg>
-      <pc:sldChg chg="addSp delSp modSp add mod delAnim modAnim modNotesTx">
-        <pc:chgData name="Lukasz Glowinski" userId="67c5aaad7ecb09f5" providerId="LiveId" clId="{807A528E-B160-4BA0-8E24-88E9345CF608}" dt="2025-07-16T23:24:02.324" v="6402"/>
-        <pc:sldMkLst>
-          <pc:docMk/>
-          <pc:sldMk cId="4030503771" sldId="284"/>
-        </pc:sldMkLst>
-        <pc:spChg chg="mod">
-          <ac:chgData name="Lukasz Glowinski" userId="67c5aaad7ecb09f5" providerId="LiveId" clId="{807A528E-B160-4BA0-8E24-88E9345CF608}" dt="2025-07-16T23:24:02.324" v="6402"/>
-          <ac:spMkLst>
-            <pc:docMk/>
-            <pc:sldMk cId="4030503771" sldId="284"/>
-            <ac:spMk id="2" creationId="{650FCF43-8C46-A07F-A12D-B13AC6C28C9F}"/>
-          </ac:spMkLst>
-        </pc:spChg>
-        <pc:spChg chg="add mod">
-          <ac:chgData name="Lukasz Glowinski" userId="67c5aaad7ecb09f5" providerId="LiveId" clId="{807A528E-B160-4BA0-8E24-88E9345CF608}" dt="2025-07-16T23:01:04.800" v="5695" actId="1076"/>
-          <ac:spMkLst>
-            <pc:docMk/>
-            <pc:sldMk cId="4030503771" sldId="284"/>
-            <ac:spMk id="3" creationId="{A1424EFF-B71F-A30C-4998-802E505332A9}"/>
-          </ac:spMkLst>
-        </pc:spChg>
-        <pc:spChg chg="add mod">
-          <ac:chgData name="Lukasz Glowinski" userId="67c5aaad7ecb09f5" providerId="LiveId" clId="{807A528E-B160-4BA0-8E24-88E9345CF608}" dt="2025-07-16T22:32:10.645" v="4803" actId="165"/>
-          <ac:spMkLst>
-            <pc:docMk/>
-            <pc:sldMk cId="4030503771" sldId="284"/>
-            <ac:spMk id="7" creationId="{FBCB3B08-8252-1AEF-E226-AC4CB725E322}"/>
-          </ac:spMkLst>
-        </pc:spChg>
-        <pc:spChg chg="mod">
-          <ac:chgData name="Lukasz Glowinski" userId="67c5aaad7ecb09f5" providerId="LiveId" clId="{807A528E-B160-4BA0-8E24-88E9345CF608}" dt="2025-07-16T22:32:10.645" v="4803" actId="165"/>
-          <ac:spMkLst>
-            <pc:docMk/>
-            <pc:sldMk cId="4030503771" sldId="284"/>
-            <ac:spMk id="13" creationId="{ABEDBC95-6DD9-8D46-1900-8378BFFC1E57}"/>
-          </ac:spMkLst>
-        </pc:spChg>
-        <pc:spChg chg="add mod topLvl">
-          <ac:chgData name="Lukasz Glowinski" userId="67c5aaad7ecb09f5" providerId="LiveId" clId="{807A528E-B160-4BA0-8E24-88E9345CF608}" dt="2025-07-16T22:34:50.399" v="4844" actId="12788"/>
-          <ac:spMkLst>
-            <pc:docMk/>
-            <pc:sldMk cId="4030503771" sldId="284"/>
-            <ac:spMk id="16" creationId="{488D67BC-B49C-FC98-BA1A-2DFB8CE7DB0D}"/>
-          </ac:spMkLst>
-        </pc:spChg>
-        <pc:spChg chg="add mod">
-          <ac:chgData name="Lukasz Glowinski" userId="67c5aaad7ecb09f5" providerId="LiveId" clId="{807A528E-B160-4BA0-8E24-88E9345CF608}" dt="2025-07-16T22:32:52.134" v="4812" actId="164"/>
-          <ac:spMkLst>
-            <pc:docMk/>
-            <pc:sldMk cId="4030503771" sldId="284"/>
-            <ac:spMk id="26" creationId="{E00E9BA6-C836-B674-F8BC-442698E2FEE8}"/>
-          </ac:spMkLst>
-        </pc:spChg>
-        <pc:spChg chg="add mod">
-          <ac:chgData name="Lukasz Glowinski" userId="67c5aaad7ecb09f5" providerId="LiveId" clId="{807A528E-B160-4BA0-8E24-88E9345CF608}" dt="2025-07-16T22:32:48.071" v="4811" actId="164"/>
-          <ac:spMkLst>
-            <pc:docMk/>
-            <pc:sldMk cId="4030503771" sldId="284"/>
-            <ac:spMk id="27" creationId="{28F1E20D-5F3A-E7C6-1AEB-7F6D0BD07AA1}"/>
-          </ac:spMkLst>
-        </pc:spChg>
-        <pc:grpChg chg="del">
-          <ac:chgData name="Lukasz Glowinski" userId="67c5aaad7ecb09f5" providerId="LiveId" clId="{807A528E-B160-4BA0-8E24-88E9345CF608}" dt="2025-07-16T22:26:32.750" v="4595" actId="478"/>
-          <ac:grpSpMkLst>
-            <pc:docMk/>
-            <pc:sldMk cId="4030503771" sldId="284"/>
-            <ac:grpSpMk id="6" creationId="{F4268325-521B-6068-F128-35154F9DD794}"/>
-          </ac:grpSpMkLst>
-        </pc:grpChg>
-        <pc:grpChg chg="add mod topLvl">
-          <ac:chgData name="Lukasz Glowinski" userId="67c5aaad7ecb09f5" providerId="LiveId" clId="{807A528E-B160-4BA0-8E24-88E9345CF608}" dt="2025-07-16T22:32:10.645" v="4803" actId="165"/>
-          <ac:grpSpMkLst>
-            <pc:docMk/>
-            <pc:sldMk cId="4030503771" sldId="284"/>
-            <ac:grpSpMk id="9" creationId="{4BBB8300-0DCE-0EDE-C4CC-1EFDFE59C71B}"/>
-          </ac:grpSpMkLst>
-        </pc:grpChg>
-        <pc:grpChg chg="add mod topLvl">
-          <ac:chgData name="Lukasz Glowinski" userId="67c5aaad7ecb09f5" providerId="LiveId" clId="{807A528E-B160-4BA0-8E24-88E9345CF608}" dt="2025-07-16T22:32:10.645" v="4803" actId="165"/>
-          <ac:grpSpMkLst>
-            <pc:docMk/>
-            <pc:sldMk cId="4030503771" sldId="284"/>
-            <ac:grpSpMk id="10" creationId="{200292EA-18A4-D74F-0F12-FFDD16734350}"/>
-          </ac:grpSpMkLst>
-        </pc:grpChg>
-        <pc:grpChg chg="add del mod topLvl">
-          <ac:chgData name="Lukasz Glowinski" userId="67c5aaad7ecb09f5" providerId="LiveId" clId="{807A528E-B160-4BA0-8E24-88E9345CF608}" dt="2025-07-16T22:32:26.203" v="4806" actId="165"/>
-          <ac:grpSpMkLst>
-            <pc:docMk/>
-            <pc:sldMk cId="4030503771" sldId="284"/>
-            <ac:grpSpMk id="17" creationId="{E524ABDE-1D44-04CF-AC4C-0AEE1A6ED7D9}"/>
-          </ac:grpSpMkLst>
-        </pc:grpChg>
-        <pc:grpChg chg="add del mod">
-          <ac:chgData name="Lukasz Glowinski" userId="67c5aaad7ecb09f5" providerId="LiveId" clId="{807A528E-B160-4BA0-8E24-88E9345CF608}" dt="2025-07-16T22:32:10.645" v="4803" actId="165"/>
-          <ac:grpSpMkLst>
-            <pc:docMk/>
-            <pc:sldMk cId="4030503771" sldId="284"/>
-            <ac:grpSpMk id="18" creationId="{2683DB52-14AB-E938-33BF-86E4DD5291E5}"/>
-          </ac:grpSpMkLst>
-        </pc:grpChg>
-        <pc:grpChg chg="add mod">
-          <ac:chgData name="Lukasz Glowinski" userId="67c5aaad7ecb09f5" providerId="LiveId" clId="{807A528E-B160-4BA0-8E24-88E9345CF608}" dt="2025-07-16T22:32:48.071" v="4811" actId="164"/>
-          <ac:grpSpMkLst>
-            <pc:docMk/>
-            <pc:sldMk cId="4030503771" sldId="284"/>
-            <ac:grpSpMk id="28" creationId="{115132B0-8537-0583-4F74-543459D5AA7A}"/>
-          </ac:grpSpMkLst>
-        </pc:grpChg>
-        <pc:grpChg chg="add mod">
-          <ac:chgData name="Lukasz Glowinski" userId="67c5aaad7ecb09f5" providerId="LiveId" clId="{807A528E-B160-4BA0-8E24-88E9345CF608}" dt="2025-07-16T22:32:52.134" v="4812" actId="164"/>
-          <ac:grpSpMkLst>
-            <pc:docMk/>
-            <pc:sldMk cId="4030503771" sldId="284"/>
-            <ac:grpSpMk id="29" creationId="{78DBF0A4-1DFE-497F-37C1-76B03BE7292A}"/>
-          </ac:grpSpMkLst>
-        </pc:grpChg>
-        <pc:picChg chg="add mod">
-          <ac:chgData name="Lukasz Glowinski" userId="67c5aaad7ecb09f5" providerId="LiveId" clId="{807A528E-B160-4BA0-8E24-88E9345CF608}" dt="2025-07-16T22:32:10.645" v="4803" actId="165"/>
-          <ac:picMkLst>
-            <pc:docMk/>
-            <pc:sldMk cId="4030503771" sldId="284"/>
-            <ac:picMk id="5" creationId="{B84715B3-3C9F-FFBF-36D0-E4B4A39EFD63}"/>
-          </ac:picMkLst>
-        </pc:picChg>
-        <pc:picChg chg="mod">
-          <ac:chgData name="Lukasz Glowinski" userId="67c5aaad7ecb09f5" providerId="LiveId" clId="{807A528E-B160-4BA0-8E24-88E9345CF608}" dt="2025-07-16T22:32:10.645" v="4803" actId="165"/>
-          <ac:picMkLst>
-            <pc:docMk/>
-            <pc:sldMk cId="4030503771" sldId="284"/>
-            <ac:picMk id="12" creationId="{4F42361C-24BF-1DF3-F061-1EC995D372BD}"/>
-          </ac:picMkLst>
-        </pc:picChg>
-        <pc:cxnChg chg="add mod topLvl">
-          <ac:chgData name="Lukasz Glowinski" userId="67c5aaad7ecb09f5" providerId="LiveId" clId="{807A528E-B160-4BA0-8E24-88E9345CF608}" dt="2025-07-16T22:32:52.134" v="4812" actId="164"/>
-          <ac:cxnSpMkLst>
-            <pc:docMk/>
-            <pc:sldMk cId="4030503771" sldId="284"/>
-            <ac:cxnSpMk id="15" creationId="{C60E1F7B-AB7C-D7AB-ADDC-5EB26DADA427}"/>
-          </ac:cxnSpMkLst>
-        </pc:cxnChg>
-        <pc:cxnChg chg="add del mod">
-          <ac:chgData name="Lukasz Glowinski" userId="67c5aaad7ecb09f5" providerId="LiveId" clId="{807A528E-B160-4BA0-8E24-88E9345CF608}" dt="2025-07-16T22:30:59.467" v="4730" actId="478"/>
-          <ac:cxnSpMkLst>
-            <pc:docMk/>
-            <pc:sldMk cId="4030503771" sldId="284"/>
-            <ac:cxnSpMk id="19" creationId="{8A3E5A8A-DE34-8239-B99D-721DE724CC34}"/>
-          </ac:cxnSpMkLst>
-        </pc:cxnChg>
-        <pc:cxnChg chg="add mod">
-          <ac:chgData name="Lukasz Glowinski" userId="67c5aaad7ecb09f5" providerId="LiveId" clId="{807A528E-B160-4BA0-8E24-88E9345CF608}" dt="2025-07-16T22:32:48.071" v="4811" actId="164"/>
-          <ac:cxnSpMkLst>
-            <pc:docMk/>
-            <pc:sldMk cId="4030503771" sldId="284"/>
-            <ac:cxnSpMk id="25" creationId="{B89007A5-A492-5CF3-7F03-B817A2D4BC87}"/>
-          </ac:cxnSpMkLst>
-        </pc:cxnChg>
-      </pc:sldChg>
-      <pc:sldChg chg="modSp add mod">
-        <pc:chgData name="Lukasz Glowinski" userId="67c5aaad7ecb09f5" providerId="LiveId" clId="{807A528E-B160-4BA0-8E24-88E9345CF608}" dt="2025-07-16T23:24:02.324" v="6402"/>
-        <pc:sldMkLst>
-          <pc:docMk/>
-          <pc:sldMk cId="260228997" sldId="285"/>
-        </pc:sldMkLst>
-        <pc:spChg chg="mod">
-          <ac:chgData name="Lukasz Glowinski" userId="67c5aaad7ecb09f5" providerId="LiveId" clId="{807A528E-B160-4BA0-8E24-88E9345CF608}" dt="2025-07-16T23:24:02.324" v="6402"/>
-          <ac:spMkLst>
-            <pc:docMk/>
-            <pc:sldMk cId="260228997" sldId="285"/>
-            <ac:spMk id="2" creationId="{2D5684F5-4C4D-50E0-EB32-B3E7145E8DEB}"/>
-          </ac:spMkLst>
-        </pc:spChg>
-        <pc:spChg chg="mod">
-          <ac:chgData name="Lukasz Glowinski" userId="67c5aaad7ecb09f5" providerId="LiveId" clId="{807A528E-B160-4BA0-8E24-88E9345CF608}" dt="2025-07-16T23:00:54.029" v="5694" actId="1076"/>
-          <ac:spMkLst>
-            <pc:docMk/>
-            <pc:sldMk cId="260228997" sldId="285"/>
-            <ac:spMk id="3" creationId="{12D90819-3AB6-A3FA-7ECE-4DFE57F35976}"/>
-          </ac:spMkLst>
-        </pc:spChg>
-        <pc:spChg chg="mod">
-          <ac:chgData name="Lukasz Glowinski" userId="67c5aaad7ecb09f5" providerId="LiveId" clId="{807A528E-B160-4BA0-8E24-88E9345CF608}" dt="2025-07-16T22:34:45.861" v="4843" actId="12788"/>
-          <ac:spMkLst>
-            <pc:docMk/>
-            <pc:sldMk cId="260228997" sldId="285"/>
-            <ac:spMk id="16" creationId="{67BC82C8-1117-D4B9-8988-FC4176150935}"/>
-          </ac:spMkLst>
-        </pc:spChg>
-        <pc:spChg chg="mod">
-          <ac:chgData name="Lukasz Glowinski" userId="67c5aaad7ecb09f5" providerId="LiveId" clId="{807A528E-B160-4BA0-8E24-88E9345CF608}" dt="2025-07-16T22:36:08.803" v="4932" actId="20577"/>
-          <ac:spMkLst>
-            <pc:docMk/>
-            <pc:sldMk cId="260228997" sldId="285"/>
-            <ac:spMk id="26" creationId="{9CC644E5-24BD-D20B-414E-5BFA12C70010}"/>
-          </ac:spMkLst>
-        </pc:spChg>
-        <pc:cxnChg chg="mod">
-          <ac:chgData name="Lukasz Glowinski" userId="67c5aaad7ecb09f5" providerId="LiveId" clId="{807A528E-B160-4BA0-8E24-88E9345CF608}" dt="2025-07-16T22:34:11.972" v="4818" actId="692"/>
-          <ac:cxnSpMkLst>
-            <pc:docMk/>
-            <pc:sldMk cId="260228997" sldId="285"/>
-            <ac:cxnSpMk id="15" creationId="{367721A9-18B2-2941-9F05-372AA35295ED}"/>
-          </ac:cxnSpMkLst>
-        </pc:cxnChg>
-      </pc:sldChg>
-      <pc:sldChg chg="modSp add mod">
-        <pc:chgData name="Lukasz Glowinski" userId="67c5aaad7ecb09f5" providerId="LiveId" clId="{807A528E-B160-4BA0-8E24-88E9345CF608}" dt="2025-07-16T23:24:02.324" v="6402"/>
-        <pc:sldMkLst>
-          <pc:docMk/>
-          <pc:sldMk cId="55412870" sldId="286"/>
-        </pc:sldMkLst>
-        <pc:spChg chg="mod">
-          <ac:chgData name="Lukasz Glowinski" userId="67c5aaad7ecb09f5" providerId="LiveId" clId="{807A528E-B160-4BA0-8E24-88E9345CF608}" dt="2025-07-16T23:24:02.324" v="6402"/>
-          <ac:spMkLst>
-            <pc:docMk/>
-            <pc:sldMk cId="55412870" sldId="286"/>
-            <ac:spMk id="2" creationId="{436E79FC-ACB7-282A-D130-E2FEF92F58FE}"/>
-          </ac:spMkLst>
-        </pc:spChg>
-        <pc:spChg chg="mod">
-          <ac:chgData name="Lukasz Glowinski" userId="67c5aaad7ecb09f5" providerId="LiveId" clId="{807A528E-B160-4BA0-8E24-88E9345CF608}" dt="2025-07-16T23:00:46.964" v="5693" actId="1076"/>
-          <ac:spMkLst>
-            <pc:docMk/>
-            <pc:sldMk cId="55412870" sldId="286"/>
-            <ac:spMk id="3" creationId="{73B17A3B-2AC8-FA7A-E49B-D134E7A46F78}"/>
-          </ac:spMkLst>
-        </pc:spChg>
-        <pc:spChg chg="mod">
-          <ac:chgData name="Lukasz Glowinski" userId="67c5aaad7ecb09f5" providerId="LiveId" clId="{807A528E-B160-4BA0-8E24-88E9345CF608}" dt="2025-07-16T22:35:41.617" v="4903" actId="12788"/>
-          <ac:spMkLst>
-            <pc:docMk/>
-            <pc:sldMk cId="55412870" sldId="286"/>
-            <ac:spMk id="16" creationId="{363E8A76-DC42-559A-6DEF-DB4EE629DA0B}"/>
-          </ac:spMkLst>
-        </pc:spChg>
-        <pc:spChg chg="mod">
-          <ac:chgData name="Lukasz Glowinski" userId="67c5aaad7ecb09f5" providerId="LiveId" clId="{807A528E-B160-4BA0-8E24-88E9345CF608}" dt="2025-07-16T22:36:03.747" v="4922" actId="20577"/>
-          <ac:spMkLst>
-            <pc:docMk/>
-            <pc:sldMk cId="55412870" sldId="286"/>
-            <ac:spMk id="26" creationId="{428504B4-4336-6F4D-2C6A-51738419A79B}"/>
-          </ac:spMkLst>
-        </pc:spChg>
-        <pc:spChg chg="mod">
-          <ac:chgData name="Lukasz Glowinski" userId="67c5aaad7ecb09f5" providerId="LiveId" clId="{807A528E-B160-4BA0-8E24-88E9345CF608}" dt="2025-07-16T22:35:21.101" v="4892" actId="1037"/>
-          <ac:spMkLst>
-            <pc:docMk/>
-            <pc:sldMk cId="55412870" sldId="286"/>
-            <ac:spMk id="27" creationId="{693BB619-91E1-A471-000D-0E51C4757813}"/>
-          </ac:spMkLst>
-        </pc:spChg>
-        <pc:cxnChg chg="mod">
-          <ac:chgData name="Lukasz Glowinski" userId="67c5aaad7ecb09f5" providerId="LiveId" clId="{807A528E-B160-4BA0-8E24-88E9345CF608}" dt="2025-07-16T22:35:01.535" v="4846" actId="692"/>
-          <ac:cxnSpMkLst>
-            <pc:docMk/>
-            <pc:sldMk cId="55412870" sldId="286"/>
-            <ac:cxnSpMk id="15" creationId="{98345DB4-BA30-25BA-3850-70A3C8C0B8DD}"/>
-          </ac:cxnSpMkLst>
-        </pc:cxnChg>
-        <pc:cxnChg chg="mod">
-          <ac:chgData name="Lukasz Glowinski" userId="67c5aaad7ecb09f5" providerId="LiveId" clId="{807A528E-B160-4BA0-8E24-88E9345CF608}" dt="2025-07-16T22:35:09.707" v="4847" actId="692"/>
-          <ac:cxnSpMkLst>
-            <pc:docMk/>
-            <pc:sldMk cId="55412870" sldId="286"/>
-            <ac:cxnSpMk id="25" creationId="{0869EE59-55B4-DC93-4CEF-30D35E187119}"/>
-          </ac:cxnSpMkLst>
-        </pc:cxnChg>
-      </pc:sldChg>
-      <pc:sldChg chg="modSp add mod">
-        <pc:chgData name="Lukasz Glowinski" userId="67c5aaad7ecb09f5" providerId="LiveId" clId="{807A528E-B160-4BA0-8E24-88E9345CF608}" dt="2025-07-16T23:24:02.324" v="6402"/>
-        <pc:sldMkLst>
-          <pc:docMk/>
-          <pc:sldMk cId="626590434" sldId="287"/>
-        </pc:sldMkLst>
-        <pc:spChg chg="mod">
-          <ac:chgData name="Lukasz Glowinski" userId="67c5aaad7ecb09f5" providerId="LiveId" clId="{807A528E-B160-4BA0-8E24-88E9345CF608}" dt="2025-07-16T23:24:02.324" v="6402"/>
-          <ac:spMkLst>
-            <pc:docMk/>
-            <pc:sldMk cId="626590434" sldId="287"/>
-            <ac:spMk id="2" creationId="{01D364BA-9A44-0BE0-0F54-E8024AA78D47}"/>
-          </ac:spMkLst>
-        </pc:spChg>
-        <pc:spChg chg="mod">
-          <ac:chgData name="Lukasz Glowinski" userId="67c5aaad7ecb09f5" providerId="LiveId" clId="{807A528E-B160-4BA0-8E24-88E9345CF608}" dt="2025-07-16T23:00:39.560" v="5692" actId="1076"/>
-          <ac:spMkLst>
-            <pc:docMk/>
-            <pc:sldMk cId="626590434" sldId="287"/>
-            <ac:spMk id="3" creationId="{79806275-3FDF-600D-04B4-F9D68B7F96D6}"/>
-          </ac:spMkLst>
-        </pc:spChg>
-        <pc:spChg chg="mod">
-          <ac:chgData name="Lukasz Glowinski" userId="67c5aaad7ecb09f5" providerId="LiveId" clId="{807A528E-B160-4BA0-8E24-88E9345CF608}" dt="2025-07-16T22:36:58.775" v="4956" actId="12788"/>
-          <ac:spMkLst>
-            <pc:docMk/>
-            <pc:sldMk cId="626590434" sldId="287"/>
-            <ac:spMk id="16" creationId="{96941201-9CF5-3891-8039-CB9DBF26F3DA}"/>
-          </ac:spMkLst>
-        </pc:spChg>
-        <pc:spChg chg="mod">
-          <ac:chgData name="Lukasz Glowinski" userId="67c5aaad7ecb09f5" providerId="LiveId" clId="{807A528E-B160-4BA0-8E24-88E9345CF608}" dt="2025-07-16T22:35:58.604" v="4915" actId="20577"/>
-          <ac:spMkLst>
-            <pc:docMk/>
-            <pc:sldMk cId="626590434" sldId="287"/>
-            <ac:spMk id="26" creationId="{B252384E-A467-574F-36B2-6E7D5B331477}"/>
-          </ac:spMkLst>
-        </pc:spChg>
-        <pc:cxnChg chg="mod">
-          <ac:chgData name="Lukasz Glowinski" userId="67c5aaad7ecb09f5" providerId="LiveId" clId="{807A528E-B160-4BA0-8E24-88E9345CF608}" dt="2025-07-16T22:35:54.431" v="4905" actId="692"/>
-          <ac:cxnSpMkLst>
-            <pc:docMk/>
-            <pc:sldMk cId="626590434" sldId="287"/>
-            <ac:cxnSpMk id="15" creationId="{83674F35-99CB-75FC-0624-73F206A035F6}"/>
-          </ac:cxnSpMkLst>
-        </pc:cxnChg>
-      </pc:sldChg>
-      <pc:sldChg chg="addSp delSp modSp add del mod delAnim modNotesTx">
-        <pc:chgData name="Lukasz Glowinski" userId="67c5aaad7ecb09f5" providerId="LiveId" clId="{807A528E-B160-4BA0-8E24-88E9345CF608}" dt="2025-07-16T23:00:28.888" v="5691" actId="47"/>
-        <pc:sldMkLst>
-          <pc:docMk/>
-          <pc:sldMk cId="616795562" sldId="288"/>
-        </pc:sldMkLst>
-        <pc:spChg chg="del">
-          <ac:chgData name="Lukasz Glowinski" userId="67c5aaad7ecb09f5" providerId="LiveId" clId="{807A528E-B160-4BA0-8E24-88E9345CF608}" dt="2025-07-16T22:42:27.969" v="5172" actId="478"/>
-          <ac:spMkLst>
-            <pc:docMk/>
-            <pc:sldMk cId="616795562" sldId="288"/>
-            <ac:spMk id="3" creationId="{5F18B9A1-24EA-2BEE-F718-1B4668AA5083}"/>
-          </ac:spMkLst>
-        </pc:spChg>
-        <pc:spChg chg="del">
-          <ac:chgData name="Lukasz Glowinski" userId="67c5aaad7ecb09f5" providerId="LiveId" clId="{807A528E-B160-4BA0-8E24-88E9345CF608}" dt="2025-07-16T22:38:07.610" v="4958" actId="478"/>
-          <ac:spMkLst>
-            <pc:docMk/>
-            <pc:sldMk cId="616795562" sldId="288"/>
-            <ac:spMk id="16" creationId="{4DB536AE-8E2A-135D-DCE1-58A213D0D632}"/>
-          </ac:spMkLst>
-        </pc:spChg>
-        <pc:grpChg chg="del">
-          <ac:chgData name="Lukasz Glowinski" userId="67c5aaad7ecb09f5" providerId="LiveId" clId="{807A528E-B160-4BA0-8E24-88E9345CF608}" dt="2025-07-16T22:38:07.610" v="4958" actId="478"/>
-          <ac:grpSpMkLst>
-            <pc:docMk/>
-            <pc:sldMk cId="616795562" sldId="288"/>
-            <ac:grpSpMk id="9" creationId="{2BF6116A-1828-FF4B-8E48-BA5793FE3F26}"/>
-          </ac:grpSpMkLst>
-        </pc:grpChg>
-        <pc:grpChg chg="del">
-          <ac:chgData name="Lukasz Glowinski" userId="67c5aaad7ecb09f5" providerId="LiveId" clId="{807A528E-B160-4BA0-8E24-88E9345CF608}" dt="2025-07-16T22:38:07.610" v="4958" actId="478"/>
-          <ac:grpSpMkLst>
-            <pc:docMk/>
-            <pc:sldMk cId="616795562" sldId="288"/>
-            <ac:grpSpMk id="10" creationId="{DA330198-DE37-1749-FFF9-26578602D9DB}"/>
-          </ac:grpSpMkLst>
-        </pc:grpChg>
-        <pc:grpChg chg="del">
-          <ac:chgData name="Lukasz Glowinski" userId="67c5aaad7ecb09f5" providerId="LiveId" clId="{807A528E-B160-4BA0-8E24-88E9345CF608}" dt="2025-07-16T22:38:07.610" v="4958" actId="478"/>
-          <ac:grpSpMkLst>
-            <pc:docMk/>
-            <pc:sldMk cId="616795562" sldId="288"/>
-            <ac:grpSpMk id="28" creationId="{491728AB-0EBC-F52D-2C12-7F7134AA42DD}"/>
-          </ac:grpSpMkLst>
-        </pc:grpChg>
-        <pc:grpChg chg="del">
-          <ac:chgData name="Lukasz Glowinski" userId="67c5aaad7ecb09f5" providerId="LiveId" clId="{807A528E-B160-4BA0-8E24-88E9345CF608}" dt="2025-07-16T22:38:07.610" v="4958" actId="478"/>
-          <ac:grpSpMkLst>
-            <pc:docMk/>
-            <pc:sldMk cId="616795562" sldId="288"/>
-            <ac:grpSpMk id="29" creationId="{F156D876-C34B-79DA-E90F-2B7FA7D9E6A2}"/>
-          </ac:grpSpMkLst>
-        </pc:grpChg>
-        <pc:picChg chg="add del mod">
-          <ac:chgData name="Lukasz Glowinski" userId="67c5aaad7ecb09f5" providerId="LiveId" clId="{807A528E-B160-4BA0-8E24-88E9345CF608}" dt="2025-07-16T22:42:06.796" v="5125" actId="478"/>
-          <ac:picMkLst>
-            <pc:docMk/>
-            <pc:sldMk cId="616795562" sldId="288"/>
-            <ac:picMk id="6" creationId="{289415D4-D476-445F-FA76-CEE729BBA66B}"/>
-          </ac:picMkLst>
-        </pc:picChg>
-        <pc:picChg chg="add mod">
-          <ac:chgData name="Lukasz Glowinski" userId="67c5aaad7ecb09f5" providerId="LiveId" clId="{807A528E-B160-4BA0-8E24-88E9345CF608}" dt="2025-07-16T22:42:31.516" v="5193" actId="1035"/>
-          <ac:picMkLst>
-            <pc:docMk/>
-            <pc:sldMk cId="616795562" sldId="288"/>
-            <ac:picMk id="11" creationId="{F9C3AD0B-534D-5CEC-03AA-FA2E148BB9C2}"/>
-          </ac:picMkLst>
-        </pc:picChg>
-      </pc:sldChg>
-      <pc:sldChg chg="modSp add mod">
-        <pc:chgData name="Lukasz Glowinski" userId="67c5aaad7ecb09f5" providerId="LiveId" clId="{807A528E-B160-4BA0-8E24-88E9345CF608}" dt="2025-07-16T23:24:02.324" v="6402"/>
-        <pc:sldMkLst>
-          <pc:docMk/>
-          <pc:sldMk cId="4043867569" sldId="289"/>
-        </pc:sldMkLst>
-        <pc:spChg chg="mod">
-          <ac:chgData name="Lukasz Glowinski" userId="67c5aaad7ecb09f5" providerId="LiveId" clId="{807A528E-B160-4BA0-8E24-88E9345CF608}" dt="2025-07-16T23:24:02.324" v="6402"/>
-          <ac:spMkLst>
-            <pc:docMk/>
-            <pc:sldMk cId="4043867569" sldId="289"/>
-            <ac:spMk id="2" creationId="{616AC641-5DFD-0E1A-B869-CFBB8EAB5160}"/>
-          </ac:spMkLst>
-        </pc:spChg>
-        <pc:picChg chg="mod">
-          <ac:chgData name="Lukasz Glowinski" userId="67c5aaad7ecb09f5" providerId="LiveId" clId="{807A528E-B160-4BA0-8E24-88E9345CF608}" dt="2025-07-16T23:00:23.322" v="5690" actId="1076"/>
-          <ac:picMkLst>
-            <pc:docMk/>
-            <pc:sldMk cId="4043867569" sldId="289"/>
-            <ac:picMk id="11" creationId="{E7B71500-AA8E-65B4-B0E1-562262C1A76A}"/>
-          </ac:picMkLst>
-        </pc:picChg>
-      </pc:sldChg>
-      <pc:sldChg chg="addSp delSp modSp add mod modNotesTx">
-        <pc:chgData name="Lukasz Glowinski" userId="67c5aaad7ecb09f5" providerId="LiveId" clId="{807A528E-B160-4BA0-8E24-88E9345CF608}" dt="2025-07-16T23:24:02.324" v="6402"/>
-        <pc:sldMkLst>
-          <pc:docMk/>
-          <pc:sldMk cId="4293839708" sldId="290"/>
-        </pc:sldMkLst>
-        <pc:spChg chg="mod">
-          <ac:chgData name="Lukasz Glowinski" userId="67c5aaad7ecb09f5" providerId="LiveId" clId="{807A528E-B160-4BA0-8E24-88E9345CF608}" dt="2025-07-16T23:24:02.324" v="6402"/>
-          <ac:spMkLst>
-            <pc:docMk/>
-            <pc:sldMk cId="4293839708" sldId="290"/>
-            <ac:spMk id="2" creationId="{2BC3E8FB-629C-4D4C-AB0B-15CD035E2426}"/>
-          </ac:spMkLst>
-        </pc:spChg>
-        <pc:picChg chg="add mod">
-          <ac:chgData name="Lukasz Glowinski" userId="67c5aaad7ecb09f5" providerId="LiveId" clId="{807A528E-B160-4BA0-8E24-88E9345CF608}" dt="2025-07-16T23:00:16.547" v="5689" actId="1076"/>
-          <ac:picMkLst>
-            <pc:docMk/>
-            <pc:sldMk cId="4293839708" sldId="290"/>
-            <ac:picMk id="4" creationId="{2613F405-9DF1-D418-1D80-C35FA5D302A0}"/>
-          </ac:picMkLst>
-        </pc:picChg>
-        <pc:picChg chg="del">
-          <ac:chgData name="Lukasz Glowinski" userId="67c5aaad7ecb09f5" providerId="LiveId" clId="{807A528E-B160-4BA0-8E24-88E9345CF608}" dt="2025-07-16T22:51:13.452" v="5203" actId="478"/>
-          <ac:picMkLst>
-            <pc:docMk/>
-            <pc:sldMk cId="4293839708" sldId="290"/>
-            <ac:picMk id="11" creationId="{A76B65DC-7EAA-3D10-D294-912C59B05730}"/>
-          </ac:picMkLst>
-        </pc:picChg>
-      </pc:sldChg>
-      <pc:sldChg chg="addSp delSp modSp add mod modNotesTx">
-        <pc:chgData name="Lukasz Glowinski" userId="67c5aaad7ecb09f5" providerId="LiveId" clId="{807A528E-B160-4BA0-8E24-88E9345CF608}" dt="2025-07-16T23:24:02.324" v="6402"/>
-        <pc:sldMkLst>
-          <pc:docMk/>
-          <pc:sldMk cId="2731377203" sldId="291"/>
-        </pc:sldMkLst>
-        <pc:spChg chg="mod">
-          <ac:chgData name="Lukasz Glowinski" userId="67c5aaad7ecb09f5" providerId="LiveId" clId="{807A528E-B160-4BA0-8E24-88E9345CF608}" dt="2025-07-16T23:24:02.324" v="6402"/>
-          <ac:spMkLst>
-            <pc:docMk/>
-            <pc:sldMk cId="2731377203" sldId="291"/>
-            <ac:spMk id="2" creationId="{19027E19-4972-B071-ED00-4C6FC61094C1}"/>
-          </ac:spMkLst>
-        </pc:spChg>
-        <pc:picChg chg="del">
-          <ac:chgData name="Lukasz Glowinski" userId="67c5aaad7ecb09f5" providerId="LiveId" clId="{807A528E-B160-4BA0-8E24-88E9345CF608}" dt="2025-07-16T22:54:21.897" v="5267" actId="478"/>
-          <ac:picMkLst>
-            <pc:docMk/>
-            <pc:sldMk cId="2731377203" sldId="291"/>
-            <ac:picMk id="4" creationId="{26C624D5-592E-FB51-4740-8631B4DA1D05}"/>
-          </ac:picMkLst>
-        </pc:picChg>
-        <pc:picChg chg="add mod">
-          <ac:chgData name="Lukasz Glowinski" userId="67c5aaad7ecb09f5" providerId="LiveId" clId="{807A528E-B160-4BA0-8E24-88E9345CF608}" dt="2025-07-16T22:59:59.327" v="5687" actId="1076"/>
-          <ac:picMkLst>
-            <pc:docMk/>
-            <pc:sldMk cId="2731377203" sldId="291"/>
-            <ac:picMk id="5" creationId="{D1E6FBD8-5866-7645-6FB3-E9922DF8E825}"/>
-          </ac:picMkLst>
-        </pc:picChg>
-      </pc:sldChg>
-      <pc:sldChg chg="addSp delSp modSp add mod modNotesTx">
-        <pc:chgData name="Lukasz Glowinski" userId="67c5aaad7ecb09f5" providerId="LiveId" clId="{807A528E-B160-4BA0-8E24-88E9345CF608}" dt="2025-07-16T23:24:02.324" v="6402"/>
-        <pc:sldMkLst>
-          <pc:docMk/>
-          <pc:sldMk cId="2882259776" sldId="292"/>
-        </pc:sldMkLst>
-        <pc:spChg chg="mod">
-          <ac:chgData name="Lukasz Glowinski" userId="67c5aaad7ecb09f5" providerId="LiveId" clId="{807A528E-B160-4BA0-8E24-88E9345CF608}" dt="2025-07-16T23:24:02.324" v="6402"/>
-          <ac:spMkLst>
-            <pc:docMk/>
-            <pc:sldMk cId="2882259776" sldId="292"/>
-            <ac:spMk id="2" creationId="{C8236EE0-45D1-6CC3-2746-C683C0E2C8EF}"/>
-          </ac:spMkLst>
-        </pc:spChg>
-        <pc:picChg chg="add del mod">
-          <ac:chgData name="Lukasz Glowinski" userId="67c5aaad7ecb09f5" providerId="LiveId" clId="{807A528E-B160-4BA0-8E24-88E9345CF608}" dt="2025-07-16T22:59:09.692" v="5660" actId="478"/>
-          <ac:picMkLst>
-            <pc:docMk/>
-            <pc:sldMk cId="2882259776" sldId="292"/>
-            <ac:picMk id="4" creationId="{0D0E59A4-9D0C-8329-C993-9E13B4560E87}"/>
-          </ac:picMkLst>
-        </pc:picChg>
-        <pc:picChg chg="del">
-          <ac:chgData name="Lukasz Glowinski" userId="67c5aaad7ecb09f5" providerId="LiveId" clId="{807A528E-B160-4BA0-8E24-88E9345CF608}" dt="2025-07-16T22:57:59.926" v="5438" actId="478"/>
-          <ac:picMkLst>
-            <pc:docMk/>
-            <pc:sldMk cId="2882259776" sldId="292"/>
-            <ac:picMk id="5" creationId="{F12AAB23-CBA6-973B-3FB9-2627B8C7C820}"/>
-          </ac:picMkLst>
-        </pc:picChg>
-        <pc:picChg chg="add mod">
-          <ac:chgData name="Lukasz Glowinski" userId="67c5aaad7ecb09f5" providerId="LiveId" clId="{807A528E-B160-4BA0-8E24-88E9345CF608}" dt="2025-07-16T23:00:07.226" v="5688" actId="1076"/>
-          <ac:picMkLst>
-            <pc:docMk/>
-            <pc:sldMk cId="2882259776" sldId="292"/>
-            <ac:picMk id="7" creationId="{5F280C8B-2D59-C755-E66C-E5B5A4A19282}"/>
-          </ac:picMkLst>
-        </pc:picChg>
-      </pc:sldChg>
-      <pc:sldChg chg="addSp delSp modSp add mod modNotesTx">
-        <pc:chgData name="Lukasz Glowinski" userId="67c5aaad7ecb09f5" providerId="LiveId" clId="{807A528E-B160-4BA0-8E24-88E9345CF608}" dt="2025-07-16T23:24:02.324" v="6402"/>
-        <pc:sldMkLst>
-          <pc:docMk/>
-          <pc:sldMk cId="1987177191" sldId="293"/>
-        </pc:sldMkLst>
-        <pc:spChg chg="mod">
-          <ac:chgData name="Lukasz Glowinski" userId="67c5aaad7ecb09f5" providerId="LiveId" clId="{807A528E-B160-4BA0-8E24-88E9345CF608}" dt="2025-07-16T23:24:02.324" v="6402"/>
-          <ac:spMkLst>
-            <pc:docMk/>
-            <pc:sldMk cId="1987177191" sldId="293"/>
-            <ac:spMk id="2" creationId="{FDA68E8C-F742-735D-17B6-4CE7D8EA3DBC}"/>
-          </ac:spMkLst>
-        </pc:spChg>
-        <pc:picChg chg="add del">
-          <ac:chgData name="Lukasz Glowinski" userId="67c5aaad7ecb09f5" providerId="LiveId" clId="{807A528E-B160-4BA0-8E24-88E9345CF608}" dt="2025-07-16T23:04:32.911" v="5757" actId="478"/>
-          <ac:picMkLst>
-            <pc:docMk/>
-            <pc:sldMk cId="1987177191" sldId="293"/>
-            <ac:picMk id="4" creationId="{17C16E0A-2338-6A44-81A4-13D47C568454}"/>
-          </ac:picMkLst>
-        </pc:picChg>
-        <pc:picChg chg="add del mod">
-          <ac:chgData name="Lukasz Glowinski" userId="67c5aaad7ecb09f5" providerId="LiveId" clId="{807A528E-B160-4BA0-8E24-88E9345CF608}" dt="2025-07-16T23:05:29.699" v="5878" actId="478"/>
-          <ac:picMkLst>
-            <pc:docMk/>
-            <pc:sldMk cId="1987177191" sldId="293"/>
-            <ac:picMk id="6" creationId="{DF6C9EAC-175F-B90B-37D7-8F949089DDFA}"/>
-          </ac:picMkLst>
-        </pc:picChg>
-        <pc:picChg chg="del">
-          <ac:chgData name="Lukasz Glowinski" userId="67c5aaad7ecb09f5" providerId="LiveId" clId="{807A528E-B160-4BA0-8E24-88E9345CF608}" dt="2025-07-16T23:04:24.741" v="5755" actId="478"/>
-          <ac:picMkLst>
-            <pc:docMk/>
-            <pc:sldMk cId="1987177191" sldId="293"/>
-            <ac:picMk id="7" creationId="{A9B4BCCE-0963-FA71-C3B4-4F8A48BE2368}"/>
-          </ac:picMkLst>
-        </pc:picChg>
-        <pc:picChg chg="add mod">
-          <ac:chgData name="Lukasz Glowinski" userId="67c5aaad7ecb09f5" providerId="LiveId" clId="{807A528E-B160-4BA0-8E24-88E9345CF608}" dt="2025-07-16T23:05:37.965" v="5882" actId="12789"/>
-          <ac:picMkLst>
-            <pc:docMk/>
-            <pc:sldMk cId="1987177191" sldId="293"/>
-            <ac:picMk id="9" creationId="{7239BF94-4C40-B1A7-8370-E0381200560D}"/>
-          </ac:picMkLst>
-        </pc:picChg>
-      </pc:sldChg>
-      <pc:sldChg chg="modSp add">
-        <pc:chgData name="Lukasz Glowinski" userId="67c5aaad7ecb09f5" providerId="LiveId" clId="{807A528E-B160-4BA0-8E24-88E9345CF608}" dt="2025-07-16T23:24:02.324" v="6402"/>
-        <pc:sldMkLst>
-          <pc:docMk/>
-          <pc:sldMk cId="2348709929" sldId="294"/>
-        </pc:sldMkLst>
-        <pc:spChg chg="mod">
-          <ac:chgData name="Lukasz Glowinski" userId="67c5aaad7ecb09f5" providerId="LiveId" clId="{807A528E-B160-4BA0-8E24-88E9345CF608}" dt="2025-07-16T23:24:02.324" v="6402"/>
-          <ac:spMkLst>
-            <pc:docMk/>
-            <pc:sldMk cId="2348709929" sldId="294"/>
-            <ac:spMk id="2" creationId="{939C232D-9446-D327-9A4D-D6908D27C998}"/>
-          </ac:spMkLst>
-        </pc:spChg>
-      </pc:sldChg>
-      <pc:sldChg chg="addSp delSp modSp add mod modNotesTx">
-        <pc:chgData name="Lukasz Glowinski" userId="67c5aaad7ecb09f5" providerId="LiveId" clId="{807A528E-B160-4BA0-8E24-88E9345CF608}" dt="2025-07-16T23:24:02.324" v="6402"/>
-        <pc:sldMkLst>
-          <pc:docMk/>
-          <pc:sldMk cId="825530552" sldId="295"/>
-        </pc:sldMkLst>
-        <pc:spChg chg="mod">
-          <ac:chgData name="Lukasz Glowinski" userId="67c5aaad7ecb09f5" providerId="LiveId" clId="{807A528E-B160-4BA0-8E24-88E9345CF608}" dt="2025-07-16T23:24:02.324" v="6402"/>
-          <ac:spMkLst>
-            <pc:docMk/>
-            <pc:sldMk cId="825530552" sldId="295"/>
-            <ac:spMk id="2" creationId="{14BE0E7E-55E2-758A-11E6-5F870261EE6E}"/>
-          </ac:spMkLst>
-        </pc:spChg>
-        <pc:picChg chg="add mod">
-          <ac:chgData name="Lukasz Glowinski" userId="67c5aaad7ecb09f5" providerId="LiveId" clId="{807A528E-B160-4BA0-8E24-88E9345CF608}" dt="2025-07-16T23:10:36.057" v="5954" actId="1076"/>
-          <ac:picMkLst>
-            <pc:docMk/>
-            <pc:sldMk cId="825530552" sldId="295"/>
-            <ac:picMk id="4" creationId="{FB9F781B-C0ED-BD57-7500-7C08C5ADF0E6}"/>
-          </ac:picMkLst>
-        </pc:picChg>
-        <pc:picChg chg="del">
-          <ac:chgData name="Lukasz Glowinski" userId="67c5aaad7ecb09f5" providerId="LiveId" clId="{807A528E-B160-4BA0-8E24-88E9345CF608}" dt="2025-07-16T23:10:03.732" v="5886" actId="478"/>
-          <ac:picMkLst>
-            <pc:docMk/>
-            <pc:sldMk cId="825530552" sldId="295"/>
-            <ac:picMk id="9" creationId="{E30F5A12-147C-AFE5-8923-ED715BAA1A28}"/>
-          </ac:picMkLst>
-        </pc:picChg>
-      </pc:sldChg>
-      <pc:sldChg chg="addSp delSp modSp add mod modNotesTx">
-        <pc:chgData name="Lukasz Glowinski" userId="67c5aaad7ecb09f5" providerId="LiveId" clId="{807A528E-B160-4BA0-8E24-88E9345CF608}" dt="2025-07-16T23:24:02.324" v="6402"/>
-        <pc:sldMkLst>
-          <pc:docMk/>
-          <pc:sldMk cId="2303740364" sldId="296"/>
-        </pc:sldMkLst>
-        <pc:spChg chg="mod">
-          <ac:chgData name="Lukasz Glowinski" userId="67c5aaad7ecb09f5" providerId="LiveId" clId="{807A528E-B160-4BA0-8E24-88E9345CF608}" dt="2025-07-16T23:24:02.324" v="6402"/>
-          <ac:spMkLst>
-            <pc:docMk/>
-            <pc:sldMk cId="2303740364" sldId="296"/>
-            <ac:spMk id="2" creationId="{702517A6-7080-A3C5-E571-9431B046C699}"/>
-          </ac:spMkLst>
-        </pc:spChg>
-        <pc:picChg chg="del">
-          <ac:chgData name="Lukasz Glowinski" userId="67c5aaad7ecb09f5" providerId="LiveId" clId="{807A528E-B160-4BA0-8E24-88E9345CF608}" dt="2025-07-16T23:11:56.728" v="5956" actId="478"/>
-          <ac:picMkLst>
-            <pc:docMk/>
-            <pc:sldMk cId="2303740364" sldId="296"/>
-            <ac:picMk id="4" creationId="{AE041621-41A1-82A9-4113-CC5AC9333D87}"/>
-          </ac:picMkLst>
-        </pc:picChg>
-        <pc:picChg chg="add mod">
-          <ac:chgData name="Lukasz Glowinski" userId="67c5aaad7ecb09f5" providerId="LiveId" clId="{807A528E-B160-4BA0-8E24-88E9345CF608}" dt="2025-07-16T23:12:21.486" v="5961" actId="1076"/>
-          <ac:picMkLst>
-            <pc:docMk/>
-            <pc:sldMk cId="2303740364" sldId="296"/>
-            <ac:picMk id="5" creationId="{13983A7F-CB5C-DDDF-527B-15FE3F254D79}"/>
-          </ac:picMkLst>
-        </pc:picChg>
-      </pc:sldChg>
-      <pc:sldChg chg="addSp delSp modSp add mod modNotesTx">
-        <pc:chgData name="Lukasz Glowinski" userId="67c5aaad7ecb09f5" providerId="LiveId" clId="{807A528E-B160-4BA0-8E24-88E9345CF608}" dt="2025-07-16T23:24:02.324" v="6402"/>
-        <pc:sldMkLst>
-          <pc:docMk/>
-          <pc:sldMk cId="3924939118" sldId="297"/>
-        </pc:sldMkLst>
-        <pc:spChg chg="mod">
-          <ac:chgData name="Lukasz Glowinski" userId="67c5aaad7ecb09f5" providerId="LiveId" clId="{807A528E-B160-4BA0-8E24-88E9345CF608}" dt="2025-07-16T23:24:02.324" v="6402"/>
-          <ac:spMkLst>
-            <pc:docMk/>
-            <pc:sldMk cId="3924939118" sldId="297"/>
-            <ac:spMk id="2" creationId="{741C9B1D-56FA-2CDA-8723-EE3E3CC3D9C7}"/>
-          </ac:spMkLst>
-        </pc:spChg>
-        <pc:picChg chg="add mod">
-          <ac:chgData name="Lukasz Glowinski" userId="67c5aaad7ecb09f5" providerId="LiveId" clId="{807A528E-B160-4BA0-8E24-88E9345CF608}" dt="2025-07-16T23:16:10.880" v="6024" actId="12789"/>
-          <ac:picMkLst>
-            <pc:docMk/>
-            <pc:sldMk cId="3924939118" sldId="297"/>
-            <ac:picMk id="4" creationId="{E78D44CD-BE20-1A9D-C723-EE954F61129F}"/>
-          </ac:picMkLst>
-        </pc:picChg>
-        <pc:picChg chg="del">
-          <ac:chgData name="Lukasz Glowinski" userId="67c5aaad7ecb09f5" providerId="LiveId" clId="{807A528E-B160-4BA0-8E24-88E9345CF608}" dt="2025-07-16T23:16:01.868" v="6020" actId="478"/>
-          <ac:picMkLst>
-            <pc:docMk/>
-            <pc:sldMk cId="3924939118" sldId="297"/>
-            <ac:picMk id="5" creationId="{7DA6E18A-FB2D-6924-A899-C4B964D97C64}"/>
-          </ac:picMkLst>
-        </pc:picChg>
-      </pc:sldChg>
-      <pc:sldChg chg="addSp delSp modSp add mod modNotesTx">
-        <pc:chgData name="Lukasz Glowinski" userId="67c5aaad7ecb09f5" providerId="LiveId" clId="{807A528E-B160-4BA0-8E24-88E9345CF608}" dt="2025-07-16T23:30:51.036" v="6447" actId="20577"/>
-        <pc:sldMkLst>
-          <pc:docMk/>
-          <pc:sldMk cId="1892613400" sldId="298"/>
-        </pc:sldMkLst>
-        <pc:spChg chg="mod">
-          <ac:chgData name="Lukasz Glowinski" userId="67c5aaad7ecb09f5" providerId="LiveId" clId="{807A528E-B160-4BA0-8E24-88E9345CF608}" dt="2025-07-16T23:24:02.324" v="6402"/>
-          <ac:spMkLst>
-            <pc:docMk/>
-            <pc:sldMk cId="1892613400" sldId="298"/>
-            <ac:spMk id="2" creationId="{6F636C74-4ED1-2C4A-774B-FD78BD967BCB}"/>
-          </ac:spMkLst>
-        </pc:spChg>
-        <pc:picChg chg="del">
-          <ac:chgData name="Lukasz Glowinski" userId="67c5aaad7ecb09f5" providerId="LiveId" clId="{807A528E-B160-4BA0-8E24-88E9345CF608}" dt="2025-07-16T23:19:55.084" v="6057" actId="478"/>
-          <ac:picMkLst>
-            <pc:docMk/>
-            <pc:sldMk cId="1892613400" sldId="298"/>
-            <ac:picMk id="4" creationId="{E84303AC-C77F-EE69-98F4-FAA734A4ACE8}"/>
-          </ac:picMkLst>
-        </pc:picChg>
-        <pc:picChg chg="add mod">
-          <ac:chgData name="Lukasz Glowinski" userId="67c5aaad7ecb09f5" providerId="LiveId" clId="{807A528E-B160-4BA0-8E24-88E9345CF608}" dt="2025-07-16T23:20:07.393" v="6062" actId="1076"/>
-          <ac:picMkLst>
-            <pc:docMk/>
-            <pc:sldMk cId="1892613400" sldId="298"/>
-            <ac:picMk id="5" creationId="{E55C3985-366D-E2F6-CAAB-0A18FBDE4EAA}"/>
-          </ac:picMkLst>
-        </pc:picChg>
-      </pc:sldChg>
-      <pc:sldChg chg="addSp delSp modSp add mod ord modNotesTx">
-        <pc:chgData name="Lukasz Glowinski" userId="67c5aaad7ecb09f5" providerId="LiveId" clId="{807A528E-B160-4BA0-8E24-88E9345CF608}" dt="2025-07-16T23:29:27.860" v="6445" actId="1076"/>
-        <pc:sldMkLst>
-          <pc:docMk/>
-          <pc:sldMk cId="2220239986" sldId="299"/>
-        </pc:sldMkLst>
-        <pc:spChg chg="mod">
-          <ac:chgData name="Lukasz Glowinski" userId="67c5aaad7ecb09f5" providerId="LiveId" clId="{807A528E-B160-4BA0-8E24-88E9345CF608}" dt="2025-07-16T23:23:35.739" v="6401"/>
-          <ac:spMkLst>
-            <pc:docMk/>
-            <pc:sldMk cId="2220239986" sldId="299"/>
-            <ac:spMk id="2" creationId="{A4E4B25A-B2E6-3A67-B308-154D55050ACE}"/>
-          </ac:spMkLst>
-        </pc:spChg>
-        <pc:graphicFrameChg chg="add del">
-          <ac:chgData name="Lukasz Glowinski" userId="67c5aaad7ecb09f5" providerId="LiveId" clId="{807A528E-B160-4BA0-8E24-88E9345CF608}" dt="2025-07-16T23:24:41.644" v="6408" actId="3680"/>
-          <ac:graphicFrameMkLst>
-            <pc:docMk/>
-            <pc:sldMk cId="2220239986" sldId="299"/>
-            <ac:graphicFrameMk id="3" creationId="{1AB4B397-B159-AB5D-E9A0-D638475737AE}"/>
-          </ac:graphicFrameMkLst>
-        </pc:graphicFrameChg>
-        <pc:picChg chg="del">
-          <ac:chgData name="Lukasz Glowinski" userId="67c5aaad7ecb09f5" providerId="LiveId" clId="{807A528E-B160-4BA0-8E24-88E9345CF608}" dt="2025-07-16T23:21:48.935" v="6276" actId="478"/>
-          <ac:picMkLst>
-            <pc:docMk/>
-            <pc:sldMk cId="2220239986" sldId="299"/>
-            <ac:picMk id="5" creationId="{2F217712-FF44-4545-968F-33872E8821BE}"/>
-          </ac:picMkLst>
-        </pc:picChg>
-        <pc:picChg chg="add mod">
-          <ac:chgData name="Lukasz Glowinski" userId="67c5aaad7ecb09f5" providerId="LiveId" clId="{807A528E-B160-4BA0-8E24-88E9345CF608}" dt="2025-07-16T23:29:27.860" v="6445" actId="1076"/>
-          <ac:picMkLst>
-            <pc:docMk/>
-            <pc:sldMk cId="2220239986" sldId="299"/>
-            <ac:picMk id="8" creationId="{F870FB34-BF44-A3C4-184B-9635797D9834}"/>
-          </ac:picMkLst>
-        </pc:picChg>
-        <pc:picChg chg="add mod">
-          <ac:chgData name="Lukasz Glowinski" userId="67c5aaad7ecb09f5" providerId="LiveId" clId="{807A528E-B160-4BA0-8E24-88E9345CF608}" dt="2025-07-16T23:29:24.642" v="6444" actId="1076"/>
-          <ac:picMkLst>
-            <pc:docMk/>
-            <pc:sldMk cId="2220239986" sldId="299"/>
-            <ac:picMk id="10" creationId="{1878DA5A-6600-1E26-8FAA-63CE2AD7A4C5}"/>
-          </ac:picMkLst>
-        </pc:picChg>
-        <pc:cxnChg chg="add mod">
-          <ac:chgData name="Lukasz Glowinski" userId="67c5aaad7ecb09f5" providerId="LiveId" clId="{807A528E-B160-4BA0-8E24-88E9345CF608}" dt="2025-07-16T23:26:03.112" v="6428" actId="1076"/>
-          <ac:cxnSpMkLst>
-            <pc:docMk/>
-            <pc:sldMk cId="2220239986" sldId="299"/>
-            <ac:cxnSpMk id="6" creationId="{2047692C-317B-8CDA-A21F-91324DC5706F}"/>
-          </ac:cxnSpMkLst>
-        </pc:cxnChg>
-      </pc:sldChg>
-      <pc:sldChg chg="modSp add mod ord">
-        <pc:chgData name="Lukasz Glowinski" userId="67c5aaad7ecb09f5" providerId="LiveId" clId="{807A528E-B160-4BA0-8E24-88E9345CF608}" dt="2025-07-16T23:23:32.205" v="6400" actId="20577"/>
-        <pc:sldMkLst>
-          <pc:docMk/>
-          <pc:sldMk cId="1311710043" sldId="300"/>
-        </pc:sldMkLst>
-        <pc:spChg chg="mod">
-          <ac:chgData name="Lukasz Glowinski" userId="67c5aaad7ecb09f5" providerId="LiveId" clId="{807A528E-B160-4BA0-8E24-88E9345CF608}" dt="2025-07-16T23:23:32.205" v="6400" actId="20577"/>
-          <ac:spMkLst>
-            <pc:docMk/>
-            <pc:sldMk cId="1311710043" sldId="300"/>
-            <ac:spMk id="2" creationId="{31B195D5-3504-DA3C-60C3-AE126C3F8931}"/>
-          </ac:spMkLst>
-        </pc:spChg>
-      </pc:sldChg>
-    </pc:docChg>
-  </pc:docChgLst>
-</pc:chgInfo>
 </file>
 
 <file path=ppt/notesMasters/notesMaster1.xml><?xml version="1.0" encoding="utf-8"?>
@@ -3089,7 +288,7 @@
           <a:p>
             <a:fld id="{6E8C061F-6882-4FF5-8A06-10A93CD1DBDE}" type="datetimeFigureOut">
               <a:rPr lang="pl-PL" smtClean="0"/>
-              <a:t>16.07.2025</a:t>
+              <a:t>17.07.2025</a:t>
             </a:fld>
             <a:endParaRPr lang="pl-PL"/>
           </a:p>
@@ -4067,7 +1266,23 @@
           <a:p>
             <a:r>
               <a:rPr lang="pl-PL" b="1" dirty="0" err="1"/>
-              <a:t>Serializacji</a:t>
+              <a:t>Porownanie</a:t>
+            </a:r>
+            <a:r>
+              <a:rPr lang="pl-PL" b="1" dirty="0"/>
+              <a:t> </a:t>
+            </a:r>
+            <a:r>
+              <a:rPr lang="pl-PL" b="1" dirty="0" err="1"/>
+              <a:t>protobuf</a:t>
+            </a:r>
+            <a:r>
+              <a:rPr lang="pl-PL" b="1" dirty="0"/>
+              <a:t> z </a:t>
+            </a:r>
+            <a:r>
+              <a:rPr lang="pl-PL" b="1" dirty="0" err="1"/>
+              <a:t>jsonem</a:t>
             </a:r>
             <a:endParaRPr lang="pl-PL" b="1" dirty="0"/>
           </a:p>
@@ -5990,119 +3205,42 @@
           <a:lstStyle/>
           <a:p>
             <a:r>
+              <a:rPr lang="pl-PL" b="1" dirty="0" err="1"/>
+              <a:t>gRPC</a:t>
+            </a:r>
+            <a:r>
               <a:rPr lang="pl-PL" b="1" dirty="0"/>
-              <a:t>Automatyczne generowanie kodu:</a:t>
-            </a:r>
-            <a:r>
-              <a:rPr lang="pl-PL" dirty="0"/>
-              <a:t> Pliki </a:t>
-            </a:r>
-            <a:r>
-              <a:rPr lang="pl-PL" dirty="0" err="1"/>
-              <a:t>proto</a:t>
-            </a:r>
-            <a:r>
-              <a:rPr lang="pl-PL" dirty="0"/>
-              <a:t> przy budowaniu aplikacji generują klasy C#, reprezentujące </a:t>
-            </a:r>
-            <a:r>
-              <a:rPr lang="pl-PL" dirty="0" err="1"/>
-              <a:t>message</a:t>
-            </a:r>
-            <a:r>
-              <a:rPr lang="pl-PL" dirty="0"/>
-              <a:t> oraz dające nam możliwość implementacji </a:t>
-            </a:r>
-            <a:r>
-              <a:rPr lang="pl-PL" dirty="0" err="1"/>
-              <a:t>serwisow</a:t>
-            </a:r>
-            <a:r>
-              <a:rPr lang="pl-PL" dirty="0"/>
-              <a:t>/konsumowania klientów w </a:t>
-            </a:r>
-            <a:r>
-              <a:rPr lang="pl-PL" dirty="0" err="1"/>
-              <a:t>zaleznosci</a:t>
-            </a:r>
-            <a:r>
-              <a:rPr lang="pl-PL" dirty="0"/>
-              <a:t> od ustawienia w pliku </a:t>
-            </a:r>
-            <a:r>
-              <a:rPr lang="pl-PL" dirty="0" err="1"/>
-              <a:t>csproj</a:t>
+              <a:t> oferuje bogaty zestaw </a:t>
+            </a:r>
+            <a:r>
+              <a:rPr lang="pl-PL" b="1" dirty="0" err="1"/>
+              <a:t>wzorcow</a:t>
+            </a:r>
+            <a:r>
+              <a:rPr lang="pl-PL" b="1" dirty="0"/>
+              <a:t> komunikacji, </a:t>
+            </a:r>
+            <a:r>
+              <a:rPr lang="pl-PL" b="1" dirty="0" err="1"/>
+              <a:t>wyrozniajacy</a:t>
+            </a:r>
+            <a:r>
+              <a:rPr lang="pl-PL" b="1" dirty="0"/>
+              <a:t> go od tradycyjnego API HTTP, gdzie komunikacja przebiega za pomocą </a:t>
+            </a:r>
+            <a:r>
+              <a:rPr lang="pl-PL" b="1" dirty="0" err="1"/>
+              <a:t>request</a:t>
+            </a:r>
+            <a:r>
+              <a:rPr lang="pl-PL" b="1" dirty="0"/>
+              <a:t> - </a:t>
+            </a:r>
+            <a:r>
+              <a:rPr lang="pl-PL" b="1" dirty="0" err="1"/>
+              <a:t>response</a:t>
             </a:r>
             <a:endParaRPr lang="pl-PL" dirty="0"/>
-          </a:p>
-          <a:p>
-            <a:endParaRPr lang="pl-PL" dirty="0"/>
-          </a:p>
-          <a:p>
-            <a:r>
-              <a:rPr lang="pl-PL" dirty="0" err="1"/>
-              <a:t>Dzieki</a:t>
-            </a:r>
-            <a:r>
-              <a:rPr lang="pl-PL" dirty="0"/>
-              <a:t> silnemu typowaniu możemy </a:t>
-            </a:r>
-            <a:r>
-              <a:rPr lang="pl-PL" dirty="0" err="1"/>
-              <a:t>wykrywac</a:t>
-            </a:r>
-            <a:r>
-              <a:rPr lang="pl-PL" dirty="0"/>
-              <a:t> </a:t>
-            </a:r>
-            <a:r>
-              <a:rPr lang="pl-PL" dirty="0" err="1"/>
-              <a:t>bledy</a:t>
-            </a:r>
-            <a:r>
-              <a:rPr lang="pl-PL" dirty="0"/>
-              <a:t> podczas kompilacji, mamy </a:t>
-            </a:r>
-            <a:r>
-              <a:rPr lang="pl-PL" dirty="0" err="1"/>
-              <a:t>pelne</a:t>
-            </a:r>
-            <a:r>
-              <a:rPr lang="pl-PL" dirty="0"/>
-              <a:t> wsparcie IDE(</a:t>
-            </a:r>
-            <a:r>
-              <a:rPr lang="pl-PL" dirty="0" err="1"/>
-              <a:t>IntelliSesne</a:t>
-            </a:r>
-            <a:r>
-              <a:rPr lang="pl-PL" dirty="0"/>
-              <a:t>), zmiana nazwy pola w pliku </a:t>
-            </a:r>
-            <a:r>
-              <a:rPr lang="pl-PL" dirty="0" err="1"/>
-              <a:t>proto</a:t>
-            </a:r>
-            <a:r>
-              <a:rPr lang="pl-PL" dirty="0"/>
-              <a:t> dostosuje również wygenerowane klasy, a sama </a:t>
-            </a:r>
-            <a:r>
-              <a:rPr lang="pl-PL" dirty="0" err="1"/>
-              <a:t>schema</a:t>
-            </a:r>
-            <a:r>
-              <a:rPr lang="pl-PL" dirty="0"/>
-              <a:t> </a:t>
-            </a:r>
-            <a:r>
-              <a:rPr lang="pl-PL" dirty="0" err="1"/>
-              <a:t>sluzy</a:t>
-            </a:r>
-            <a:r>
-              <a:rPr lang="pl-PL" dirty="0"/>
-              <a:t> jako dokumentacja</a:t>
-            </a:r>
           </a:p>
         </p:txBody>
       </p:sp>
@@ -6230,7 +3368,37 @@
               <a:rPr lang="pl-PL" b="1" dirty="0" err="1"/>
               <a:t>response</a:t>
             </a:r>
+            <a:endParaRPr lang="pl-PL" b="1" dirty="0"/>
+          </a:p>
+          <a:p>
+            <a:endParaRPr lang="pl-PL" b="1" dirty="0"/>
+          </a:p>
+          <a:p>
+            <a:r>
+              <a:rPr lang="pl-PL" dirty="0"/>
+              <a:t>Tradycyjne wywołanie funkcji</a:t>
+            </a:r>
+          </a:p>
+          <a:p>
             <a:endParaRPr lang="pl-PL" dirty="0"/>
+          </a:p>
+          <a:p>
+            <a:r>
+              <a:rPr lang="pl-PL" b="1" dirty="0"/>
+              <a:t>Użycie:</a:t>
+            </a:r>
+            <a:r>
+              <a:rPr lang="pl-PL" dirty="0"/>
+              <a:t> Standardowe operacje CRUD </a:t>
+            </a:r>
+            <a:r>
+              <a:rPr lang="pl-PL" b="1" dirty="0"/>
+              <a:t>Podobne do:</a:t>
+            </a:r>
+            <a:r>
+              <a:rPr lang="pl-PL" dirty="0"/>
+              <a:t> REST GET/POST/PUT/DELETE</a:t>
+            </a:r>
           </a:p>
         </p:txBody>
       </p:sp>
@@ -6339,24 +3507,68 @@
           <a:lstStyle/>
           <a:p>
             <a:r>
+              <a:rPr lang="pl-PL" b="1" dirty="0"/>
+              <a:t>Client streaming – klient </a:t>
+            </a:r>
+            <a:r>
               <a:rPr lang="pl-PL" b="1" dirty="0" err="1"/>
-              <a:t>Unary</a:t>
+              <a:t>streamuje</a:t>
             </a:r>
             <a:r>
               <a:rPr lang="pl-PL" b="1" dirty="0"/>
-              <a:t> RPC – standardowe zapytania </a:t>
-            </a:r>
-            <a:r>
-              <a:rPr lang="pl-PL" b="1" dirty="0" err="1"/>
-              <a:t>request</a:t>
-            </a:r>
-            <a:r>
-              <a:rPr lang="pl-PL" b="1" dirty="0"/>
-              <a:t>/</a:t>
-            </a:r>
-            <a:r>
-              <a:rPr lang="pl-PL" b="1" dirty="0" err="1"/>
-              <a:t>response</a:t>
+              <a:t> dane do serwera, serwer zwraca jedna odpowiedz</a:t>
+            </a:r>
+          </a:p>
+          <a:p>
+            <a:endParaRPr lang="pl-PL" b="1" dirty="0"/>
+          </a:p>
+          <a:p>
+            <a:r>
+              <a:rPr lang="pl-PL" dirty="0"/>
+              <a:t>Klient "zasypuje" serwer danymi</a:t>
+            </a:r>
+          </a:p>
+          <a:p>
+            <a:endParaRPr lang="pl-PL" dirty="0"/>
+          </a:p>
+          <a:p>
+            <a:r>
+              <a:rPr lang="pl-PL" dirty="0" err="1"/>
+              <a:t>E.g</a:t>
+            </a:r>
+            <a:r>
+              <a:rPr lang="pl-PL" dirty="0"/>
+              <a:t>.: </a:t>
+            </a:r>
+            <a:r>
+              <a:rPr lang="en-US" dirty="0"/>
+              <a:t>Bulk uploads, file transfers, batch operations</a:t>
+            </a:r>
+            <a:endParaRPr lang="pl-PL" dirty="0"/>
+          </a:p>
+          <a:p>
+            <a:endParaRPr lang="pl-PL" dirty="0"/>
+          </a:p>
+          <a:p>
+            <a:r>
+              <a:rPr lang="en-US" b="1" dirty="0" err="1"/>
+              <a:t>Przewaga</a:t>
+            </a:r>
+            <a:r>
+              <a:rPr lang="en-US" b="1" dirty="0"/>
+              <a:t> </a:t>
+            </a:r>
+            <a:r>
+              <a:rPr lang="en-US" b="1" dirty="0" err="1"/>
+              <a:t>nad</a:t>
+            </a:r>
+            <a:r>
+              <a:rPr lang="en-US" b="1" dirty="0"/>
+              <a:t> REST:</a:t>
+            </a:r>
+            <a:r>
+              <a:rPr lang="en-US" dirty="0"/>
+              <a:t> Unika multiple HTTP requests</a:t>
             </a:r>
             <a:endParaRPr lang="pl-PL" dirty="0"/>
           </a:p>
@@ -6467,24 +3679,73 @@
           <a:lstStyle/>
           <a:p>
             <a:r>
+              <a:rPr lang="pl-PL" b="1" dirty="0"/>
+              <a:t>Server streaming – klient </a:t>
+            </a:r>
+            <a:r>
               <a:rPr lang="pl-PL" b="1" dirty="0" err="1"/>
-              <a:t>Unary</a:t>
+              <a:t>wysyla</a:t>
             </a:r>
             <a:r>
               <a:rPr lang="pl-PL" b="1" dirty="0"/>
-              <a:t> RPC – standardowe zapytania </a:t>
+              <a:t> zapytanie, serwer zapisuje do </a:t>
             </a:r>
             <a:r>
               <a:rPr lang="pl-PL" b="1" dirty="0" err="1"/>
-              <a:t>request</a:t>
-            </a:r>
+              <a:t>stream</a:t>
+            </a:r>
+            <a:endParaRPr lang="pl-PL" b="1" dirty="0"/>
+          </a:p>
+          <a:p>
+            <a:endParaRPr lang="pl-PL" b="1" dirty="0"/>
+          </a:p>
+          <a:p>
+            <a:r>
+              <a:rPr lang="pl-PL" dirty="0"/>
+              <a:t>Serwer "wypluwa" dane jak z węża ogrodowego</a:t>
+            </a:r>
+          </a:p>
+          <a:p>
+            <a:endParaRPr lang="pl-PL" dirty="0"/>
+          </a:p>
+          <a:p>
+            <a:r>
+              <a:rPr lang="pl-PL" dirty="0" err="1"/>
+              <a:t>E.g</a:t>
+            </a:r>
+            <a:r>
+              <a:rPr lang="pl-PL" dirty="0"/>
+              <a:t>.: </a:t>
+            </a:r>
+            <a:r>
+              <a:rPr lang="en-US" dirty="0"/>
+              <a:t>Large datasets, real-time updates, monitoring</a:t>
+            </a:r>
+            <a:endParaRPr lang="pl-PL" dirty="0"/>
+          </a:p>
+          <a:p>
+            <a:endParaRPr lang="pl-PL" dirty="0"/>
+          </a:p>
+          <a:p>
             <a:r>
               <a:rPr lang="pl-PL" b="1" dirty="0"/>
-              <a:t>/</a:t>
-            </a:r>
-            <a:r>
-              <a:rPr lang="pl-PL" b="1" dirty="0" err="1"/>
-              <a:t>response</a:t>
+              <a:t>Przewaga nad REST:</a:t>
+            </a:r>
+            <a:r>
+              <a:rPr lang="pl-PL" dirty="0"/>
+              <a:t> Eliminuje potrzebę </a:t>
+            </a:r>
+            <a:r>
+              <a:rPr lang="pl-PL" dirty="0" err="1"/>
+              <a:t>pagination</a:t>
+            </a:r>
+            <a:r>
+              <a:rPr lang="pl-PL" dirty="0"/>
+              <a:t> i </a:t>
+            </a:r>
+            <a:r>
+              <a:rPr lang="pl-PL" dirty="0" err="1"/>
+              <a:t>polling</a:t>
             </a:r>
             <a:endParaRPr lang="pl-PL" dirty="0"/>
           </a:p>
@@ -6596,25 +3857,77 @@
           <a:p>
             <a:r>
               <a:rPr lang="pl-PL" b="1" dirty="0" err="1"/>
-              <a:t>Unary</a:t>
+              <a:t>Bidirectional</a:t>
             </a:r>
             <a:r>
               <a:rPr lang="pl-PL" b="1" dirty="0"/>
-              <a:t> RPC – standardowe zapytania </a:t>
+              <a:t> streaming – serwer jak i klient zapisują dane do </a:t>
             </a:r>
             <a:r>
               <a:rPr lang="pl-PL" b="1" dirty="0" err="1"/>
-              <a:t>request</a:t>
-            </a:r>
-            <a:r>
-              <a:rPr lang="pl-PL" b="1" dirty="0"/>
-              <a:t>/</a:t>
-            </a:r>
-            <a:r>
-              <a:rPr lang="pl-PL" b="1" dirty="0" err="1"/>
-              <a:t>response</a:t>
-            </a:r>
+              <a:t>streamow</a:t>
+            </a:r>
+            <a:endParaRPr lang="pl-PL" b="1" dirty="0"/>
+          </a:p>
+          <a:p>
+            <a:endParaRPr lang="pl-PL" b="1" dirty="0"/>
+          </a:p>
+          <a:p>
+            <a:r>
+              <a:rPr lang="pl-PL" dirty="0"/>
+              <a:t>Rozmowa telefoniczna - obie strony mogą mówić jednocześnie</a:t>
+            </a:r>
+          </a:p>
+          <a:p>
             <a:endParaRPr lang="pl-PL" dirty="0"/>
+          </a:p>
+          <a:p>
+            <a:r>
+              <a:rPr lang="pl-PL" dirty="0" err="1"/>
+              <a:t>E.g</a:t>
+            </a:r>
+            <a:r>
+              <a:rPr lang="pl-PL" dirty="0"/>
+              <a:t>: </a:t>
+            </a:r>
+            <a:r>
+              <a:rPr lang="en-US" dirty="0"/>
+              <a:t>Chat applications, real-time collaboration, gaming</a:t>
+            </a:r>
+            <a:endParaRPr lang="pl-PL" dirty="0"/>
+          </a:p>
+          <a:p>
+            <a:endParaRPr lang="pl-PL" dirty="0"/>
+          </a:p>
+          <a:p>
+            <a:r>
+              <a:rPr lang="en-US" b="1" dirty="0" err="1"/>
+              <a:t>Przewaga</a:t>
+            </a:r>
+            <a:r>
+              <a:rPr lang="en-US" b="1" dirty="0"/>
+              <a:t> </a:t>
+            </a:r>
+            <a:r>
+              <a:rPr lang="en-US" b="1" dirty="0" err="1"/>
+              <a:t>nad</a:t>
+            </a:r>
+            <a:r>
+              <a:rPr lang="en-US" b="1" dirty="0"/>
+              <a:t> REST:</a:t>
+            </a:r>
+            <a:r>
+              <a:rPr lang="en-US" dirty="0"/>
+              <a:t> </a:t>
+            </a:r>
+            <a:r>
+              <a:rPr lang="pl-PL" dirty="0" err="1"/>
+              <a:t>Niemozliwe</a:t>
+            </a:r>
+            <a:r>
+              <a:rPr lang="pl-PL" dirty="0"/>
+              <a:t> do implementacji w typowym HTTP</a:t>
+            </a:r>
           </a:p>
         </p:txBody>
       </p:sp>
@@ -7395,7 +4708,7 @@
           <a:p>
             <a:r>
               <a:rPr lang="pl-PL" b="1" dirty="0"/>
-              <a:t>Serwer iteruje od 0 do 99 i zapisuje do </a:t>
+              <a:t>Serwer iteruje od 0 do 42 i zapisuje do </a:t>
             </a:r>
             <a:r>
               <a:rPr lang="pl-PL" b="1" dirty="0" err="1"/>
@@ -7637,163 +4950,6 @@
         <p:cNvPr id="1" name="">
           <a:extLst>
             <a:ext uri="{FF2B5EF4-FFF2-40B4-BE49-F238E27FC236}">
-              <a16:creationId xmlns:a16="http://schemas.microsoft.com/office/drawing/2014/main" id="{550958BE-CD50-D3B2-1D42-43C6226AFC7A}"/>
-            </a:ext>
-          </a:extLst>
-        </p:cNvPr>
-        <p:cNvGrpSpPr/>
-        <p:nvPr/>
-      </p:nvGrpSpPr>
-      <p:grpSpPr>
-        <a:xfrm>
-          <a:off x="0" y="0"/>
-          <a:ext cx="0" cy="0"/>
-          <a:chOff x="0" y="0"/>
-          <a:chExt cx="0" cy="0"/>
-        </a:xfrm>
-      </p:grpSpPr>
-      <p:sp>
-        <p:nvSpPr>
-          <p:cNvPr id="2" name="Slide Image Placeholder 1">
-            <a:extLst>
-              <a:ext uri="{FF2B5EF4-FFF2-40B4-BE49-F238E27FC236}">
-                <a16:creationId xmlns:a16="http://schemas.microsoft.com/office/drawing/2014/main" id="{2F26D3CE-7CFA-1082-A53E-5B3AB1090F17}"/>
-              </a:ext>
-            </a:extLst>
-          </p:cNvPr>
-          <p:cNvSpPr>
-            <a:spLocks noGrp="1" noRot="1" noChangeAspect="1"/>
-          </p:cNvSpPr>
-          <p:nvPr>
-            <p:ph type="sldImg"/>
-          </p:nvPr>
-        </p:nvSpPr>
-        <p:spPr/>
-      </p:sp>
-      <p:sp>
-        <p:nvSpPr>
-          <p:cNvPr id="3" name="Notes Placeholder 2">
-            <a:extLst>
-              <a:ext uri="{FF2B5EF4-FFF2-40B4-BE49-F238E27FC236}">
-                <a16:creationId xmlns:a16="http://schemas.microsoft.com/office/drawing/2014/main" id="{102C5467-90CF-62F6-1B5E-00D36EBB9218}"/>
-              </a:ext>
-            </a:extLst>
-          </p:cNvPr>
-          <p:cNvSpPr>
-            <a:spLocks noGrp="1"/>
-          </p:cNvSpPr>
-          <p:nvPr>
-            <p:ph type="body" idx="1"/>
-          </p:nvPr>
-        </p:nvSpPr>
-        <p:spPr/>
-        <p:txBody>
-          <a:bodyPr/>
-          <a:lstStyle/>
-          <a:p>
-            <a:r>
-              <a:rPr lang="pl-PL" b="1" dirty="0"/>
-              <a:t>Implementacja handlowania </a:t>
-            </a:r>
-            <a:r>
-              <a:rPr lang="pl-PL" b="1" dirty="0" err="1"/>
-              <a:t>Bidirectional</a:t>
-            </a:r>
-            <a:r>
-              <a:rPr lang="pl-PL" b="1" dirty="0"/>
-              <a:t> </a:t>
-            </a:r>
-            <a:r>
-              <a:rPr lang="pl-PL" b="1" dirty="0" err="1"/>
-              <a:t>Stream</a:t>
-            </a:r>
-            <a:r>
-              <a:rPr lang="pl-PL" b="1" dirty="0"/>
-              <a:t> po stronie serwera</a:t>
-            </a:r>
-          </a:p>
-          <a:p>
-            <a:endParaRPr lang="pl-PL" b="1" dirty="0"/>
-          </a:p>
-          <a:p>
-            <a:r>
-              <a:rPr lang="pl-PL" b="1" dirty="0"/>
-              <a:t>Serwer oczekuje na następne dane w </a:t>
-            </a:r>
-            <a:r>
-              <a:rPr lang="pl-PL" b="1" dirty="0" err="1"/>
-              <a:t>streamie</a:t>
-            </a:r>
-            <a:r>
-              <a:rPr lang="pl-PL" b="1" dirty="0"/>
-              <a:t>, po czym zapisuje swoje dane do </a:t>
-            </a:r>
-            <a:r>
-              <a:rPr lang="pl-PL" b="1" dirty="0" err="1"/>
-              <a:t>response</a:t>
-            </a:r>
-            <a:r>
-              <a:rPr lang="pl-PL" b="1" dirty="0"/>
-              <a:t> </a:t>
-            </a:r>
-            <a:r>
-              <a:rPr lang="pl-PL" b="1" dirty="0" err="1"/>
-              <a:t>streama</a:t>
-            </a:r>
-            <a:endParaRPr lang="pl-PL" dirty="0"/>
-          </a:p>
-        </p:txBody>
-      </p:sp>
-      <p:sp>
-        <p:nvSpPr>
-          <p:cNvPr id="4" name="Slide Number Placeholder 3">
-            <a:extLst>
-              <a:ext uri="{FF2B5EF4-FFF2-40B4-BE49-F238E27FC236}">
-                <a16:creationId xmlns:a16="http://schemas.microsoft.com/office/drawing/2014/main" id="{4C6D3692-9451-7CBA-02BB-8D7BFFC033B1}"/>
-              </a:ext>
-            </a:extLst>
-          </p:cNvPr>
-          <p:cNvSpPr>
-            <a:spLocks noGrp="1"/>
-          </p:cNvSpPr>
-          <p:nvPr>
-            <p:ph type="sldNum" sz="quarter" idx="5"/>
-          </p:nvPr>
-        </p:nvSpPr>
-        <p:spPr/>
-        <p:txBody>
-          <a:bodyPr/>
-          <a:lstStyle/>
-          <a:p>
-            <a:fld id="{2D83F3A1-9D00-4BBE-BFAF-5D68D146E4A2}" type="slidenum">
-              <a:rPr lang="pl-PL" smtClean="0"/>
-              <a:t>35</a:t>
-            </a:fld>
-            <a:endParaRPr lang="pl-PL"/>
-          </a:p>
-        </p:txBody>
-      </p:sp>
-    </p:spTree>
-    <p:extLst>
-      <p:ext uri="{BB962C8B-B14F-4D97-AF65-F5344CB8AC3E}">
-        <p14:creationId xmlns:p14="http://schemas.microsoft.com/office/powerpoint/2010/main" val="352516512"/>
-      </p:ext>
-    </p:extLst>
-  </p:cSld>
-  <p:clrMapOvr>
-    <a:masterClrMapping/>
-  </p:clrMapOvr>
-</p:notes>
-</file>
-
-<file path=ppt/notesSlides/notesSlide35.xml><?xml version="1.0" encoding="utf-8"?>
-<p:notes xmlns:a="http://schemas.openxmlformats.org/drawingml/2006/main" xmlns:r="http://schemas.openxmlformats.org/officeDocument/2006/relationships" xmlns:p="http://schemas.openxmlformats.org/presentationml/2006/main">
-  <p:cSld>
-    <p:spTree>
-      <p:nvGrpSpPr>
-        <p:cNvPr id="1" name="">
-          <a:extLst>
-            <a:ext uri="{FF2B5EF4-FFF2-40B4-BE49-F238E27FC236}">
               <a16:creationId xmlns:a16="http://schemas.microsoft.com/office/drawing/2014/main" id="{A8F02196-753F-1987-E520-6F51801DCB42}"/>
             </a:ext>
           </a:extLst>
@@ -7899,7 +5055,7 @@
           <a:p>
             <a:fld id="{2D83F3A1-9D00-4BBE-BFAF-5D68D146E4A2}" type="slidenum">
               <a:rPr lang="pl-PL" smtClean="0"/>
-              <a:t>36</a:t>
+              <a:t>35</a:t>
             </a:fld>
             <a:endParaRPr lang="pl-PL"/>
           </a:p>
@@ -7918,7 +5074,7 @@
 </p:notes>
 </file>
 
-<file path=ppt/notesSlides/notesSlide36.xml><?xml version="1.0" encoding="utf-8"?>
+<file path=ppt/notesSlides/notesSlide35.xml><?xml version="1.0" encoding="utf-8"?>
 <p:notes xmlns:a="http://schemas.openxmlformats.org/drawingml/2006/main" xmlns:r="http://schemas.openxmlformats.org/officeDocument/2006/relationships" xmlns:p="http://schemas.openxmlformats.org/presentationml/2006/main">
   <p:cSld>
     <p:spTree>
@@ -8031,7 +5187,7 @@
           <a:p>
             <a:fld id="{2D83F3A1-9D00-4BBE-BFAF-5D68D146E4A2}" type="slidenum">
               <a:rPr lang="pl-PL" smtClean="0"/>
-              <a:t>37</a:t>
+              <a:t>36</a:t>
             </a:fld>
             <a:endParaRPr lang="pl-PL"/>
           </a:p>
@@ -8050,7 +5206,7 @@
 </p:notes>
 </file>
 
-<file path=ppt/notesSlides/notesSlide37.xml><?xml version="1.0" encoding="utf-8"?>
+<file path=ppt/notesSlides/notesSlide36.xml><?xml version="1.0" encoding="utf-8"?>
 <p:notes xmlns:a="http://schemas.openxmlformats.org/drawingml/2006/main" xmlns:r="http://schemas.openxmlformats.org/officeDocument/2006/relationships" xmlns:p="http://schemas.openxmlformats.org/presentationml/2006/main">
   <p:cSld>
     <p:spTree>
@@ -8163,7 +5319,7 @@
           <a:p>
             <a:fld id="{2D83F3A1-9D00-4BBE-BFAF-5D68D146E4A2}" type="slidenum">
               <a:rPr lang="pl-PL" smtClean="0"/>
-              <a:t>38</a:t>
+              <a:t>37</a:t>
             </a:fld>
             <a:endParaRPr lang="pl-PL"/>
           </a:p>
@@ -8182,7 +5338,7 @@
 </p:notes>
 </file>
 
-<file path=ppt/notesSlides/notesSlide38.xml><?xml version="1.0" encoding="utf-8"?>
+<file path=ppt/notesSlides/notesSlide37.xml><?xml version="1.0" encoding="utf-8"?>
 <p:notes xmlns:a="http://schemas.openxmlformats.org/drawingml/2006/main" xmlns:r="http://schemas.openxmlformats.org/officeDocument/2006/relationships" xmlns:p="http://schemas.openxmlformats.org/presentationml/2006/main">
   <p:cSld>
     <p:spTree>
@@ -8412,7 +5568,7 @@
           <a:p>
             <a:fld id="{2D83F3A1-9D00-4BBE-BFAF-5D68D146E4A2}" type="slidenum">
               <a:rPr lang="pl-PL" smtClean="0"/>
-              <a:t>39</a:t>
+              <a:t>38</a:t>
             </a:fld>
             <a:endParaRPr lang="pl-PL"/>
           </a:p>
@@ -8422,6 +5578,214 @@
     <p:extLst>
       <p:ext uri="{BB962C8B-B14F-4D97-AF65-F5344CB8AC3E}">
         <p14:creationId xmlns:p14="http://schemas.microsoft.com/office/powerpoint/2010/main" val="58789960"/>
+      </p:ext>
+    </p:extLst>
+  </p:cSld>
+  <p:clrMapOvr>
+    <a:masterClrMapping/>
+  </p:clrMapOvr>
+</p:notes>
+</file>
+
+<file path=ppt/notesSlides/notesSlide38.xml><?xml version="1.0" encoding="utf-8"?>
+<p:notes xmlns:a="http://schemas.openxmlformats.org/drawingml/2006/main" xmlns:r="http://schemas.openxmlformats.org/officeDocument/2006/relationships" xmlns:p="http://schemas.openxmlformats.org/presentationml/2006/main">
+  <p:cSld>
+    <p:spTree>
+      <p:nvGrpSpPr>
+        <p:cNvPr id="1" name="">
+          <a:extLst>
+            <a:ext uri="{FF2B5EF4-FFF2-40B4-BE49-F238E27FC236}">
+              <a16:creationId xmlns:a16="http://schemas.microsoft.com/office/drawing/2014/main" id="{A92AFA29-A49B-D3FB-8A15-30601CF4EEA0}"/>
+            </a:ext>
+          </a:extLst>
+        </p:cNvPr>
+        <p:cNvGrpSpPr/>
+        <p:nvPr/>
+      </p:nvGrpSpPr>
+      <p:grpSpPr>
+        <a:xfrm>
+          <a:off x="0" y="0"/>
+          <a:ext cx="0" cy="0"/>
+          <a:chOff x="0" y="0"/>
+          <a:chExt cx="0" cy="0"/>
+        </a:xfrm>
+      </p:grpSpPr>
+      <p:sp>
+        <p:nvSpPr>
+          <p:cNvPr id="2" name="Slide Image Placeholder 1">
+            <a:extLst>
+              <a:ext uri="{FF2B5EF4-FFF2-40B4-BE49-F238E27FC236}">
+                <a16:creationId xmlns:a16="http://schemas.microsoft.com/office/drawing/2014/main" id="{6427E5CB-B829-1D94-DE79-48EBF006FA80}"/>
+              </a:ext>
+            </a:extLst>
+          </p:cNvPr>
+          <p:cNvSpPr>
+            <a:spLocks noGrp="1" noRot="1" noChangeAspect="1"/>
+          </p:cNvSpPr>
+          <p:nvPr>
+            <p:ph type="sldImg"/>
+          </p:nvPr>
+        </p:nvSpPr>
+        <p:spPr/>
+      </p:sp>
+      <p:sp>
+        <p:nvSpPr>
+          <p:cNvPr id="3" name="Notes Placeholder 2">
+            <a:extLst>
+              <a:ext uri="{FF2B5EF4-FFF2-40B4-BE49-F238E27FC236}">
+                <a16:creationId xmlns:a16="http://schemas.microsoft.com/office/drawing/2014/main" id="{7CFE2702-9DE0-C34D-8743-C1ABB60EA6ED}"/>
+              </a:ext>
+            </a:extLst>
+          </p:cNvPr>
+          <p:cNvSpPr>
+            <a:spLocks noGrp="1"/>
+          </p:cNvSpPr>
+          <p:nvPr>
+            <p:ph type="body" idx="1"/>
+          </p:nvPr>
+        </p:nvSpPr>
+        <p:spPr/>
+        <p:txBody>
+          <a:bodyPr/>
+          <a:lstStyle/>
+          <a:p>
+            <a:r>
+              <a:rPr lang="pl-PL" b="1" dirty="0" err="1"/>
+              <a:t>Load</a:t>
+            </a:r>
+            <a:r>
+              <a:rPr lang="pl-PL" b="1" dirty="0"/>
+              <a:t> </a:t>
+            </a:r>
+            <a:r>
+              <a:rPr lang="pl-PL" b="1" dirty="0" err="1"/>
+              <a:t>balancing</a:t>
+            </a:r>
+            <a:r>
+              <a:rPr lang="pl-PL" b="1" dirty="0"/>
+              <a:t>:</a:t>
+            </a:r>
+            <a:r>
+              <a:rPr lang="pl-PL" dirty="0"/>
+              <a:t> Wbudowane mechanizmy </a:t>
+            </a:r>
+            <a:r>
+              <a:rPr lang="pl-PL" b="1" dirty="0" err="1"/>
+              <a:t>Health</a:t>
+            </a:r>
+            <a:r>
+              <a:rPr lang="pl-PL" b="1" dirty="0"/>
+              <a:t> </a:t>
+            </a:r>
+            <a:r>
+              <a:rPr lang="pl-PL" b="1" dirty="0" err="1"/>
+              <a:t>checking</a:t>
+            </a:r>
+            <a:r>
+              <a:rPr lang="pl-PL" b="1" dirty="0"/>
+              <a:t>:</a:t>
+            </a:r>
+            <a:r>
+              <a:rPr lang="pl-PL" dirty="0"/>
+              <a:t> Automatic service </a:t>
+            </a:r>
+            <a:r>
+              <a:rPr lang="pl-PL" dirty="0" err="1"/>
+              <a:t>health</a:t>
+            </a:r>
+            <a:r>
+              <a:rPr lang="pl-PL" dirty="0"/>
+              <a:t> monitoring </a:t>
+            </a:r>
+            <a:r>
+              <a:rPr lang="pl-PL" b="1" dirty="0" err="1"/>
+              <a:t>Retry</a:t>
+            </a:r>
+            <a:r>
+              <a:rPr lang="pl-PL" b="1" dirty="0"/>
+              <a:t> </a:t>
+            </a:r>
+            <a:r>
+              <a:rPr lang="pl-PL" b="1" dirty="0" err="1"/>
+              <a:t>policies</a:t>
+            </a:r>
+            <a:r>
+              <a:rPr lang="pl-PL" b="1" dirty="0"/>
+              <a:t>:</a:t>
+            </a:r>
+            <a:r>
+              <a:rPr lang="pl-PL" dirty="0"/>
+              <a:t> </a:t>
+            </a:r>
+            <a:r>
+              <a:rPr lang="pl-PL" dirty="0" err="1"/>
+              <a:t>Configurable</a:t>
+            </a:r>
+            <a:r>
+              <a:rPr lang="pl-PL" dirty="0"/>
+              <a:t> </a:t>
+            </a:r>
+            <a:r>
+              <a:rPr lang="pl-PL" dirty="0" err="1"/>
+              <a:t>retry</a:t>
+            </a:r>
+            <a:r>
+              <a:rPr lang="pl-PL" dirty="0"/>
+              <a:t> </a:t>
+            </a:r>
+            <a:r>
+              <a:rPr lang="pl-PL" b="1" dirty="0" err="1"/>
+              <a:t>Interceptors</a:t>
+            </a:r>
+            <a:r>
+              <a:rPr lang="pl-PL" b="1" dirty="0"/>
+              <a:t>:</a:t>
+            </a:r>
+            <a:r>
+              <a:rPr lang="pl-PL" dirty="0"/>
+              <a:t> </a:t>
+            </a:r>
+            <a:r>
+              <a:rPr lang="pl-PL" dirty="0" err="1"/>
+              <a:t>Middleware</a:t>
+            </a:r>
+            <a:endParaRPr lang="pl-PL" dirty="0"/>
+          </a:p>
+        </p:txBody>
+      </p:sp>
+      <p:sp>
+        <p:nvSpPr>
+          <p:cNvPr id="4" name="Slide Number Placeholder 3">
+            <a:extLst>
+              <a:ext uri="{FF2B5EF4-FFF2-40B4-BE49-F238E27FC236}">
+                <a16:creationId xmlns:a16="http://schemas.microsoft.com/office/drawing/2014/main" id="{37387939-7A04-3A0E-CFC1-B3D48BCF79C5}"/>
+              </a:ext>
+            </a:extLst>
+          </p:cNvPr>
+          <p:cNvSpPr>
+            <a:spLocks noGrp="1"/>
+          </p:cNvSpPr>
+          <p:nvPr>
+            <p:ph type="sldNum" sz="quarter" idx="5"/>
+          </p:nvPr>
+        </p:nvSpPr>
+        <p:spPr/>
+        <p:txBody>
+          <a:bodyPr/>
+          <a:lstStyle/>
+          <a:p>
+            <a:fld id="{2D83F3A1-9D00-4BBE-BFAF-5D68D146E4A2}" type="slidenum">
+              <a:rPr lang="pl-PL" smtClean="0"/>
+              <a:t>39</a:t>
+            </a:fld>
+            <a:endParaRPr lang="pl-PL"/>
+          </a:p>
+        </p:txBody>
+      </p:sp>
+    </p:spTree>
+    <p:extLst>
+      <p:ext uri="{BB962C8B-B14F-4D97-AF65-F5344CB8AC3E}">
+        <p14:creationId xmlns:p14="http://schemas.microsoft.com/office/powerpoint/2010/main" val="1326447035"/>
       </p:ext>
     </p:extLst>
   </p:cSld>
@@ -8493,54 +5857,7 @@
           <a:bodyPr/>
           <a:lstStyle/>
           <a:p>
-            <a:r>
-              <a:rPr lang="pl-PL" dirty="0" err="1"/>
-              <a:t>gRPC</a:t>
-            </a:r>
-            <a:r>
-              <a:rPr lang="pl-PL" dirty="0"/>
-              <a:t> jest wysokowydajnym </a:t>
-            </a:r>
-            <a:r>
-              <a:rPr lang="pl-PL" dirty="0" err="1"/>
-              <a:t>frameworkiem</a:t>
-            </a:r>
-            <a:r>
-              <a:rPr lang="pl-PL" dirty="0"/>
-              <a:t> RPC(Remote procedurę </a:t>
-            </a:r>
-            <a:r>
-              <a:rPr lang="pl-PL" dirty="0" err="1"/>
-              <a:t>call</a:t>
-            </a:r>
-            <a:r>
-              <a:rPr lang="pl-PL" dirty="0"/>
-              <a:t>) stworzonym przez gogle. Wykorzystuje </a:t>
-            </a:r>
-            <a:r>
-              <a:rPr lang="pl-PL" dirty="0" err="1"/>
-              <a:t>Protocol</a:t>
-            </a:r>
-            <a:r>
-              <a:rPr lang="pl-PL" dirty="0"/>
-              <a:t> </a:t>
-            </a:r>
-            <a:r>
-              <a:rPr lang="pl-PL" dirty="0" err="1"/>
-              <a:t>Buffers</a:t>
-            </a:r>
-            <a:r>
-              <a:rPr lang="pl-PL" dirty="0"/>
-              <a:t> jako domyślny format </a:t>
-            </a:r>
-            <a:r>
-              <a:rPr lang="pl-PL" dirty="0" err="1"/>
-              <a:t>serializacji</a:t>
-            </a:r>
-            <a:r>
-              <a:rPr lang="pl-PL" dirty="0"/>
-              <a:t> danych i HTTP/2 jako protokół transportowy. </a:t>
-            </a:r>
+            <a:endParaRPr lang="pl-PL" dirty="0"/>
           </a:p>
         </p:txBody>
       </p:sp>
@@ -8805,6 +6122,353 @@
           <a:bodyPr/>
           <a:lstStyle/>
           <a:p>
+            <a:r>
+              <a:rPr lang="pl-PL" b="1"/>
+              <a:t>Wydajność HTTP</a:t>
+            </a:r>
+            <a:r>
+              <a:rPr lang="pl-PL" b="1" dirty="0"/>
+              <a:t>/2:</a:t>
+            </a:r>
+            <a:r>
+              <a:rPr lang="pl-PL" dirty="0"/>
+              <a:t> Multipleksowanie, </a:t>
+            </a:r>
+            <a:r>
+              <a:rPr lang="pl-PL" dirty="0" err="1"/>
+              <a:t>header</a:t>
+            </a:r>
+            <a:r>
+              <a:rPr lang="pl-PL" dirty="0"/>
+              <a:t> </a:t>
+            </a:r>
+            <a:r>
+              <a:rPr lang="pl-PL" dirty="0" err="1"/>
+              <a:t>compression</a:t>
+            </a:r>
+            <a:r>
+              <a:rPr lang="pl-PL" dirty="0"/>
+              <a:t>, </a:t>
+            </a:r>
+            <a:r>
+              <a:rPr lang="pl-PL" dirty="0" err="1"/>
+              <a:t>binary</a:t>
+            </a:r>
+            <a:r>
+              <a:rPr lang="pl-PL" dirty="0"/>
+              <a:t> </a:t>
+            </a:r>
+            <a:r>
+              <a:rPr lang="pl-PL" dirty="0" err="1"/>
+              <a:t>protocol</a:t>
+            </a:r>
+            <a:r>
+              <a:rPr lang="pl-PL" b="0" dirty="0"/>
+              <a:t> </a:t>
+            </a:r>
+            <a:r>
+              <a:rPr lang="pl-PL" b="1" dirty="0" err="1"/>
+              <a:t>Protocol</a:t>
+            </a:r>
+            <a:r>
+              <a:rPr lang="pl-PL" b="1" dirty="0"/>
+              <a:t> </a:t>
+            </a:r>
+            <a:r>
+              <a:rPr lang="pl-PL" b="1" dirty="0" err="1"/>
+              <a:t>Buffers</a:t>
+            </a:r>
+            <a:r>
+              <a:rPr lang="pl-PL" b="1" dirty="0"/>
+              <a:t>:</a:t>
+            </a:r>
+            <a:r>
+              <a:rPr lang="pl-PL" dirty="0"/>
+              <a:t> 3-10x mniejsze </a:t>
+            </a:r>
+            <a:r>
+              <a:rPr lang="pl-PL" dirty="0" err="1"/>
+              <a:t>payloady</a:t>
+            </a:r>
+            <a:r>
+              <a:rPr lang="pl-PL" dirty="0"/>
+              <a:t> niż JSON </a:t>
+            </a:r>
+            <a:r>
+              <a:rPr lang="pl-PL" b="1" dirty="0"/>
+              <a:t>Szybsza </a:t>
+            </a:r>
+            <a:r>
+              <a:rPr lang="pl-PL" b="1" dirty="0" err="1"/>
+              <a:t>serializacja</a:t>
+            </a:r>
+            <a:r>
+              <a:rPr lang="pl-PL" b="1" dirty="0"/>
+              <a:t>:</a:t>
+            </a:r>
+            <a:r>
+              <a:rPr lang="pl-PL" dirty="0"/>
+              <a:t> 2-3x szybciej niż JSON </a:t>
+            </a:r>
+            <a:r>
+              <a:rPr lang="pl-PL" b="1" dirty="0" err="1"/>
+              <a:t>Efficient</a:t>
+            </a:r>
+            <a:r>
+              <a:rPr lang="pl-PL" b="1" dirty="0"/>
+              <a:t> </a:t>
+            </a:r>
+            <a:r>
+              <a:rPr lang="pl-PL" b="1" dirty="0" err="1"/>
+              <a:t>networking</a:t>
+            </a:r>
+            <a:r>
+              <a:rPr lang="pl-PL" b="1" dirty="0"/>
+              <a:t>:</a:t>
+            </a:r>
+            <a:r>
+              <a:rPr lang="pl-PL" dirty="0"/>
+              <a:t> Mniej </a:t>
+            </a:r>
+            <a:r>
+              <a:rPr lang="pl-PL" dirty="0" err="1"/>
+              <a:t>round-tripów</a:t>
+            </a:r>
+            <a:r>
+              <a:rPr lang="pl-PL" dirty="0"/>
+              <a:t>, </a:t>
+            </a:r>
+            <a:r>
+              <a:rPr lang="pl-PL" dirty="0" err="1"/>
+              <a:t>connection</a:t>
+            </a:r>
+            <a:r>
+              <a:rPr lang="pl-PL" dirty="0"/>
+              <a:t> </a:t>
+            </a:r>
+            <a:r>
+              <a:rPr lang="pl-PL" dirty="0" err="1"/>
+              <a:t>pooling</a:t>
+            </a:r>
+            <a:endParaRPr lang="pl-PL" dirty="0"/>
+          </a:p>
+          <a:p>
+            <a:endParaRPr lang="pl-PL" dirty="0"/>
+          </a:p>
+          <a:p>
+            <a:r>
+              <a:rPr lang="pl-PL" b="1" dirty="0" err="1"/>
+              <a:t>Schema-first</a:t>
+            </a:r>
+            <a:r>
+              <a:rPr lang="pl-PL" b="1" dirty="0"/>
+              <a:t> </a:t>
+            </a:r>
+            <a:r>
+              <a:rPr lang="pl-PL" b="1" dirty="0" err="1"/>
+              <a:t>approach</a:t>
+            </a:r>
+            <a:r>
+              <a:rPr lang="pl-PL" b="1" dirty="0"/>
+              <a:t>:</a:t>
+            </a:r>
+            <a:r>
+              <a:rPr lang="pl-PL" dirty="0"/>
+              <a:t> Definicja kontraktu w .</a:t>
+            </a:r>
+            <a:r>
+              <a:rPr lang="pl-PL" dirty="0" err="1"/>
+              <a:t>proto</a:t>
+            </a:r>
+            <a:r>
+              <a:rPr lang="pl-PL" dirty="0"/>
+              <a:t> </a:t>
+            </a:r>
+            <a:r>
+              <a:rPr lang="pl-PL" dirty="0" err="1"/>
+              <a:t>files</a:t>
+            </a:r>
+            <a:r>
+              <a:rPr lang="pl-PL" dirty="0"/>
+              <a:t> </a:t>
+            </a:r>
+            <a:r>
+              <a:rPr lang="pl-PL" b="1" dirty="0" err="1"/>
+              <a:t>Compile-time</a:t>
+            </a:r>
+            <a:r>
+              <a:rPr lang="pl-PL" b="1" dirty="0"/>
+              <a:t> </a:t>
+            </a:r>
+            <a:r>
+              <a:rPr lang="pl-PL" b="1" dirty="0" err="1"/>
+              <a:t>validation</a:t>
+            </a:r>
+            <a:r>
+              <a:rPr lang="pl-PL" b="1" dirty="0"/>
+              <a:t>:</a:t>
+            </a:r>
+            <a:r>
+              <a:rPr lang="pl-PL" dirty="0"/>
+              <a:t> Błędy </a:t>
+            </a:r>
+            <a:r>
+              <a:rPr lang="pl-PL" b="1" dirty="0"/>
+              <a:t>wykrywane</a:t>
+            </a:r>
+            <a:r>
+              <a:rPr lang="pl-PL" dirty="0"/>
+              <a:t> podczas kompilacji </a:t>
+            </a:r>
+            <a:r>
+              <a:rPr lang="pl-PL" b="1" dirty="0"/>
+              <a:t>IntelliSense:</a:t>
+            </a:r>
+            <a:r>
+              <a:rPr lang="pl-PL" dirty="0"/>
+              <a:t> Pełne wsparcie IDE </a:t>
+            </a:r>
+            <a:r>
+              <a:rPr lang="pl-PL" b="1" dirty="0" err="1"/>
+              <a:t>Refactoring</a:t>
+            </a:r>
+            <a:r>
+              <a:rPr lang="pl-PL" b="1" dirty="0"/>
+              <a:t> </a:t>
+            </a:r>
+            <a:r>
+              <a:rPr lang="pl-PL" b="1" dirty="0" err="1"/>
+              <a:t>safety</a:t>
+            </a:r>
+            <a:r>
+              <a:rPr lang="pl-PL" b="1" dirty="0"/>
+              <a:t>:</a:t>
+            </a:r>
+            <a:r>
+              <a:rPr lang="pl-PL" dirty="0"/>
+              <a:t> Zmiany propagują się automatycznie</a:t>
+            </a:r>
+          </a:p>
+          <a:p>
+            <a:endParaRPr lang="pl-PL" dirty="0"/>
+          </a:p>
+          <a:p>
+            <a:r>
+              <a:rPr lang="en-US" b="1" dirty="0"/>
+              <a:t>Unary RPC:</a:t>
+            </a:r>
+            <a:r>
+              <a:rPr lang="en-US" dirty="0"/>
+              <a:t> </a:t>
+            </a:r>
+            <a:r>
+              <a:rPr lang="en-US" dirty="0" err="1"/>
+              <a:t>Standardowy</a:t>
+            </a:r>
+            <a:r>
+              <a:rPr lang="en-US" dirty="0"/>
+              <a:t> request/response </a:t>
+            </a:r>
+            <a:r>
+              <a:rPr lang="en-US" b="1" dirty="0"/>
+              <a:t>Server streaming:</a:t>
+            </a:r>
+            <a:r>
+              <a:rPr lang="en-US" dirty="0"/>
+              <a:t> Real-time data feeds </a:t>
+            </a:r>
+            <a:r>
+              <a:rPr lang="en-US" b="1" dirty="0"/>
+              <a:t>Client streaming:</a:t>
+            </a:r>
+            <a:r>
+              <a:rPr lang="en-US" dirty="0"/>
+              <a:t> Bulk upload </a:t>
+            </a:r>
+            <a:r>
+              <a:rPr lang="en-US" dirty="0" err="1"/>
+              <a:t>danych</a:t>
+            </a:r>
+            <a:r>
+              <a:rPr lang="en-US" dirty="0"/>
+              <a:t> </a:t>
+            </a:r>
+            <a:r>
+              <a:rPr lang="en-US" b="1" dirty="0"/>
+              <a:t>Bidirectional streaming:</a:t>
+            </a:r>
+            <a:r>
+              <a:rPr lang="en-US" dirty="0"/>
+              <a:t> Chat-like applications</a:t>
+            </a:r>
+            <a:endParaRPr lang="pl-PL" dirty="0"/>
+          </a:p>
+          <a:p>
+            <a:endParaRPr lang="pl-PL" dirty="0"/>
+          </a:p>
+          <a:p>
+            <a:r>
+              <a:rPr lang="pl-PL" b="1" dirty="0"/>
+              <a:t>Multi-</a:t>
+            </a:r>
+            <a:r>
+              <a:rPr lang="pl-PL" b="1" dirty="0" err="1"/>
+              <a:t>language</a:t>
+            </a:r>
+            <a:r>
+              <a:rPr lang="pl-PL" b="1" dirty="0"/>
+              <a:t> suport </a:t>
+            </a:r>
+            <a:r>
+              <a:rPr lang="pl-PL" b="1" dirty="0" err="1"/>
+              <a:t>Code</a:t>
+            </a:r>
+            <a:r>
+              <a:rPr lang="pl-PL" b="1" dirty="0"/>
+              <a:t> </a:t>
+            </a:r>
+            <a:r>
+              <a:rPr lang="pl-PL" b="1" dirty="0" err="1"/>
+              <a:t>generation</a:t>
+            </a:r>
+            <a:r>
+              <a:rPr lang="pl-PL" b="1" dirty="0"/>
+              <a:t>:</a:t>
+            </a:r>
+            <a:r>
+              <a:rPr lang="pl-PL" dirty="0"/>
+              <a:t> Automatyczne dla 10+ języków </a:t>
+            </a:r>
+            <a:r>
+              <a:rPr lang="pl-PL" b="1" dirty="0" err="1"/>
+              <a:t>Consistent</a:t>
+            </a:r>
+            <a:r>
+              <a:rPr lang="pl-PL" b="1" dirty="0"/>
+              <a:t> API:</a:t>
+            </a:r>
+            <a:r>
+              <a:rPr lang="pl-PL" dirty="0"/>
+              <a:t> Ten sam kontrakt wszędzie </a:t>
+            </a:r>
+            <a:r>
+              <a:rPr lang="pl-PL" b="1" dirty="0"/>
+              <a:t>Cross-platform:</a:t>
+            </a:r>
+            <a:r>
+              <a:rPr lang="pl-PL" dirty="0"/>
+              <a:t> Linux, Windows, </a:t>
+            </a:r>
+            <a:r>
+              <a:rPr lang="pl-PL" dirty="0" err="1"/>
+              <a:t>macOS</a:t>
+            </a:r>
+            <a:r>
+              <a:rPr lang="pl-PL" dirty="0"/>
+              <a:t>, mobile</a:t>
+            </a:r>
+          </a:p>
+          <a:p>
             <a:endParaRPr lang="pl-PL" dirty="0"/>
           </a:p>
         </p:txBody>
@@ -8852,6 +6516,510 @@
 </file>
 
 <file path=ppt/notesSlides/notesSlide41.xml><?xml version="1.0" encoding="utf-8"?>
+<p:notes xmlns:a="http://schemas.openxmlformats.org/drawingml/2006/main" xmlns:r="http://schemas.openxmlformats.org/officeDocument/2006/relationships" xmlns:p="http://schemas.openxmlformats.org/presentationml/2006/main">
+  <p:cSld>
+    <p:spTree>
+      <p:nvGrpSpPr>
+        <p:cNvPr id="1" name="">
+          <a:extLst>
+            <a:ext uri="{FF2B5EF4-FFF2-40B4-BE49-F238E27FC236}">
+              <a16:creationId xmlns:a16="http://schemas.microsoft.com/office/drawing/2014/main" id="{78E8C8AB-A059-8D5A-742D-910B39A26A63}"/>
+            </a:ext>
+          </a:extLst>
+        </p:cNvPr>
+        <p:cNvGrpSpPr/>
+        <p:nvPr/>
+      </p:nvGrpSpPr>
+      <p:grpSpPr>
+        <a:xfrm>
+          <a:off x="0" y="0"/>
+          <a:ext cx="0" cy="0"/>
+          <a:chOff x="0" y="0"/>
+          <a:chExt cx="0" cy="0"/>
+        </a:xfrm>
+      </p:grpSpPr>
+      <p:sp>
+        <p:nvSpPr>
+          <p:cNvPr id="2" name="Slide Image Placeholder 1">
+            <a:extLst>
+              <a:ext uri="{FF2B5EF4-FFF2-40B4-BE49-F238E27FC236}">
+                <a16:creationId xmlns:a16="http://schemas.microsoft.com/office/drawing/2014/main" id="{04998544-7D49-C7E5-9630-A35371C3DC4F}"/>
+              </a:ext>
+            </a:extLst>
+          </p:cNvPr>
+          <p:cNvSpPr>
+            <a:spLocks noGrp="1" noRot="1" noChangeAspect="1"/>
+          </p:cNvSpPr>
+          <p:nvPr>
+            <p:ph type="sldImg"/>
+          </p:nvPr>
+        </p:nvSpPr>
+        <p:spPr/>
+      </p:sp>
+      <p:sp>
+        <p:nvSpPr>
+          <p:cNvPr id="3" name="Notes Placeholder 2">
+            <a:extLst>
+              <a:ext uri="{FF2B5EF4-FFF2-40B4-BE49-F238E27FC236}">
+                <a16:creationId xmlns:a16="http://schemas.microsoft.com/office/drawing/2014/main" id="{0A2E4241-98AF-5846-5590-68D89E10A39F}"/>
+              </a:ext>
+            </a:extLst>
+          </p:cNvPr>
+          <p:cNvSpPr>
+            <a:spLocks noGrp="1"/>
+          </p:cNvSpPr>
+          <p:nvPr>
+            <p:ph type="body" idx="1"/>
+          </p:nvPr>
+        </p:nvSpPr>
+        <p:spPr/>
+        <p:txBody>
+          <a:bodyPr/>
+          <a:lstStyle/>
+          <a:p>
+            <a:r>
+              <a:rPr lang="pl-PL" b="1" dirty="0"/>
+              <a:t>Problemy z przeglądarkami: Brak natywnego wsparcia:</a:t>
+            </a:r>
+            <a:r>
+              <a:rPr lang="pl-PL" dirty="0"/>
+              <a:t> Przeglądarki nie obsługują </a:t>
+            </a:r>
+            <a:r>
+              <a:rPr lang="pl-PL" dirty="0" err="1"/>
+              <a:t>gRPC</a:t>
+            </a:r>
+            <a:r>
+              <a:rPr lang="pl-PL" dirty="0"/>
+              <a:t> bezpośrednio </a:t>
+            </a:r>
+            <a:r>
+              <a:rPr lang="pl-PL" b="1" dirty="0" err="1"/>
+              <a:t>gRPC</a:t>
+            </a:r>
+            <a:r>
+              <a:rPr lang="pl-PL" b="1" dirty="0"/>
+              <a:t>-Web </a:t>
+            </a:r>
+            <a:r>
+              <a:rPr lang="pl-PL" b="1" dirty="0" err="1"/>
+              <a:t>workaround</a:t>
+            </a:r>
+            <a:r>
+              <a:rPr lang="pl-PL" b="1" dirty="0"/>
+              <a:t>:</a:t>
+            </a:r>
+            <a:r>
+              <a:rPr lang="pl-PL" dirty="0"/>
+              <a:t> Wymaga </a:t>
+            </a:r>
+            <a:r>
+              <a:rPr lang="pl-PL" dirty="0" err="1"/>
+              <a:t>proxy</a:t>
+            </a:r>
+            <a:r>
+              <a:rPr lang="pl-PL" dirty="0"/>
+              <a:t> (</a:t>
+            </a:r>
+            <a:r>
+              <a:rPr lang="pl-PL" dirty="0" err="1"/>
+              <a:t>Envoy</a:t>
+            </a:r>
+            <a:r>
+              <a:rPr lang="pl-PL" dirty="0"/>
+              <a:t>) i jest ograniczony </a:t>
+            </a:r>
+            <a:r>
+              <a:rPr lang="pl-PL" b="1" dirty="0"/>
+              <a:t>JavaScript </a:t>
+            </a:r>
+            <a:r>
+              <a:rPr lang="pl-PL" b="1" dirty="0" err="1"/>
+              <a:t>ecosystem</a:t>
+            </a:r>
+            <a:r>
+              <a:rPr lang="pl-PL" b="1" dirty="0"/>
+              <a:t>:</a:t>
+            </a:r>
+            <a:r>
+              <a:rPr lang="pl-PL" dirty="0"/>
+              <a:t> Gorsze wsparcie niż REST</a:t>
+            </a:r>
+          </a:p>
+          <a:p>
+            <a:endParaRPr lang="pl-PL" dirty="0"/>
+          </a:p>
+          <a:p>
+            <a:r>
+              <a:rPr lang="pl-PL" b="1" dirty="0" err="1"/>
+              <a:t>Binary</a:t>
+            </a:r>
+            <a:r>
+              <a:rPr lang="pl-PL" b="1" dirty="0"/>
+              <a:t> format:</a:t>
+            </a:r>
+            <a:r>
+              <a:rPr lang="pl-PL" dirty="0"/>
+              <a:t> Nie można "podejrzeć" danych jak w JSON </a:t>
+            </a:r>
+            <a:r>
+              <a:rPr lang="pl-PL" b="1" dirty="0" err="1"/>
+              <a:t>Specialized</a:t>
+            </a:r>
+            <a:r>
+              <a:rPr lang="pl-PL" b="1" dirty="0"/>
+              <a:t> </a:t>
+            </a:r>
+            <a:r>
+              <a:rPr lang="pl-PL" b="1" dirty="0" err="1"/>
+              <a:t>tools</a:t>
+            </a:r>
+            <a:r>
+              <a:rPr lang="pl-PL" b="1" dirty="0"/>
+              <a:t>:</a:t>
+            </a:r>
+            <a:r>
+              <a:rPr lang="pl-PL" dirty="0"/>
+              <a:t> Potrzebne dedykowane narzędzia (</a:t>
+            </a:r>
+            <a:r>
+              <a:rPr lang="pl-PL" dirty="0" err="1"/>
+              <a:t>grpcurl</a:t>
+            </a:r>
+            <a:r>
+              <a:rPr lang="pl-PL" dirty="0"/>
+              <a:t>, </a:t>
+            </a:r>
+            <a:r>
+              <a:rPr lang="pl-PL" dirty="0" err="1"/>
+              <a:t>BloomRPC</a:t>
+            </a:r>
+            <a:r>
+              <a:rPr lang="pl-PL" dirty="0"/>
+              <a:t>) </a:t>
+            </a:r>
+            <a:r>
+              <a:rPr lang="pl-PL" b="1" dirty="0"/>
+              <a:t>Network </a:t>
+            </a:r>
+            <a:r>
+              <a:rPr lang="pl-PL" b="1" dirty="0" err="1"/>
+              <a:t>inspection</a:t>
+            </a:r>
+            <a:r>
+              <a:rPr lang="pl-PL" b="1" dirty="0"/>
+              <a:t>:</a:t>
+            </a:r>
+            <a:r>
+              <a:rPr lang="pl-PL" dirty="0"/>
+              <a:t> Trudniejsze z standard </a:t>
+            </a:r>
+            <a:r>
+              <a:rPr lang="pl-PL" dirty="0" err="1"/>
+              <a:t>dev</a:t>
+            </a:r>
+            <a:r>
+              <a:rPr lang="pl-PL" dirty="0"/>
+              <a:t> </a:t>
+            </a:r>
+            <a:r>
+              <a:rPr lang="pl-PL" dirty="0" err="1"/>
+              <a:t>tools</a:t>
+            </a:r>
+            <a:r>
+              <a:rPr lang="pl-PL" dirty="0"/>
+              <a:t> </a:t>
+            </a:r>
+            <a:r>
+              <a:rPr lang="pl-PL" b="1" dirty="0"/>
+              <a:t>Learning </a:t>
+            </a:r>
+            <a:r>
+              <a:rPr lang="pl-PL" b="1" dirty="0" err="1"/>
+              <a:t>curve</a:t>
+            </a:r>
+            <a:r>
+              <a:rPr lang="pl-PL" b="1" dirty="0"/>
+              <a:t>:</a:t>
+            </a:r>
+            <a:r>
+              <a:rPr lang="pl-PL" dirty="0"/>
+              <a:t> Więcej do nauki niż REST</a:t>
+            </a:r>
+          </a:p>
+          <a:p>
+            <a:endParaRPr lang="pl-PL" dirty="0"/>
+          </a:p>
+          <a:p>
+            <a:r>
+              <a:rPr lang="pl-PL" b="1" dirty="0"/>
+              <a:t>Setup </a:t>
+            </a:r>
+            <a:r>
+              <a:rPr lang="pl-PL" b="1" dirty="0" err="1"/>
+              <a:t>overhead</a:t>
+            </a:r>
+            <a:r>
+              <a:rPr lang="pl-PL" b="1" dirty="0"/>
+              <a:t>:</a:t>
+            </a:r>
+            <a:r>
+              <a:rPr lang="pl-PL" dirty="0"/>
+              <a:t> Więcej konfiguracji niż REST </a:t>
+            </a:r>
+            <a:r>
+              <a:rPr lang="pl-PL" b="1" dirty="0" err="1"/>
+              <a:t>Schema</a:t>
+            </a:r>
+            <a:r>
+              <a:rPr lang="pl-PL" b="1" dirty="0"/>
+              <a:t> management:</a:t>
+            </a:r>
+            <a:r>
+              <a:rPr lang="pl-PL" dirty="0"/>
+              <a:t> Potrzeba synchronizacji .</a:t>
+            </a:r>
+            <a:r>
+              <a:rPr lang="pl-PL" dirty="0" err="1"/>
+              <a:t>proto</a:t>
+            </a:r>
+            <a:r>
+              <a:rPr lang="pl-PL" dirty="0"/>
+              <a:t> </a:t>
+            </a:r>
+            <a:r>
+              <a:rPr lang="pl-PL" dirty="0" err="1"/>
+              <a:t>files</a:t>
+            </a:r>
+            <a:r>
+              <a:rPr lang="pl-PL" dirty="0"/>
+              <a:t> </a:t>
+            </a:r>
+            <a:r>
+              <a:rPr lang="pl-PL" b="1" dirty="0"/>
+              <a:t>CI/CD </a:t>
+            </a:r>
+            <a:r>
+              <a:rPr lang="pl-PL" b="1" dirty="0" err="1"/>
+              <a:t>complexity</a:t>
+            </a:r>
+            <a:r>
+              <a:rPr lang="pl-PL" b="1" dirty="0"/>
+              <a:t>:</a:t>
+            </a:r>
+            <a:r>
+              <a:rPr lang="pl-PL" dirty="0"/>
+              <a:t> </a:t>
+            </a:r>
+            <a:r>
+              <a:rPr lang="pl-PL" dirty="0" err="1"/>
+              <a:t>Code</a:t>
+            </a:r>
+            <a:r>
+              <a:rPr lang="pl-PL" dirty="0"/>
+              <a:t> </a:t>
+            </a:r>
+            <a:r>
+              <a:rPr lang="pl-PL" dirty="0" err="1"/>
+              <a:t>generation</a:t>
+            </a:r>
+            <a:r>
+              <a:rPr lang="pl-PL" dirty="0"/>
+              <a:t> w </a:t>
+            </a:r>
+            <a:r>
+              <a:rPr lang="pl-PL" dirty="0" err="1"/>
+              <a:t>build</a:t>
+            </a:r>
+            <a:r>
+              <a:rPr lang="pl-PL" dirty="0"/>
+              <a:t> </a:t>
+            </a:r>
+            <a:r>
+              <a:rPr lang="pl-PL" dirty="0" err="1"/>
+              <a:t>pipeline</a:t>
+            </a:r>
+            <a:r>
+              <a:rPr lang="pl-PL" dirty="0"/>
+              <a:t> </a:t>
+            </a:r>
+            <a:r>
+              <a:rPr lang="pl-PL" b="1" dirty="0"/>
+              <a:t>Team </a:t>
+            </a:r>
+            <a:r>
+              <a:rPr lang="pl-PL" b="1" dirty="0" err="1"/>
+              <a:t>coordination</a:t>
+            </a:r>
+            <a:r>
+              <a:rPr lang="pl-PL" b="1" dirty="0"/>
+              <a:t>:</a:t>
+            </a:r>
+            <a:r>
+              <a:rPr lang="pl-PL" dirty="0"/>
+              <a:t> Wszyscy muszą rozumieć </a:t>
+            </a:r>
+            <a:r>
+              <a:rPr lang="pl-PL" dirty="0" err="1"/>
+              <a:t>protobuf</a:t>
+            </a:r>
+            <a:endParaRPr lang="pl-PL" dirty="0"/>
+          </a:p>
+          <a:p>
+            <a:endParaRPr lang="pl-PL" dirty="0"/>
+          </a:p>
+          <a:p>
+            <a:r>
+              <a:rPr lang="pl-PL" b="1" dirty="0" err="1"/>
+              <a:t>Load</a:t>
+            </a:r>
+            <a:r>
+              <a:rPr lang="pl-PL" b="1" dirty="0"/>
+              <a:t> </a:t>
+            </a:r>
+            <a:r>
+              <a:rPr lang="pl-PL" b="1" dirty="0" err="1"/>
+              <a:t>balancer</a:t>
+            </a:r>
+            <a:r>
+              <a:rPr lang="pl-PL" b="1" dirty="0"/>
+              <a:t> </a:t>
+            </a:r>
+            <a:r>
+              <a:rPr lang="pl-PL" b="1" dirty="0" err="1"/>
+              <a:t>issues</a:t>
+            </a:r>
+            <a:r>
+              <a:rPr lang="pl-PL" b="1" dirty="0"/>
+              <a:t>:</a:t>
+            </a:r>
+            <a:r>
+              <a:rPr lang="pl-PL" dirty="0"/>
+              <a:t> Niektóre LB nie obsługują HTTP/2 </a:t>
+            </a:r>
+            <a:r>
+              <a:rPr lang="pl-PL" dirty="0" err="1"/>
+              <a:t>properly</a:t>
+            </a:r>
+            <a:r>
+              <a:rPr lang="pl-PL" dirty="0"/>
+              <a:t> </a:t>
+            </a:r>
+            <a:r>
+              <a:rPr lang="pl-PL" b="1" dirty="0"/>
+              <a:t>Proxy </a:t>
+            </a:r>
+            <a:r>
+              <a:rPr lang="pl-PL" b="1" dirty="0" err="1"/>
+              <a:t>problems</a:t>
+            </a:r>
+            <a:r>
+              <a:rPr lang="pl-PL" b="1" dirty="0"/>
+              <a:t>:</a:t>
+            </a:r>
+            <a:r>
+              <a:rPr lang="pl-PL" dirty="0"/>
+              <a:t> Starsze </a:t>
+            </a:r>
+            <a:r>
+              <a:rPr lang="pl-PL" dirty="0" err="1"/>
+              <a:t>proxy</a:t>
+            </a:r>
+            <a:r>
+              <a:rPr lang="pl-PL" dirty="0"/>
+              <a:t> mogą mieć problemy </a:t>
+            </a:r>
+            <a:r>
+              <a:rPr lang="pl-PL" b="1" dirty="0"/>
+              <a:t>Firewall </a:t>
+            </a:r>
+            <a:r>
+              <a:rPr lang="pl-PL" b="1" dirty="0" err="1"/>
+              <a:t>complications</a:t>
+            </a:r>
+            <a:r>
+              <a:rPr lang="pl-PL" b="1" dirty="0"/>
+              <a:t>:</a:t>
+            </a:r>
+            <a:r>
+              <a:rPr lang="pl-PL" dirty="0"/>
+              <a:t> HTTP/2 może być blokowany </a:t>
+            </a:r>
+            <a:r>
+              <a:rPr lang="pl-PL" b="1" dirty="0"/>
+              <a:t>CDN </a:t>
+            </a:r>
+            <a:r>
+              <a:rPr lang="pl-PL" b="1" dirty="0" err="1"/>
+              <a:t>limitations</a:t>
+            </a:r>
+            <a:r>
+              <a:rPr lang="pl-PL" b="1" dirty="0"/>
+              <a:t>:</a:t>
+            </a:r>
+            <a:r>
+              <a:rPr lang="pl-PL" dirty="0"/>
+              <a:t> Większość CDN nie </a:t>
+            </a:r>
+            <a:r>
+              <a:rPr lang="pl-PL" dirty="0" err="1"/>
+              <a:t>cache'uje</a:t>
+            </a:r>
+            <a:r>
+              <a:rPr lang="pl-PL" dirty="0"/>
+              <a:t> </a:t>
+            </a:r>
+            <a:r>
+              <a:rPr lang="pl-PL" dirty="0" err="1"/>
+              <a:t>gRPC</a:t>
+            </a:r>
+            <a:endParaRPr lang="pl-PL" dirty="0"/>
+          </a:p>
+        </p:txBody>
+      </p:sp>
+      <p:sp>
+        <p:nvSpPr>
+          <p:cNvPr id="4" name="Slide Number Placeholder 3">
+            <a:extLst>
+              <a:ext uri="{FF2B5EF4-FFF2-40B4-BE49-F238E27FC236}">
+                <a16:creationId xmlns:a16="http://schemas.microsoft.com/office/drawing/2014/main" id="{7D23EC05-A4FA-BFA2-30A6-62F61C352B7A}"/>
+              </a:ext>
+            </a:extLst>
+          </p:cNvPr>
+          <p:cNvSpPr>
+            <a:spLocks noGrp="1"/>
+          </p:cNvSpPr>
+          <p:nvPr>
+            <p:ph type="sldNum" sz="quarter" idx="5"/>
+          </p:nvPr>
+        </p:nvSpPr>
+        <p:spPr/>
+        <p:txBody>
+          <a:bodyPr/>
+          <a:lstStyle/>
+          <a:p>
+            <a:fld id="{2D83F3A1-9D00-4BBE-BFAF-5D68D146E4A2}" type="slidenum">
+              <a:rPr lang="pl-PL" smtClean="0"/>
+              <a:t>42</a:t>
+            </a:fld>
+            <a:endParaRPr lang="pl-PL"/>
+          </a:p>
+        </p:txBody>
+      </p:sp>
+    </p:spTree>
+    <p:extLst>
+      <p:ext uri="{BB962C8B-B14F-4D97-AF65-F5344CB8AC3E}">
+        <p14:creationId xmlns:p14="http://schemas.microsoft.com/office/powerpoint/2010/main" val="1831987895"/>
+      </p:ext>
+    </p:extLst>
+  </p:cSld>
+  <p:clrMapOvr>
+    <a:masterClrMapping/>
+  </p:clrMapOvr>
+</p:notes>
+</file>
+
+<file path=ppt/notesSlides/notesSlide42.xml><?xml version="1.0" encoding="utf-8"?>
 <p:notes xmlns:a="http://schemas.openxmlformats.org/drawingml/2006/main" xmlns:r="http://schemas.openxmlformats.org/officeDocument/2006/relationships" xmlns:p="http://schemas.openxmlformats.org/presentationml/2006/main">
   <p:cSld>
     <p:spTree>
@@ -8987,7 +7155,7 @@
           <a:p>
             <a:fld id="{2D83F3A1-9D00-4BBE-BFAF-5D68D146E4A2}" type="slidenum">
               <a:rPr lang="pl-PL" smtClean="0"/>
-              <a:t>42</a:t>
+              <a:t>43</a:t>
             </a:fld>
             <a:endParaRPr lang="pl-PL"/>
           </a:p>
@@ -9325,7 +7493,23 @@
             </a:r>
             <a:r>
               <a:rPr lang="pl-PL" dirty="0"/>
-              <a:t> </a:t>
+              <a:t>, zamiast za każdym razem wysyłać te same nagłówki w pełnej formie, system kompresuje je(kompresja statyczna[niektóre znane z </a:t>
+            </a:r>
+            <a:r>
+              <a:rPr lang="pl-PL" dirty="0" err="1"/>
+              <a:t>gory</a:t>
+            </a:r>
+            <a:r>
+              <a:rPr lang="pl-PL" dirty="0"/>
+              <a:t> zapisywane jako krótkie ID] | kompresja dynamiczna(często pojawiające się nagłówki, </a:t>
+            </a:r>
+            <a:r>
+              <a:rPr lang="pl-PL" dirty="0" err="1"/>
+              <a:t>sa</a:t>
+            </a:r>
+            <a:r>
+              <a:rPr lang="pl-PL" dirty="0"/>
+              <a:t> zapamiętywane i reprezentowanie jako odniesienie do poprzedniego wpisu)</a:t>
             </a:r>
           </a:p>
           <a:p>
@@ -10152,7 +8336,7 @@
           <a:p>
             <a:fld id="{3EFB4F46-863B-47F8-8349-E9BA9C38094C}" type="datetimeFigureOut">
               <a:rPr lang="pl-PL" smtClean="0"/>
-              <a:t>16.07.2025</a:t>
+              <a:t>17.07.2025</a:t>
             </a:fld>
             <a:endParaRPr lang="pl-PL"/>
           </a:p>
@@ -10342,7 +8526,7 @@
           <a:p>
             <a:fld id="{3EFB4F46-863B-47F8-8349-E9BA9C38094C}" type="datetimeFigureOut">
               <a:rPr lang="pl-PL" smtClean="0"/>
-              <a:t>16.07.2025</a:t>
+              <a:t>17.07.2025</a:t>
             </a:fld>
             <a:endParaRPr lang="pl-PL"/>
           </a:p>
@@ -10522,7 +8706,7 @@
           <a:p>
             <a:fld id="{3EFB4F46-863B-47F8-8349-E9BA9C38094C}" type="datetimeFigureOut">
               <a:rPr lang="pl-PL" smtClean="0"/>
-              <a:t>16.07.2025</a:t>
+              <a:t>17.07.2025</a:t>
             </a:fld>
             <a:endParaRPr lang="pl-PL"/>
           </a:p>
@@ -10692,7 +8876,7 @@
           <a:p>
             <a:fld id="{3EFB4F46-863B-47F8-8349-E9BA9C38094C}" type="datetimeFigureOut">
               <a:rPr lang="pl-PL" smtClean="0"/>
-              <a:t>16.07.2025</a:t>
+              <a:t>17.07.2025</a:t>
             </a:fld>
             <a:endParaRPr lang="pl-PL"/>
           </a:p>
@@ -10948,7 +9132,7 @@
           <a:p>
             <a:fld id="{3EFB4F46-863B-47F8-8349-E9BA9C38094C}" type="datetimeFigureOut">
               <a:rPr lang="pl-PL" smtClean="0"/>
-              <a:t>16.07.2025</a:t>
+              <a:t>17.07.2025</a:t>
             </a:fld>
             <a:endParaRPr lang="pl-PL"/>
           </a:p>
@@ -11236,7 +9420,7 @@
           <a:p>
             <a:fld id="{3EFB4F46-863B-47F8-8349-E9BA9C38094C}" type="datetimeFigureOut">
               <a:rPr lang="pl-PL" smtClean="0"/>
-              <a:t>16.07.2025</a:t>
+              <a:t>17.07.2025</a:t>
             </a:fld>
             <a:endParaRPr lang="pl-PL"/>
           </a:p>
@@ -11674,7 +9858,7 @@
           <a:p>
             <a:fld id="{3EFB4F46-863B-47F8-8349-E9BA9C38094C}" type="datetimeFigureOut">
               <a:rPr lang="pl-PL" smtClean="0"/>
-              <a:t>16.07.2025</a:t>
+              <a:t>17.07.2025</a:t>
             </a:fld>
             <a:endParaRPr lang="pl-PL"/>
           </a:p>
@@ -11792,7 +9976,7 @@
           <a:p>
             <a:fld id="{3EFB4F46-863B-47F8-8349-E9BA9C38094C}" type="datetimeFigureOut">
               <a:rPr lang="pl-PL" smtClean="0"/>
-              <a:t>16.07.2025</a:t>
+              <a:t>17.07.2025</a:t>
             </a:fld>
             <a:endParaRPr lang="pl-PL"/>
           </a:p>
@@ -11887,7 +10071,7 @@
           <a:p>
             <a:fld id="{3EFB4F46-863B-47F8-8349-E9BA9C38094C}" type="datetimeFigureOut">
               <a:rPr lang="pl-PL" smtClean="0"/>
-              <a:t>16.07.2025</a:t>
+              <a:t>17.07.2025</a:t>
             </a:fld>
             <a:endParaRPr lang="pl-PL"/>
           </a:p>
@@ -12243,7 +10427,7 @@
           <a:p>
             <a:fld id="{3EFB4F46-863B-47F8-8349-E9BA9C38094C}" type="datetimeFigureOut">
               <a:rPr lang="pl-PL" smtClean="0"/>
-              <a:t>16.07.2025</a:t>
+              <a:t>17.07.2025</a:t>
             </a:fld>
             <a:endParaRPr lang="pl-PL"/>
           </a:p>
@@ -12559,7 +10743,7 @@
           <a:p>
             <a:fld id="{3EFB4F46-863B-47F8-8349-E9BA9C38094C}" type="datetimeFigureOut">
               <a:rPr lang="pl-PL" smtClean="0"/>
-              <a:t>16.07.2025</a:t>
+              <a:t>17.07.2025</a:t>
             </a:fld>
             <a:endParaRPr lang="pl-PL"/>
           </a:p>
@@ -12792,7 +10976,7 @@
           <a:p>
             <a:fld id="{3EFB4F46-863B-47F8-8349-E9BA9C38094C}" type="datetimeFigureOut">
               <a:rPr lang="pl-PL" smtClean="0"/>
-              <a:t>16.07.2025</a:t>
+              <a:t>17.07.2025</a:t>
             </a:fld>
             <a:endParaRPr lang="pl-PL"/>
           </a:p>
@@ -13487,18 +11671,6 @@
   <p:clrMapOvr>
     <a:masterClrMapping/>
   </p:clrMapOvr>
-  <mc:AlternateContent xmlns:mc="http://schemas.openxmlformats.org/markup-compatibility/2006">
-    <mc:Choice xmlns:p159="http://schemas.microsoft.com/office/powerpoint/2015/09/main" Requires="p159">
-      <p:transition xmlns:p14="http://schemas.microsoft.com/office/powerpoint/2010/main" spd="slow" p14:dur="2000">
-        <p159:morph option="byObject"/>
-      </p:transition>
-    </mc:Choice>
-    <mc:Fallback>
-      <p:transition spd="slow">
-        <p:fade/>
-      </p:transition>
-    </mc:Fallback>
-  </mc:AlternateContent>
 </p:sld>
 </file>
 
@@ -13683,13 +11855,13 @@
   <p:clrMapOvr>
     <a:masterClrMapping/>
   </p:clrMapOvr>
-  <mc:AlternateContent xmlns:mc="http://schemas.openxmlformats.org/markup-compatibility/2006">
-    <mc:Choice xmlns:p159="http://schemas.microsoft.com/office/powerpoint/2015/09/main" Requires="p159">
+  <mc:AlternateContent xmlns:mc="http://schemas.openxmlformats.org/markup-compatibility/2006" xmlns:p159="http://schemas.microsoft.com/office/powerpoint/2015/09/main">
+    <mc:Choice Requires="p159">
       <p:transition xmlns:p14="http://schemas.microsoft.com/office/powerpoint/2010/main" spd="slow" p14:dur="2000">
         <p159:morph option="byObject"/>
       </p:transition>
     </mc:Choice>
-    <mc:Fallback>
+    <mc:Fallback xmlns="">
       <p:transition spd="slow">
         <p:fade/>
       </p:transition>
@@ -13943,51 +12115,6 @@
                                           </p:stCondLst>
                                         </p:cTn>
                                         <p:tgtEl>
-                                          <p:spTgt spid="4"/>
-                                        </p:tgtEl>
-                                        <p:attrNameLst>
-                                          <p:attrName>style.visibility</p:attrName>
-                                        </p:attrNameLst>
-                                      </p:cBhvr>
-                                      <p:to>
-                                        <p:strVal val="visible"/>
-                                      </p:to>
-                                    </p:set>
-                                  </p:childTnLst>
-                                </p:cTn>
-                              </p:par>
-                            </p:childTnLst>
-                          </p:cTn>
-                        </p:par>
-                      </p:childTnLst>
-                    </p:cTn>
-                  </p:par>
-                  <p:par>
-                    <p:cTn id="7" fill="hold">
-                      <p:stCondLst>
-                        <p:cond delay="indefinite"/>
-                      </p:stCondLst>
-                      <p:childTnLst>
-                        <p:par>
-                          <p:cTn id="8" fill="hold">
-                            <p:stCondLst>
-                              <p:cond delay="0"/>
-                            </p:stCondLst>
-                            <p:childTnLst>
-                              <p:par>
-                                <p:cTn id="9" presetID="1" presetClass="entr" presetSubtype="0" fill="hold" nodeType="clickEffect">
-                                  <p:stCondLst>
-                                    <p:cond delay="0"/>
-                                  </p:stCondLst>
-                                  <p:childTnLst>
-                                    <p:set>
-                                      <p:cBhvr>
-                                        <p:cTn id="10" dur="1" fill="hold">
-                                          <p:stCondLst>
-                                            <p:cond delay="0"/>
-                                          </p:stCondLst>
-                                        </p:cTn>
-                                        <p:tgtEl>
                                           <p:spTgt spid="8"/>
                                         </p:tgtEl>
                                         <p:attrNameLst>
@@ -14243,18 +12370,6 @@
   <p:clrMapOvr>
     <a:masterClrMapping/>
   </p:clrMapOvr>
-  <mc:AlternateContent xmlns:mc="http://schemas.openxmlformats.org/markup-compatibility/2006">
-    <mc:Choice xmlns:p159="http://schemas.microsoft.com/office/powerpoint/2015/09/main" Requires="p159">
-      <p:transition xmlns:p14="http://schemas.microsoft.com/office/powerpoint/2010/main" spd="slow" p14:dur="2000">
-        <p159:morph option="byObject"/>
-      </p:transition>
-    </mc:Choice>
-    <mc:Fallback>
-      <p:transition spd="slow">
-        <p:fade/>
-      </p:transition>
-    </mc:Fallback>
-  </mc:AlternateContent>
   <p:timing>
     <p:tnLst>
       <p:par>
@@ -15238,18 +13353,6 @@
   <p:clrMapOvr>
     <a:masterClrMapping/>
   </p:clrMapOvr>
-  <mc:AlternateContent xmlns:mc="http://schemas.openxmlformats.org/markup-compatibility/2006">
-    <mc:Choice xmlns:p159="http://schemas.microsoft.com/office/powerpoint/2015/09/main" Requires="p159">
-      <p:transition xmlns:p14="http://schemas.microsoft.com/office/powerpoint/2010/main" spd="slow" p14:dur="2000">
-        <p159:morph option="byObject"/>
-      </p:transition>
-    </mc:Choice>
-    <mc:Fallback>
-      <p:transition spd="slow">
-        <p:fade/>
-      </p:transition>
-    </mc:Fallback>
-  </mc:AlternateContent>
 </p:sld>
 </file>
 
@@ -20553,18 +18656,9 @@
   <p:clrMapOvr>
     <a:masterClrMapping/>
   </p:clrMapOvr>
-  <mc:AlternateContent xmlns:mc="http://schemas.openxmlformats.org/markup-compatibility/2006">
-    <mc:Choice xmlns:p159="http://schemas.microsoft.com/office/powerpoint/2015/09/main" Requires="p159">
-      <p:transition xmlns:p14="http://schemas.microsoft.com/office/powerpoint/2010/main" spd="slow" p14:dur="2000">
-        <p159:morph option="byObject"/>
-      </p:transition>
-    </mc:Choice>
-    <mc:Fallback>
-      <p:transition spd="slow">
-        <p:fade/>
-      </p:transition>
-    </mc:Fallback>
-  </mc:AlternateContent>
+  <p:transition spd="slow">
+    <p:wipe/>
+  </p:transition>
 </p:sld>
 </file>
 
@@ -20759,13 +18853,13 @@
   <p:clrMapOvr>
     <a:masterClrMapping/>
   </p:clrMapOvr>
-  <mc:AlternateContent xmlns:mc="http://schemas.openxmlformats.org/markup-compatibility/2006">
-    <mc:Choice xmlns:p159="http://schemas.microsoft.com/office/powerpoint/2015/09/main" Requires="p159">
+  <mc:AlternateContent xmlns:mc="http://schemas.openxmlformats.org/markup-compatibility/2006" xmlns:p159="http://schemas.microsoft.com/office/powerpoint/2015/09/main">
+    <mc:Choice Requires="p159">
       <p:transition xmlns:p14="http://schemas.microsoft.com/office/powerpoint/2010/main" spd="slow" p14:dur="2000">
         <p159:morph option="byObject"/>
       </p:transition>
     </mc:Choice>
-    <mc:Fallback>
+    <mc:Fallback xmlns="">
       <p:transition spd="slow">
         <p:fade/>
       </p:transition>
@@ -20928,18 +19022,6 @@
   <p:clrMapOvr>
     <a:masterClrMapping/>
   </p:clrMapOvr>
-  <mc:AlternateContent xmlns:mc="http://schemas.openxmlformats.org/markup-compatibility/2006">
-    <mc:Choice xmlns:p159="http://schemas.microsoft.com/office/powerpoint/2015/09/main" Requires="p159">
-      <p:transition xmlns:p14="http://schemas.microsoft.com/office/powerpoint/2010/main" spd="slow" p14:dur="2000">
-        <p159:morph option="byObject"/>
-      </p:transition>
-    </mc:Choice>
-    <mc:Fallback>
-      <p:transition spd="slow">
-        <p:fade/>
-      </p:transition>
-    </mc:Fallback>
-  </mc:AlternateContent>
   <p:timing>
     <p:tnLst>
       <p:par>
@@ -20952,6 +19034,9 @@
                     <p:cTn id="3" fill="hold">
                       <p:stCondLst>
                         <p:cond delay="indefinite"/>
+                        <p:cond evt="onBegin" delay="0">
+                          <p:tn val="2"/>
+                        </p:cond>
                       </p:stCondLst>
                       <p:childTnLst>
                         <p:par>
@@ -20961,7 +19046,7 @@
                             </p:stCondLst>
                             <p:childTnLst>
                               <p:par>
-                                <p:cTn id="5" presetID="1" presetClass="entr" presetSubtype="0" fill="hold" nodeType="clickEffect">
+                                <p:cTn id="5" presetID="1" presetClass="entr" presetSubtype="0" fill="hold" nodeType="withEffect">
                                   <p:stCondLst>
                                     <p:cond delay="0"/>
                                   </p:stCondLst>
@@ -20969,33 +19054,6 @@
                                     <p:set>
                                       <p:cBhvr>
                                         <p:cTn id="6" dur="1" fill="hold">
-                                          <p:stCondLst>
-                                            <p:cond delay="0"/>
-                                          </p:stCondLst>
-                                        </p:cTn>
-                                        <p:tgtEl>
-                                          <p:spTgt spid="6"/>
-                                        </p:tgtEl>
-                                        <p:attrNameLst>
-                                          <p:attrName>style.visibility</p:attrName>
-                                        </p:attrNameLst>
-                                      </p:cBhvr>
-                                      <p:to>
-                                        <p:strVal val="visible"/>
-                                      </p:to>
-                                    </p:set>
-                                  </p:childTnLst>
-                                </p:cTn>
-                              </p:par>
-                              <p:par>
-                                <p:cTn id="7" presetID="1" presetClass="entr" presetSubtype="0" fill="hold" nodeType="withEffect">
-                                  <p:stCondLst>
-                                    <p:cond delay="0"/>
-                                  </p:stCondLst>
-                                  <p:childTnLst>
-                                    <p:set>
-                                      <p:cBhvr>
-                                        <p:cTn id="8" dur="1" fill="hold">
                                           <p:stCondLst>
                                             <p:cond delay="0"/>
                                           </p:stCondLst>
@@ -21169,18 +19227,6 @@
   <p:clrMapOvr>
     <a:masterClrMapping/>
   </p:clrMapOvr>
-  <mc:AlternateContent xmlns:mc="http://schemas.openxmlformats.org/markup-compatibility/2006">
-    <mc:Choice xmlns:p159="http://schemas.microsoft.com/office/powerpoint/2015/09/main" Requires="p159">
-      <p:transition xmlns:p14="http://schemas.microsoft.com/office/powerpoint/2010/main" spd="slow" p14:dur="2000">
-        <p159:morph option="byObject"/>
-      </p:transition>
-    </mc:Choice>
-    <mc:Fallback>
-      <p:transition spd="slow">
-        <p:fade/>
-      </p:transition>
-    </mc:Fallback>
-  </mc:AlternateContent>
 </p:sld>
 </file>
 
@@ -21308,18 +19354,6 @@
   <p:clrMapOvr>
     <a:masterClrMapping/>
   </p:clrMapOvr>
-  <mc:AlternateContent xmlns:mc="http://schemas.openxmlformats.org/markup-compatibility/2006">
-    <mc:Choice xmlns:p159="http://schemas.microsoft.com/office/powerpoint/2015/09/main" Requires="p159">
-      <p:transition xmlns:p14="http://schemas.microsoft.com/office/powerpoint/2010/main" spd="slow" p14:dur="2000">
-        <p159:morph option="byObject"/>
-      </p:transition>
-    </mc:Choice>
-    <mc:Fallback>
-      <p:transition spd="slow">
-        <p:fade/>
-      </p:transition>
-    </mc:Fallback>
-  </mc:AlternateContent>
 </p:sld>
 </file>
 
@@ -21538,18 +19572,6 @@
   <p:clrMapOvr>
     <a:masterClrMapping/>
   </p:clrMapOvr>
-  <mc:AlternateContent xmlns:mc="http://schemas.openxmlformats.org/markup-compatibility/2006">
-    <mc:Choice xmlns:p159="http://schemas.microsoft.com/office/powerpoint/2015/09/main" Requires="p159">
-      <p:transition xmlns:p14="http://schemas.microsoft.com/office/powerpoint/2010/main" spd="slow" p14:dur="2000">
-        <p159:morph option="byObject"/>
-      </p:transition>
-    </mc:Choice>
-    <mc:Fallback>
-      <p:transition spd="slow">
-        <p:fade/>
-      </p:transition>
-    </mc:Fallback>
-  </mc:AlternateContent>
 </p:sld>
 </file>
 
@@ -21677,18 +19699,6 @@
   <p:clrMapOvr>
     <a:masterClrMapping/>
   </p:clrMapOvr>
-  <mc:AlternateContent xmlns:mc="http://schemas.openxmlformats.org/markup-compatibility/2006">
-    <mc:Choice xmlns:p159="http://schemas.microsoft.com/office/powerpoint/2015/09/main" Requires="p159">
-      <p:transition xmlns:p14="http://schemas.microsoft.com/office/powerpoint/2010/main" spd="slow" p14:dur="2000">
-        <p159:morph option="byObject"/>
-      </p:transition>
-    </mc:Choice>
-    <mc:Fallback>
-      <p:transition spd="slow">
-        <p:fade/>
-      </p:transition>
-    </mc:Fallback>
-  </mc:AlternateContent>
 </p:sld>
 </file>
 
@@ -21816,18 +19826,6 @@
   <p:clrMapOvr>
     <a:masterClrMapping/>
   </p:clrMapOvr>
-  <mc:AlternateContent xmlns:mc="http://schemas.openxmlformats.org/markup-compatibility/2006">
-    <mc:Choice xmlns:p159="http://schemas.microsoft.com/office/powerpoint/2015/09/main" Requires="p159">
-      <p:transition xmlns:p14="http://schemas.microsoft.com/office/powerpoint/2010/main" spd="slow" p14:dur="2000">
-        <p159:morph option="byObject"/>
-      </p:transition>
-    </mc:Choice>
-    <mc:Fallback>
-      <p:transition spd="slow">
-        <p:fade/>
-      </p:transition>
-    </mc:Fallback>
-  </mc:AlternateContent>
 </p:sld>
 </file>
 
@@ -21955,18 +19953,6 @@
   <p:clrMapOvr>
     <a:masterClrMapping/>
   </p:clrMapOvr>
-  <mc:AlternateContent xmlns:mc="http://schemas.openxmlformats.org/markup-compatibility/2006">
-    <mc:Choice xmlns:p159="http://schemas.microsoft.com/office/powerpoint/2015/09/main" Requires="p159">
-      <p:transition xmlns:p14="http://schemas.microsoft.com/office/powerpoint/2010/main" spd="slow" p14:dur="2000">
-        <p159:morph option="byObject"/>
-      </p:transition>
-    </mc:Choice>
-    <mc:Fallback>
-      <p:transition spd="slow">
-        <p:fade/>
-      </p:transition>
-    </mc:Fallback>
-  </mc:AlternateContent>
 </p:sld>
 </file>
 
@@ -22094,18 +20080,6 @@
   <p:clrMapOvr>
     <a:masterClrMapping/>
   </p:clrMapOvr>
-  <mc:AlternateContent xmlns:mc="http://schemas.openxmlformats.org/markup-compatibility/2006">
-    <mc:Choice xmlns:p159="http://schemas.microsoft.com/office/powerpoint/2015/09/main" Requires="p159">
-      <p:transition xmlns:p14="http://schemas.microsoft.com/office/powerpoint/2010/main" spd="slow" p14:dur="2000">
-        <p159:morph option="byObject"/>
-      </p:transition>
-    </mc:Choice>
-    <mc:Fallback>
-      <p:transition spd="slow">
-        <p:fade/>
-      </p:transition>
-    </mc:Fallback>
-  </mc:AlternateContent>
 </p:sld>
 </file>
 
@@ -22300,147 +20274,18 @@
   <p:clrMapOvr>
     <a:masterClrMapping/>
   </p:clrMapOvr>
-  <mc:AlternateContent xmlns:mc="http://schemas.openxmlformats.org/markup-compatibility/2006">
-    <mc:Choice xmlns:p159="http://schemas.microsoft.com/office/powerpoint/2015/09/main" Requires="p159">
+  <mc:AlternateContent xmlns:mc="http://schemas.openxmlformats.org/markup-compatibility/2006" xmlns:p159="http://schemas.microsoft.com/office/powerpoint/2015/09/main">
+    <mc:Choice Requires="p159">
       <p:transition xmlns:p14="http://schemas.microsoft.com/office/powerpoint/2010/main" spd="slow" p14:dur="2000">
         <p159:morph option="byObject"/>
       </p:transition>
     </mc:Choice>
-    <mc:Fallback>
+    <mc:Fallback xmlns="">
       <p:transition spd="slow">
         <p:fade/>
       </p:transition>
     </mc:Fallback>
   </mc:AlternateContent>
-  <p:timing>
-    <p:tnLst>
-      <p:par>
-        <p:cTn id="1" dur="indefinite" restart="never" nodeType="tmRoot">
-          <p:childTnLst>
-            <p:seq concurrent="1" nextAc="seek">
-              <p:cTn id="2" dur="indefinite" nodeType="mainSeq">
-                <p:childTnLst>
-                  <p:par>
-                    <p:cTn id="3" fill="hold">
-                      <p:stCondLst>
-                        <p:cond delay="indefinite"/>
-                      </p:stCondLst>
-                      <p:childTnLst>
-                        <p:par>
-                          <p:cTn id="4" fill="hold">
-                            <p:stCondLst>
-                              <p:cond delay="0"/>
-                            </p:stCondLst>
-                            <p:childTnLst>
-                              <p:par>
-                                <p:cTn id="5" presetID="42" presetClass="entr" presetSubtype="0" fill="hold" nodeType="clickEffect">
-                                  <p:stCondLst>
-                                    <p:cond delay="0"/>
-                                  </p:stCondLst>
-                                  <p:childTnLst>
-                                    <p:set>
-                                      <p:cBhvr>
-                                        <p:cTn id="6" dur="1" fill="hold">
-                                          <p:stCondLst>
-                                            <p:cond delay="0"/>
-                                          </p:stCondLst>
-                                        </p:cTn>
-                                        <p:tgtEl>
-                                          <p:spTgt spid="6"/>
-                                        </p:tgtEl>
-                                        <p:attrNameLst>
-                                          <p:attrName>style.visibility</p:attrName>
-                                        </p:attrNameLst>
-                                      </p:cBhvr>
-                                      <p:to>
-                                        <p:strVal val="visible"/>
-                                      </p:to>
-                                    </p:set>
-                                    <p:animEffect transition="in" filter="fade">
-                                      <p:cBhvr>
-                                        <p:cTn id="7" dur="1000"/>
-                                        <p:tgtEl>
-                                          <p:spTgt spid="6"/>
-                                        </p:tgtEl>
-                                      </p:cBhvr>
-                                    </p:animEffect>
-                                    <p:anim calcmode="lin" valueType="num">
-                                      <p:cBhvr>
-                                        <p:cTn id="8" dur="1000" fill="hold"/>
-                                        <p:tgtEl>
-                                          <p:spTgt spid="6"/>
-                                        </p:tgtEl>
-                                        <p:attrNameLst>
-                                          <p:attrName>ppt_x</p:attrName>
-                                        </p:attrNameLst>
-                                      </p:cBhvr>
-                                      <p:tavLst>
-                                        <p:tav tm="0">
-                                          <p:val>
-                                            <p:strVal val="#ppt_x"/>
-                                          </p:val>
-                                        </p:tav>
-                                        <p:tav tm="100000">
-                                          <p:val>
-                                            <p:strVal val="#ppt_x"/>
-                                          </p:val>
-                                        </p:tav>
-                                      </p:tavLst>
-                                    </p:anim>
-                                    <p:anim calcmode="lin" valueType="num">
-                                      <p:cBhvr>
-                                        <p:cTn id="9" dur="1000" fill="hold"/>
-                                        <p:tgtEl>
-                                          <p:spTgt spid="6"/>
-                                        </p:tgtEl>
-                                        <p:attrNameLst>
-                                          <p:attrName>ppt_y</p:attrName>
-                                        </p:attrNameLst>
-                                      </p:cBhvr>
-                                      <p:tavLst>
-                                        <p:tav tm="0">
-                                          <p:val>
-                                            <p:strVal val="#ppt_y+.1"/>
-                                          </p:val>
-                                        </p:tav>
-                                        <p:tav tm="100000">
-                                          <p:val>
-                                            <p:strVal val="#ppt_y"/>
-                                          </p:val>
-                                        </p:tav>
-                                      </p:tavLst>
-                                    </p:anim>
-                                  </p:childTnLst>
-                                </p:cTn>
-                              </p:par>
-                            </p:childTnLst>
-                          </p:cTn>
-                        </p:par>
-                      </p:childTnLst>
-                    </p:cTn>
-                  </p:par>
-                </p:childTnLst>
-              </p:cTn>
-              <p:prevCondLst>
-                <p:cond evt="onPrev" delay="0">
-                  <p:tgtEl>
-                    <p:sldTgt/>
-                  </p:tgtEl>
-                </p:cond>
-              </p:prevCondLst>
-              <p:nextCondLst>
-                <p:cond evt="onNext" delay="0">
-                  <p:tgtEl>
-                    <p:sldTgt/>
-                  </p:tgtEl>
-                </p:cond>
-              </p:nextCondLst>
-            </p:seq>
-          </p:childTnLst>
-        </p:cTn>
-      </p:par>
-    </p:tnLst>
-  </p:timing>
 </p:sld>
 </file>
 
@@ -23038,13 +20883,13 @@
   <p:clrMapOvr>
     <a:masterClrMapping/>
   </p:clrMapOvr>
-  <mc:AlternateContent xmlns:mc="http://schemas.openxmlformats.org/markup-compatibility/2006">
-    <mc:Choice xmlns:p159="http://schemas.microsoft.com/office/powerpoint/2015/09/main" Requires="p159">
+  <mc:AlternateContent xmlns:mc="http://schemas.openxmlformats.org/markup-compatibility/2006" xmlns:p159="http://schemas.microsoft.com/office/powerpoint/2015/09/main">
+    <mc:Choice Requires="p159">
       <p:transition xmlns:p14="http://schemas.microsoft.com/office/powerpoint/2010/main" spd="slow" p14:dur="2000">
         <p159:morph option="byObject"/>
       </p:transition>
     </mc:Choice>
-    <mc:Fallback>
+    <mc:Fallback xmlns="">
       <p:transition spd="slow">
         <p:fade/>
       </p:transition>
@@ -23920,13 +21765,13 @@
   <p:clrMapOvr>
     <a:masterClrMapping/>
   </p:clrMapOvr>
-  <mc:AlternateContent xmlns:mc="http://schemas.openxmlformats.org/markup-compatibility/2006">
-    <mc:Choice xmlns:p159="http://schemas.microsoft.com/office/powerpoint/2015/09/main" Requires="p159">
+  <mc:AlternateContent xmlns:mc="http://schemas.openxmlformats.org/markup-compatibility/2006" xmlns:p159="http://schemas.microsoft.com/office/powerpoint/2015/09/main">
+    <mc:Choice Requires="p159">
       <p:transition xmlns:p14="http://schemas.microsoft.com/office/powerpoint/2010/main" spd="slow" p14:dur="2000">
         <p159:morph option="byObject"/>
       </p:transition>
     </mc:Choice>
-    <mc:Fallback>
+    <mc:Fallback xmlns="">
       <p:transition spd="slow">
         <p:fade/>
       </p:transition>
@@ -24803,13 +22648,13 @@
   <p:clrMapOvr>
     <a:masterClrMapping/>
   </p:clrMapOvr>
-  <mc:AlternateContent xmlns:mc="http://schemas.openxmlformats.org/markup-compatibility/2006">
-    <mc:Choice xmlns:p159="http://schemas.microsoft.com/office/powerpoint/2015/09/main" Requires="p159">
+  <mc:AlternateContent xmlns:mc="http://schemas.openxmlformats.org/markup-compatibility/2006" xmlns:p159="http://schemas.microsoft.com/office/powerpoint/2015/09/main">
+    <mc:Choice Requires="p159">
       <p:transition xmlns:p14="http://schemas.microsoft.com/office/powerpoint/2010/main" spd="slow" p14:dur="2000">
         <p159:morph option="byObject"/>
       </p:transition>
     </mc:Choice>
-    <mc:Fallback>
+    <mc:Fallback xmlns="">
       <p:transition spd="slow">
         <p:fade/>
       </p:transition>
@@ -25710,13 +23555,13 @@
   <p:clrMapOvr>
     <a:masterClrMapping/>
   </p:clrMapOvr>
-  <mc:AlternateContent xmlns:mc="http://schemas.openxmlformats.org/markup-compatibility/2006">
-    <mc:Choice xmlns:p159="http://schemas.microsoft.com/office/powerpoint/2015/09/main" Requires="p159">
+  <mc:AlternateContent xmlns:mc="http://schemas.openxmlformats.org/markup-compatibility/2006" xmlns:p159="http://schemas.microsoft.com/office/powerpoint/2015/09/main">
+    <mc:Choice Requires="p159">
       <p:transition xmlns:p14="http://schemas.microsoft.com/office/powerpoint/2010/main" spd="slow" p14:dur="2000">
         <p159:morph option="byObject"/>
       </p:transition>
     </mc:Choice>
-    <mc:Fallback>
+    <mc:Fallback xmlns="">
       <p:transition spd="slow">
         <p:fade/>
       </p:transition>
@@ -27065,18 +24910,6 @@
   <p:clrMapOvr>
     <a:masterClrMapping/>
   </p:clrMapOvr>
-  <mc:AlternateContent xmlns:mc="http://schemas.openxmlformats.org/markup-compatibility/2006">
-    <mc:Choice xmlns:p159="http://schemas.microsoft.com/office/powerpoint/2015/09/main" Requires="p159">
-      <p:transition xmlns:p14="http://schemas.microsoft.com/office/powerpoint/2010/main" spd="slow" p14:dur="2000">
-        <p159:morph option="byObject"/>
-      </p:transition>
-    </mc:Choice>
-    <mc:Fallback>
-      <p:transition spd="slow">
-        <p:fade/>
-      </p:transition>
-    </mc:Fallback>
-  </mc:AlternateContent>
 </p:sld>
 </file>
 
@@ -27204,18 +25037,6 @@
   <p:clrMapOvr>
     <a:masterClrMapping/>
   </p:clrMapOvr>
-  <mc:AlternateContent xmlns:mc="http://schemas.openxmlformats.org/markup-compatibility/2006">
-    <mc:Choice xmlns:p159="http://schemas.microsoft.com/office/powerpoint/2015/09/main" Requires="p159">
-      <p:transition xmlns:p14="http://schemas.microsoft.com/office/powerpoint/2010/main" spd="slow" p14:dur="2000">
-        <p159:morph option="byObject"/>
-      </p:transition>
-    </mc:Choice>
-    <mc:Fallback>
-      <p:transition spd="slow">
-        <p:fade/>
-      </p:transition>
-    </mc:Fallback>
-  </mc:AlternateContent>
 </p:sld>
 </file>
 
@@ -27343,18 +25164,6 @@
   <p:clrMapOvr>
     <a:masterClrMapping/>
   </p:clrMapOvr>
-  <mc:AlternateContent xmlns:mc="http://schemas.openxmlformats.org/markup-compatibility/2006">
-    <mc:Choice xmlns:p159="http://schemas.microsoft.com/office/powerpoint/2015/09/main" Requires="p159">
-      <p:transition xmlns:p14="http://schemas.microsoft.com/office/powerpoint/2010/main" spd="slow" p14:dur="2000">
-        <p159:morph option="byObject"/>
-      </p:transition>
-    </mc:Choice>
-    <mc:Fallback>
-      <p:transition spd="slow">
-        <p:fade/>
-      </p:transition>
-    </mc:Fallback>
-  </mc:AlternateContent>
 </p:sld>
 </file>
 
@@ -27482,18 +25291,6 @@
   <p:clrMapOvr>
     <a:masterClrMapping/>
   </p:clrMapOvr>
-  <mc:AlternateContent xmlns:mc="http://schemas.openxmlformats.org/markup-compatibility/2006">
-    <mc:Choice xmlns:p159="http://schemas.microsoft.com/office/powerpoint/2015/09/main" Requires="p159">
-      <p:transition xmlns:p14="http://schemas.microsoft.com/office/powerpoint/2010/main" spd="slow" p14:dur="2000">
-        <p159:morph option="byObject"/>
-      </p:transition>
-    </mc:Choice>
-    <mc:Fallback>
-      <p:transition spd="slow">
-        <p:fade/>
-      </p:transition>
-    </mc:Fallback>
-  </mc:AlternateContent>
 </p:sld>
 </file>
 
@@ -27621,161 +25418,10 @@
   <p:clrMapOvr>
     <a:masterClrMapping/>
   </p:clrMapOvr>
-  <mc:AlternateContent xmlns:mc="http://schemas.openxmlformats.org/markup-compatibility/2006">
-    <mc:Choice xmlns:p159="http://schemas.microsoft.com/office/powerpoint/2015/09/main" Requires="p159">
-      <p:transition xmlns:p14="http://schemas.microsoft.com/office/powerpoint/2010/main" spd="slow" p14:dur="2000">
-        <p159:morph option="byObject"/>
-      </p:transition>
-    </mc:Choice>
-    <mc:Fallback>
-      <p:transition spd="slow">
-        <p:fade/>
-      </p:transition>
-    </mc:Fallback>
-  </mc:AlternateContent>
 </p:sld>
 </file>
 
 <file path=ppt/slides/slide35.xml><?xml version="1.0" encoding="utf-8"?>
-<p:sld xmlns:a="http://schemas.openxmlformats.org/drawingml/2006/main" xmlns:r="http://schemas.openxmlformats.org/officeDocument/2006/relationships" xmlns:p="http://schemas.openxmlformats.org/presentationml/2006/main">
-  <p:cSld>
-    <p:bg>
-      <p:bgPr>
-        <a:solidFill>
-          <a:srgbClr val="50B4C8"/>
-        </a:solidFill>
-        <a:effectLst/>
-      </p:bgPr>
-    </p:bg>
-    <p:spTree>
-      <p:nvGrpSpPr>
-        <p:cNvPr id="1" name="">
-          <a:extLst>
-            <a:ext uri="{FF2B5EF4-FFF2-40B4-BE49-F238E27FC236}">
-              <a16:creationId xmlns:a16="http://schemas.microsoft.com/office/drawing/2014/main" id="{E325C7E2-53C1-AF9E-FA42-71AA0A086C3B}"/>
-            </a:ext>
-          </a:extLst>
-        </p:cNvPr>
-        <p:cNvGrpSpPr/>
-        <p:nvPr/>
-      </p:nvGrpSpPr>
-      <p:grpSpPr>
-        <a:xfrm>
-          <a:off x="0" y="0"/>
-          <a:ext cx="0" cy="0"/>
-          <a:chOff x="0" y="0"/>
-          <a:chExt cx="0" cy="0"/>
-        </a:xfrm>
-      </p:grpSpPr>
-      <p:sp>
-        <p:nvSpPr>
-          <p:cNvPr id="2" name="Title 1">
-            <a:extLst>
-              <a:ext uri="{FF2B5EF4-FFF2-40B4-BE49-F238E27FC236}">
-                <a16:creationId xmlns:a16="http://schemas.microsoft.com/office/drawing/2014/main" id="{939C232D-9446-D327-9A4D-D6908D27C998}"/>
-              </a:ext>
-            </a:extLst>
-          </p:cNvPr>
-          <p:cNvSpPr>
-            <a:spLocks noGrp="1"/>
-          </p:cNvSpPr>
-          <p:nvPr>
-            <p:ph type="title"/>
-          </p:nvPr>
-        </p:nvSpPr>
-        <p:spPr>
-          <a:xfrm>
-            <a:off x="334963" y="368300"/>
-            <a:ext cx="10772775" cy="1658198"/>
-          </a:xfrm>
-        </p:spPr>
-        <p:txBody>
-          <a:bodyPr/>
-          <a:lstStyle/>
-          <a:p>
-            <a:r>
-              <a:rPr lang="pl-PL" dirty="0">
-                <a:solidFill>
-                  <a:schemeClr val="bg1"/>
-                </a:solidFill>
-              </a:rPr>
-              <a:t>Czym jest </a:t>
-            </a:r>
-            <a:r>
-              <a:rPr lang="pl-PL" dirty="0" err="1">
-                <a:solidFill>
-                  <a:schemeClr val="bg1"/>
-                </a:solidFill>
-              </a:rPr>
-              <a:t>gRPC</a:t>
-            </a:r>
-            <a:r>
-              <a:rPr lang="pl-PL" dirty="0">
-                <a:solidFill>
-                  <a:schemeClr val="bg1"/>
-                </a:solidFill>
-              </a:rPr>
-              <a:t>?</a:t>
-            </a:r>
-          </a:p>
-        </p:txBody>
-      </p:sp>
-      <p:pic>
-        <p:nvPicPr>
-          <p:cNvPr id="9" name="Picture 8">
-            <a:extLst>
-              <a:ext uri="{FF2B5EF4-FFF2-40B4-BE49-F238E27FC236}">
-                <a16:creationId xmlns:a16="http://schemas.microsoft.com/office/drawing/2014/main" id="{4A3ABCF8-D4C4-B8B1-C2C1-1EB4BCEAAEFE}"/>
-              </a:ext>
-            </a:extLst>
-          </p:cNvPr>
-          <p:cNvPicPr>
-            <a:picLocks noChangeAspect="1"/>
-          </p:cNvPicPr>
-          <p:nvPr/>
-        </p:nvPicPr>
-        <p:blipFill>
-          <a:blip r:embed="rId3"/>
-          <a:stretch>
-            <a:fillRect/>
-          </a:stretch>
-        </p:blipFill>
-        <p:spPr>
-          <a:xfrm>
-            <a:off x="696000" y="2471344"/>
-            <a:ext cx="10800000" cy="1915313"/>
-          </a:xfrm>
-          <a:prstGeom prst="rect">
-            <a:avLst/>
-          </a:prstGeom>
-        </p:spPr>
-      </p:pic>
-    </p:spTree>
-    <p:extLst>
-      <p:ext uri="{BB962C8B-B14F-4D97-AF65-F5344CB8AC3E}">
-        <p14:creationId xmlns:p14="http://schemas.microsoft.com/office/powerpoint/2010/main" val="2348709929"/>
-      </p:ext>
-    </p:extLst>
-  </p:cSld>
-  <p:clrMapOvr>
-    <a:masterClrMapping/>
-  </p:clrMapOvr>
-  <mc:AlternateContent xmlns:mc="http://schemas.openxmlformats.org/markup-compatibility/2006">
-    <mc:Choice xmlns:p159="http://schemas.microsoft.com/office/powerpoint/2015/09/main" Requires="p159">
-      <p:transition xmlns:p14="http://schemas.microsoft.com/office/powerpoint/2010/main" spd="slow" p14:dur="2000">
-        <p159:morph option="byObject"/>
-      </p:transition>
-    </mc:Choice>
-    <mc:Fallback>
-      <p:transition spd="slow">
-        <p:fade/>
-      </p:transition>
-    </mc:Fallback>
-  </mc:AlternateContent>
-</p:sld>
-</file>
-
-<file path=ppt/slides/slide36.xml><?xml version="1.0" encoding="utf-8"?>
 <p:sld xmlns:a="http://schemas.openxmlformats.org/drawingml/2006/main" xmlns:r="http://schemas.openxmlformats.org/officeDocument/2006/relationships" xmlns:p="http://schemas.openxmlformats.org/presentationml/2006/main">
   <p:cSld>
     <p:bg>
@@ -27899,22 +25545,10 @@
   <p:clrMapOvr>
     <a:masterClrMapping/>
   </p:clrMapOvr>
-  <mc:AlternateContent xmlns:mc="http://schemas.openxmlformats.org/markup-compatibility/2006">
-    <mc:Choice xmlns:p159="http://schemas.microsoft.com/office/powerpoint/2015/09/main" Requires="p159">
-      <p:transition xmlns:p14="http://schemas.microsoft.com/office/powerpoint/2010/main" spd="slow" p14:dur="2000">
-        <p159:morph option="byObject"/>
-      </p:transition>
-    </mc:Choice>
-    <mc:Fallback>
-      <p:transition spd="slow">
-        <p:fade/>
-      </p:transition>
-    </mc:Fallback>
-  </mc:AlternateContent>
 </p:sld>
 </file>
 
-<file path=ppt/slides/slide37.xml><?xml version="1.0" encoding="utf-8"?>
+<file path=ppt/slides/slide36.xml><?xml version="1.0" encoding="utf-8"?>
 <p:sld xmlns:a="http://schemas.openxmlformats.org/drawingml/2006/main" xmlns:r="http://schemas.openxmlformats.org/officeDocument/2006/relationships" xmlns:p="http://schemas.openxmlformats.org/presentationml/2006/main">
   <p:cSld>
     <p:bg>
@@ -28038,22 +25672,10 @@
   <p:clrMapOvr>
     <a:masterClrMapping/>
   </p:clrMapOvr>
-  <mc:AlternateContent xmlns:mc="http://schemas.openxmlformats.org/markup-compatibility/2006">
-    <mc:Choice xmlns:p159="http://schemas.microsoft.com/office/powerpoint/2015/09/main" Requires="p159">
-      <p:transition xmlns:p14="http://schemas.microsoft.com/office/powerpoint/2010/main" spd="slow" p14:dur="2000">
-        <p159:morph option="byObject"/>
-      </p:transition>
-    </mc:Choice>
-    <mc:Fallback>
-      <p:transition spd="slow">
-        <p:fade/>
-      </p:transition>
-    </mc:Fallback>
-  </mc:AlternateContent>
 </p:sld>
 </file>
 
-<file path=ppt/slides/slide38.xml><?xml version="1.0" encoding="utf-8"?>
+<file path=ppt/slides/slide37.xml><?xml version="1.0" encoding="utf-8"?>
 <p:sld xmlns:a="http://schemas.openxmlformats.org/drawingml/2006/main" xmlns:r="http://schemas.openxmlformats.org/officeDocument/2006/relationships" xmlns:p="http://schemas.openxmlformats.org/presentationml/2006/main">
   <p:cSld>
     <p:bg>
@@ -28177,22 +25799,10 @@
   <p:clrMapOvr>
     <a:masterClrMapping/>
   </p:clrMapOvr>
-  <mc:AlternateContent xmlns:mc="http://schemas.openxmlformats.org/markup-compatibility/2006">
-    <mc:Choice xmlns:p159="http://schemas.microsoft.com/office/powerpoint/2015/09/main" Requires="p159">
-      <p:transition xmlns:p14="http://schemas.microsoft.com/office/powerpoint/2010/main" spd="slow" p14:dur="2000">
-        <p159:morph option="byObject"/>
-      </p:transition>
-    </mc:Choice>
-    <mc:Fallback>
-      <p:transition spd="slow">
-        <p:fade/>
-      </p:transition>
-    </mc:Fallback>
-  </mc:AlternateContent>
 </p:sld>
 </file>
 
-<file path=ppt/slides/slide39.xml><?xml version="1.0" encoding="utf-8"?>
+<file path=ppt/slides/slide38.xml><?xml version="1.0" encoding="utf-8"?>
 <p:sld xmlns:a="http://schemas.openxmlformats.org/drawingml/2006/main" xmlns:r="http://schemas.openxmlformats.org/officeDocument/2006/relationships" xmlns:p="http://schemas.openxmlformats.org/presentationml/2006/main">
   <p:cSld>
     <p:bg>
@@ -28316,18 +25926,834 @@
   <p:clrMapOvr>
     <a:masterClrMapping/>
   </p:clrMapOvr>
-  <mc:AlternateContent xmlns:mc="http://schemas.openxmlformats.org/markup-compatibility/2006">
-    <mc:Choice xmlns:p159="http://schemas.microsoft.com/office/powerpoint/2015/09/main" Requires="p159">
-      <p:transition xmlns:p14="http://schemas.microsoft.com/office/powerpoint/2010/main" spd="slow" p14:dur="2000">
-        <p159:morph option="byObject"/>
-      </p:transition>
-    </mc:Choice>
-    <mc:Fallback>
-      <p:transition spd="slow">
-        <p:fade/>
-      </p:transition>
-    </mc:Fallback>
-  </mc:AlternateContent>
+</p:sld>
+</file>
+
+<file path=ppt/slides/slide39.xml><?xml version="1.0" encoding="utf-8"?>
+<p:sld xmlns:a="http://schemas.openxmlformats.org/drawingml/2006/main" xmlns:r="http://schemas.openxmlformats.org/officeDocument/2006/relationships" xmlns:p="http://schemas.openxmlformats.org/presentationml/2006/main">
+  <p:cSld>
+    <p:bg>
+      <p:bgPr>
+        <a:solidFill>
+          <a:srgbClr val="50B4C8"/>
+        </a:solidFill>
+        <a:effectLst/>
+      </p:bgPr>
+    </p:bg>
+    <p:spTree>
+      <p:nvGrpSpPr>
+        <p:cNvPr id="1" name="">
+          <a:extLst>
+            <a:ext uri="{FF2B5EF4-FFF2-40B4-BE49-F238E27FC236}">
+              <a16:creationId xmlns:a16="http://schemas.microsoft.com/office/drawing/2014/main" id="{37909A61-1E24-9491-E1A3-28A54B631E6A}"/>
+            </a:ext>
+          </a:extLst>
+        </p:cNvPr>
+        <p:cNvGrpSpPr/>
+        <p:nvPr/>
+      </p:nvGrpSpPr>
+      <p:grpSpPr>
+        <a:xfrm>
+          <a:off x="0" y="0"/>
+          <a:ext cx="0" cy="0"/>
+          <a:chOff x="0" y="0"/>
+          <a:chExt cx="0" cy="0"/>
+        </a:xfrm>
+      </p:grpSpPr>
+      <p:sp>
+        <p:nvSpPr>
+          <p:cNvPr id="2" name="Title 1">
+            <a:extLst>
+              <a:ext uri="{FF2B5EF4-FFF2-40B4-BE49-F238E27FC236}">
+                <a16:creationId xmlns:a16="http://schemas.microsoft.com/office/drawing/2014/main" id="{6D41942C-A008-255C-9D27-88001D5B6502}"/>
+              </a:ext>
+            </a:extLst>
+          </p:cNvPr>
+          <p:cNvSpPr>
+            <a:spLocks noGrp="1"/>
+          </p:cNvSpPr>
+          <p:nvPr>
+            <p:ph type="title"/>
+          </p:nvPr>
+        </p:nvSpPr>
+        <p:spPr>
+          <a:xfrm>
+            <a:off x="334963" y="368300"/>
+            <a:ext cx="10772775" cy="1658198"/>
+          </a:xfrm>
+        </p:spPr>
+        <p:txBody>
+          <a:bodyPr/>
+          <a:lstStyle/>
+          <a:p>
+            <a:r>
+              <a:rPr lang="pl-PL" dirty="0">
+                <a:solidFill>
+                  <a:schemeClr val="bg1"/>
+                </a:solidFill>
+              </a:rPr>
+              <a:t>Czym jest </a:t>
+            </a:r>
+            <a:r>
+              <a:rPr lang="pl-PL" dirty="0" err="1">
+                <a:solidFill>
+                  <a:schemeClr val="bg1"/>
+                </a:solidFill>
+              </a:rPr>
+              <a:t>gRPC</a:t>
+            </a:r>
+            <a:r>
+              <a:rPr lang="pl-PL" dirty="0">
+                <a:solidFill>
+                  <a:schemeClr val="bg1"/>
+                </a:solidFill>
+              </a:rPr>
+              <a:t>?</a:t>
+            </a:r>
+          </a:p>
+        </p:txBody>
+      </p:sp>
+      <p:grpSp>
+        <p:nvGrpSpPr>
+          <p:cNvPr id="3" name="Group 2">
+            <a:extLst>
+              <a:ext uri="{FF2B5EF4-FFF2-40B4-BE49-F238E27FC236}">
+                <a16:creationId xmlns:a16="http://schemas.microsoft.com/office/drawing/2014/main" id="{D170AE71-96D1-E5C5-AF22-2A36CC778388}"/>
+              </a:ext>
+            </a:extLst>
+          </p:cNvPr>
+          <p:cNvGrpSpPr/>
+          <p:nvPr/>
+        </p:nvGrpSpPr>
+        <p:grpSpPr>
+          <a:xfrm>
+            <a:off x="826066" y="3184082"/>
+            <a:ext cx="1990806" cy="450000"/>
+            <a:chOff x="772718" y="2587446"/>
+            <a:chExt cx="1990806" cy="450000"/>
+          </a:xfrm>
+        </p:grpSpPr>
+        <p:pic>
+          <p:nvPicPr>
+            <p:cNvPr id="4" name="Graphic 3">
+              <a:extLst>
+                <a:ext uri="{FF2B5EF4-FFF2-40B4-BE49-F238E27FC236}">
+                  <a16:creationId xmlns:a16="http://schemas.microsoft.com/office/drawing/2014/main" id="{3A2C5B69-0E63-1C53-4B00-53E265D40E19}"/>
+                </a:ext>
+              </a:extLst>
+            </p:cNvPr>
+            <p:cNvPicPr>
+              <a:picLocks noChangeAspect="1"/>
+            </p:cNvPicPr>
+            <p:nvPr/>
+          </p:nvPicPr>
+          <p:blipFill>
+            <a:blip r:embed="rId3">
+              <a:extLst>
+                <a:ext uri="{96DAC541-7B7A-43D3-8B79-37D633B846F1}">
+                  <asvg:svgBlip xmlns:asvg="http://schemas.microsoft.com/office/drawing/2016/SVG/main" r:embed="rId4"/>
+                </a:ext>
+              </a:extLst>
+            </a:blip>
+            <a:srcRect/>
+            <a:stretch/>
+          </p:blipFill>
+          <p:spPr>
+            <a:xfrm>
+              <a:off x="772718" y="2587446"/>
+              <a:ext cx="450000" cy="450000"/>
+            </a:xfrm>
+            <a:prstGeom prst="rect">
+              <a:avLst/>
+            </a:prstGeom>
+          </p:spPr>
+        </p:pic>
+        <p:sp>
+          <p:nvSpPr>
+            <p:cNvPr id="6" name="TextBox 5">
+              <a:extLst>
+                <a:ext uri="{FF2B5EF4-FFF2-40B4-BE49-F238E27FC236}">
+                  <a16:creationId xmlns:a16="http://schemas.microsoft.com/office/drawing/2014/main" id="{BF1C19CE-3910-CC40-11D9-799FE387B08C}"/>
+                </a:ext>
+              </a:extLst>
+            </p:cNvPr>
+            <p:cNvSpPr txBox="1"/>
+            <p:nvPr/>
+          </p:nvSpPr>
+          <p:spPr>
+            <a:xfrm>
+              <a:off x="1222718" y="2636324"/>
+              <a:ext cx="1540806" cy="369332"/>
+            </a:xfrm>
+            <a:prstGeom prst="rect">
+              <a:avLst/>
+            </a:prstGeom>
+            <a:noFill/>
+          </p:spPr>
+          <p:txBody>
+            <a:bodyPr wrap="none" rtlCol="0">
+              <a:spAutoFit/>
+            </a:bodyPr>
+            <a:lstStyle/>
+            <a:p>
+              <a:r>
+                <a:rPr lang="pl-PL" b="1" dirty="0" err="1">
+                  <a:solidFill>
+                    <a:schemeClr val="bg1"/>
+                  </a:solidFill>
+                </a:rPr>
+                <a:t>Load</a:t>
+              </a:r>
+              <a:r>
+                <a:rPr lang="pl-PL" b="1" dirty="0">
+                  <a:solidFill>
+                    <a:schemeClr val="bg1"/>
+                  </a:solidFill>
+                </a:rPr>
+                <a:t> </a:t>
+              </a:r>
+              <a:r>
+                <a:rPr lang="pl-PL" b="1" dirty="0" err="1">
+                  <a:solidFill>
+                    <a:schemeClr val="bg1"/>
+                  </a:solidFill>
+                </a:rPr>
+                <a:t>balancing</a:t>
+              </a:r>
+              <a:endParaRPr lang="pl-PL" b="1" dirty="0">
+                <a:solidFill>
+                  <a:schemeClr val="bg1"/>
+                </a:solidFill>
+              </a:endParaRPr>
+            </a:p>
+          </p:txBody>
+        </p:sp>
+      </p:grpSp>
+      <p:grpSp>
+        <p:nvGrpSpPr>
+          <p:cNvPr id="7" name="Group 6">
+            <a:extLst>
+              <a:ext uri="{FF2B5EF4-FFF2-40B4-BE49-F238E27FC236}">
+                <a16:creationId xmlns:a16="http://schemas.microsoft.com/office/drawing/2014/main" id="{E1BB3009-439A-2DD2-527A-4D61AAC730A0}"/>
+              </a:ext>
+            </a:extLst>
+          </p:cNvPr>
+          <p:cNvGrpSpPr/>
+          <p:nvPr/>
+        </p:nvGrpSpPr>
+        <p:grpSpPr>
+          <a:xfrm>
+            <a:off x="3846113" y="3190476"/>
+            <a:ext cx="1840463" cy="437212"/>
+            <a:chOff x="779112" y="3371382"/>
+            <a:chExt cx="1840463" cy="437212"/>
+          </a:xfrm>
+        </p:grpSpPr>
+        <p:pic>
+          <p:nvPicPr>
+            <p:cNvPr id="8" name="Graphic 7">
+              <a:extLst>
+                <a:ext uri="{FF2B5EF4-FFF2-40B4-BE49-F238E27FC236}">
+                  <a16:creationId xmlns:a16="http://schemas.microsoft.com/office/drawing/2014/main" id="{49186823-BC7B-DB59-4479-FBFD588BD9E3}"/>
+                </a:ext>
+              </a:extLst>
+            </p:cNvPr>
+            <p:cNvPicPr>
+              <a:picLocks noChangeAspect="1"/>
+            </p:cNvPicPr>
+            <p:nvPr/>
+          </p:nvPicPr>
+          <p:blipFill>
+            <a:blip r:embed="rId5">
+              <a:extLst>
+                <a:ext uri="{96DAC541-7B7A-43D3-8B79-37D633B846F1}">
+                  <asvg:svgBlip xmlns:asvg="http://schemas.microsoft.com/office/drawing/2016/SVG/main" r:embed="rId6"/>
+                </a:ext>
+              </a:extLst>
+            </a:blip>
+            <a:srcRect/>
+            <a:stretch/>
+          </p:blipFill>
+          <p:spPr>
+            <a:xfrm>
+              <a:off x="779112" y="3371382"/>
+              <a:ext cx="437212" cy="437212"/>
+            </a:xfrm>
+            <a:prstGeom prst="rect">
+              <a:avLst/>
+            </a:prstGeom>
+          </p:spPr>
+        </p:pic>
+        <p:sp>
+          <p:nvSpPr>
+            <p:cNvPr id="9" name="TextBox 8">
+              <a:extLst>
+                <a:ext uri="{FF2B5EF4-FFF2-40B4-BE49-F238E27FC236}">
+                  <a16:creationId xmlns:a16="http://schemas.microsoft.com/office/drawing/2014/main" id="{3CF4BAFC-FFA5-6AAC-D65F-9E6379FC3B63}"/>
+                </a:ext>
+              </a:extLst>
+            </p:cNvPr>
+            <p:cNvSpPr txBox="1"/>
+            <p:nvPr/>
+          </p:nvSpPr>
+          <p:spPr>
+            <a:xfrm>
+              <a:off x="1222718" y="3405322"/>
+              <a:ext cx="1396857" cy="369332"/>
+            </a:xfrm>
+            <a:prstGeom prst="rect">
+              <a:avLst/>
+            </a:prstGeom>
+            <a:noFill/>
+          </p:spPr>
+          <p:txBody>
+            <a:bodyPr wrap="none" rtlCol="0">
+              <a:spAutoFit/>
+            </a:bodyPr>
+            <a:lstStyle/>
+            <a:p>
+              <a:r>
+                <a:rPr lang="pl-PL" b="1" dirty="0" err="1">
+                  <a:solidFill>
+                    <a:schemeClr val="bg1"/>
+                  </a:solidFill>
+                </a:rPr>
+                <a:t>Retry</a:t>
+              </a:r>
+              <a:r>
+                <a:rPr lang="pl-PL" b="1" dirty="0">
+                  <a:solidFill>
+                    <a:schemeClr val="bg1"/>
+                  </a:solidFill>
+                </a:rPr>
+                <a:t> </a:t>
+              </a:r>
+              <a:r>
+                <a:rPr lang="pl-PL" b="1" dirty="0" err="1">
+                  <a:solidFill>
+                    <a:schemeClr val="bg1"/>
+                  </a:solidFill>
+                </a:rPr>
+                <a:t>policies</a:t>
+              </a:r>
+              <a:endParaRPr lang="pl-PL" b="1" dirty="0">
+                <a:solidFill>
+                  <a:schemeClr val="bg1"/>
+                </a:solidFill>
+              </a:endParaRPr>
+            </a:p>
+          </p:txBody>
+        </p:sp>
+      </p:grpSp>
+      <p:grpSp>
+        <p:nvGrpSpPr>
+          <p:cNvPr id="10" name="Group 9">
+            <a:extLst>
+              <a:ext uri="{FF2B5EF4-FFF2-40B4-BE49-F238E27FC236}">
+                <a16:creationId xmlns:a16="http://schemas.microsoft.com/office/drawing/2014/main" id="{4E456F96-C9FA-3F36-C906-207C3551214A}"/>
+              </a:ext>
+            </a:extLst>
+          </p:cNvPr>
+          <p:cNvGrpSpPr/>
+          <p:nvPr/>
+        </p:nvGrpSpPr>
+        <p:grpSpPr>
+          <a:xfrm>
+            <a:off x="6715817" y="3199470"/>
+            <a:ext cx="1878439" cy="419224"/>
+            <a:chOff x="788106" y="4081778"/>
+            <a:chExt cx="1878439" cy="419224"/>
+          </a:xfrm>
+        </p:grpSpPr>
+        <p:pic>
+          <p:nvPicPr>
+            <p:cNvPr id="11" name="Graphic 10">
+              <a:extLst>
+                <a:ext uri="{FF2B5EF4-FFF2-40B4-BE49-F238E27FC236}">
+                  <a16:creationId xmlns:a16="http://schemas.microsoft.com/office/drawing/2014/main" id="{0CF8F5CA-2444-8A82-A02D-3F599D5C453C}"/>
+                </a:ext>
+              </a:extLst>
+            </p:cNvPr>
+            <p:cNvPicPr>
+              <a:picLocks noChangeAspect="1"/>
+            </p:cNvPicPr>
+            <p:nvPr/>
+          </p:nvPicPr>
+          <p:blipFill>
+            <a:blip r:embed="rId7">
+              <a:extLst>
+                <a:ext uri="{96DAC541-7B7A-43D3-8B79-37D633B846F1}">
+                  <asvg:svgBlip xmlns:asvg="http://schemas.microsoft.com/office/drawing/2016/SVG/main" r:embed="rId8"/>
+                </a:ext>
+              </a:extLst>
+            </a:blip>
+            <a:srcRect/>
+            <a:stretch/>
+          </p:blipFill>
+          <p:spPr>
+            <a:xfrm>
+              <a:off x="788106" y="4081778"/>
+              <a:ext cx="419224" cy="419224"/>
+            </a:xfrm>
+            <a:prstGeom prst="rect">
+              <a:avLst/>
+            </a:prstGeom>
+          </p:spPr>
+        </p:pic>
+        <p:sp>
+          <p:nvSpPr>
+            <p:cNvPr id="12" name="TextBox 11">
+              <a:extLst>
+                <a:ext uri="{FF2B5EF4-FFF2-40B4-BE49-F238E27FC236}">
+                  <a16:creationId xmlns:a16="http://schemas.microsoft.com/office/drawing/2014/main" id="{B2043714-200A-AC9A-2ED5-BA33B5628242}"/>
+                </a:ext>
+              </a:extLst>
+            </p:cNvPr>
+            <p:cNvSpPr txBox="1"/>
+            <p:nvPr/>
+          </p:nvSpPr>
+          <p:spPr>
+            <a:xfrm>
+              <a:off x="1224162" y="4085606"/>
+              <a:ext cx="1442383" cy="369332"/>
+            </a:xfrm>
+            <a:prstGeom prst="rect">
+              <a:avLst/>
+            </a:prstGeom>
+            <a:noFill/>
+          </p:spPr>
+          <p:txBody>
+            <a:bodyPr wrap="none" rtlCol="0">
+              <a:spAutoFit/>
+            </a:bodyPr>
+            <a:lstStyle/>
+            <a:p>
+              <a:r>
+                <a:rPr lang="pl-PL" b="1" dirty="0" err="1">
+                  <a:solidFill>
+                    <a:schemeClr val="bg1"/>
+                  </a:solidFill>
+                </a:rPr>
+                <a:t>Health</a:t>
+              </a:r>
+              <a:r>
+                <a:rPr lang="pl-PL" b="1" dirty="0">
+                  <a:solidFill>
+                    <a:schemeClr val="bg1"/>
+                  </a:solidFill>
+                </a:rPr>
+                <a:t> </a:t>
+              </a:r>
+              <a:r>
+                <a:rPr lang="pl-PL" b="1" dirty="0" err="1">
+                  <a:solidFill>
+                    <a:schemeClr val="bg1"/>
+                  </a:solidFill>
+                </a:rPr>
+                <a:t>checks</a:t>
+              </a:r>
+              <a:endParaRPr lang="pl-PL" b="1" dirty="0">
+                <a:solidFill>
+                  <a:schemeClr val="bg1"/>
+                </a:solidFill>
+              </a:endParaRPr>
+            </a:p>
+          </p:txBody>
+        </p:sp>
+      </p:grpSp>
+      <p:grpSp>
+        <p:nvGrpSpPr>
+          <p:cNvPr id="13" name="Group 12">
+            <a:extLst>
+              <a:ext uri="{FF2B5EF4-FFF2-40B4-BE49-F238E27FC236}">
+                <a16:creationId xmlns:a16="http://schemas.microsoft.com/office/drawing/2014/main" id="{7CD81E13-D1E3-3521-2987-2A5E21004A35}"/>
+              </a:ext>
+            </a:extLst>
+          </p:cNvPr>
+          <p:cNvGrpSpPr/>
+          <p:nvPr/>
+        </p:nvGrpSpPr>
+        <p:grpSpPr>
+          <a:xfrm>
+            <a:off x="9623496" y="3184082"/>
+            <a:ext cx="1742438" cy="450000"/>
+            <a:chOff x="772718" y="4774186"/>
+            <a:chExt cx="1742438" cy="450000"/>
+          </a:xfrm>
+        </p:grpSpPr>
+        <p:pic>
+          <p:nvPicPr>
+            <p:cNvPr id="14" name="Graphic 13" descr="Airplane with solid fill">
+              <a:extLst>
+                <a:ext uri="{FF2B5EF4-FFF2-40B4-BE49-F238E27FC236}">
+                  <a16:creationId xmlns:a16="http://schemas.microsoft.com/office/drawing/2014/main" id="{32F1B5CD-10FF-0B71-7C68-1F3D1A0F8749}"/>
+                </a:ext>
+              </a:extLst>
+            </p:cNvPr>
+            <p:cNvPicPr>
+              <a:picLocks noChangeAspect="1"/>
+            </p:cNvPicPr>
+            <p:nvPr/>
+          </p:nvPicPr>
+          <p:blipFill>
+            <a:blip r:embed="rId9">
+              <a:extLst>
+                <a:ext uri="{96DAC541-7B7A-43D3-8B79-37D633B846F1}">
+                  <asvg:svgBlip xmlns:asvg="http://schemas.microsoft.com/office/drawing/2016/SVG/main" r:embed="rId10"/>
+                </a:ext>
+              </a:extLst>
+            </a:blip>
+            <a:srcRect/>
+            <a:stretch/>
+          </p:blipFill>
+          <p:spPr>
+            <a:xfrm>
+              <a:off x="772718" y="4774186"/>
+              <a:ext cx="450000" cy="450000"/>
+            </a:xfrm>
+            <a:prstGeom prst="rect">
+              <a:avLst/>
+            </a:prstGeom>
+          </p:spPr>
+        </p:pic>
+        <p:sp>
+          <p:nvSpPr>
+            <p:cNvPr id="15" name="TextBox 14">
+              <a:extLst>
+                <a:ext uri="{FF2B5EF4-FFF2-40B4-BE49-F238E27FC236}">
+                  <a16:creationId xmlns:a16="http://schemas.microsoft.com/office/drawing/2014/main" id="{F47B1583-FB6E-439F-2B32-7D28E219B186}"/>
+                </a:ext>
+              </a:extLst>
+            </p:cNvPr>
+            <p:cNvSpPr txBox="1"/>
+            <p:nvPr/>
+          </p:nvSpPr>
+          <p:spPr>
+            <a:xfrm>
+              <a:off x="1224162" y="4814520"/>
+              <a:ext cx="1290994" cy="369332"/>
+            </a:xfrm>
+            <a:prstGeom prst="rect">
+              <a:avLst/>
+            </a:prstGeom>
+            <a:noFill/>
+          </p:spPr>
+          <p:txBody>
+            <a:bodyPr wrap="none" rtlCol="0">
+              <a:spAutoFit/>
+            </a:bodyPr>
+            <a:lstStyle/>
+            <a:p>
+              <a:r>
+                <a:rPr lang="pl-PL" b="1" dirty="0" err="1">
+                  <a:solidFill>
+                    <a:schemeClr val="bg1"/>
+                  </a:solidFill>
+                </a:rPr>
+                <a:t>Interceptors</a:t>
+              </a:r>
+              <a:endParaRPr lang="pl-PL" b="1" dirty="0">
+                <a:solidFill>
+                  <a:schemeClr val="bg1"/>
+                </a:solidFill>
+              </a:endParaRPr>
+            </a:p>
+          </p:txBody>
+        </p:sp>
+      </p:grpSp>
+      <p:sp>
+        <p:nvSpPr>
+          <p:cNvPr id="16" name="TextBox 15">
+            <a:extLst>
+              <a:ext uri="{FF2B5EF4-FFF2-40B4-BE49-F238E27FC236}">
+                <a16:creationId xmlns:a16="http://schemas.microsoft.com/office/drawing/2014/main" id="{F3CE1C30-CD1A-2645-1CE7-4A64F079C2BF}"/>
+              </a:ext>
+            </a:extLst>
+          </p:cNvPr>
+          <p:cNvSpPr txBox="1"/>
+          <p:nvPr/>
+        </p:nvSpPr>
+        <p:spPr>
+          <a:xfrm>
+            <a:off x="3216276" y="1620000"/>
+            <a:ext cx="5759449" cy="707886"/>
+          </a:xfrm>
+          <a:prstGeom prst="rect">
+            <a:avLst/>
+          </a:prstGeom>
+          <a:noFill/>
+        </p:spPr>
+        <p:txBody>
+          <a:bodyPr wrap="square">
+            <a:spAutoFit/>
+          </a:bodyPr>
+          <a:lstStyle/>
+          <a:p>
+            <a:pPr algn="ctr"/>
+            <a:r>
+              <a:rPr lang="pl-PL" sz="4000" dirty="0">
+                <a:solidFill>
+                  <a:schemeClr val="bg1"/>
+                </a:solidFill>
+              </a:rPr>
+              <a:t>Inne aspekty</a:t>
+            </a:r>
+            <a:endParaRPr lang="pl-PL" sz="4000" dirty="0"/>
+          </a:p>
+        </p:txBody>
+      </p:sp>
+    </p:spTree>
+    <p:extLst>
+      <p:ext uri="{BB962C8B-B14F-4D97-AF65-F5344CB8AC3E}">
+        <p14:creationId xmlns:p14="http://schemas.microsoft.com/office/powerpoint/2010/main" val="2486690696"/>
+      </p:ext>
+    </p:extLst>
+  </p:cSld>
+  <p:clrMapOvr>
+    <a:masterClrMapping/>
+  </p:clrMapOvr>
+  <p:timing>
+    <p:tnLst>
+      <p:par>
+        <p:cTn id="1" dur="indefinite" restart="never" nodeType="tmRoot">
+          <p:childTnLst>
+            <p:seq concurrent="1" nextAc="seek">
+              <p:cTn id="2" dur="indefinite" nodeType="mainSeq">
+                <p:childTnLst>
+                  <p:par>
+                    <p:cTn id="3" fill="hold">
+                      <p:stCondLst>
+                        <p:cond delay="indefinite"/>
+                      </p:stCondLst>
+                      <p:childTnLst>
+                        <p:par>
+                          <p:cTn id="4" fill="hold">
+                            <p:stCondLst>
+                              <p:cond delay="0"/>
+                            </p:stCondLst>
+                            <p:childTnLst>
+                              <p:par>
+                                <p:cTn id="5" presetID="10" presetClass="entr" presetSubtype="0" fill="hold" nodeType="clickEffect">
+                                  <p:stCondLst>
+                                    <p:cond delay="0"/>
+                                  </p:stCondLst>
+                                  <p:childTnLst>
+                                    <p:set>
+                                      <p:cBhvr>
+                                        <p:cTn id="6" dur="1" fill="hold">
+                                          <p:stCondLst>
+                                            <p:cond delay="0"/>
+                                          </p:stCondLst>
+                                        </p:cTn>
+                                        <p:tgtEl>
+                                          <p:spTgt spid="3"/>
+                                        </p:tgtEl>
+                                        <p:attrNameLst>
+                                          <p:attrName>style.visibility</p:attrName>
+                                        </p:attrNameLst>
+                                      </p:cBhvr>
+                                      <p:to>
+                                        <p:strVal val="visible"/>
+                                      </p:to>
+                                    </p:set>
+                                    <p:animEffect transition="in" filter="fade">
+                                      <p:cBhvr>
+                                        <p:cTn id="7" dur="500"/>
+                                        <p:tgtEl>
+                                          <p:spTgt spid="3"/>
+                                        </p:tgtEl>
+                                      </p:cBhvr>
+                                    </p:animEffect>
+                                  </p:childTnLst>
+                                </p:cTn>
+                              </p:par>
+                            </p:childTnLst>
+                          </p:cTn>
+                        </p:par>
+                      </p:childTnLst>
+                    </p:cTn>
+                  </p:par>
+                  <p:par>
+                    <p:cTn id="8" fill="hold">
+                      <p:stCondLst>
+                        <p:cond delay="indefinite"/>
+                      </p:stCondLst>
+                      <p:childTnLst>
+                        <p:par>
+                          <p:cTn id="9" fill="hold">
+                            <p:stCondLst>
+                              <p:cond delay="0"/>
+                            </p:stCondLst>
+                            <p:childTnLst>
+                              <p:par>
+                                <p:cTn id="10" presetID="10" presetClass="entr" presetSubtype="0" fill="hold" nodeType="clickEffect">
+                                  <p:stCondLst>
+                                    <p:cond delay="0"/>
+                                  </p:stCondLst>
+                                  <p:childTnLst>
+                                    <p:set>
+                                      <p:cBhvr>
+                                        <p:cTn id="11" dur="1" fill="hold">
+                                          <p:stCondLst>
+                                            <p:cond delay="0"/>
+                                          </p:stCondLst>
+                                        </p:cTn>
+                                        <p:tgtEl>
+                                          <p:spTgt spid="7"/>
+                                        </p:tgtEl>
+                                        <p:attrNameLst>
+                                          <p:attrName>style.visibility</p:attrName>
+                                        </p:attrNameLst>
+                                      </p:cBhvr>
+                                      <p:to>
+                                        <p:strVal val="visible"/>
+                                      </p:to>
+                                    </p:set>
+                                    <p:animEffect transition="in" filter="fade">
+                                      <p:cBhvr>
+                                        <p:cTn id="12" dur="500"/>
+                                        <p:tgtEl>
+                                          <p:spTgt spid="7"/>
+                                        </p:tgtEl>
+                                      </p:cBhvr>
+                                    </p:animEffect>
+                                  </p:childTnLst>
+                                </p:cTn>
+                              </p:par>
+                            </p:childTnLst>
+                          </p:cTn>
+                        </p:par>
+                      </p:childTnLst>
+                    </p:cTn>
+                  </p:par>
+                  <p:par>
+                    <p:cTn id="13" fill="hold">
+                      <p:stCondLst>
+                        <p:cond delay="indefinite"/>
+                      </p:stCondLst>
+                      <p:childTnLst>
+                        <p:par>
+                          <p:cTn id="14" fill="hold">
+                            <p:stCondLst>
+                              <p:cond delay="0"/>
+                            </p:stCondLst>
+                            <p:childTnLst>
+                              <p:par>
+                                <p:cTn id="15" presetID="10" presetClass="entr" presetSubtype="0" fill="hold" nodeType="clickEffect">
+                                  <p:stCondLst>
+                                    <p:cond delay="0"/>
+                                  </p:stCondLst>
+                                  <p:childTnLst>
+                                    <p:set>
+                                      <p:cBhvr>
+                                        <p:cTn id="16" dur="1" fill="hold">
+                                          <p:stCondLst>
+                                            <p:cond delay="0"/>
+                                          </p:stCondLst>
+                                        </p:cTn>
+                                        <p:tgtEl>
+                                          <p:spTgt spid="10"/>
+                                        </p:tgtEl>
+                                        <p:attrNameLst>
+                                          <p:attrName>style.visibility</p:attrName>
+                                        </p:attrNameLst>
+                                      </p:cBhvr>
+                                      <p:to>
+                                        <p:strVal val="visible"/>
+                                      </p:to>
+                                    </p:set>
+                                    <p:animEffect transition="in" filter="fade">
+                                      <p:cBhvr>
+                                        <p:cTn id="17" dur="500"/>
+                                        <p:tgtEl>
+                                          <p:spTgt spid="10"/>
+                                        </p:tgtEl>
+                                      </p:cBhvr>
+                                    </p:animEffect>
+                                  </p:childTnLst>
+                                </p:cTn>
+                              </p:par>
+                            </p:childTnLst>
+                          </p:cTn>
+                        </p:par>
+                      </p:childTnLst>
+                    </p:cTn>
+                  </p:par>
+                  <p:par>
+                    <p:cTn id="18" fill="hold">
+                      <p:stCondLst>
+                        <p:cond delay="indefinite"/>
+                      </p:stCondLst>
+                      <p:childTnLst>
+                        <p:par>
+                          <p:cTn id="19" fill="hold">
+                            <p:stCondLst>
+                              <p:cond delay="0"/>
+                            </p:stCondLst>
+                            <p:childTnLst>
+                              <p:par>
+                                <p:cTn id="20" presetID="10" presetClass="entr" presetSubtype="0" fill="hold" nodeType="clickEffect">
+                                  <p:stCondLst>
+                                    <p:cond delay="0"/>
+                                  </p:stCondLst>
+                                  <p:childTnLst>
+                                    <p:set>
+                                      <p:cBhvr>
+                                        <p:cTn id="21" dur="1" fill="hold">
+                                          <p:stCondLst>
+                                            <p:cond delay="0"/>
+                                          </p:stCondLst>
+                                        </p:cTn>
+                                        <p:tgtEl>
+                                          <p:spTgt spid="13"/>
+                                        </p:tgtEl>
+                                        <p:attrNameLst>
+                                          <p:attrName>style.visibility</p:attrName>
+                                        </p:attrNameLst>
+                                      </p:cBhvr>
+                                      <p:to>
+                                        <p:strVal val="visible"/>
+                                      </p:to>
+                                    </p:set>
+                                    <p:animEffect transition="in" filter="fade">
+                                      <p:cBhvr>
+                                        <p:cTn id="22" dur="500"/>
+                                        <p:tgtEl>
+                                          <p:spTgt spid="13"/>
+                                        </p:tgtEl>
+                                      </p:cBhvr>
+                                    </p:animEffect>
+                                  </p:childTnLst>
+                                </p:cTn>
+                              </p:par>
+                            </p:childTnLst>
+                          </p:cTn>
+                        </p:par>
+                      </p:childTnLst>
+                    </p:cTn>
+                  </p:par>
+                </p:childTnLst>
+              </p:cTn>
+              <p:prevCondLst>
+                <p:cond evt="onPrev" delay="0">
+                  <p:tgtEl>
+                    <p:sldTgt/>
+                  </p:tgtEl>
+                </p:cond>
+              </p:prevCondLst>
+              <p:nextCondLst>
+                <p:cond evt="onNext" delay="0">
+                  <p:tgtEl>
+                    <p:sldTgt/>
+                  </p:tgtEl>
+                </p:cond>
+              </p:nextCondLst>
+            </p:seq>
+          </p:childTnLst>
+        </p:cTn>
+      </p:par>
+    </p:tnLst>
+  </p:timing>
 </p:sld>
 </file>
 
@@ -28827,10 +27253,1638 @@
           </a:prstGeom>
         </p:spPr>
       </p:pic>
+      <p:grpSp>
+        <p:nvGrpSpPr>
+          <p:cNvPr id="31" name="Group 30">
+            <a:extLst>
+              <a:ext uri="{FF2B5EF4-FFF2-40B4-BE49-F238E27FC236}">
+                <a16:creationId xmlns:a16="http://schemas.microsoft.com/office/drawing/2014/main" id="{E719AF2C-F464-D71E-F12F-9536F7F70433}"/>
+              </a:ext>
+            </a:extLst>
+          </p:cNvPr>
+          <p:cNvGrpSpPr/>
+          <p:nvPr/>
+        </p:nvGrpSpPr>
+        <p:grpSpPr>
+          <a:xfrm>
+            <a:off x="876115" y="2562050"/>
+            <a:ext cx="1639813" cy="571503"/>
+            <a:chOff x="772718" y="2526695"/>
+            <a:chExt cx="1639813" cy="571503"/>
+          </a:xfrm>
+        </p:grpSpPr>
+        <p:pic>
+          <p:nvPicPr>
+            <p:cNvPr id="3" name="Graphic 2" descr="Lightning bolt with solid fill">
+              <a:extLst>
+                <a:ext uri="{FF2B5EF4-FFF2-40B4-BE49-F238E27FC236}">
+                  <a16:creationId xmlns:a16="http://schemas.microsoft.com/office/drawing/2014/main" id="{92D4CFA9-A432-7595-89D7-1C48D8E9C62C}"/>
+                </a:ext>
+              </a:extLst>
+            </p:cNvPr>
+            <p:cNvPicPr>
+              <a:picLocks noChangeAspect="1"/>
+            </p:cNvPicPr>
+            <p:nvPr/>
+          </p:nvPicPr>
+          <p:blipFill>
+            <a:blip r:embed="rId7">
+              <a:extLst>
+                <a:ext uri="{96DAC541-7B7A-43D3-8B79-37D633B846F1}">
+                  <asvg:svgBlip xmlns:asvg="http://schemas.microsoft.com/office/drawing/2016/SVG/main" r:embed="rId8"/>
+                </a:ext>
+              </a:extLst>
+            </a:blip>
+            <a:stretch>
+              <a:fillRect/>
+            </a:stretch>
+          </p:blipFill>
+          <p:spPr>
+            <a:xfrm>
+              <a:off x="772718" y="2526695"/>
+              <a:ext cx="450000" cy="571503"/>
+            </a:xfrm>
+            <a:prstGeom prst="rect">
+              <a:avLst/>
+            </a:prstGeom>
+          </p:spPr>
+        </p:pic>
+        <p:sp>
+          <p:nvSpPr>
+            <p:cNvPr id="4" name="TextBox 3">
+              <a:extLst>
+                <a:ext uri="{FF2B5EF4-FFF2-40B4-BE49-F238E27FC236}">
+                  <a16:creationId xmlns:a16="http://schemas.microsoft.com/office/drawing/2014/main" id="{3F6D0F6D-B0C8-5096-9EF1-6492928F7CF3}"/>
+                </a:ext>
+              </a:extLst>
+            </p:cNvPr>
+            <p:cNvSpPr txBox="1"/>
+            <p:nvPr/>
+          </p:nvSpPr>
+          <p:spPr>
+            <a:xfrm>
+              <a:off x="1222718" y="2636324"/>
+              <a:ext cx="1189813" cy="369332"/>
+            </a:xfrm>
+            <a:prstGeom prst="rect">
+              <a:avLst/>
+            </a:prstGeom>
+            <a:noFill/>
+          </p:spPr>
+          <p:txBody>
+            <a:bodyPr wrap="none" rtlCol="0">
+              <a:spAutoFit/>
+            </a:bodyPr>
+            <a:lstStyle/>
+            <a:p>
+              <a:r>
+                <a:rPr lang="pl-PL" b="1" dirty="0">
+                  <a:solidFill>
+                    <a:schemeClr val="bg1"/>
+                  </a:solidFill>
+                </a:rPr>
+                <a:t>Wydajność</a:t>
+              </a:r>
+            </a:p>
+          </p:txBody>
+        </p:sp>
+      </p:grpSp>
+      <p:grpSp>
+        <p:nvGrpSpPr>
+          <p:cNvPr id="32" name="Group 31">
+            <a:extLst>
+              <a:ext uri="{FF2B5EF4-FFF2-40B4-BE49-F238E27FC236}">
+                <a16:creationId xmlns:a16="http://schemas.microsoft.com/office/drawing/2014/main" id="{665FC48E-0F26-CD2C-9A1C-708AF19E63FA}"/>
+              </a:ext>
+            </a:extLst>
+          </p:cNvPr>
+          <p:cNvGrpSpPr/>
+          <p:nvPr/>
+        </p:nvGrpSpPr>
+        <p:grpSpPr>
+          <a:xfrm>
+            <a:off x="876115" y="3214221"/>
+            <a:ext cx="2066981" cy="437212"/>
+            <a:chOff x="772718" y="3371382"/>
+            <a:chExt cx="2066981" cy="437212"/>
+          </a:xfrm>
+        </p:grpSpPr>
+        <p:pic>
+          <p:nvPicPr>
+            <p:cNvPr id="7" name="Graphic 6" descr="Bullseye with solid fill">
+              <a:extLst>
+                <a:ext uri="{FF2B5EF4-FFF2-40B4-BE49-F238E27FC236}">
+                  <a16:creationId xmlns:a16="http://schemas.microsoft.com/office/drawing/2014/main" id="{A144155D-6094-D3E3-A8D8-536E6FB89584}"/>
+                </a:ext>
+              </a:extLst>
+            </p:cNvPr>
+            <p:cNvPicPr>
+              <a:picLocks noChangeAspect="1"/>
+            </p:cNvPicPr>
+            <p:nvPr/>
+          </p:nvPicPr>
+          <p:blipFill>
+            <a:blip r:embed="rId9">
+              <a:extLst>
+                <a:ext uri="{96DAC541-7B7A-43D3-8B79-37D633B846F1}">
+                  <asvg:svgBlip xmlns:asvg="http://schemas.microsoft.com/office/drawing/2016/SVG/main" r:embed="rId10"/>
+                </a:ext>
+              </a:extLst>
+            </a:blip>
+            <a:stretch>
+              <a:fillRect/>
+            </a:stretch>
+          </p:blipFill>
+          <p:spPr>
+            <a:xfrm>
+              <a:off x="772718" y="3371382"/>
+              <a:ext cx="450000" cy="437212"/>
+            </a:xfrm>
+            <a:prstGeom prst="rect">
+              <a:avLst/>
+            </a:prstGeom>
+          </p:spPr>
+        </p:pic>
+        <p:sp>
+          <p:nvSpPr>
+            <p:cNvPr id="9" name="TextBox 8">
+              <a:extLst>
+                <a:ext uri="{FF2B5EF4-FFF2-40B4-BE49-F238E27FC236}">
+                  <a16:creationId xmlns:a16="http://schemas.microsoft.com/office/drawing/2014/main" id="{99418416-6EAE-5BB4-5028-586DAC1299C4}"/>
+                </a:ext>
+              </a:extLst>
+            </p:cNvPr>
+            <p:cNvSpPr txBox="1"/>
+            <p:nvPr/>
+          </p:nvSpPr>
+          <p:spPr>
+            <a:xfrm>
+              <a:off x="1222718" y="3405322"/>
+              <a:ext cx="1616981" cy="369332"/>
+            </a:xfrm>
+            <a:prstGeom prst="rect">
+              <a:avLst/>
+            </a:prstGeom>
+            <a:noFill/>
+          </p:spPr>
+          <p:txBody>
+            <a:bodyPr wrap="none" rtlCol="0">
+              <a:spAutoFit/>
+            </a:bodyPr>
+            <a:lstStyle/>
+            <a:p>
+              <a:r>
+                <a:rPr lang="pl-PL" b="1" dirty="0">
+                  <a:solidFill>
+                    <a:schemeClr val="bg1"/>
+                  </a:solidFill>
+                </a:rPr>
+                <a:t>Silne typowanie</a:t>
+              </a:r>
+            </a:p>
+          </p:txBody>
+        </p:sp>
+      </p:grpSp>
+      <p:grpSp>
+        <p:nvGrpSpPr>
+          <p:cNvPr id="33" name="Group 32">
+            <a:extLst>
+              <a:ext uri="{FF2B5EF4-FFF2-40B4-BE49-F238E27FC236}">
+                <a16:creationId xmlns:a16="http://schemas.microsoft.com/office/drawing/2014/main" id="{1A71281E-DA1C-F8DD-29E3-DD30AE2C8259}"/>
+              </a:ext>
+            </a:extLst>
+          </p:cNvPr>
+          <p:cNvGrpSpPr/>
+          <p:nvPr/>
+        </p:nvGrpSpPr>
+        <p:grpSpPr>
+          <a:xfrm>
+            <a:off x="876115" y="3884283"/>
+            <a:ext cx="3850451" cy="419224"/>
+            <a:chOff x="772718" y="4081778"/>
+            <a:chExt cx="3850451" cy="419224"/>
+          </a:xfrm>
+        </p:grpSpPr>
+        <p:pic>
+          <p:nvPicPr>
+            <p:cNvPr id="11" name="Graphic 10" descr="Rocket with solid fill">
+              <a:extLst>
+                <a:ext uri="{FF2B5EF4-FFF2-40B4-BE49-F238E27FC236}">
+                  <a16:creationId xmlns:a16="http://schemas.microsoft.com/office/drawing/2014/main" id="{917AF53A-7037-092D-DF10-8586D9D3D6E5}"/>
+                </a:ext>
+              </a:extLst>
+            </p:cNvPr>
+            <p:cNvPicPr>
+              <a:picLocks noChangeAspect="1"/>
+            </p:cNvPicPr>
+            <p:nvPr/>
+          </p:nvPicPr>
+          <p:blipFill>
+            <a:blip r:embed="rId11">
+              <a:extLst>
+                <a:ext uri="{96DAC541-7B7A-43D3-8B79-37D633B846F1}">
+                  <asvg:svgBlip xmlns:asvg="http://schemas.microsoft.com/office/drawing/2016/SVG/main" r:embed="rId12"/>
+                </a:ext>
+              </a:extLst>
+            </a:blip>
+            <a:stretch>
+              <a:fillRect/>
+            </a:stretch>
+          </p:blipFill>
+          <p:spPr>
+            <a:xfrm>
+              <a:off x="772718" y="4081778"/>
+              <a:ext cx="450000" cy="419224"/>
+            </a:xfrm>
+            <a:prstGeom prst="rect">
+              <a:avLst/>
+            </a:prstGeom>
+          </p:spPr>
+        </p:pic>
+        <p:sp>
+          <p:nvSpPr>
+            <p:cNvPr id="12" name="TextBox 11">
+              <a:extLst>
+                <a:ext uri="{FF2B5EF4-FFF2-40B4-BE49-F238E27FC236}">
+                  <a16:creationId xmlns:a16="http://schemas.microsoft.com/office/drawing/2014/main" id="{5238AED8-46E8-2DB1-0E88-A6D9DDB9BE75}"/>
+                </a:ext>
+              </a:extLst>
+            </p:cNvPr>
+            <p:cNvSpPr txBox="1"/>
+            <p:nvPr/>
+          </p:nvSpPr>
+          <p:spPr>
+            <a:xfrm>
+              <a:off x="1224162" y="4085606"/>
+              <a:ext cx="3399007" cy="369332"/>
+            </a:xfrm>
+            <a:prstGeom prst="rect">
+              <a:avLst/>
+            </a:prstGeom>
+            <a:noFill/>
+          </p:spPr>
+          <p:txBody>
+            <a:bodyPr wrap="none" rtlCol="0">
+              <a:spAutoFit/>
+            </a:bodyPr>
+            <a:lstStyle/>
+            <a:p>
+              <a:r>
+                <a:rPr lang="pl-PL" b="1" dirty="0">
+                  <a:solidFill>
+                    <a:schemeClr val="bg1"/>
+                  </a:solidFill>
+                </a:rPr>
+                <a:t>Zaawansowane wzorce komunikacji</a:t>
+              </a:r>
+            </a:p>
+          </p:txBody>
+        </p:sp>
+      </p:grpSp>
+      <p:grpSp>
+        <p:nvGrpSpPr>
+          <p:cNvPr id="34" name="Group 33">
+            <a:extLst>
+              <a:ext uri="{FF2B5EF4-FFF2-40B4-BE49-F238E27FC236}">
+                <a16:creationId xmlns:a16="http://schemas.microsoft.com/office/drawing/2014/main" id="{31DCF952-CE02-C2CC-06F0-BFBA75FC9DE5}"/>
+              </a:ext>
+            </a:extLst>
+          </p:cNvPr>
+          <p:cNvGrpSpPr/>
+          <p:nvPr/>
+        </p:nvGrpSpPr>
+        <p:grpSpPr>
+          <a:xfrm>
+            <a:off x="876115" y="4528061"/>
+            <a:ext cx="2678016" cy="450000"/>
+            <a:chOff x="772718" y="4774186"/>
+            <a:chExt cx="2678016" cy="450000"/>
+          </a:xfrm>
+        </p:grpSpPr>
+        <p:pic>
+          <p:nvPicPr>
+            <p:cNvPr id="13" name="Graphic 12">
+              <a:extLst>
+                <a:ext uri="{FF2B5EF4-FFF2-40B4-BE49-F238E27FC236}">
+                  <a16:creationId xmlns:a16="http://schemas.microsoft.com/office/drawing/2014/main" id="{4DC509A5-7D53-55EA-F93E-98ED77F235B2}"/>
+                </a:ext>
+              </a:extLst>
+            </p:cNvPr>
+            <p:cNvPicPr>
+              <a:picLocks noChangeAspect="1"/>
+            </p:cNvPicPr>
+            <p:nvPr/>
+          </p:nvPicPr>
+          <p:blipFill>
+            <a:blip r:embed="rId13">
+              <a:extLst>
+                <a:ext uri="{96DAC541-7B7A-43D3-8B79-37D633B846F1}">
+                  <asvg:svgBlip xmlns:asvg="http://schemas.microsoft.com/office/drawing/2016/SVG/main" r:embed="rId14"/>
+                </a:ext>
+              </a:extLst>
+            </a:blip>
+            <a:stretch>
+              <a:fillRect/>
+            </a:stretch>
+          </p:blipFill>
+          <p:spPr>
+            <a:xfrm>
+              <a:off x="772718" y="4774186"/>
+              <a:ext cx="450000" cy="450000"/>
+            </a:xfrm>
+            <a:prstGeom prst="rect">
+              <a:avLst/>
+            </a:prstGeom>
+          </p:spPr>
+        </p:pic>
+        <p:sp>
+          <p:nvSpPr>
+            <p:cNvPr id="14" name="TextBox 13">
+              <a:extLst>
+                <a:ext uri="{FF2B5EF4-FFF2-40B4-BE49-F238E27FC236}">
+                  <a16:creationId xmlns:a16="http://schemas.microsoft.com/office/drawing/2014/main" id="{20ED0FC9-A71D-E0B3-DDEF-03E811908796}"/>
+                </a:ext>
+              </a:extLst>
+            </p:cNvPr>
+            <p:cNvSpPr txBox="1"/>
+            <p:nvPr/>
+          </p:nvSpPr>
+          <p:spPr>
+            <a:xfrm>
+              <a:off x="1224162" y="4814520"/>
+              <a:ext cx="2226572" cy="369332"/>
+            </a:xfrm>
+            <a:prstGeom prst="rect">
+              <a:avLst/>
+            </a:prstGeom>
+            <a:noFill/>
+          </p:spPr>
+          <p:txBody>
+            <a:bodyPr wrap="none" rtlCol="0">
+              <a:spAutoFit/>
+            </a:bodyPr>
+            <a:lstStyle/>
+            <a:p>
+              <a:r>
+                <a:rPr lang="pl-PL" b="1" dirty="0">
+                  <a:solidFill>
+                    <a:schemeClr val="bg1"/>
+                  </a:solidFill>
+                </a:rPr>
+                <a:t>Obsługa wielu języków</a:t>
+              </a:r>
+            </a:p>
+          </p:txBody>
+        </p:sp>
+      </p:grpSp>
     </p:spTree>
     <p:extLst>
       <p:ext uri="{BB962C8B-B14F-4D97-AF65-F5344CB8AC3E}">
         <p14:creationId xmlns:p14="http://schemas.microsoft.com/office/powerpoint/2010/main" val="2220239986"/>
+      </p:ext>
+    </p:extLst>
+  </p:cSld>
+  <p:clrMapOvr>
+    <a:masterClrMapping/>
+  </p:clrMapOvr>
+  <mc:AlternateContent xmlns:mc="http://schemas.openxmlformats.org/markup-compatibility/2006" xmlns:p159="http://schemas.microsoft.com/office/powerpoint/2015/09/main">
+    <mc:Choice Requires="p159">
+      <p:transition xmlns:p14="http://schemas.microsoft.com/office/powerpoint/2010/main" spd="slow" p14:dur="2000">
+        <p159:morph option="byObject"/>
+      </p:transition>
+    </mc:Choice>
+    <mc:Fallback xmlns="">
+      <p:transition spd="slow">
+        <p:fade/>
+      </p:transition>
+    </mc:Fallback>
+  </mc:AlternateContent>
+  <p:timing>
+    <p:tnLst>
+      <p:par>
+        <p:cTn id="1" dur="indefinite" restart="never" nodeType="tmRoot">
+          <p:childTnLst>
+            <p:seq concurrent="1" nextAc="seek">
+              <p:cTn id="2" dur="indefinite" nodeType="mainSeq">
+                <p:childTnLst>
+                  <p:par>
+                    <p:cTn id="3" fill="hold">
+                      <p:stCondLst>
+                        <p:cond delay="indefinite"/>
+                      </p:stCondLst>
+                      <p:childTnLst>
+                        <p:par>
+                          <p:cTn id="4" fill="hold">
+                            <p:stCondLst>
+                              <p:cond delay="0"/>
+                            </p:stCondLst>
+                            <p:childTnLst>
+                              <p:par>
+                                <p:cTn id="5" presetID="10" presetClass="entr" presetSubtype="0" fill="hold" nodeType="clickEffect">
+                                  <p:stCondLst>
+                                    <p:cond delay="0"/>
+                                  </p:stCondLst>
+                                  <p:childTnLst>
+                                    <p:set>
+                                      <p:cBhvr>
+                                        <p:cTn id="6" dur="1" fill="hold">
+                                          <p:stCondLst>
+                                            <p:cond delay="0"/>
+                                          </p:stCondLst>
+                                        </p:cTn>
+                                        <p:tgtEl>
+                                          <p:spTgt spid="31"/>
+                                        </p:tgtEl>
+                                        <p:attrNameLst>
+                                          <p:attrName>style.visibility</p:attrName>
+                                        </p:attrNameLst>
+                                      </p:cBhvr>
+                                      <p:to>
+                                        <p:strVal val="visible"/>
+                                      </p:to>
+                                    </p:set>
+                                    <p:animEffect transition="in" filter="fade">
+                                      <p:cBhvr>
+                                        <p:cTn id="7" dur="500"/>
+                                        <p:tgtEl>
+                                          <p:spTgt spid="31"/>
+                                        </p:tgtEl>
+                                      </p:cBhvr>
+                                    </p:animEffect>
+                                  </p:childTnLst>
+                                </p:cTn>
+                              </p:par>
+                            </p:childTnLst>
+                          </p:cTn>
+                        </p:par>
+                      </p:childTnLst>
+                    </p:cTn>
+                  </p:par>
+                  <p:par>
+                    <p:cTn id="8" fill="hold">
+                      <p:stCondLst>
+                        <p:cond delay="indefinite"/>
+                      </p:stCondLst>
+                      <p:childTnLst>
+                        <p:par>
+                          <p:cTn id="9" fill="hold">
+                            <p:stCondLst>
+                              <p:cond delay="0"/>
+                            </p:stCondLst>
+                            <p:childTnLst>
+                              <p:par>
+                                <p:cTn id="10" presetID="10" presetClass="entr" presetSubtype="0" fill="hold" nodeType="clickEffect">
+                                  <p:stCondLst>
+                                    <p:cond delay="0"/>
+                                  </p:stCondLst>
+                                  <p:childTnLst>
+                                    <p:set>
+                                      <p:cBhvr>
+                                        <p:cTn id="11" dur="1" fill="hold">
+                                          <p:stCondLst>
+                                            <p:cond delay="0"/>
+                                          </p:stCondLst>
+                                        </p:cTn>
+                                        <p:tgtEl>
+                                          <p:spTgt spid="32"/>
+                                        </p:tgtEl>
+                                        <p:attrNameLst>
+                                          <p:attrName>style.visibility</p:attrName>
+                                        </p:attrNameLst>
+                                      </p:cBhvr>
+                                      <p:to>
+                                        <p:strVal val="visible"/>
+                                      </p:to>
+                                    </p:set>
+                                    <p:animEffect transition="in" filter="fade">
+                                      <p:cBhvr>
+                                        <p:cTn id="12" dur="500"/>
+                                        <p:tgtEl>
+                                          <p:spTgt spid="32"/>
+                                        </p:tgtEl>
+                                      </p:cBhvr>
+                                    </p:animEffect>
+                                  </p:childTnLst>
+                                </p:cTn>
+                              </p:par>
+                            </p:childTnLst>
+                          </p:cTn>
+                        </p:par>
+                      </p:childTnLst>
+                    </p:cTn>
+                  </p:par>
+                  <p:par>
+                    <p:cTn id="13" fill="hold">
+                      <p:stCondLst>
+                        <p:cond delay="indefinite"/>
+                      </p:stCondLst>
+                      <p:childTnLst>
+                        <p:par>
+                          <p:cTn id="14" fill="hold">
+                            <p:stCondLst>
+                              <p:cond delay="0"/>
+                            </p:stCondLst>
+                            <p:childTnLst>
+                              <p:par>
+                                <p:cTn id="15" presetID="10" presetClass="entr" presetSubtype="0" fill="hold" nodeType="clickEffect">
+                                  <p:stCondLst>
+                                    <p:cond delay="0"/>
+                                  </p:stCondLst>
+                                  <p:childTnLst>
+                                    <p:set>
+                                      <p:cBhvr>
+                                        <p:cTn id="16" dur="1" fill="hold">
+                                          <p:stCondLst>
+                                            <p:cond delay="0"/>
+                                          </p:stCondLst>
+                                        </p:cTn>
+                                        <p:tgtEl>
+                                          <p:spTgt spid="33"/>
+                                        </p:tgtEl>
+                                        <p:attrNameLst>
+                                          <p:attrName>style.visibility</p:attrName>
+                                        </p:attrNameLst>
+                                      </p:cBhvr>
+                                      <p:to>
+                                        <p:strVal val="visible"/>
+                                      </p:to>
+                                    </p:set>
+                                    <p:animEffect transition="in" filter="fade">
+                                      <p:cBhvr>
+                                        <p:cTn id="17" dur="500"/>
+                                        <p:tgtEl>
+                                          <p:spTgt spid="33"/>
+                                        </p:tgtEl>
+                                      </p:cBhvr>
+                                    </p:animEffect>
+                                  </p:childTnLst>
+                                </p:cTn>
+                              </p:par>
+                            </p:childTnLst>
+                          </p:cTn>
+                        </p:par>
+                      </p:childTnLst>
+                    </p:cTn>
+                  </p:par>
+                  <p:par>
+                    <p:cTn id="18" fill="hold">
+                      <p:stCondLst>
+                        <p:cond delay="indefinite"/>
+                      </p:stCondLst>
+                      <p:childTnLst>
+                        <p:par>
+                          <p:cTn id="19" fill="hold">
+                            <p:stCondLst>
+                              <p:cond delay="0"/>
+                            </p:stCondLst>
+                            <p:childTnLst>
+                              <p:par>
+                                <p:cTn id="20" presetID="10" presetClass="entr" presetSubtype="0" fill="hold" nodeType="clickEffect">
+                                  <p:stCondLst>
+                                    <p:cond delay="0"/>
+                                  </p:stCondLst>
+                                  <p:childTnLst>
+                                    <p:set>
+                                      <p:cBhvr>
+                                        <p:cTn id="21" dur="1" fill="hold">
+                                          <p:stCondLst>
+                                            <p:cond delay="0"/>
+                                          </p:stCondLst>
+                                        </p:cTn>
+                                        <p:tgtEl>
+                                          <p:spTgt spid="34"/>
+                                        </p:tgtEl>
+                                        <p:attrNameLst>
+                                          <p:attrName>style.visibility</p:attrName>
+                                        </p:attrNameLst>
+                                      </p:cBhvr>
+                                      <p:to>
+                                        <p:strVal val="visible"/>
+                                      </p:to>
+                                    </p:set>
+                                    <p:animEffect transition="in" filter="fade">
+                                      <p:cBhvr>
+                                        <p:cTn id="22" dur="500"/>
+                                        <p:tgtEl>
+                                          <p:spTgt spid="34"/>
+                                        </p:tgtEl>
+                                      </p:cBhvr>
+                                    </p:animEffect>
+                                  </p:childTnLst>
+                                </p:cTn>
+                              </p:par>
+                            </p:childTnLst>
+                          </p:cTn>
+                        </p:par>
+                      </p:childTnLst>
+                    </p:cTn>
+                  </p:par>
+                </p:childTnLst>
+              </p:cTn>
+              <p:prevCondLst>
+                <p:cond evt="onPrev" delay="0">
+                  <p:tgtEl>
+                    <p:sldTgt/>
+                  </p:tgtEl>
+                </p:cond>
+              </p:prevCondLst>
+              <p:nextCondLst>
+                <p:cond evt="onNext" delay="0">
+                  <p:tgtEl>
+                    <p:sldTgt/>
+                  </p:tgtEl>
+                </p:cond>
+              </p:nextCondLst>
+            </p:seq>
+          </p:childTnLst>
+        </p:cTn>
+      </p:par>
+    </p:tnLst>
+  </p:timing>
+</p:sld>
+</file>
+
+<file path=ppt/slides/slide42.xml><?xml version="1.0" encoding="utf-8"?>
+<p:sld xmlns:a="http://schemas.openxmlformats.org/drawingml/2006/main" xmlns:r="http://schemas.openxmlformats.org/officeDocument/2006/relationships" xmlns:p="http://schemas.openxmlformats.org/presentationml/2006/main">
+  <p:cSld>
+    <p:bg>
+      <p:bgPr>
+        <a:solidFill>
+          <a:srgbClr val="50B4C8"/>
+        </a:solidFill>
+        <a:effectLst/>
+      </p:bgPr>
+    </p:bg>
+    <p:spTree>
+      <p:nvGrpSpPr>
+        <p:cNvPr id="1" name="">
+          <a:extLst>
+            <a:ext uri="{FF2B5EF4-FFF2-40B4-BE49-F238E27FC236}">
+              <a16:creationId xmlns:a16="http://schemas.microsoft.com/office/drawing/2014/main" id="{EF1D50B1-90B7-CCCE-3948-40DD71B8FDEB}"/>
+            </a:ext>
+          </a:extLst>
+        </p:cNvPr>
+        <p:cNvGrpSpPr/>
+        <p:nvPr/>
+      </p:nvGrpSpPr>
+      <p:grpSpPr>
+        <a:xfrm>
+          <a:off x="0" y="0"/>
+          <a:ext cx="0" cy="0"/>
+          <a:chOff x="0" y="0"/>
+          <a:chExt cx="0" cy="0"/>
+        </a:xfrm>
+      </p:grpSpPr>
+      <p:sp>
+        <p:nvSpPr>
+          <p:cNvPr id="2" name="Title 1">
+            <a:extLst>
+              <a:ext uri="{FF2B5EF4-FFF2-40B4-BE49-F238E27FC236}">
+                <a16:creationId xmlns:a16="http://schemas.microsoft.com/office/drawing/2014/main" id="{4455E186-AF52-19BA-DEFE-FAC25173C410}"/>
+              </a:ext>
+            </a:extLst>
+          </p:cNvPr>
+          <p:cNvSpPr>
+            <a:spLocks noGrp="1"/>
+          </p:cNvSpPr>
+          <p:nvPr>
+            <p:ph type="title"/>
+          </p:nvPr>
+        </p:nvSpPr>
+        <p:spPr>
+          <a:xfrm>
+            <a:off x="334963" y="368300"/>
+            <a:ext cx="10772775" cy="1658198"/>
+          </a:xfrm>
+        </p:spPr>
+        <p:txBody>
+          <a:bodyPr/>
+          <a:lstStyle/>
+          <a:p>
+            <a:r>
+              <a:rPr lang="pl-PL" dirty="0">
+                <a:solidFill>
+                  <a:schemeClr val="bg1"/>
+                </a:solidFill>
+              </a:rPr>
+              <a:t>Zalety i ograniczenia </a:t>
+            </a:r>
+            <a:r>
+              <a:rPr lang="pl-PL" dirty="0" err="1">
+                <a:solidFill>
+                  <a:schemeClr val="bg1"/>
+                </a:solidFill>
+              </a:rPr>
+              <a:t>gRPC</a:t>
+            </a:r>
+            <a:endParaRPr lang="pl-PL" dirty="0">
+              <a:solidFill>
+                <a:schemeClr val="bg1"/>
+              </a:solidFill>
+            </a:endParaRPr>
+          </a:p>
+        </p:txBody>
+      </p:sp>
+      <p:cxnSp>
+        <p:nvCxnSpPr>
+          <p:cNvPr id="6" name="Straight Connector 5">
+            <a:extLst>
+              <a:ext uri="{FF2B5EF4-FFF2-40B4-BE49-F238E27FC236}">
+                <a16:creationId xmlns:a16="http://schemas.microsoft.com/office/drawing/2014/main" id="{587E027B-9BE6-A9CA-AED7-FC8E96FF1244}"/>
+              </a:ext>
+            </a:extLst>
+          </p:cNvPr>
+          <p:cNvCxnSpPr>
+            <a:cxnSpLocks/>
+          </p:cNvCxnSpPr>
+          <p:nvPr/>
+        </p:nvCxnSpPr>
+        <p:spPr>
+          <a:xfrm rot="60000">
+            <a:off x="6046778" y="1629210"/>
+            <a:ext cx="98443" cy="4860000"/>
+          </a:xfrm>
+          <a:prstGeom prst="line">
+            <a:avLst/>
+          </a:prstGeom>
+          <a:ln w="50800">
+            <a:solidFill>
+              <a:schemeClr val="bg1"/>
+            </a:solidFill>
+          </a:ln>
+        </p:spPr>
+        <p:style>
+          <a:lnRef idx="1">
+            <a:schemeClr val="accent1"/>
+          </a:lnRef>
+          <a:fillRef idx="0">
+            <a:schemeClr val="accent1"/>
+          </a:fillRef>
+          <a:effectRef idx="0">
+            <a:schemeClr val="accent1"/>
+          </a:effectRef>
+          <a:fontRef idx="minor">
+            <a:schemeClr val="tx1"/>
+          </a:fontRef>
+        </p:style>
+      </p:cxnSp>
+      <p:pic>
+        <p:nvPicPr>
+          <p:cNvPr id="8" name="Graphic 7">
+            <a:extLst>
+              <a:ext uri="{FF2B5EF4-FFF2-40B4-BE49-F238E27FC236}">
+                <a16:creationId xmlns:a16="http://schemas.microsoft.com/office/drawing/2014/main" id="{9150C1DC-D39F-BCAD-1251-D24D7CADBC89}"/>
+              </a:ext>
+            </a:extLst>
+          </p:cNvPr>
+          <p:cNvPicPr>
+            <a:picLocks noChangeAspect="1"/>
+          </p:cNvPicPr>
+          <p:nvPr/>
+        </p:nvPicPr>
+        <p:blipFill>
+          <a:blip r:embed="rId3">
+            <a:extLst>
+              <a:ext uri="{96DAC541-7B7A-43D3-8B79-37D633B846F1}">
+                <asvg:svgBlip xmlns:asvg="http://schemas.microsoft.com/office/drawing/2016/SVG/main" r:embed="rId4"/>
+              </a:ext>
+            </a:extLst>
+          </a:blip>
+          <a:stretch>
+            <a:fillRect/>
+          </a:stretch>
+        </p:blipFill>
+        <p:spPr>
+          <a:xfrm>
+            <a:off x="10967836" y="1440000"/>
+            <a:ext cx="889200" cy="889200"/>
+          </a:xfrm>
+          <a:prstGeom prst="rect">
+            <a:avLst/>
+          </a:prstGeom>
+        </p:spPr>
+      </p:pic>
+      <p:pic>
+        <p:nvPicPr>
+          <p:cNvPr id="10" name="Graphic 9">
+            <a:extLst>
+              <a:ext uri="{FF2B5EF4-FFF2-40B4-BE49-F238E27FC236}">
+                <a16:creationId xmlns:a16="http://schemas.microsoft.com/office/drawing/2014/main" id="{C144EFF5-AD2E-CA64-6264-745F0ED7C536}"/>
+              </a:ext>
+            </a:extLst>
+          </p:cNvPr>
+          <p:cNvPicPr>
+            <a:picLocks noChangeAspect="1"/>
+          </p:cNvPicPr>
+          <p:nvPr/>
+        </p:nvPicPr>
+        <p:blipFill>
+          <a:blip r:embed="rId5">
+            <a:extLst>
+              <a:ext uri="{96DAC541-7B7A-43D3-8B79-37D633B846F1}">
+                <asvg:svgBlip xmlns:asvg="http://schemas.microsoft.com/office/drawing/2016/SVG/main" r:embed="rId6"/>
+              </a:ext>
+            </a:extLst>
+          </a:blip>
+          <a:stretch>
+            <a:fillRect/>
+          </a:stretch>
+        </p:blipFill>
+        <p:spPr>
+          <a:xfrm>
+            <a:off x="334963" y="1440000"/>
+            <a:ext cx="889200" cy="889200"/>
+          </a:xfrm>
+          <a:prstGeom prst="rect">
+            <a:avLst/>
+          </a:prstGeom>
+        </p:spPr>
+      </p:pic>
+      <p:grpSp>
+        <p:nvGrpSpPr>
+          <p:cNvPr id="31" name="Group 30">
+            <a:extLst>
+              <a:ext uri="{FF2B5EF4-FFF2-40B4-BE49-F238E27FC236}">
+                <a16:creationId xmlns:a16="http://schemas.microsoft.com/office/drawing/2014/main" id="{542F762A-B68A-EB44-CA12-4F8B0AB0D86F}"/>
+              </a:ext>
+            </a:extLst>
+          </p:cNvPr>
+          <p:cNvGrpSpPr/>
+          <p:nvPr/>
+        </p:nvGrpSpPr>
+        <p:grpSpPr>
+          <a:xfrm>
+            <a:off x="876115" y="2562050"/>
+            <a:ext cx="1639813" cy="571503"/>
+            <a:chOff x="772718" y="2526695"/>
+            <a:chExt cx="1639813" cy="571503"/>
+          </a:xfrm>
+        </p:grpSpPr>
+        <p:pic>
+          <p:nvPicPr>
+            <p:cNvPr id="3" name="Graphic 2" descr="Lightning bolt with solid fill">
+              <a:extLst>
+                <a:ext uri="{FF2B5EF4-FFF2-40B4-BE49-F238E27FC236}">
+                  <a16:creationId xmlns:a16="http://schemas.microsoft.com/office/drawing/2014/main" id="{93E064A3-BC4D-C63B-E045-B037D86632D4}"/>
+                </a:ext>
+              </a:extLst>
+            </p:cNvPr>
+            <p:cNvPicPr>
+              <a:picLocks noChangeAspect="1"/>
+            </p:cNvPicPr>
+            <p:nvPr/>
+          </p:nvPicPr>
+          <p:blipFill>
+            <a:blip r:embed="rId7">
+              <a:extLst>
+                <a:ext uri="{96DAC541-7B7A-43D3-8B79-37D633B846F1}">
+                  <asvg:svgBlip xmlns:asvg="http://schemas.microsoft.com/office/drawing/2016/SVG/main" r:embed="rId8"/>
+                </a:ext>
+              </a:extLst>
+            </a:blip>
+            <a:stretch>
+              <a:fillRect/>
+            </a:stretch>
+          </p:blipFill>
+          <p:spPr>
+            <a:xfrm>
+              <a:off x="772718" y="2526695"/>
+              <a:ext cx="450000" cy="571503"/>
+            </a:xfrm>
+            <a:prstGeom prst="rect">
+              <a:avLst/>
+            </a:prstGeom>
+          </p:spPr>
+        </p:pic>
+        <p:sp>
+          <p:nvSpPr>
+            <p:cNvPr id="4" name="TextBox 3">
+              <a:extLst>
+                <a:ext uri="{FF2B5EF4-FFF2-40B4-BE49-F238E27FC236}">
+                  <a16:creationId xmlns:a16="http://schemas.microsoft.com/office/drawing/2014/main" id="{3DC3C643-CD7A-17C0-7A27-6D9249628227}"/>
+                </a:ext>
+              </a:extLst>
+            </p:cNvPr>
+            <p:cNvSpPr txBox="1"/>
+            <p:nvPr/>
+          </p:nvSpPr>
+          <p:spPr>
+            <a:xfrm>
+              <a:off x="1222718" y="2636324"/>
+              <a:ext cx="1189813" cy="369332"/>
+            </a:xfrm>
+            <a:prstGeom prst="rect">
+              <a:avLst/>
+            </a:prstGeom>
+            <a:noFill/>
+          </p:spPr>
+          <p:txBody>
+            <a:bodyPr wrap="none" rtlCol="0">
+              <a:spAutoFit/>
+            </a:bodyPr>
+            <a:lstStyle/>
+            <a:p>
+              <a:r>
+                <a:rPr lang="pl-PL" b="1" dirty="0">
+                  <a:solidFill>
+                    <a:schemeClr val="bg1"/>
+                  </a:solidFill>
+                </a:rPr>
+                <a:t>Wydajność</a:t>
+              </a:r>
+            </a:p>
+          </p:txBody>
+        </p:sp>
+      </p:grpSp>
+      <p:grpSp>
+        <p:nvGrpSpPr>
+          <p:cNvPr id="32" name="Group 31">
+            <a:extLst>
+              <a:ext uri="{FF2B5EF4-FFF2-40B4-BE49-F238E27FC236}">
+                <a16:creationId xmlns:a16="http://schemas.microsoft.com/office/drawing/2014/main" id="{5E12FCB3-9FC4-A8BC-6518-1E3780A3FDCC}"/>
+              </a:ext>
+            </a:extLst>
+          </p:cNvPr>
+          <p:cNvGrpSpPr/>
+          <p:nvPr/>
+        </p:nvGrpSpPr>
+        <p:grpSpPr>
+          <a:xfrm>
+            <a:off x="876115" y="3214221"/>
+            <a:ext cx="2066981" cy="437212"/>
+            <a:chOff x="772718" y="3371382"/>
+            <a:chExt cx="2066981" cy="437212"/>
+          </a:xfrm>
+        </p:grpSpPr>
+        <p:pic>
+          <p:nvPicPr>
+            <p:cNvPr id="7" name="Graphic 6" descr="Bullseye with solid fill">
+              <a:extLst>
+                <a:ext uri="{FF2B5EF4-FFF2-40B4-BE49-F238E27FC236}">
+                  <a16:creationId xmlns:a16="http://schemas.microsoft.com/office/drawing/2014/main" id="{46D84174-14FB-4425-2773-99FAB67976D8}"/>
+                </a:ext>
+              </a:extLst>
+            </p:cNvPr>
+            <p:cNvPicPr>
+              <a:picLocks noChangeAspect="1"/>
+            </p:cNvPicPr>
+            <p:nvPr/>
+          </p:nvPicPr>
+          <p:blipFill>
+            <a:blip r:embed="rId9">
+              <a:extLst>
+                <a:ext uri="{96DAC541-7B7A-43D3-8B79-37D633B846F1}">
+                  <asvg:svgBlip xmlns:asvg="http://schemas.microsoft.com/office/drawing/2016/SVG/main" r:embed="rId10"/>
+                </a:ext>
+              </a:extLst>
+            </a:blip>
+            <a:stretch>
+              <a:fillRect/>
+            </a:stretch>
+          </p:blipFill>
+          <p:spPr>
+            <a:xfrm>
+              <a:off x="772718" y="3371382"/>
+              <a:ext cx="450000" cy="437212"/>
+            </a:xfrm>
+            <a:prstGeom prst="rect">
+              <a:avLst/>
+            </a:prstGeom>
+          </p:spPr>
+        </p:pic>
+        <p:sp>
+          <p:nvSpPr>
+            <p:cNvPr id="9" name="TextBox 8">
+              <a:extLst>
+                <a:ext uri="{FF2B5EF4-FFF2-40B4-BE49-F238E27FC236}">
+                  <a16:creationId xmlns:a16="http://schemas.microsoft.com/office/drawing/2014/main" id="{1CFE1519-034E-17E9-2EB8-D4500DFB4839}"/>
+                </a:ext>
+              </a:extLst>
+            </p:cNvPr>
+            <p:cNvSpPr txBox="1"/>
+            <p:nvPr/>
+          </p:nvSpPr>
+          <p:spPr>
+            <a:xfrm>
+              <a:off x="1222718" y="3405322"/>
+              <a:ext cx="1616981" cy="369332"/>
+            </a:xfrm>
+            <a:prstGeom prst="rect">
+              <a:avLst/>
+            </a:prstGeom>
+            <a:noFill/>
+          </p:spPr>
+          <p:txBody>
+            <a:bodyPr wrap="none" rtlCol="0">
+              <a:spAutoFit/>
+            </a:bodyPr>
+            <a:lstStyle/>
+            <a:p>
+              <a:r>
+                <a:rPr lang="pl-PL" b="1" dirty="0">
+                  <a:solidFill>
+                    <a:schemeClr val="bg1"/>
+                  </a:solidFill>
+                </a:rPr>
+                <a:t>Silne typowanie</a:t>
+              </a:r>
+            </a:p>
+          </p:txBody>
+        </p:sp>
+      </p:grpSp>
+      <p:grpSp>
+        <p:nvGrpSpPr>
+          <p:cNvPr id="33" name="Group 32">
+            <a:extLst>
+              <a:ext uri="{FF2B5EF4-FFF2-40B4-BE49-F238E27FC236}">
+                <a16:creationId xmlns:a16="http://schemas.microsoft.com/office/drawing/2014/main" id="{F44B16E3-3BF7-FD83-AB64-25231646ED6E}"/>
+              </a:ext>
+            </a:extLst>
+          </p:cNvPr>
+          <p:cNvGrpSpPr/>
+          <p:nvPr/>
+        </p:nvGrpSpPr>
+        <p:grpSpPr>
+          <a:xfrm>
+            <a:off x="876115" y="3884283"/>
+            <a:ext cx="3850451" cy="419224"/>
+            <a:chOff x="772718" y="4081778"/>
+            <a:chExt cx="3850451" cy="419224"/>
+          </a:xfrm>
+        </p:grpSpPr>
+        <p:pic>
+          <p:nvPicPr>
+            <p:cNvPr id="11" name="Graphic 10" descr="Rocket with solid fill">
+              <a:extLst>
+                <a:ext uri="{FF2B5EF4-FFF2-40B4-BE49-F238E27FC236}">
+                  <a16:creationId xmlns:a16="http://schemas.microsoft.com/office/drawing/2014/main" id="{FE0C3A40-376F-1034-84FF-7702A637858D}"/>
+                </a:ext>
+              </a:extLst>
+            </p:cNvPr>
+            <p:cNvPicPr>
+              <a:picLocks noChangeAspect="1"/>
+            </p:cNvPicPr>
+            <p:nvPr/>
+          </p:nvPicPr>
+          <p:blipFill>
+            <a:blip r:embed="rId11">
+              <a:extLst>
+                <a:ext uri="{96DAC541-7B7A-43D3-8B79-37D633B846F1}">
+                  <asvg:svgBlip xmlns:asvg="http://schemas.microsoft.com/office/drawing/2016/SVG/main" r:embed="rId12"/>
+                </a:ext>
+              </a:extLst>
+            </a:blip>
+            <a:stretch>
+              <a:fillRect/>
+            </a:stretch>
+          </p:blipFill>
+          <p:spPr>
+            <a:xfrm>
+              <a:off x="772718" y="4081778"/>
+              <a:ext cx="450000" cy="419224"/>
+            </a:xfrm>
+            <a:prstGeom prst="rect">
+              <a:avLst/>
+            </a:prstGeom>
+          </p:spPr>
+        </p:pic>
+        <p:sp>
+          <p:nvSpPr>
+            <p:cNvPr id="12" name="TextBox 11">
+              <a:extLst>
+                <a:ext uri="{FF2B5EF4-FFF2-40B4-BE49-F238E27FC236}">
+                  <a16:creationId xmlns:a16="http://schemas.microsoft.com/office/drawing/2014/main" id="{609DDE74-4642-4E02-6CE7-A98B9A95C5AD}"/>
+                </a:ext>
+              </a:extLst>
+            </p:cNvPr>
+            <p:cNvSpPr txBox="1"/>
+            <p:nvPr/>
+          </p:nvSpPr>
+          <p:spPr>
+            <a:xfrm>
+              <a:off x="1224162" y="4085606"/>
+              <a:ext cx="3399007" cy="369332"/>
+            </a:xfrm>
+            <a:prstGeom prst="rect">
+              <a:avLst/>
+            </a:prstGeom>
+            <a:noFill/>
+          </p:spPr>
+          <p:txBody>
+            <a:bodyPr wrap="none" rtlCol="0">
+              <a:spAutoFit/>
+            </a:bodyPr>
+            <a:lstStyle/>
+            <a:p>
+              <a:r>
+                <a:rPr lang="pl-PL" b="1" dirty="0">
+                  <a:solidFill>
+                    <a:schemeClr val="bg1"/>
+                  </a:solidFill>
+                </a:rPr>
+                <a:t>Zaawansowane wzorce komunikacji</a:t>
+              </a:r>
+            </a:p>
+          </p:txBody>
+        </p:sp>
+      </p:grpSp>
+      <p:grpSp>
+        <p:nvGrpSpPr>
+          <p:cNvPr id="34" name="Group 33">
+            <a:extLst>
+              <a:ext uri="{FF2B5EF4-FFF2-40B4-BE49-F238E27FC236}">
+                <a16:creationId xmlns:a16="http://schemas.microsoft.com/office/drawing/2014/main" id="{50D55C32-B974-1AC6-528C-F7CEF88292A6}"/>
+              </a:ext>
+            </a:extLst>
+          </p:cNvPr>
+          <p:cNvGrpSpPr/>
+          <p:nvPr/>
+        </p:nvGrpSpPr>
+        <p:grpSpPr>
+          <a:xfrm>
+            <a:off x="876115" y="4528061"/>
+            <a:ext cx="2678016" cy="450000"/>
+            <a:chOff x="772718" y="4774186"/>
+            <a:chExt cx="2678016" cy="450000"/>
+          </a:xfrm>
+        </p:grpSpPr>
+        <p:pic>
+          <p:nvPicPr>
+            <p:cNvPr id="13" name="Graphic 12">
+              <a:extLst>
+                <a:ext uri="{FF2B5EF4-FFF2-40B4-BE49-F238E27FC236}">
+                  <a16:creationId xmlns:a16="http://schemas.microsoft.com/office/drawing/2014/main" id="{B488AAEE-446F-F1F1-712E-889256494F54}"/>
+                </a:ext>
+              </a:extLst>
+            </p:cNvPr>
+            <p:cNvPicPr>
+              <a:picLocks noChangeAspect="1"/>
+            </p:cNvPicPr>
+            <p:nvPr/>
+          </p:nvPicPr>
+          <p:blipFill>
+            <a:blip r:embed="rId13">
+              <a:extLst>
+                <a:ext uri="{96DAC541-7B7A-43D3-8B79-37D633B846F1}">
+                  <asvg:svgBlip xmlns:asvg="http://schemas.microsoft.com/office/drawing/2016/SVG/main" r:embed="rId14"/>
+                </a:ext>
+              </a:extLst>
+            </a:blip>
+            <a:stretch>
+              <a:fillRect/>
+            </a:stretch>
+          </p:blipFill>
+          <p:spPr>
+            <a:xfrm>
+              <a:off x="772718" y="4774186"/>
+              <a:ext cx="450000" cy="450000"/>
+            </a:xfrm>
+            <a:prstGeom prst="rect">
+              <a:avLst/>
+            </a:prstGeom>
+          </p:spPr>
+        </p:pic>
+        <p:sp>
+          <p:nvSpPr>
+            <p:cNvPr id="14" name="TextBox 13">
+              <a:extLst>
+                <a:ext uri="{FF2B5EF4-FFF2-40B4-BE49-F238E27FC236}">
+                  <a16:creationId xmlns:a16="http://schemas.microsoft.com/office/drawing/2014/main" id="{78D01E5B-914B-72F0-D874-1CB648E16014}"/>
+                </a:ext>
+              </a:extLst>
+            </p:cNvPr>
+            <p:cNvSpPr txBox="1"/>
+            <p:nvPr/>
+          </p:nvSpPr>
+          <p:spPr>
+            <a:xfrm>
+              <a:off x="1224162" y="4814520"/>
+              <a:ext cx="2226572" cy="369332"/>
+            </a:xfrm>
+            <a:prstGeom prst="rect">
+              <a:avLst/>
+            </a:prstGeom>
+            <a:noFill/>
+          </p:spPr>
+          <p:txBody>
+            <a:bodyPr wrap="none" rtlCol="0">
+              <a:spAutoFit/>
+            </a:bodyPr>
+            <a:lstStyle/>
+            <a:p>
+              <a:r>
+                <a:rPr lang="pl-PL" b="1" dirty="0">
+                  <a:solidFill>
+                    <a:schemeClr val="bg1"/>
+                  </a:solidFill>
+                </a:rPr>
+                <a:t>Obsługa wielu języków</a:t>
+              </a:r>
+            </a:p>
+          </p:txBody>
+        </p:sp>
+      </p:grpSp>
+      <p:grpSp>
+        <p:nvGrpSpPr>
+          <p:cNvPr id="27" name="Group 26">
+            <a:extLst>
+              <a:ext uri="{FF2B5EF4-FFF2-40B4-BE49-F238E27FC236}">
+                <a16:creationId xmlns:a16="http://schemas.microsoft.com/office/drawing/2014/main" id="{9E3E2805-A677-7C14-4531-17B0A75EBFBF}"/>
+              </a:ext>
+            </a:extLst>
+          </p:cNvPr>
+          <p:cNvGrpSpPr/>
+          <p:nvPr/>
+        </p:nvGrpSpPr>
+        <p:grpSpPr>
+          <a:xfrm>
+            <a:off x="6381750" y="2622335"/>
+            <a:ext cx="4235110" cy="450000"/>
+            <a:chOff x="6381750" y="2587446"/>
+            <a:chExt cx="4235110" cy="450000"/>
+          </a:xfrm>
+        </p:grpSpPr>
+        <p:pic>
+          <p:nvPicPr>
+            <p:cNvPr id="16" name="Graphic 15">
+              <a:extLst>
+                <a:ext uri="{FF2B5EF4-FFF2-40B4-BE49-F238E27FC236}">
+                  <a16:creationId xmlns:a16="http://schemas.microsoft.com/office/drawing/2014/main" id="{74740A98-F6E0-C875-F759-5C54CB6292D5}"/>
+                </a:ext>
+              </a:extLst>
+            </p:cNvPr>
+            <p:cNvPicPr>
+              <a:picLocks noChangeAspect="1"/>
+            </p:cNvPicPr>
+            <p:nvPr/>
+          </p:nvPicPr>
+          <p:blipFill>
+            <a:blip r:embed="rId15">
+              <a:extLst>
+                <a:ext uri="{96DAC541-7B7A-43D3-8B79-37D633B846F1}">
+                  <asvg:svgBlip xmlns:asvg="http://schemas.microsoft.com/office/drawing/2016/SVG/main" r:embed="rId16"/>
+                </a:ext>
+              </a:extLst>
+            </a:blip>
+            <a:stretch>
+              <a:fillRect/>
+            </a:stretch>
+          </p:blipFill>
+          <p:spPr>
+            <a:xfrm>
+              <a:off x="6381750" y="2587446"/>
+              <a:ext cx="450000" cy="450000"/>
+            </a:xfrm>
+            <a:prstGeom prst="rect">
+              <a:avLst/>
+            </a:prstGeom>
+          </p:spPr>
+        </p:pic>
+        <p:sp>
+          <p:nvSpPr>
+            <p:cNvPr id="17" name="TextBox 16">
+              <a:extLst>
+                <a:ext uri="{FF2B5EF4-FFF2-40B4-BE49-F238E27FC236}">
+                  <a16:creationId xmlns:a16="http://schemas.microsoft.com/office/drawing/2014/main" id="{28B8DF55-C59C-908A-740F-AE2742FB3285}"/>
+                </a:ext>
+              </a:extLst>
+            </p:cNvPr>
+            <p:cNvSpPr txBox="1"/>
+            <p:nvPr/>
+          </p:nvSpPr>
+          <p:spPr>
+            <a:xfrm>
+              <a:off x="6905716" y="2627780"/>
+              <a:ext cx="3711144" cy="369332"/>
+            </a:xfrm>
+            <a:prstGeom prst="rect">
+              <a:avLst/>
+            </a:prstGeom>
+            <a:noFill/>
+          </p:spPr>
+          <p:txBody>
+            <a:bodyPr wrap="none" rtlCol="0">
+              <a:spAutoFit/>
+            </a:bodyPr>
+            <a:lstStyle/>
+            <a:p>
+              <a:r>
+                <a:rPr lang="pl-PL" b="1" dirty="0">
+                  <a:solidFill>
+                    <a:schemeClr val="bg1"/>
+                  </a:solidFill>
+                </a:rPr>
+                <a:t>Brak natywnego wsparcia przeglądarek</a:t>
+              </a:r>
+            </a:p>
+          </p:txBody>
+        </p:sp>
+      </p:grpSp>
+      <p:grpSp>
+        <p:nvGrpSpPr>
+          <p:cNvPr id="28" name="Group 27">
+            <a:extLst>
+              <a:ext uri="{FF2B5EF4-FFF2-40B4-BE49-F238E27FC236}">
+                <a16:creationId xmlns:a16="http://schemas.microsoft.com/office/drawing/2014/main" id="{7EB0D707-97E8-A33B-3873-40A294F4082C}"/>
+              </a:ext>
+            </a:extLst>
+          </p:cNvPr>
+          <p:cNvGrpSpPr/>
+          <p:nvPr/>
+        </p:nvGrpSpPr>
+        <p:grpSpPr>
+          <a:xfrm>
+            <a:off x="6381750" y="3200720"/>
+            <a:ext cx="3183605" cy="450000"/>
+            <a:chOff x="6381750" y="3277959"/>
+            <a:chExt cx="3183605" cy="450000"/>
+          </a:xfrm>
+        </p:grpSpPr>
+        <p:pic>
+          <p:nvPicPr>
+            <p:cNvPr id="19" name="Graphic 18">
+              <a:extLst>
+                <a:ext uri="{FF2B5EF4-FFF2-40B4-BE49-F238E27FC236}">
+                  <a16:creationId xmlns:a16="http://schemas.microsoft.com/office/drawing/2014/main" id="{E6419594-FE9C-AEBF-8B8A-54C19C129F85}"/>
+                </a:ext>
+              </a:extLst>
+            </p:cNvPr>
+            <p:cNvPicPr>
+              <a:picLocks noChangeAspect="1"/>
+            </p:cNvPicPr>
+            <p:nvPr/>
+          </p:nvPicPr>
+          <p:blipFill>
+            <a:blip r:embed="rId17">
+              <a:extLst>
+                <a:ext uri="{96DAC541-7B7A-43D3-8B79-37D633B846F1}">
+                  <asvg:svgBlip xmlns:asvg="http://schemas.microsoft.com/office/drawing/2016/SVG/main" r:embed="rId18"/>
+                </a:ext>
+              </a:extLst>
+            </a:blip>
+            <a:stretch>
+              <a:fillRect/>
+            </a:stretch>
+          </p:blipFill>
+          <p:spPr>
+            <a:xfrm>
+              <a:off x="6381750" y="3277959"/>
+              <a:ext cx="450000" cy="450000"/>
+            </a:xfrm>
+            <a:prstGeom prst="rect">
+              <a:avLst/>
+            </a:prstGeom>
+          </p:spPr>
+        </p:pic>
+        <p:sp>
+          <p:nvSpPr>
+            <p:cNvPr id="20" name="TextBox 19">
+              <a:extLst>
+                <a:ext uri="{FF2B5EF4-FFF2-40B4-BE49-F238E27FC236}">
+                  <a16:creationId xmlns:a16="http://schemas.microsoft.com/office/drawing/2014/main" id="{2F3DA25B-B65F-3400-F6B8-3CAD0A7FFDFC}"/>
+                </a:ext>
+              </a:extLst>
+            </p:cNvPr>
+            <p:cNvSpPr txBox="1"/>
+            <p:nvPr/>
+          </p:nvSpPr>
+          <p:spPr>
+            <a:xfrm>
+              <a:off x="6905716" y="3318293"/>
+              <a:ext cx="2659639" cy="369332"/>
+            </a:xfrm>
+            <a:prstGeom prst="rect">
+              <a:avLst/>
+            </a:prstGeom>
+            <a:noFill/>
+          </p:spPr>
+          <p:txBody>
+            <a:bodyPr wrap="none" rtlCol="0">
+              <a:spAutoFit/>
+            </a:bodyPr>
+            <a:lstStyle/>
+            <a:p>
+              <a:r>
+                <a:rPr lang="pl-PL" b="1" dirty="0">
+                  <a:solidFill>
+                    <a:schemeClr val="bg1"/>
+                  </a:solidFill>
+                </a:rPr>
+                <a:t>Trudności z debugowaniem</a:t>
+              </a:r>
+            </a:p>
+          </p:txBody>
+        </p:sp>
+      </p:grpSp>
+      <p:grpSp>
+        <p:nvGrpSpPr>
+          <p:cNvPr id="29" name="Group 28">
+            <a:extLst>
+              <a:ext uri="{FF2B5EF4-FFF2-40B4-BE49-F238E27FC236}">
+                <a16:creationId xmlns:a16="http://schemas.microsoft.com/office/drawing/2014/main" id="{78A088D5-6171-1CD8-6633-6A9E76480901}"/>
+              </a:ext>
+            </a:extLst>
+          </p:cNvPr>
+          <p:cNvGrpSpPr/>
+          <p:nvPr/>
+        </p:nvGrpSpPr>
+        <p:grpSpPr>
+          <a:xfrm>
+            <a:off x="6381750" y="3867169"/>
+            <a:ext cx="2387618" cy="450000"/>
+            <a:chOff x="6381750" y="3968472"/>
+            <a:chExt cx="2387618" cy="450000"/>
+          </a:xfrm>
+        </p:grpSpPr>
+        <p:pic>
+          <p:nvPicPr>
+            <p:cNvPr id="22" name="Graphic 21">
+              <a:extLst>
+                <a:ext uri="{FF2B5EF4-FFF2-40B4-BE49-F238E27FC236}">
+                  <a16:creationId xmlns:a16="http://schemas.microsoft.com/office/drawing/2014/main" id="{B1787921-9701-96A7-E17E-7EED4BBCCB30}"/>
+                </a:ext>
+              </a:extLst>
+            </p:cNvPr>
+            <p:cNvPicPr>
+              <a:picLocks noChangeAspect="1"/>
+            </p:cNvPicPr>
+            <p:nvPr/>
+          </p:nvPicPr>
+          <p:blipFill>
+            <a:blip r:embed="rId19">
+              <a:extLst>
+                <a:ext uri="{96DAC541-7B7A-43D3-8B79-37D633B846F1}">
+                  <asvg:svgBlip xmlns:asvg="http://schemas.microsoft.com/office/drawing/2016/SVG/main" r:embed="rId20"/>
+                </a:ext>
+              </a:extLst>
+            </a:blip>
+            <a:stretch>
+              <a:fillRect/>
+            </a:stretch>
+          </p:blipFill>
+          <p:spPr>
+            <a:xfrm>
+              <a:off x="6381750" y="3968472"/>
+              <a:ext cx="450000" cy="450000"/>
+            </a:xfrm>
+            <a:prstGeom prst="rect">
+              <a:avLst/>
+            </a:prstGeom>
+          </p:spPr>
+        </p:pic>
+        <p:sp>
+          <p:nvSpPr>
+            <p:cNvPr id="23" name="TextBox 22">
+              <a:extLst>
+                <a:ext uri="{FF2B5EF4-FFF2-40B4-BE49-F238E27FC236}">
+                  <a16:creationId xmlns:a16="http://schemas.microsoft.com/office/drawing/2014/main" id="{86543587-C153-F4EE-06D0-57B4960FD237}"/>
+                </a:ext>
+              </a:extLst>
+            </p:cNvPr>
+            <p:cNvSpPr txBox="1"/>
+            <p:nvPr/>
+          </p:nvSpPr>
+          <p:spPr>
+            <a:xfrm>
+              <a:off x="6905716" y="4008806"/>
+              <a:ext cx="1863652" cy="369332"/>
+            </a:xfrm>
+            <a:prstGeom prst="rect">
+              <a:avLst/>
+            </a:prstGeom>
+            <a:noFill/>
+          </p:spPr>
+          <p:txBody>
+            <a:bodyPr wrap="none" rtlCol="0">
+              <a:spAutoFit/>
+            </a:bodyPr>
+            <a:lstStyle/>
+            <a:p>
+              <a:r>
+                <a:rPr lang="pl-PL" b="1" dirty="0">
+                  <a:solidFill>
+                    <a:schemeClr val="bg1"/>
+                  </a:solidFill>
+                </a:rPr>
+                <a:t>Większa złożoność</a:t>
+              </a:r>
+            </a:p>
+          </p:txBody>
+        </p:sp>
+      </p:grpSp>
+      <p:grpSp>
+        <p:nvGrpSpPr>
+          <p:cNvPr id="30" name="Group 29">
+            <a:extLst>
+              <a:ext uri="{FF2B5EF4-FFF2-40B4-BE49-F238E27FC236}">
+                <a16:creationId xmlns:a16="http://schemas.microsoft.com/office/drawing/2014/main" id="{0F7E0B16-763D-1961-752C-D8960609B526}"/>
+              </a:ext>
+            </a:extLst>
+          </p:cNvPr>
+          <p:cNvGrpSpPr/>
+          <p:nvPr/>
+        </p:nvGrpSpPr>
+        <p:grpSpPr>
+          <a:xfrm>
+            <a:off x="6381750" y="4528061"/>
+            <a:ext cx="3063444" cy="450000"/>
+            <a:chOff x="6381750" y="4658985"/>
+            <a:chExt cx="3063444" cy="450000"/>
+          </a:xfrm>
+        </p:grpSpPr>
+        <p:pic>
+          <p:nvPicPr>
+            <p:cNvPr id="25" name="Graphic 24">
+              <a:extLst>
+                <a:ext uri="{FF2B5EF4-FFF2-40B4-BE49-F238E27FC236}">
+                  <a16:creationId xmlns:a16="http://schemas.microsoft.com/office/drawing/2014/main" id="{FA3F5129-79BF-4866-2C09-C8E9AFF34A02}"/>
+                </a:ext>
+              </a:extLst>
+            </p:cNvPr>
+            <p:cNvPicPr>
+              <a:picLocks noChangeAspect="1"/>
+            </p:cNvPicPr>
+            <p:nvPr/>
+          </p:nvPicPr>
+          <p:blipFill>
+            <a:blip r:embed="rId21">
+              <a:extLst>
+                <a:ext uri="{96DAC541-7B7A-43D3-8B79-37D633B846F1}">
+                  <asvg:svgBlip xmlns:asvg="http://schemas.microsoft.com/office/drawing/2016/SVG/main" r:embed="rId22"/>
+                </a:ext>
+              </a:extLst>
+            </a:blip>
+            <a:stretch>
+              <a:fillRect/>
+            </a:stretch>
+          </p:blipFill>
+          <p:spPr>
+            <a:xfrm>
+              <a:off x="6381750" y="4658985"/>
+              <a:ext cx="450000" cy="450000"/>
+            </a:xfrm>
+            <a:prstGeom prst="rect">
+              <a:avLst/>
+            </a:prstGeom>
+          </p:spPr>
+        </p:pic>
+        <p:sp>
+          <p:nvSpPr>
+            <p:cNvPr id="26" name="TextBox 25">
+              <a:extLst>
+                <a:ext uri="{FF2B5EF4-FFF2-40B4-BE49-F238E27FC236}">
+                  <a16:creationId xmlns:a16="http://schemas.microsoft.com/office/drawing/2014/main" id="{8E9B25D2-F670-D2EE-2C59-26EA00B3AA9D}"/>
+                </a:ext>
+              </a:extLst>
+            </p:cNvPr>
+            <p:cNvSpPr txBox="1"/>
+            <p:nvPr/>
+          </p:nvSpPr>
+          <p:spPr>
+            <a:xfrm>
+              <a:off x="6905716" y="4699319"/>
+              <a:ext cx="2539478" cy="369332"/>
+            </a:xfrm>
+            <a:prstGeom prst="rect">
+              <a:avLst/>
+            </a:prstGeom>
+            <a:noFill/>
+          </p:spPr>
+          <p:txBody>
+            <a:bodyPr wrap="none" rtlCol="0">
+              <a:spAutoFit/>
+            </a:bodyPr>
+            <a:lstStyle/>
+            <a:p>
+              <a:r>
+                <a:rPr lang="pl-PL" b="1" dirty="0">
+                  <a:solidFill>
+                    <a:schemeClr val="bg1"/>
+                  </a:solidFill>
+                </a:rPr>
+                <a:t>Problemy </a:t>
+              </a:r>
+              <a:r>
+                <a:rPr lang="pl-PL" b="1" dirty="0" err="1">
+                  <a:solidFill>
+                    <a:schemeClr val="bg1"/>
+                  </a:solidFill>
+                </a:rPr>
+                <a:t>infrastruktualne</a:t>
+              </a:r>
+              <a:endParaRPr lang="pl-PL" b="1" dirty="0">
+                <a:solidFill>
+                  <a:schemeClr val="bg1"/>
+                </a:solidFill>
+              </a:endParaRPr>
+            </a:p>
+          </p:txBody>
+        </p:sp>
+      </p:grpSp>
+    </p:spTree>
+    <p:extLst>
+      <p:ext uri="{BB962C8B-B14F-4D97-AF65-F5344CB8AC3E}">
+        <p14:creationId xmlns:p14="http://schemas.microsoft.com/office/powerpoint/2010/main" val="429340270"/>
       </p:ext>
     </p:extLst>
   </p:cSld>
@@ -28849,10 +28903,252 @@
       </p:transition>
     </mc:Fallback>
   </mc:AlternateContent>
+  <p:timing>
+    <p:tnLst>
+      <p:par>
+        <p:cTn id="1" dur="indefinite" restart="never" nodeType="tmRoot">
+          <p:childTnLst>
+            <p:seq concurrent="1" nextAc="seek">
+              <p:cTn id="2" dur="indefinite" nodeType="mainSeq">
+                <p:childTnLst>
+                  <p:par>
+                    <p:cTn id="3" fill="hold">
+                      <p:stCondLst>
+                        <p:cond delay="indefinite"/>
+                      </p:stCondLst>
+                      <p:childTnLst>
+                        <p:par>
+                          <p:cTn id="4" fill="hold">
+                            <p:stCondLst>
+                              <p:cond delay="0"/>
+                            </p:stCondLst>
+                            <p:childTnLst>
+                              <p:par>
+                                <p:cTn id="5" presetID="10" presetClass="entr" presetSubtype="0" fill="hold" nodeType="clickEffect">
+                                  <p:stCondLst>
+                                    <p:cond delay="0"/>
+                                  </p:stCondLst>
+                                  <p:childTnLst>
+                                    <p:set>
+                                      <p:cBhvr>
+                                        <p:cTn id="6" dur="1" fill="hold">
+                                          <p:stCondLst>
+                                            <p:cond delay="0"/>
+                                          </p:stCondLst>
+                                        </p:cTn>
+                                        <p:tgtEl>
+                                          <p:spTgt spid="27"/>
+                                        </p:tgtEl>
+                                        <p:attrNameLst>
+                                          <p:attrName>style.visibility</p:attrName>
+                                        </p:attrNameLst>
+                                      </p:cBhvr>
+                                      <p:to>
+                                        <p:strVal val="visible"/>
+                                      </p:to>
+                                    </p:set>
+                                    <p:animEffect transition="in" filter="fade">
+                                      <p:cBhvr>
+                                        <p:cTn id="7" dur="500"/>
+                                        <p:tgtEl>
+                                          <p:spTgt spid="27"/>
+                                        </p:tgtEl>
+                                      </p:cBhvr>
+                                    </p:animEffect>
+                                  </p:childTnLst>
+                                </p:cTn>
+                              </p:par>
+                            </p:childTnLst>
+                          </p:cTn>
+                        </p:par>
+                      </p:childTnLst>
+                    </p:cTn>
+                  </p:par>
+                  <p:par>
+                    <p:cTn id="8" fill="hold">
+                      <p:stCondLst>
+                        <p:cond delay="indefinite"/>
+                      </p:stCondLst>
+                      <p:childTnLst>
+                        <p:par>
+                          <p:cTn id="9" fill="hold">
+                            <p:stCondLst>
+                              <p:cond delay="0"/>
+                            </p:stCondLst>
+                            <p:childTnLst>
+                              <p:par>
+                                <p:cTn id="10" presetID="10" presetClass="entr" presetSubtype="0" fill="hold" nodeType="clickEffect">
+                                  <p:stCondLst>
+                                    <p:cond delay="0"/>
+                                  </p:stCondLst>
+                                  <p:childTnLst>
+                                    <p:set>
+                                      <p:cBhvr>
+                                        <p:cTn id="11" dur="1" fill="hold">
+                                          <p:stCondLst>
+                                            <p:cond delay="0"/>
+                                          </p:stCondLst>
+                                        </p:cTn>
+                                        <p:tgtEl>
+                                          <p:spTgt spid="28"/>
+                                        </p:tgtEl>
+                                        <p:attrNameLst>
+                                          <p:attrName>style.visibility</p:attrName>
+                                        </p:attrNameLst>
+                                      </p:cBhvr>
+                                      <p:to>
+                                        <p:strVal val="visible"/>
+                                      </p:to>
+                                    </p:set>
+                                    <p:animEffect transition="in" filter="fade">
+                                      <p:cBhvr>
+                                        <p:cTn id="12" dur="500"/>
+                                        <p:tgtEl>
+                                          <p:spTgt spid="28"/>
+                                        </p:tgtEl>
+                                      </p:cBhvr>
+                                    </p:animEffect>
+                                  </p:childTnLst>
+                                </p:cTn>
+                              </p:par>
+                            </p:childTnLst>
+                          </p:cTn>
+                        </p:par>
+                      </p:childTnLst>
+                    </p:cTn>
+                  </p:par>
+                  <p:par>
+                    <p:cTn id="13" fill="hold">
+                      <p:stCondLst>
+                        <p:cond delay="indefinite"/>
+                      </p:stCondLst>
+                      <p:childTnLst>
+                        <p:par>
+                          <p:cTn id="14" fill="hold">
+                            <p:stCondLst>
+                              <p:cond delay="0"/>
+                            </p:stCondLst>
+                            <p:childTnLst>
+                              <p:par>
+                                <p:cTn id="15" presetID="10" presetClass="entr" presetSubtype="0" fill="hold" nodeType="clickEffect">
+                                  <p:stCondLst>
+                                    <p:cond delay="0"/>
+                                  </p:stCondLst>
+                                  <p:childTnLst>
+                                    <p:set>
+                                      <p:cBhvr>
+                                        <p:cTn id="16" dur="1" fill="hold">
+                                          <p:stCondLst>
+                                            <p:cond delay="0"/>
+                                          </p:stCondLst>
+                                        </p:cTn>
+                                        <p:tgtEl>
+                                          <p:spTgt spid="29"/>
+                                        </p:tgtEl>
+                                        <p:attrNameLst>
+                                          <p:attrName>style.visibility</p:attrName>
+                                        </p:attrNameLst>
+                                      </p:cBhvr>
+                                      <p:to>
+                                        <p:strVal val="visible"/>
+                                      </p:to>
+                                    </p:set>
+                                    <p:animEffect transition="in" filter="fade">
+                                      <p:cBhvr>
+                                        <p:cTn id="17" dur="500"/>
+                                        <p:tgtEl>
+                                          <p:spTgt spid="29"/>
+                                        </p:tgtEl>
+                                      </p:cBhvr>
+                                    </p:animEffect>
+                                  </p:childTnLst>
+                                </p:cTn>
+                              </p:par>
+                            </p:childTnLst>
+                          </p:cTn>
+                        </p:par>
+                      </p:childTnLst>
+                    </p:cTn>
+                  </p:par>
+                  <p:par>
+                    <p:cTn id="18" fill="hold">
+                      <p:stCondLst>
+                        <p:cond delay="indefinite"/>
+                      </p:stCondLst>
+                      <p:childTnLst>
+                        <p:par>
+                          <p:cTn id="19" fill="hold">
+                            <p:stCondLst>
+                              <p:cond delay="0"/>
+                            </p:stCondLst>
+                            <p:childTnLst>
+                              <p:par>
+                                <p:cTn id="20" presetID="10" presetClass="entr" presetSubtype="0" fill="hold" nodeType="clickEffect">
+                                  <p:stCondLst>
+                                    <p:cond delay="0"/>
+                                  </p:stCondLst>
+                                  <p:childTnLst>
+                                    <p:set>
+                                      <p:cBhvr>
+                                        <p:cTn id="21" dur="1" fill="hold">
+                                          <p:stCondLst>
+                                            <p:cond delay="0"/>
+                                          </p:stCondLst>
+                                        </p:cTn>
+                                        <p:tgtEl>
+                                          <p:spTgt spid="30"/>
+                                        </p:tgtEl>
+                                        <p:attrNameLst>
+                                          <p:attrName>style.visibility</p:attrName>
+                                        </p:attrNameLst>
+                                      </p:cBhvr>
+                                      <p:to>
+                                        <p:strVal val="visible"/>
+                                      </p:to>
+                                    </p:set>
+                                    <p:animEffect transition="in" filter="fade">
+                                      <p:cBhvr>
+                                        <p:cTn id="22" dur="500"/>
+                                        <p:tgtEl>
+                                          <p:spTgt spid="30"/>
+                                        </p:tgtEl>
+                                      </p:cBhvr>
+                                    </p:animEffect>
+                                  </p:childTnLst>
+                                </p:cTn>
+                              </p:par>
+                            </p:childTnLst>
+                          </p:cTn>
+                        </p:par>
+                      </p:childTnLst>
+                    </p:cTn>
+                  </p:par>
+                </p:childTnLst>
+              </p:cTn>
+              <p:prevCondLst>
+                <p:cond evt="onPrev" delay="0">
+                  <p:tgtEl>
+                    <p:sldTgt/>
+                  </p:tgtEl>
+                </p:cond>
+              </p:prevCondLst>
+              <p:nextCondLst>
+                <p:cond evt="onNext" delay="0">
+                  <p:tgtEl>
+                    <p:sldTgt/>
+                  </p:tgtEl>
+                </p:cond>
+              </p:nextCondLst>
+            </p:seq>
+          </p:childTnLst>
+        </p:cTn>
+      </p:par>
+    </p:tnLst>
+  </p:timing>
 </p:sld>
 </file>
 
-<file path=ppt/slides/slide42.xml><?xml version="1.0" encoding="utf-8"?>
+<file path=ppt/slides/slide43.xml><?xml version="1.0" encoding="utf-8"?>
 <p:sld xmlns:a="http://schemas.openxmlformats.org/drawingml/2006/main" xmlns:r="http://schemas.openxmlformats.org/officeDocument/2006/relationships" xmlns:p="http://schemas.openxmlformats.org/presentationml/2006/main">
   <p:cSld>
     <p:spTree>
@@ -29312,135 +29608,6 @@
       </p:transition>
     </mc:Fallback>
   </mc:AlternateContent>
-  <p:timing>
-    <p:tnLst>
-      <p:par>
-        <p:cTn id="1" dur="indefinite" restart="never" nodeType="tmRoot">
-          <p:childTnLst>
-            <p:seq concurrent="1" nextAc="seek">
-              <p:cTn id="2" dur="indefinite" nodeType="mainSeq">
-                <p:childTnLst>
-                  <p:par>
-                    <p:cTn id="3" fill="hold">
-                      <p:stCondLst>
-                        <p:cond delay="indefinite"/>
-                      </p:stCondLst>
-                      <p:childTnLst>
-                        <p:par>
-                          <p:cTn id="4" fill="hold">
-                            <p:stCondLst>
-                              <p:cond delay="0"/>
-                            </p:stCondLst>
-                            <p:childTnLst>
-                              <p:par>
-                                <p:cTn id="5" presetID="42" presetClass="entr" presetSubtype="0" fill="hold" nodeType="clickEffect">
-                                  <p:stCondLst>
-                                    <p:cond delay="0"/>
-                                  </p:stCondLst>
-                                  <p:childTnLst>
-                                    <p:set>
-                                      <p:cBhvr>
-                                        <p:cTn id="6" dur="1" fill="hold">
-                                          <p:stCondLst>
-                                            <p:cond delay="0"/>
-                                          </p:stCondLst>
-                                        </p:cTn>
-                                        <p:tgtEl>
-                                          <p:spTgt spid="3"/>
-                                        </p:tgtEl>
-                                        <p:attrNameLst>
-                                          <p:attrName>style.visibility</p:attrName>
-                                        </p:attrNameLst>
-                                      </p:cBhvr>
-                                      <p:to>
-                                        <p:strVal val="visible"/>
-                                      </p:to>
-                                    </p:set>
-                                    <p:animEffect transition="in" filter="fade">
-                                      <p:cBhvr>
-                                        <p:cTn id="7" dur="1000"/>
-                                        <p:tgtEl>
-                                          <p:spTgt spid="3"/>
-                                        </p:tgtEl>
-                                      </p:cBhvr>
-                                    </p:animEffect>
-                                    <p:anim calcmode="lin" valueType="num">
-                                      <p:cBhvr>
-                                        <p:cTn id="8" dur="1000" fill="hold"/>
-                                        <p:tgtEl>
-                                          <p:spTgt spid="3"/>
-                                        </p:tgtEl>
-                                        <p:attrNameLst>
-                                          <p:attrName>ppt_x</p:attrName>
-                                        </p:attrNameLst>
-                                      </p:cBhvr>
-                                      <p:tavLst>
-                                        <p:tav tm="0">
-                                          <p:val>
-                                            <p:strVal val="#ppt_x"/>
-                                          </p:val>
-                                        </p:tav>
-                                        <p:tav tm="100000">
-                                          <p:val>
-                                            <p:strVal val="#ppt_x"/>
-                                          </p:val>
-                                        </p:tav>
-                                      </p:tavLst>
-                                    </p:anim>
-                                    <p:anim calcmode="lin" valueType="num">
-                                      <p:cBhvr>
-                                        <p:cTn id="9" dur="1000" fill="hold"/>
-                                        <p:tgtEl>
-                                          <p:spTgt spid="3"/>
-                                        </p:tgtEl>
-                                        <p:attrNameLst>
-                                          <p:attrName>ppt_y</p:attrName>
-                                        </p:attrNameLst>
-                                      </p:cBhvr>
-                                      <p:tavLst>
-                                        <p:tav tm="0">
-                                          <p:val>
-                                            <p:strVal val="#ppt_y+.1"/>
-                                          </p:val>
-                                        </p:tav>
-                                        <p:tav tm="100000">
-                                          <p:val>
-                                            <p:strVal val="#ppt_y"/>
-                                          </p:val>
-                                        </p:tav>
-                                      </p:tavLst>
-                                    </p:anim>
-                                  </p:childTnLst>
-                                </p:cTn>
-                              </p:par>
-                            </p:childTnLst>
-                          </p:cTn>
-                        </p:par>
-                      </p:childTnLst>
-                    </p:cTn>
-                  </p:par>
-                </p:childTnLst>
-              </p:cTn>
-              <p:prevCondLst>
-                <p:cond evt="onPrev" delay="0">
-                  <p:tgtEl>
-                    <p:sldTgt/>
-                  </p:tgtEl>
-                </p:cond>
-              </p:prevCondLst>
-              <p:nextCondLst>
-                <p:cond evt="onNext" delay="0">
-                  <p:tgtEl>
-                    <p:sldTgt/>
-                  </p:tgtEl>
-                </p:cond>
-              </p:nextCondLst>
-            </p:seq>
-          </p:childTnLst>
-        </p:cTn>
-      </p:par>
-    </p:tnLst>
-  </p:timing>
 </p:sld>
 </file>
 
@@ -30027,18 +30194,6 @@
   <p:clrMapOvr>
     <a:masterClrMapping/>
   </p:clrMapOvr>
-  <mc:AlternateContent xmlns:mc="http://schemas.openxmlformats.org/markup-compatibility/2006" xmlns:p159="http://schemas.microsoft.com/office/powerpoint/2015/09/main">
-    <mc:Choice Requires="p159">
-      <p:transition xmlns:p14="http://schemas.microsoft.com/office/powerpoint/2010/main" spd="slow" p14:dur="2000">
-        <p159:morph option="byObject"/>
-      </p:transition>
-    </mc:Choice>
-    <mc:Fallback xmlns="">
-      <p:transition spd="slow">
-        <p:fade/>
-      </p:transition>
-    </mc:Fallback>
-  </mc:AlternateContent>
   <p:timing>
     <p:tnLst>
       <p:par>
@@ -30694,13 +30849,13 @@
   <p:clrMapOvr>
     <a:masterClrMapping/>
   </p:clrMapOvr>
-  <mc:AlternateContent xmlns:mc="http://schemas.openxmlformats.org/markup-compatibility/2006">
-    <mc:Choice xmlns:p159="http://schemas.microsoft.com/office/powerpoint/2015/09/main" Requires="p159">
+  <mc:AlternateContent xmlns:mc="http://schemas.openxmlformats.org/markup-compatibility/2006" xmlns:p159="http://schemas.microsoft.com/office/powerpoint/2015/09/main">
+    <mc:Choice Requires="p159">
       <p:transition xmlns:p14="http://schemas.microsoft.com/office/powerpoint/2010/main" spd="slow" p14:dur="2000">
         <p159:morph option="byObject"/>
       </p:transition>
     </mc:Choice>
-    <mc:Fallback>
+    <mc:Fallback xmlns="">
       <p:transition spd="slow">
         <p:fade/>
       </p:transition>
@@ -31055,18 +31210,6 @@
   <p:clrMapOvr>
     <a:masterClrMapping/>
   </p:clrMapOvr>
-  <mc:AlternateContent xmlns:mc="http://schemas.openxmlformats.org/markup-compatibility/2006">
-    <mc:Choice xmlns:p159="http://schemas.microsoft.com/office/powerpoint/2015/09/main" Requires="p159">
-      <p:transition xmlns:p14="http://schemas.microsoft.com/office/powerpoint/2010/main" spd="slow" p14:dur="2000">
-        <p159:morph option="byObject"/>
-      </p:transition>
-    </mc:Choice>
-    <mc:Fallback>
-      <p:transition spd="slow">
-        <p:fade/>
-      </p:transition>
-    </mc:Fallback>
-  </mc:AlternateContent>
 </p:sld>
 </file>
 
